--- a/02_REST_servisi/BackEnd_02_REST_servisi.pptx
+++ b/02_REST_servisi/BackEnd_02_REST_servisi.pptx
@@ -7,6 +7,31 @@
   <p:sldIdLst>
     <p:sldId id="256" r:id="rId2"/>
     <p:sldId id="257" r:id="rId3"/>
+    <p:sldId id="258" r:id="rId4"/>
+    <p:sldId id="259" r:id="rId5"/>
+    <p:sldId id="261" r:id="rId6"/>
+    <p:sldId id="262" r:id="rId7"/>
+    <p:sldId id="264" r:id="rId8"/>
+    <p:sldId id="265" r:id="rId9"/>
+    <p:sldId id="266" r:id="rId10"/>
+    <p:sldId id="260" r:id="rId11"/>
+    <p:sldId id="267" r:id="rId12"/>
+    <p:sldId id="268" r:id="rId13"/>
+    <p:sldId id="269" r:id="rId14"/>
+    <p:sldId id="271" r:id="rId15"/>
+    <p:sldId id="272" r:id="rId16"/>
+    <p:sldId id="273" r:id="rId17"/>
+    <p:sldId id="274" r:id="rId18"/>
+    <p:sldId id="275" r:id="rId19"/>
+    <p:sldId id="276" r:id="rId20"/>
+    <p:sldId id="277" r:id="rId21"/>
+    <p:sldId id="278" r:id="rId22"/>
+    <p:sldId id="279" r:id="rId23"/>
+    <p:sldId id="280" r:id="rId24"/>
+    <p:sldId id="281" r:id="rId25"/>
+    <p:sldId id="282" r:id="rId26"/>
+    <p:sldId id="283" r:id="rId27"/>
+    <p:sldId id="284" r:id="rId28"/>
   </p:sldIdLst>
   <p:sldSz cx="9144000" cy="6858000" type="screen4x3"/>
   <p:notesSz cx="6858000" cy="9144000"/>
@@ -290,7 +315,7 @@
             <a:fld id="{1D8BD707-D9CF-40AE-B4C6-C98DA3205C09}" type="datetimeFigureOut">
               <a:rPr lang="en-US" smtClean="0"/>
               <a:pPr/>
-              <a:t>4/2/2016</a:t>
+              <a:t>4/3/2016</a:t>
             </a:fld>
             <a:endParaRPr lang="en-US"/>
           </a:p>
@@ -457,7 +482,7 @@
             <a:fld id="{1D8BD707-D9CF-40AE-B4C6-C98DA3205C09}" type="datetimeFigureOut">
               <a:rPr lang="en-US" smtClean="0"/>
               <a:pPr/>
-              <a:t>4/2/2016</a:t>
+              <a:t>4/3/2016</a:t>
             </a:fld>
             <a:endParaRPr lang="en-US"/>
           </a:p>
@@ -634,7 +659,7 @@
             <a:fld id="{1D8BD707-D9CF-40AE-B4C6-C98DA3205C09}" type="datetimeFigureOut">
               <a:rPr lang="en-US" smtClean="0"/>
               <a:pPr/>
-              <a:t>4/2/2016</a:t>
+              <a:t>4/3/2016</a:t>
             </a:fld>
             <a:endParaRPr lang="en-US"/>
           </a:p>
@@ -801,7 +826,7 @@
             <a:fld id="{1D8BD707-D9CF-40AE-B4C6-C98DA3205C09}" type="datetimeFigureOut">
               <a:rPr lang="en-US" smtClean="0"/>
               <a:pPr/>
-              <a:t>4/2/2016</a:t>
+              <a:t>4/3/2016</a:t>
             </a:fld>
             <a:endParaRPr lang="en-US"/>
           </a:p>
@@ -1044,7 +1069,7 @@
             <a:fld id="{1D8BD707-D9CF-40AE-B4C6-C98DA3205C09}" type="datetimeFigureOut">
               <a:rPr lang="en-US" smtClean="0"/>
               <a:pPr/>
-              <a:t>4/2/2016</a:t>
+              <a:t>4/3/2016</a:t>
             </a:fld>
             <a:endParaRPr lang="en-US"/>
           </a:p>
@@ -1329,7 +1354,7 @@
             <a:fld id="{1D8BD707-D9CF-40AE-B4C6-C98DA3205C09}" type="datetimeFigureOut">
               <a:rPr lang="en-US" smtClean="0"/>
               <a:pPr/>
-              <a:t>4/2/2016</a:t>
+              <a:t>4/3/2016</a:t>
             </a:fld>
             <a:endParaRPr lang="en-US"/>
           </a:p>
@@ -1748,7 +1773,7 @@
             <a:fld id="{1D8BD707-D9CF-40AE-B4C6-C98DA3205C09}" type="datetimeFigureOut">
               <a:rPr lang="en-US" smtClean="0"/>
               <a:pPr/>
-              <a:t>4/2/2016</a:t>
+              <a:t>4/3/2016</a:t>
             </a:fld>
             <a:endParaRPr lang="en-US"/>
           </a:p>
@@ -1863,7 +1888,7 @@
             <a:fld id="{1D8BD707-D9CF-40AE-B4C6-C98DA3205C09}" type="datetimeFigureOut">
               <a:rPr lang="en-US" smtClean="0"/>
               <a:pPr/>
-              <a:t>4/2/2016</a:t>
+              <a:t>4/3/2016</a:t>
             </a:fld>
             <a:endParaRPr lang="en-US"/>
           </a:p>
@@ -1955,7 +1980,7 @@
             <a:fld id="{1D8BD707-D9CF-40AE-B4C6-C98DA3205C09}" type="datetimeFigureOut">
               <a:rPr lang="en-US" smtClean="0"/>
               <a:pPr/>
-              <a:t>4/2/2016</a:t>
+              <a:t>4/3/2016</a:t>
             </a:fld>
             <a:endParaRPr lang="en-US"/>
           </a:p>
@@ -2229,7 +2254,7 @@
             <a:fld id="{1D8BD707-D9CF-40AE-B4C6-C98DA3205C09}" type="datetimeFigureOut">
               <a:rPr lang="en-US" smtClean="0"/>
               <a:pPr/>
-              <a:t>4/2/2016</a:t>
+              <a:t>4/3/2016</a:t>
             </a:fld>
             <a:endParaRPr lang="en-US"/>
           </a:p>
@@ -2479,7 +2504,7 @@
             <a:fld id="{1D8BD707-D9CF-40AE-B4C6-C98DA3205C09}" type="datetimeFigureOut">
               <a:rPr lang="en-US" smtClean="0"/>
               <a:pPr/>
-              <a:t>4/2/2016</a:t>
+              <a:t>4/3/2016</a:t>
             </a:fld>
             <a:endParaRPr lang="en-US"/>
           </a:p>
@@ -2689,7 +2714,7 @@
             <a:fld id="{1D8BD707-D9CF-40AE-B4C6-C98DA3205C09}" type="datetimeFigureOut">
               <a:rPr lang="en-US" smtClean="0"/>
               <a:pPr/>
-              <a:t>4/2/2016</a:t>
+              <a:t>4/3/2016</a:t>
             </a:fld>
             <a:endParaRPr lang="en-US"/>
           </a:p>
@@ -3080,7 +3105,7 @@
               <a:t>REST </a:t>
             </a:r>
             <a:r>
-              <a:rPr lang="en-GB" dirty="0" err="1" smtClean="0"/>
+              <a:rPr lang="sr-Latn-RS" dirty="0" smtClean="0"/>
               <a:t>servisi</a:t>
             </a:r>
             <a:endParaRPr lang="en-GB" dirty="0"/>
@@ -3103,8 +3128,16 @@
           <a:lstStyle/>
           <a:p>
             <a:r>
+              <a:rPr lang="sr-Latn-RS" dirty="0" smtClean="0"/>
+              <a:t>NPM, </a:t>
+            </a:r>
+            <a:r>
               <a:rPr lang="en-GB" dirty="0" smtClean="0"/>
               <a:t>Express</a:t>
+            </a:r>
+            <a:r>
+              <a:rPr lang="sr-Latn-RS" dirty="0" smtClean="0"/>
+              <a:t>, MongoDB</a:t>
             </a:r>
             <a:endParaRPr lang="en-GB" dirty="0"/>
           </a:p>
@@ -3114,6 +3147,2264 @@
     <p:extLst>
       <p:ext uri="{BB962C8B-B14F-4D97-AF65-F5344CB8AC3E}">
         <p14:creationId xmlns:p14="http://schemas.microsoft.com/office/powerpoint/2010/main" val="2393479603"/>
+      </p:ext>
+    </p:extLst>
+  </p:cSld>
+  <p:clrMapOvr>
+    <a:masterClrMapping/>
+  </p:clrMapOvr>
+  <p:timing>
+    <p:tnLst>
+      <p:par>
+        <p:cTn id="1" dur="indefinite" restart="never" nodeType="tmRoot"/>
+      </p:par>
+    </p:tnLst>
+  </p:timing>
+</p:sld>
+</file>
+
+<file path=ppt/slides/slide10.xml><?xml version="1.0" encoding="utf-8"?>
+<p:sld xmlns:a="http://schemas.openxmlformats.org/drawingml/2006/main" xmlns:r="http://schemas.openxmlformats.org/officeDocument/2006/relationships" xmlns:p="http://schemas.openxmlformats.org/presentationml/2006/main">
+  <p:cSld>
+    <p:spTree>
+      <p:nvGrpSpPr>
+        <p:cNvPr id="1" name=""/>
+        <p:cNvGrpSpPr/>
+        <p:nvPr/>
+      </p:nvGrpSpPr>
+      <p:grpSpPr>
+        <a:xfrm>
+          <a:off x="0" y="0"/>
+          <a:ext cx="0" cy="0"/>
+          <a:chOff x="0" y="0"/>
+          <a:chExt cx="0" cy="0"/>
+        </a:xfrm>
+      </p:grpSpPr>
+      <p:sp>
+        <p:nvSpPr>
+          <p:cNvPr id="2" name="Title 1"/>
+          <p:cNvSpPr>
+            <a:spLocks noGrp="1"/>
+          </p:cNvSpPr>
+          <p:nvPr>
+            <p:ph type="title"/>
+          </p:nvPr>
+        </p:nvSpPr>
+        <p:spPr/>
+        <p:txBody>
+          <a:bodyPr>
+            <a:normAutofit/>
+          </a:bodyPr>
+          <a:lstStyle/>
+          <a:p>
+            <a:r>
+              <a:rPr lang="sr-Latn-RS" dirty="0" smtClean="0"/>
+              <a:t>Semantičko verzioniranje</a:t>
+            </a:r>
+            <a:endParaRPr lang="en-GB" dirty="0"/>
+          </a:p>
+        </p:txBody>
+      </p:sp>
+      <p:sp>
+        <p:nvSpPr>
+          <p:cNvPr id="3" name="Content Placeholder 2"/>
+          <p:cNvSpPr>
+            <a:spLocks noGrp="1"/>
+          </p:cNvSpPr>
+          <p:nvPr>
+            <p:ph idx="1"/>
+          </p:nvPr>
+        </p:nvSpPr>
+        <p:spPr/>
+        <p:txBody>
+          <a:bodyPr>
+            <a:normAutofit fontScale="92500" lnSpcReduction="10000"/>
+          </a:bodyPr>
+          <a:lstStyle/>
+          <a:p>
+            <a:r>
+              <a:rPr lang="sr-Latn-RS" dirty="0" smtClean="0">
+                <a:cs typeface="Courier New" panose="02070309020205020404" pitchFamily="49" charset="0"/>
+              </a:rPr>
+              <a:t>Zadavanje broja verzije u obliku </a:t>
+            </a:r>
+            <a:r>
+              <a:rPr lang="en-GB" dirty="0" smtClean="0"/>
+              <a:t>MAJOR.MINOR.PATCH</a:t>
+            </a:r>
+            <a:endParaRPr lang="sr-Latn-RS" dirty="0" smtClean="0"/>
+          </a:p>
+          <a:p>
+            <a:pPr lvl="1"/>
+            <a:r>
+              <a:rPr lang="en-GB" dirty="0">
+                <a:cs typeface="Courier New" panose="02070309020205020404" pitchFamily="49" charset="0"/>
+              </a:rPr>
+              <a:t>MAJOR </a:t>
+            </a:r>
+            <a:r>
+              <a:rPr lang="sr-Latn-RS" dirty="0" smtClean="0">
+                <a:cs typeface="Courier New" panose="02070309020205020404" pitchFamily="49" charset="0"/>
+              </a:rPr>
+              <a:t>broj verzije se inkrementira kada se naprave promene u</a:t>
+            </a:r>
+            <a:r>
+              <a:rPr lang="en-GB" dirty="0" smtClean="0">
+                <a:cs typeface="Courier New" panose="02070309020205020404" pitchFamily="49" charset="0"/>
+              </a:rPr>
+              <a:t> API</a:t>
+            </a:r>
+            <a:r>
+              <a:rPr lang="sr-Latn-RS" dirty="0" smtClean="0">
+                <a:cs typeface="Courier New" panose="02070309020205020404" pitchFamily="49" charset="0"/>
+              </a:rPr>
+              <a:t>-ju koje narušavaju backwards kompatibilnost</a:t>
+            </a:r>
+            <a:r>
+              <a:rPr lang="en-GB" dirty="0" smtClean="0">
+                <a:cs typeface="Courier New" panose="02070309020205020404" pitchFamily="49" charset="0"/>
+              </a:rPr>
+              <a:t>,</a:t>
+            </a:r>
+            <a:endParaRPr lang="en-GB" dirty="0">
+              <a:cs typeface="Courier New" panose="02070309020205020404" pitchFamily="49" charset="0"/>
+            </a:endParaRPr>
+          </a:p>
+          <a:p>
+            <a:pPr lvl="1"/>
+            <a:r>
+              <a:rPr lang="en-GB" dirty="0">
+                <a:cs typeface="Courier New" panose="02070309020205020404" pitchFamily="49" charset="0"/>
+              </a:rPr>
+              <a:t>MINOR </a:t>
+            </a:r>
+            <a:r>
+              <a:rPr lang="sr-Latn-RS" dirty="0" smtClean="0">
+                <a:cs typeface="Courier New" panose="02070309020205020404" pitchFamily="49" charset="0"/>
+              </a:rPr>
+              <a:t>broj verzije se uvećava kada se uvedu nove funkcionalnosti</a:t>
+            </a:r>
+            <a:r>
+              <a:rPr lang="en-GB" dirty="0" smtClean="0">
+                <a:cs typeface="Courier New" panose="02070309020205020404" pitchFamily="49" charset="0"/>
+              </a:rPr>
+              <a:t>, </a:t>
+            </a:r>
+            <a:r>
+              <a:rPr lang="sr-Latn-RS" dirty="0" smtClean="0">
+                <a:cs typeface="Courier New" panose="02070309020205020404" pitchFamily="49" charset="0"/>
+              </a:rPr>
+              <a:t>ali aplikacija ostaje backwards kompatibilna</a:t>
+            </a:r>
+            <a:endParaRPr lang="en-GB" dirty="0">
+              <a:cs typeface="Courier New" panose="02070309020205020404" pitchFamily="49" charset="0"/>
+            </a:endParaRPr>
+          </a:p>
+          <a:p>
+            <a:pPr lvl="1"/>
+            <a:r>
+              <a:rPr lang="en-GB" dirty="0">
+                <a:cs typeface="Courier New" panose="02070309020205020404" pitchFamily="49" charset="0"/>
+              </a:rPr>
+              <a:t>PATCH </a:t>
+            </a:r>
+            <a:r>
+              <a:rPr lang="sr-Latn-RS" dirty="0" smtClean="0">
+                <a:cs typeface="Courier New" panose="02070309020205020404" pitchFamily="49" charset="0"/>
+              </a:rPr>
+              <a:t>broj verzije se uvećava kada se uvedu backwards-kompatibilna razrešenja bug-ova</a:t>
+            </a:r>
+            <a:r>
+              <a:rPr lang="en-GB" dirty="0" smtClean="0">
+                <a:cs typeface="Courier New" panose="02070309020205020404" pitchFamily="49" charset="0"/>
+              </a:rPr>
+              <a:t>.</a:t>
+            </a:r>
+            <a:endParaRPr lang="sr-Latn-RS" dirty="0" smtClean="0">
+              <a:cs typeface="Courier New" panose="02070309020205020404" pitchFamily="49" charset="0"/>
+            </a:endParaRPr>
+          </a:p>
+          <a:p>
+            <a:r>
+              <a:rPr lang="en-GB" dirty="0" smtClean="0">
+                <a:latin typeface="Courier New" panose="02070309020205020404" pitchFamily="49" charset="0"/>
+                <a:cs typeface="Courier New" panose="02070309020205020404" pitchFamily="49" charset="0"/>
+              </a:rPr>
+              <a:t>"</a:t>
+            </a:r>
+            <a:r>
+              <a:rPr lang="en-GB" dirty="0">
+                <a:latin typeface="Courier New" panose="02070309020205020404" pitchFamily="49" charset="0"/>
+                <a:cs typeface="Courier New" panose="02070309020205020404" pitchFamily="49" charset="0"/>
+              </a:rPr>
+              <a:t>version": "0.1.1"</a:t>
+            </a:r>
+            <a:endParaRPr lang="en-GB" dirty="0">
+              <a:cs typeface="Courier New" panose="02070309020205020404" pitchFamily="49" charset="0"/>
+            </a:endParaRPr>
+          </a:p>
+        </p:txBody>
+      </p:sp>
+    </p:spTree>
+    <p:extLst>
+      <p:ext uri="{BB962C8B-B14F-4D97-AF65-F5344CB8AC3E}">
+        <p14:creationId xmlns:p14="http://schemas.microsoft.com/office/powerpoint/2010/main" val="2909347559"/>
+      </p:ext>
+    </p:extLst>
+  </p:cSld>
+  <p:clrMapOvr>
+    <a:masterClrMapping/>
+  </p:clrMapOvr>
+  <p:timing>
+    <p:tnLst>
+      <p:par>
+        <p:cTn id="1" dur="indefinite" restart="never" nodeType="tmRoot"/>
+      </p:par>
+    </p:tnLst>
+  </p:timing>
+</p:sld>
+</file>
+
+<file path=ppt/slides/slide11.xml><?xml version="1.0" encoding="utf-8"?>
+<p:sld xmlns:a="http://schemas.openxmlformats.org/drawingml/2006/main" xmlns:r="http://schemas.openxmlformats.org/officeDocument/2006/relationships" xmlns:p="http://schemas.openxmlformats.org/presentationml/2006/main">
+  <p:cSld>
+    <p:spTree>
+      <p:nvGrpSpPr>
+        <p:cNvPr id="1" name=""/>
+        <p:cNvGrpSpPr/>
+        <p:nvPr/>
+      </p:nvGrpSpPr>
+      <p:grpSpPr>
+        <a:xfrm>
+          <a:off x="0" y="0"/>
+          <a:ext cx="0" cy="0"/>
+          <a:chOff x="0" y="0"/>
+          <a:chExt cx="0" cy="0"/>
+        </a:xfrm>
+      </p:grpSpPr>
+      <p:sp>
+        <p:nvSpPr>
+          <p:cNvPr id="2" name="Title 1"/>
+          <p:cNvSpPr>
+            <a:spLocks noGrp="1"/>
+          </p:cNvSpPr>
+          <p:nvPr>
+            <p:ph type="title"/>
+          </p:nvPr>
+        </p:nvSpPr>
+        <p:spPr/>
+        <p:txBody>
+          <a:bodyPr/>
+          <a:lstStyle/>
+          <a:p>
+            <a:r>
+              <a:rPr lang="sr-Latn-RS" dirty="0" smtClean="0"/>
+              <a:t>Zahtevanje verzije paketa</a:t>
+            </a:r>
+            <a:endParaRPr lang="en-GB" dirty="0"/>
+          </a:p>
+        </p:txBody>
+      </p:sp>
+      <p:sp>
+        <p:nvSpPr>
+          <p:cNvPr id="3" name="Content Placeholder 2"/>
+          <p:cNvSpPr>
+            <a:spLocks noGrp="1"/>
+          </p:cNvSpPr>
+          <p:nvPr>
+            <p:ph idx="1"/>
+          </p:nvPr>
+        </p:nvSpPr>
+        <p:spPr/>
+        <p:txBody>
+          <a:bodyPr>
+            <a:normAutofit fontScale="47500" lnSpcReduction="20000"/>
+          </a:bodyPr>
+          <a:lstStyle/>
+          <a:p>
+            <a:pPr marL="57150" indent="-457200"/>
+            <a:r>
+              <a:rPr lang="sr-Latn-RS" sz="3600" dirty="0">
+                <a:cs typeface="Courier New" panose="02070309020205020404" pitchFamily="49" charset="0"/>
+              </a:rPr>
+              <a:t>Instaliranje </a:t>
+            </a:r>
+            <a:r>
+              <a:rPr lang="sr-Latn-RS" sz="3600" dirty="0">
+                <a:latin typeface="Courier New" panose="02070309020205020404" pitchFamily="49" charset="0"/>
+                <a:cs typeface="Courier New" panose="02070309020205020404" pitchFamily="49" charset="0"/>
+              </a:rPr>
+              <a:t>underscore 1.0.3</a:t>
+            </a:r>
+            <a:endParaRPr lang="en-GB" sz="3600" dirty="0">
+              <a:latin typeface="Courier New" panose="02070309020205020404" pitchFamily="49" charset="0"/>
+              <a:cs typeface="Courier New" panose="02070309020205020404" pitchFamily="49" charset="0"/>
+            </a:endParaRPr>
+          </a:p>
+          <a:p>
+            <a:pPr marL="400050" lvl="1" indent="0">
+              <a:buNone/>
+            </a:pPr>
+            <a:r>
+              <a:rPr lang="en-GB" dirty="0" smtClean="0">
+                <a:latin typeface="Courier New" panose="02070309020205020404" pitchFamily="49" charset="0"/>
+                <a:cs typeface="Courier New" panose="02070309020205020404" pitchFamily="49" charset="0"/>
+              </a:rPr>
+              <a:t>$ </a:t>
+            </a:r>
+            <a:r>
+              <a:rPr lang="en-GB" dirty="0" err="1">
+                <a:latin typeface="Courier New" panose="02070309020205020404" pitchFamily="49" charset="0"/>
+                <a:cs typeface="Courier New" panose="02070309020205020404" pitchFamily="49" charset="0"/>
+              </a:rPr>
+              <a:t>npm</a:t>
+            </a:r>
+            <a:r>
+              <a:rPr lang="en-GB" dirty="0">
+                <a:latin typeface="Courier New" panose="02070309020205020404" pitchFamily="49" charset="0"/>
+                <a:cs typeface="Courier New" panose="02070309020205020404" pitchFamily="49" charset="0"/>
+              </a:rPr>
+              <a:t> install </a:t>
+            </a:r>
+            <a:r>
+              <a:rPr lang="en-GB" dirty="0" smtClean="0">
+                <a:latin typeface="Courier New" panose="02070309020205020404" pitchFamily="49" charset="0"/>
+                <a:cs typeface="Courier New" panose="02070309020205020404" pitchFamily="49" charset="0"/>
+              </a:rPr>
+              <a:t>underscore@1.0.3</a:t>
+            </a:r>
+            <a:endParaRPr lang="sr-Latn-RS" dirty="0" smtClean="0">
+              <a:latin typeface="Courier New" panose="02070309020205020404" pitchFamily="49" charset="0"/>
+              <a:cs typeface="Courier New" panose="02070309020205020404" pitchFamily="49" charset="0"/>
+            </a:endParaRPr>
+          </a:p>
+          <a:p>
+            <a:pPr marL="400050" lvl="1" indent="0">
+              <a:buNone/>
+            </a:pPr>
+            <a:endParaRPr lang="sr-Latn-RS" dirty="0">
+              <a:latin typeface="Courier New" panose="02070309020205020404" pitchFamily="49" charset="0"/>
+              <a:cs typeface="Courier New" panose="02070309020205020404" pitchFamily="49" charset="0"/>
+            </a:endParaRPr>
+          </a:p>
+          <a:p>
+            <a:pPr marL="57150" indent="-457200"/>
+            <a:r>
+              <a:rPr lang="sr-Latn-RS" sz="3600" dirty="0" smtClean="0">
+                <a:cs typeface="Courier New" panose="02070309020205020404" pitchFamily="49" charset="0"/>
+              </a:rPr>
+              <a:t>Instaliranje bilo kog patcha za </a:t>
+            </a:r>
+            <a:r>
+              <a:rPr lang="sr-Latn-RS" sz="3600" dirty="0">
+                <a:latin typeface="Courier New" panose="02070309020205020404" pitchFamily="49" charset="0"/>
+                <a:cs typeface="Courier New" panose="02070309020205020404" pitchFamily="49" charset="0"/>
+              </a:rPr>
+              <a:t>underscore </a:t>
+            </a:r>
+            <a:r>
+              <a:rPr lang="sr-Latn-RS" sz="3600" dirty="0" smtClean="0">
+                <a:latin typeface="Courier New" panose="02070309020205020404" pitchFamily="49" charset="0"/>
+                <a:cs typeface="Courier New" panose="02070309020205020404" pitchFamily="49" charset="0"/>
+              </a:rPr>
+              <a:t>1.0.x</a:t>
+            </a:r>
+            <a:endParaRPr lang="en-GB" sz="3600" dirty="0">
+              <a:latin typeface="Courier New" panose="02070309020205020404" pitchFamily="49" charset="0"/>
+              <a:cs typeface="Courier New" panose="02070309020205020404" pitchFamily="49" charset="0"/>
+            </a:endParaRPr>
+          </a:p>
+          <a:p>
+            <a:pPr marL="400050" lvl="1" indent="0">
+              <a:buNone/>
+            </a:pPr>
+            <a:r>
+              <a:rPr lang="en-GB" dirty="0" err="1">
+                <a:latin typeface="Courier New" panose="02070309020205020404" pitchFamily="49" charset="0"/>
+                <a:cs typeface="Courier New" panose="02070309020205020404" pitchFamily="49" charset="0"/>
+              </a:rPr>
+              <a:t>npm</a:t>
+            </a:r>
+            <a:r>
+              <a:rPr lang="en-GB" dirty="0">
+                <a:latin typeface="Courier New" panose="02070309020205020404" pitchFamily="49" charset="0"/>
+                <a:cs typeface="Courier New" panose="02070309020205020404" pitchFamily="49" charset="0"/>
+              </a:rPr>
+              <a:t> install underscore@"~</a:t>
+            </a:r>
+            <a:r>
+              <a:rPr lang="en-GB" dirty="0" smtClean="0">
+                <a:latin typeface="Courier New" panose="02070309020205020404" pitchFamily="49" charset="0"/>
+                <a:cs typeface="Courier New" panose="02070309020205020404" pitchFamily="49" charset="0"/>
+              </a:rPr>
+              <a:t>1.0.0</a:t>
+            </a:r>
+            <a:r>
+              <a:rPr lang="en-GB" dirty="0">
+                <a:latin typeface="Courier New" panose="02070309020205020404" pitchFamily="49" charset="0"/>
+                <a:cs typeface="Courier New" panose="02070309020205020404" pitchFamily="49" charset="0"/>
+              </a:rPr>
+              <a:t>"</a:t>
+            </a:r>
+            <a:endParaRPr lang="sr-Latn-RS" dirty="0" smtClean="0">
+              <a:latin typeface="Courier New" panose="02070309020205020404" pitchFamily="49" charset="0"/>
+              <a:cs typeface="Courier New" panose="02070309020205020404" pitchFamily="49" charset="0"/>
+            </a:endParaRPr>
+          </a:p>
+          <a:p>
+            <a:pPr marL="400050" lvl="1" indent="0">
+              <a:buNone/>
+            </a:pPr>
+            <a:endParaRPr lang="sr-Latn-RS" dirty="0">
+              <a:latin typeface="Courier New" panose="02070309020205020404" pitchFamily="49" charset="0"/>
+              <a:cs typeface="Courier New" panose="02070309020205020404" pitchFamily="49" charset="0"/>
+            </a:endParaRPr>
+          </a:p>
+          <a:p>
+            <a:pPr marL="57150" indent="-457200"/>
+            <a:r>
+              <a:rPr lang="sr-Latn-RS" sz="3600" dirty="0">
+                <a:cs typeface="Courier New" panose="02070309020205020404" pitchFamily="49" charset="0"/>
+              </a:rPr>
+              <a:t>Instaliranje bilo </a:t>
+            </a:r>
+            <a:r>
+              <a:rPr lang="sr-Latn-RS" sz="3600" dirty="0" smtClean="0">
+                <a:cs typeface="Courier New" panose="02070309020205020404" pitchFamily="49" charset="0"/>
+              </a:rPr>
+              <a:t>koje minor verzije </a:t>
+            </a:r>
+            <a:r>
+              <a:rPr lang="sr-Latn-RS" sz="3600" dirty="0">
+                <a:cs typeface="Courier New" panose="02070309020205020404" pitchFamily="49" charset="0"/>
+              </a:rPr>
+              <a:t>za </a:t>
+            </a:r>
+            <a:r>
+              <a:rPr lang="sr-Latn-RS" sz="3600" dirty="0">
+                <a:latin typeface="Courier New" panose="02070309020205020404" pitchFamily="49" charset="0"/>
+                <a:cs typeface="Courier New" panose="02070309020205020404" pitchFamily="49" charset="0"/>
+              </a:rPr>
+              <a:t>underscore </a:t>
+            </a:r>
+            <a:r>
+              <a:rPr lang="sr-Latn-RS" sz="3600" dirty="0" smtClean="0">
+                <a:latin typeface="Courier New" panose="02070309020205020404" pitchFamily="49" charset="0"/>
+                <a:cs typeface="Courier New" panose="02070309020205020404" pitchFamily="49" charset="0"/>
+              </a:rPr>
+              <a:t>1.x.x</a:t>
+            </a:r>
+            <a:endParaRPr lang="en-GB" sz="3600" dirty="0">
+              <a:latin typeface="Courier New" panose="02070309020205020404" pitchFamily="49" charset="0"/>
+              <a:cs typeface="Courier New" panose="02070309020205020404" pitchFamily="49" charset="0"/>
+            </a:endParaRPr>
+          </a:p>
+          <a:p>
+            <a:pPr marL="400050" lvl="1" indent="0">
+              <a:buNone/>
+            </a:pPr>
+            <a:r>
+              <a:rPr lang="en-GB" dirty="0">
+                <a:latin typeface="Courier New" panose="02070309020205020404" pitchFamily="49" charset="0"/>
+                <a:cs typeface="Courier New" panose="02070309020205020404" pitchFamily="49" charset="0"/>
+              </a:rPr>
+              <a:t>$ </a:t>
+            </a:r>
+            <a:r>
+              <a:rPr lang="en-GB" dirty="0" err="1">
+                <a:latin typeface="Courier New" panose="02070309020205020404" pitchFamily="49" charset="0"/>
+                <a:cs typeface="Courier New" panose="02070309020205020404" pitchFamily="49" charset="0"/>
+              </a:rPr>
+              <a:t>npm</a:t>
+            </a:r>
+            <a:r>
+              <a:rPr lang="en-GB" dirty="0">
+                <a:latin typeface="Courier New" panose="02070309020205020404" pitchFamily="49" charset="0"/>
+                <a:cs typeface="Courier New" panose="02070309020205020404" pitchFamily="49" charset="0"/>
+              </a:rPr>
+              <a:t> install underscore@"^1.0.0</a:t>
+            </a:r>
+            <a:r>
+              <a:rPr lang="en-GB" dirty="0" smtClean="0">
+                <a:latin typeface="Courier New" panose="02070309020205020404" pitchFamily="49" charset="0"/>
+                <a:cs typeface="Courier New" panose="02070309020205020404" pitchFamily="49" charset="0"/>
+              </a:rPr>
+              <a:t>"</a:t>
+            </a:r>
+            <a:endParaRPr lang="sr-Latn-RS" dirty="0" smtClean="0">
+              <a:latin typeface="Courier New" panose="02070309020205020404" pitchFamily="49" charset="0"/>
+              <a:cs typeface="Courier New" panose="02070309020205020404" pitchFamily="49" charset="0"/>
+            </a:endParaRPr>
+          </a:p>
+          <a:p>
+            <a:pPr marL="57150" indent="-457200"/>
+            <a:endParaRPr lang="sr-Latn-RS" sz="3600" dirty="0" smtClean="0">
+              <a:cs typeface="Courier New" panose="02070309020205020404" pitchFamily="49" charset="0"/>
+            </a:endParaRPr>
+          </a:p>
+          <a:p>
+            <a:pPr marL="57150" indent="-457200"/>
+            <a:r>
+              <a:rPr lang="sr-Latn-RS" sz="3600" dirty="0" smtClean="0">
+                <a:cs typeface="Courier New" panose="02070309020205020404" pitchFamily="49" charset="0"/>
+              </a:rPr>
+              <a:t>Operatori &gt;, &gt;=, &lt; i &lt;=</a:t>
+            </a:r>
+          </a:p>
+          <a:p>
+            <a:pPr marL="57150" indent="-457200"/>
+            <a:r>
+              <a:rPr lang="sr-Latn-RS" sz="3600" dirty="0" smtClean="0">
+                <a:cs typeface="Courier New" panose="02070309020205020404" pitchFamily="49" charset="0"/>
+              </a:rPr>
+              <a:t>Instaliranje </a:t>
+            </a:r>
+            <a:r>
+              <a:rPr lang="sr-Latn-RS" sz="3600" dirty="0" smtClean="0">
+                <a:latin typeface="Courier New" panose="02070309020205020404" pitchFamily="49" charset="0"/>
+                <a:cs typeface="Courier New" panose="02070309020205020404" pitchFamily="49" charset="0"/>
+              </a:rPr>
+              <a:t>underscore </a:t>
+            </a:r>
+            <a:r>
+              <a:rPr lang="sr-Latn-RS" sz="3600" dirty="0" smtClean="0">
+                <a:cs typeface="Courier New" panose="02070309020205020404" pitchFamily="49" charset="0"/>
+              </a:rPr>
+              <a:t>nakon</a:t>
+            </a:r>
+            <a:r>
+              <a:rPr lang="sr-Latn-RS" sz="3600" dirty="0" smtClean="0">
+                <a:latin typeface="Courier New" panose="02070309020205020404" pitchFamily="49" charset="0"/>
+                <a:cs typeface="Courier New" panose="02070309020205020404" pitchFamily="49" charset="0"/>
+              </a:rPr>
+              <a:t> 1.0.3</a:t>
+            </a:r>
+            <a:endParaRPr lang="en-GB" sz="3600" dirty="0">
+              <a:latin typeface="Courier New" panose="02070309020205020404" pitchFamily="49" charset="0"/>
+              <a:cs typeface="Courier New" panose="02070309020205020404" pitchFamily="49" charset="0"/>
+            </a:endParaRPr>
+          </a:p>
+          <a:p>
+            <a:pPr marL="400050" lvl="1" indent="0">
+              <a:buNone/>
+            </a:pPr>
+            <a:r>
+              <a:rPr lang="en-GB" dirty="0">
+                <a:latin typeface="Courier New" panose="02070309020205020404" pitchFamily="49" charset="0"/>
+                <a:cs typeface="Courier New" panose="02070309020205020404" pitchFamily="49" charset="0"/>
+              </a:rPr>
+              <a:t>$ </a:t>
+            </a:r>
+            <a:r>
+              <a:rPr lang="en-GB" dirty="0" err="1">
+                <a:latin typeface="Courier New" panose="02070309020205020404" pitchFamily="49" charset="0"/>
+                <a:cs typeface="Courier New" panose="02070309020205020404" pitchFamily="49" charset="0"/>
+              </a:rPr>
+              <a:t>npm</a:t>
+            </a:r>
+            <a:r>
+              <a:rPr lang="en-GB" dirty="0">
+                <a:latin typeface="Courier New" panose="02070309020205020404" pitchFamily="49" charset="0"/>
+                <a:cs typeface="Courier New" panose="02070309020205020404" pitchFamily="49" charset="0"/>
+              </a:rPr>
+              <a:t> install underscore</a:t>
+            </a:r>
+            <a:r>
+              <a:rPr lang="en-GB" dirty="0" smtClean="0">
+                <a:latin typeface="Courier New" panose="02070309020205020404" pitchFamily="49" charset="0"/>
+                <a:cs typeface="Courier New" panose="02070309020205020404" pitchFamily="49" charset="0"/>
+              </a:rPr>
+              <a:t>@</a:t>
+            </a:r>
+            <a:r>
+              <a:rPr lang="en-GB" dirty="0">
+                <a:latin typeface="Courier New" panose="02070309020205020404" pitchFamily="49" charset="0"/>
+                <a:cs typeface="Courier New" panose="02070309020205020404" pitchFamily="49" charset="0"/>
+              </a:rPr>
+              <a:t>"</a:t>
+            </a:r>
+            <a:r>
+              <a:rPr lang="sr-Latn-RS" dirty="0" smtClean="0">
+                <a:latin typeface="Courier New" panose="02070309020205020404" pitchFamily="49" charset="0"/>
+                <a:cs typeface="Courier New" panose="02070309020205020404" pitchFamily="49" charset="0"/>
+              </a:rPr>
+              <a:t>&gt;</a:t>
+            </a:r>
+            <a:r>
+              <a:rPr lang="en-GB" dirty="0" smtClean="0">
+                <a:latin typeface="Courier New" panose="02070309020205020404" pitchFamily="49" charset="0"/>
+                <a:cs typeface="Courier New" panose="02070309020205020404" pitchFamily="49" charset="0"/>
+              </a:rPr>
+              <a:t>1.0.3"</a:t>
+            </a:r>
+            <a:endParaRPr lang="sr-Latn-RS" dirty="0" smtClean="0">
+              <a:latin typeface="Courier New" panose="02070309020205020404" pitchFamily="49" charset="0"/>
+              <a:cs typeface="Courier New" panose="02070309020205020404" pitchFamily="49" charset="0"/>
+            </a:endParaRPr>
+          </a:p>
+          <a:p>
+            <a:pPr marL="400050" lvl="1" indent="0">
+              <a:buNone/>
+            </a:pPr>
+            <a:endParaRPr lang="sr-Latn-RS" dirty="0" smtClean="0">
+              <a:latin typeface="Courier New" panose="02070309020205020404" pitchFamily="49" charset="0"/>
+              <a:cs typeface="Courier New" panose="02070309020205020404" pitchFamily="49" charset="0"/>
+            </a:endParaRPr>
+          </a:p>
+          <a:p>
+            <a:pPr marL="57150" indent="-457200"/>
+            <a:r>
+              <a:rPr lang="sr-Latn-RS" sz="3600" dirty="0" smtClean="0">
+                <a:cs typeface="Courier New" panose="02070309020205020404" pitchFamily="49" charset="0"/>
+              </a:rPr>
+              <a:t>Operator *</a:t>
+            </a:r>
+          </a:p>
+          <a:p>
+            <a:pPr marL="57150" indent="-457200"/>
+            <a:r>
+              <a:rPr lang="sr-Latn-RS" sz="3600" dirty="0" smtClean="0">
+                <a:cs typeface="Courier New" panose="02070309020205020404" pitchFamily="49" charset="0"/>
+              </a:rPr>
+              <a:t>Najnovija verzija (bilo na mestu patch, bilo minor, bilo major)</a:t>
+            </a:r>
+          </a:p>
+          <a:p>
+            <a:pPr marL="57150" indent="-457200"/>
+            <a:r>
+              <a:rPr lang="sr-Latn-RS" sz="3600" dirty="0" smtClean="0">
+                <a:cs typeface="Courier New" panose="02070309020205020404" pitchFamily="49" charset="0"/>
+              </a:rPr>
+              <a:t>Instaliranje najnovije minor verzije </a:t>
+            </a:r>
+            <a:r>
+              <a:rPr lang="sr-Latn-RS" sz="3600" dirty="0" smtClean="0">
+                <a:latin typeface="Courier New" panose="02070309020205020404" pitchFamily="49" charset="0"/>
+                <a:cs typeface="Courier New" panose="02070309020205020404" pitchFamily="49" charset="0"/>
+              </a:rPr>
+              <a:t>underscore</a:t>
+            </a:r>
+            <a:r>
+              <a:rPr lang="sr-Latn-RS" sz="3600" dirty="0" smtClean="0">
+                <a:cs typeface="Courier New" panose="02070309020205020404" pitchFamily="49" charset="0"/>
+              </a:rPr>
+              <a:t> za major 1</a:t>
+            </a:r>
+            <a:endParaRPr lang="en-GB" sz="3600" dirty="0">
+              <a:cs typeface="Courier New" panose="02070309020205020404" pitchFamily="49" charset="0"/>
+            </a:endParaRPr>
+          </a:p>
+          <a:p>
+            <a:pPr marL="400050" lvl="1" indent="0">
+              <a:buNone/>
+            </a:pPr>
+            <a:r>
+              <a:rPr lang="en-GB" sz="2700" dirty="0" smtClean="0">
+                <a:latin typeface="Courier New" panose="02070309020205020404" pitchFamily="49" charset="0"/>
+                <a:cs typeface="Courier New" panose="02070309020205020404" pitchFamily="49" charset="0"/>
+              </a:rPr>
+              <a:t>$</a:t>
+            </a:r>
+            <a:r>
+              <a:rPr lang="en-GB" dirty="0" smtClean="0">
+                <a:latin typeface="Courier New" panose="02070309020205020404" pitchFamily="49" charset="0"/>
+                <a:cs typeface="Courier New" panose="02070309020205020404" pitchFamily="49" charset="0"/>
+              </a:rPr>
+              <a:t> </a:t>
+            </a:r>
+            <a:r>
+              <a:rPr lang="en-GB" dirty="0" err="1">
+                <a:latin typeface="Courier New" panose="02070309020205020404" pitchFamily="49" charset="0"/>
+                <a:cs typeface="Courier New" panose="02070309020205020404" pitchFamily="49" charset="0"/>
+              </a:rPr>
+              <a:t>npm</a:t>
+            </a:r>
+            <a:r>
+              <a:rPr lang="en-GB" dirty="0">
+                <a:latin typeface="Courier New" panose="02070309020205020404" pitchFamily="49" charset="0"/>
+                <a:cs typeface="Courier New" panose="02070309020205020404" pitchFamily="49" charset="0"/>
+              </a:rPr>
+              <a:t> install underscore</a:t>
+            </a:r>
+            <a:r>
+              <a:rPr lang="en-GB" dirty="0" smtClean="0">
+                <a:latin typeface="Courier New" panose="02070309020205020404" pitchFamily="49" charset="0"/>
+                <a:cs typeface="Courier New" panose="02070309020205020404" pitchFamily="49" charset="0"/>
+              </a:rPr>
+              <a:t>@"1.</a:t>
+            </a:r>
+            <a:r>
+              <a:rPr lang="sr-Latn-RS" dirty="0" smtClean="0">
+                <a:latin typeface="Courier New" panose="02070309020205020404" pitchFamily="49" charset="0"/>
+                <a:cs typeface="Courier New" panose="02070309020205020404" pitchFamily="49" charset="0"/>
+              </a:rPr>
+              <a:t>*</a:t>
+            </a:r>
+            <a:r>
+              <a:rPr lang="en-GB" dirty="0" smtClean="0">
+                <a:latin typeface="Courier New" panose="02070309020205020404" pitchFamily="49" charset="0"/>
+                <a:cs typeface="Courier New" panose="02070309020205020404" pitchFamily="49" charset="0"/>
+              </a:rPr>
+              <a:t>"</a:t>
+            </a:r>
+            <a:endParaRPr lang="sr-Latn-RS" dirty="0">
+              <a:latin typeface="Courier New" panose="02070309020205020404" pitchFamily="49" charset="0"/>
+              <a:cs typeface="Courier New" panose="02070309020205020404" pitchFamily="49" charset="0"/>
+            </a:endParaRPr>
+          </a:p>
+          <a:p>
+            <a:pPr marL="400050" lvl="1" indent="0">
+              <a:buNone/>
+            </a:pPr>
+            <a:endParaRPr lang="sr-Latn-RS" dirty="0" smtClean="0">
+              <a:latin typeface="Courier New" panose="02070309020205020404" pitchFamily="49" charset="0"/>
+              <a:cs typeface="Courier New" panose="02070309020205020404" pitchFamily="49" charset="0"/>
+            </a:endParaRPr>
+          </a:p>
+          <a:p>
+            <a:pPr marL="400050" lvl="1" indent="0">
+              <a:buNone/>
+            </a:pPr>
+            <a:endParaRPr lang="sr-Latn-RS" dirty="0" smtClean="0">
+              <a:latin typeface="Courier New" panose="02070309020205020404" pitchFamily="49" charset="0"/>
+              <a:cs typeface="Courier New" panose="02070309020205020404" pitchFamily="49" charset="0"/>
+            </a:endParaRPr>
+          </a:p>
+          <a:p>
+            <a:pPr marL="400050" lvl="1" indent="0">
+              <a:buNone/>
+            </a:pPr>
+            <a:endParaRPr lang="sr-Latn-RS" dirty="0">
+              <a:latin typeface="Courier New" panose="02070309020205020404" pitchFamily="49" charset="0"/>
+              <a:cs typeface="Courier New" panose="02070309020205020404" pitchFamily="49" charset="0"/>
+            </a:endParaRPr>
+          </a:p>
+          <a:p>
+            <a:pPr marL="400050" lvl="1" indent="0">
+              <a:buNone/>
+            </a:pPr>
+            <a:endParaRPr lang="sr-Latn-RS" dirty="0" smtClean="0">
+              <a:latin typeface="Courier New" panose="02070309020205020404" pitchFamily="49" charset="0"/>
+              <a:cs typeface="Courier New" panose="02070309020205020404" pitchFamily="49" charset="0"/>
+            </a:endParaRPr>
+          </a:p>
+          <a:p>
+            <a:pPr marL="400050" lvl="1" indent="0">
+              <a:buNone/>
+            </a:pPr>
+            <a:endParaRPr lang="sr-Latn-RS" dirty="0" smtClean="0">
+              <a:latin typeface="Courier New" panose="02070309020205020404" pitchFamily="49" charset="0"/>
+              <a:cs typeface="Courier New" panose="02070309020205020404" pitchFamily="49" charset="0"/>
+            </a:endParaRPr>
+          </a:p>
+        </p:txBody>
+      </p:sp>
+    </p:spTree>
+    <p:extLst>
+      <p:ext uri="{BB962C8B-B14F-4D97-AF65-F5344CB8AC3E}">
+        <p14:creationId xmlns:p14="http://schemas.microsoft.com/office/powerpoint/2010/main" val="1057322620"/>
+      </p:ext>
+    </p:extLst>
+  </p:cSld>
+  <p:clrMapOvr>
+    <a:masterClrMapping/>
+  </p:clrMapOvr>
+  <p:timing>
+    <p:tnLst>
+      <p:par>
+        <p:cTn id="1" dur="indefinite" restart="never" nodeType="tmRoot"/>
+      </p:par>
+    </p:tnLst>
+  </p:timing>
+</p:sld>
+</file>
+
+<file path=ppt/slides/slide12.xml><?xml version="1.0" encoding="utf-8"?>
+<p:sld xmlns:a="http://schemas.openxmlformats.org/drawingml/2006/main" xmlns:r="http://schemas.openxmlformats.org/officeDocument/2006/relationships" xmlns:p="http://schemas.openxmlformats.org/presentationml/2006/main">
+  <p:cSld>
+    <p:spTree>
+      <p:nvGrpSpPr>
+        <p:cNvPr id="1" name=""/>
+        <p:cNvGrpSpPr/>
+        <p:nvPr/>
+      </p:nvGrpSpPr>
+      <p:grpSpPr>
+        <a:xfrm>
+          <a:off x="0" y="0"/>
+          <a:ext cx="0" cy="0"/>
+          <a:chOff x="0" y="0"/>
+          <a:chExt cx="0" cy="0"/>
+        </a:xfrm>
+      </p:grpSpPr>
+      <p:sp>
+        <p:nvSpPr>
+          <p:cNvPr id="2" name="Title 1"/>
+          <p:cNvSpPr>
+            <a:spLocks noGrp="1"/>
+          </p:cNvSpPr>
+          <p:nvPr>
+            <p:ph type="title"/>
+          </p:nvPr>
+        </p:nvSpPr>
+        <p:spPr/>
+        <p:txBody>
+          <a:bodyPr/>
+          <a:lstStyle/>
+          <a:p>
+            <a:r>
+              <a:rPr lang="sr-Latn-RS" dirty="0" smtClean="0"/>
+              <a:t>Update paketa</a:t>
+            </a:r>
+            <a:endParaRPr lang="en-GB" dirty="0"/>
+          </a:p>
+        </p:txBody>
+      </p:sp>
+      <p:sp>
+        <p:nvSpPr>
+          <p:cNvPr id="3" name="Content Placeholder 2"/>
+          <p:cNvSpPr>
+            <a:spLocks noGrp="1"/>
+          </p:cNvSpPr>
+          <p:nvPr>
+            <p:ph idx="1"/>
+          </p:nvPr>
+        </p:nvSpPr>
+        <p:spPr/>
+        <p:txBody>
+          <a:bodyPr>
+            <a:normAutofit fontScale="92500" lnSpcReduction="20000"/>
+          </a:bodyPr>
+          <a:lstStyle/>
+          <a:p>
+            <a:r>
+              <a:rPr lang="sr-Latn-RS" dirty="0" smtClean="0"/>
+              <a:t>Kad god se uradi </a:t>
+            </a:r>
+            <a:r>
+              <a:rPr lang="sr-Latn-RS" dirty="0" smtClean="0">
+                <a:latin typeface="Courier New" panose="02070309020205020404" pitchFamily="49" charset="0"/>
+                <a:cs typeface="Courier New" panose="02070309020205020404" pitchFamily="49" charset="0"/>
+              </a:rPr>
+              <a:t>npm ... --save</a:t>
+            </a:r>
+            <a:r>
+              <a:rPr lang="sr-Latn-RS" dirty="0" smtClean="0">
+                <a:cs typeface="Courier New" panose="02070309020205020404" pitchFamily="49" charset="0"/>
+              </a:rPr>
+              <a:t>, paket se u dependecies doda sa </a:t>
+            </a:r>
+            <a:r>
+              <a:rPr lang="en-GB" dirty="0" smtClean="0">
+                <a:latin typeface="Courier New" panose="02070309020205020404" pitchFamily="49" charset="0"/>
+                <a:cs typeface="Courier New" panose="02070309020205020404" pitchFamily="49" charset="0"/>
+              </a:rPr>
+              <a:t>^</a:t>
+            </a:r>
+            <a:endParaRPr lang="sr-Latn-RS" dirty="0" smtClean="0">
+              <a:latin typeface="Courier New" panose="02070309020205020404" pitchFamily="49" charset="0"/>
+              <a:cs typeface="Courier New" panose="02070309020205020404" pitchFamily="49" charset="0"/>
+            </a:endParaRPr>
+          </a:p>
+          <a:p>
+            <a:r>
+              <a:rPr lang="sr-Latn-RS" dirty="0" smtClean="0">
+                <a:cs typeface="Courier New" panose="02070309020205020404" pitchFamily="49" charset="0"/>
+              </a:rPr>
+              <a:t>To znači da će se uvek preuzimati najnovija minor verzija sa patch-ovima, sve dok je major verzija ista</a:t>
+            </a:r>
+          </a:p>
+          <a:p>
+            <a:r>
+              <a:rPr lang="sr-Latn-RS" dirty="0" smtClean="0">
+                <a:cs typeface="Courier New" panose="02070309020205020404" pitchFamily="49" charset="0"/>
+              </a:rPr>
+              <a:t>Zašto?</a:t>
+            </a:r>
+          </a:p>
+          <a:p>
+            <a:r>
+              <a:rPr lang="sr-Latn-RS" dirty="0" smtClean="0">
+                <a:cs typeface="Courier New" panose="02070309020205020404" pitchFamily="49" charset="0"/>
+              </a:rPr>
+              <a:t>Nove verzije node_nodules prema depenedencies u package.json se preuzmu sa </a:t>
+            </a:r>
+          </a:p>
+          <a:p>
+            <a:pPr marL="0" indent="0">
+              <a:buNone/>
+            </a:pPr>
+            <a:r>
+              <a:rPr lang="sr-Latn-RS" b="1" dirty="0" smtClean="0">
+                <a:latin typeface="Courier New" panose="02070309020205020404" pitchFamily="49" charset="0"/>
+                <a:cs typeface="Courier New" panose="02070309020205020404" pitchFamily="49" charset="0"/>
+              </a:rPr>
+              <a:t>		</a:t>
+            </a:r>
+          </a:p>
+          <a:p>
+            <a:pPr marL="0" indent="0">
+              <a:buNone/>
+            </a:pPr>
+            <a:r>
+              <a:rPr lang="sr-Latn-RS" b="1" dirty="0" smtClean="0">
+                <a:latin typeface="Courier New" panose="02070309020205020404" pitchFamily="49" charset="0"/>
+                <a:cs typeface="Courier New" panose="02070309020205020404" pitchFamily="49" charset="0"/>
+              </a:rPr>
+              <a:t>npm update</a:t>
+            </a:r>
+          </a:p>
+          <a:p>
+            <a:endParaRPr lang="en-GB" dirty="0">
+              <a:cs typeface="Courier New" panose="02070309020205020404" pitchFamily="49" charset="0"/>
+            </a:endParaRPr>
+          </a:p>
+        </p:txBody>
+      </p:sp>
+    </p:spTree>
+    <p:extLst>
+      <p:ext uri="{BB962C8B-B14F-4D97-AF65-F5344CB8AC3E}">
+        <p14:creationId xmlns:p14="http://schemas.microsoft.com/office/powerpoint/2010/main" val="2738002223"/>
+      </p:ext>
+    </p:extLst>
+  </p:cSld>
+  <p:clrMapOvr>
+    <a:masterClrMapping/>
+  </p:clrMapOvr>
+  <p:timing>
+    <p:tnLst>
+      <p:par>
+        <p:cTn id="1" dur="indefinite" restart="never" nodeType="tmRoot"/>
+      </p:par>
+    </p:tnLst>
+  </p:timing>
+</p:sld>
+</file>
+
+<file path=ppt/slides/slide13.xml><?xml version="1.0" encoding="utf-8"?>
+<p:sld xmlns:a="http://schemas.openxmlformats.org/drawingml/2006/main" xmlns:r="http://schemas.openxmlformats.org/officeDocument/2006/relationships" xmlns:p="http://schemas.openxmlformats.org/presentationml/2006/main">
+  <p:cSld>
+    <p:spTree>
+      <p:nvGrpSpPr>
+        <p:cNvPr id="1" name=""/>
+        <p:cNvGrpSpPr/>
+        <p:nvPr/>
+      </p:nvGrpSpPr>
+      <p:grpSpPr>
+        <a:xfrm>
+          <a:off x="0" y="0"/>
+          <a:ext cx="0" cy="0"/>
+          <a:chOff x="0" y="0"/>
+          <a:chExt cx="0" cy="0"/>
+        </a:xfrm>
+      </p:grpSpPr>
+      <p:sp>
+        <p:nvSpPr>
+          <p:cNvPr id="2" name="Title 1"/>
+          <p:cNvSpPr>
+            <a:spLocks noGrp="1"/>
+          </p:cNvSpPr>
+          <p:nvPr>
+            <p:ph type="title"/>
+          </p:nvPr>
+        </p:nvSpPr>
+        <p:spPr/>
+        <p:txBody>
+          <a:bodyPr>
+            <a:normAutofit fontScale="90000"/>
+          </a:bodyPr>
+          <a:lstStyle/>
+          <a:p>
+            <a:r>
+              <a:rPr lang="sr-Latn-RS" dirty="0" smtClean="0"/>
+              <a:t>Ignorisanje </a:t>
+            </a:r>
+            <a:r>
+              <a:rPr lang="sr-Latn-RS" dirty="0" smtClean="0">
+                <a:latin typeface="Courier New" panose="02070309020205020404" pitchFamily="49" charset="0"/>
+                <a:cs typeface="Courier New" panose="02070309020205020404" pitchFamily="49" charset="0"/>
+              </a:rPr>
+              <a:t>node_modules</a:t>
+            </a:r>
+            <a:r>
+              <a:rPr lang="sr-Latn-RS" dirty="0" smtClean="0"/>
+              <a:t> foldera</a:t>
+            </a:r>
+            <a:endParaRPr lang="en-GB" dirty="0"/>
+          </a:p>
+        </p:txBody>
+      </p:sp>
+      <p:sp>
+        <p:nvSpPr>
+          <p:cNvPr id="3" name="Content Placeholder 2"/>
+          <p:cNvSpPr>
+            <a:spLocks noGrp="1"/>
+          </p:cNvSpPr>
+          <p:nvPr>
+            <p:ph idx="1"/>
+          </p:nvPr>
+        </p:nvSpPr>
+        <p:spPr/>
+        <p:txBody>
+          <a:bodyPr>
+            <a:normAutofit/>
+          </a:bodyPr>
+          <a:lstStyle/>
+          <a:p>
+            <a:r>
+              <a:rPr lang="sr-Latn-RS" dirty="0" smtClean="0">
+                <a:latin typeface="Courier New" panose="02070309020205020404" pitchFamily="49" charset="0"/>
+                <a:cs typeface="Courier New" panose="02070309020205020404" pitchFamily="49" charset="0"/>
+              </a:rPr>
+              <a:t>node_nodules</a:t>
+            </a:r>
+            <a:r>
+              <a:rPr lang="sr-Latn-RS" dirty="0" smtClean="0">
+                <a:cs typeface="Courier New" panose="02070309020205020404" pitchFamily="49" charset="0"/>
+              </a:rPr>
+              <a:t> folder u realnim projektima najčešće ima veoma mnogo malih fajlova</a:t>
+            </a:r>
+          </a:p>
+          <a:p>
+            <a:r>
+              <a:rPr lang="sr-Latn-RS" dirty="0">
+                <a:cs typeface="Courier New" panose="02070309020205020404" pitchFamily="49" charset="0"/>
+              </a:rPr>
+              <a:t>U našoj </a:t>
+            </a:r>
+            <a:r>
+              <a:rPr lang="sr-Latn-RS" dirty="0" smtClean="0">
+                <a:cs typeface="Courier New" panose="02070309020205020404" pitchFamily="49" charset="0"/>
+              </a:rPr>
+              <a:t>aplikaciji (blog), </a:t>
+            </a:r>
+            <a:r>
+              <a:rPr lang="sr-Latn-RS" dirty="0">
+                <a:cs typeface="Courier New" panose="02070309020205020404" pitchFamily="49" charset="0"/>
+              </a:rPr>
+              <a:t>to je 7.58 </a:t>
+            </a:r>
+            <a:r>
+              <a:rPr lang="sr-Latn-RS" dirty="0" smtClean="0">
+                <a:cs typeface="Courier New" panose="02070309020205020404" pitchFamily="49" charset="0"/>
+              </a:rPr>
+              <a:t>MB, </a:t>
+            </a:r>
+            <a:r>
+              <a:rPr lang="sr-Latn-RS" dirty="0">
+                <a:cs typeface="Courier New" panose="02070309020205020404" pitchFamily="49" charset="0"/>
+              </a:rPr>
+              <a:t>892 Files, 209 Folders</a:t>
+            </a:r>
+            <a:endParaRPr lang="sr-Latn-RS" dirty="0" smtClean="0">
+              <a:cs typeface="Courier New" panose="02070309020205020404" pitchFamily="49" charset="0"/>
+            </a:endParaRPr>
+          </a:p>
+          <a:p>
+            <a:r>
+              <a:rPr lang="sr-Latn-RS" dirty="0" smtClean="0">
+                <a:cs typeface="Courier New" panose="02070309020205020404" pitchFamily="49" charset="0"/>
+              </a:rPr>
+              <a:t>Nije dobra praksa da se postavlja na repozitorijum projekta</a:t>
+            </a:r>
+          </a:p>
+          <a:p>
+            <a:r>
+              <a:rPr lang="sr-Latn-RS" dirty="0" smtClean="0">
+                <a:cs typeface="Courier New" panose="02070309020205020404" pitchFamily="49" charset="0"/>
+              </a:rPr>
+              <a:t>Tipično se doda u .gitignore</a:t>
+            </a:r>
+            <a:endParaRPr lang="en-GB" dirty="0">
+              <a:cs typeface="Courier New" panose="02070309020205020404" pitchFamily="49" charset="0"/>
+            </a:endParaRPr>
+          </a:p>
+        </p:txBody>
+      </p:sp>
+    </p:spTree>
+    <p:extLst>
+      <p:ext uri="{BB962C8B-B14F-4D97-AF65-F5344CB8AC3E}">
+        <p14:creationId xmlns:p14="http://schemas.microsoft.com/office/powerpoint/2010/main" val="3444706981"/>
+      </p:ext>
+    </p:extLst>
+  </p:cSld>
+  <p:clrMapOvr>
+    <a:masterClrMapping/>
+  </p:clrMapOvr>
+  <p:timing>
+    <p:tnLst>
+      <p:par>
+        <p:cTn id="1" dur="indefinite" restart="never" nodeType="tmRoot"/>
+      </p:par>
+    </p:tnLst>
+  </p:timing>
+</p:sld>
+</file>
+
+<file path=ppt/slides/slide14.xml><?xml version="1.0" encoding="utf-8"?>
+<p:sld xmlns:a="http://schemas.openxmlformats.org/drawingml/2006/main" xmlns:r="http://schemas.openxmlformats.org/officeDocument/2006/relationships" xmlns:p="http://schemas.openxmlformats.org/presentationml/2006/main">
+  <p:cSld>
+    <p:spTree>
+      <p:nvGrpSpPr>
+        <p:cNvPr id="1" name=""/>
+        <p:cNvGrpSpPr/>
+        <p:nvPr/>
+      </p:nvGrpSpPr>
+      <p:grpSpPr>
+        <a:xfrm>
+          <a:off x="0" y="0"/>
+          <a:ext cx="0" cy="0"/>
+          <a:chOff x="0" y="0"/>
+          <a:chExt cx="0" cy="0"/>
+        </a:xfrm>
+      </p:grpSpPr>
+      <p:sp>
+        <p:nvSpPr>
+          <p:cNvPr id="2" name="Title 1"/>
+          <p:cNvSpPr>
+            <a:spLocks noGrp="1"/>
+          </p:cNvSpPr>
+          <p:nvPr>
+            <p:ph type="title"/>
+          </p:nvPr>
+        </p:nvSpPr>
+        <p:spPr/>
+        <p:txBody>
+          <a:bodyPr>
+            <a:normAutofit/>
+          </a:bodyPr>
+          <a:lstStyle/>
+          <a:p>
+            <a:r>
+              <a:rPr lang="en-GB" dirty="0" smtClean="0"/>
+              <a:t>Express</a:t>
+            </a:r>
+            <a:r>
+              <a:rPr lang="sr-Latn-RS" dirty="0" smtClean="0"/>
+              <a:t>.js</a:t>
+            </a:r>
+            <a:endParaRPr lang="en-GB" dirty="0"/>
+          </a:p>
+        </p:txBody>
+      </p:sp>
+      <p:sp>
+        <p:nvSpPr>
+          <p:cNvPr id="3" name="Content Placeholder 2"/>
+          <p:cNvSpPr>
+            <a:spLocks noGrp="1"/>
+          </p:cNvSpPr>
+          <p:nvPr>
+            <p:ph idx="1"/>
+          </p:nvPr>
+        </p:nvSpPr>
+        <p:spPr/>
+        <p:txBody>
+          <a:bodyPr>
+            <a:normAutofit/>
+          </a:bodyPr>
+          <a:lstStyle/>
+          <a:p>
+            <a:r>
+              <a:rPr lang="en-GB" dirty="0" smtClean="0">
+                <a:cs typeface="Courier New" panose="02070309020205020404" pitchFamily="49" charset="0"/>
+              </a:rPr>
+              <a:t>Web </a:t>
+            </a:r>
+            <a:r>
+              <a:rPr lang="sr-Latn-RS" dirty="0" smtClean="0">
+                <a:cs typeface="Courier New" panose="02070309020205020404" pitchFamily="49" charset="0"/>
+              </a:rPr>
+              <a:t>application server framework za Node.js</a:t>
+            </a:r>
+          </a:p>
+          <a:p>
+            <a:pPr lvl="1"/>
+            <a:r>
+              <a:rPr lang="sr-Latn-RS" dirty="0" smtClean="0">
+                <a:cs typeface="Courier New" panose="02070309020205020404" pitchFamily="49" charset="0"/>
+              </a:rPr>
+              <a:t>Za pravljenje single-page i multi page aplikacija</a:t>
+            </a:r>
+          </a:p>
+          <a:p>
+            <a:r>
+              <a:rPr lang="sr-Latn-RS" dirty="0" smtClean="0">
+                <a:cs typeface="Courier New" panose="02070309020205020404" pitchFamily="49" charset="0"/>
+              </a:rPr>
+              <a:t>Inspirisan Sintarom</a:t>
+            </a:r>
+          </a:p>
+          <a:p>
+            <a:r>
+              <a:rPr lang="sr-Latn-RS" dirty="0" smtClean="0">
+                <a:cs typeface="Courier New" panose="02070309020205020404" pitchFamily="49" charset="0"/>
+              </a:rPr>
+              <a:t>De facto standard</a:t>
+            </a:r>
+          </a:p>
+          <a:p>
+            <a:endParaRPr lang="en-GB" dirty="0">
+              <a:cs typeface="Courier New" panose="02070309020205020404" pitchFamily="49" charset="0"/>
+            </a:endParaRPr>
+          </a:p>
+        </p:txBody>
+      </p:sp>
+    </p:spTree>
+    <p:extLst>
+      <p:ext uri="{BB962C8B-B14F-4D97-AF65-F5344CB8AC3E}">
+        <p14:creationId xmlns:p14="http://schemas.microsoft.com/office/powerpoint/2010/main" val="3250263647"/>
+      </p:ext>
+    </p:extLst>
+  </p:cSld>
+  <p:clrMapOvr>
+    <a:masterClrMapping/>
+  </p:clrMapOvr>
+  <p:timing>
+    <p:tnLst>
+      <p:par>
+        <p:cTn id="1" dur="indefinite" restart="never" nodeType="tmRoot"/>
+      </p:par>
+    </p:tnLst>
+  </p:timing>
+</p:sld>
+</file>
+
+<file path=ppt/slides/slide15.xml><?xml version="1.0" encoding="utf-8"?>
+<p:sld xmlns:a="http://schemas.openxmlformats.org/drawingml/2006/main" xmlns:r="http://schemas.openxmlformats.org/officeDocument/2006/relationships" xmlns:p="http://schemas.openxmlformats.org/presentationml/2006/main">
+  <p:cSld>
+    <p:spTree>
+      <p:nvGrpSpPr>
+        <p:cNvPr id="1" name=""/>
+        <p:cNvGrpSpPr/>
+        <p:nvPr/>
+      </p:nvGrpSpPr>
+      <p:grpSpPr>
+        <a:xfrm>
+          <a:off x="0" y="0"/>
+          <a:ext cx="0" cy="0"/>
+          <a:chOff x="0" y="0"/>
+          <a:chExt cx="0" cy="0"/>
+        </a:xfrm>
+      </p:grpSpPr>
+      <p:sp>
+        <p:nvSpPr>
+          <p:cNvPr id="2" name="Title 1"/>
+          <p:cNvSpPr>
+            <a:spLocks noGrp="1"/>
+          </p:cNvSpPr>
+          <p:nvPr>
+            <p:ph type="title"/>
+          </p:nvPr>
+        </p:nvSpPr>
+        <p:spPr/>
+        <p:txBody>
+          <a:bodyPr/>
+          <a:lstStyle/>
+          <a:p>
+            <a:r>
+              <a:rPr lang="sr-Latn-RS" dirty="0" smtClean="0"/>
+              <a:t>hello_express</a:t>
+            </a:r>
+            <a:endParaRPr lang="en-GB" dirty="0"/>
+          </a:p>
+        </p:txBody>
+      </p:sp>
+      <p:sp>
+        <p:nvSpPr>
+          <p:cNvPr id="3" name="Content Placeholder 2"/>
+          <p:cNvSpPr>
+            <a:spLocks noGrp="1"/>
+          </p:cNvSpPr>
+          <p:nvPr>
+            <p:ph idx="1"/>
+          </p:nvPr>
+        </p:nvSpPr>
+        <p:spPr/>
+        <p:txBody>
+          <a:bodyPr>
+            <a:normAutofit fontScale="70000" lnSpcReduction="20000"/>
+          </a:bodyPr>
+          <a:lstStyle/>
+          <a:p>
+            <a:pPr marL="0" indent="0">
+              <a:buNone/>
+            </a:pPr>
+            <a:r>
+              <a:rPr lang="sr-Latn-RS" dirty="0" smtClean="0">
+                <a:latin typeface="Courier New" panose="02070309020205020404" pitchFamily="49" charset="0"/>
+                <a:cs typeface="Courier New" panose="02070309020205020404" pitchFamily="49" charset="0"/>
+              </a:rPr>
+              <a:t>1 - npm init</a:t>
+            </a:r>
+          </a:p>
+          <a:p>
+            <a:pPr marL="0" indent="0">
+              <a:buNone/>
+            </a:pPr>
+            <a:r>
+              <a:rPr lang="sr-Latn-RS" dirty="0" smtClean="0">
+                <a:latin typeface="Courier New" panose="02070309020205020404" pitchFamily="49" charset="0"/>
+                <a:cs typeface="Courier New" panose="02070309020205020404" pitchFamily="49" charset="0"/>
+              </a:rPr>
+              <a:t>2 - npm install express –save</a:t>
+            </a:r>
+          </a:p>
+          <a:p>
+            <a:pPr marL="0" indent="0">
+              <a:buNone/>
+            </a:pPr>
+            <a:endParaRPr lang="sr-Latn-RS" dirty="0">
+              <a:latin typeface="Courier New" panose="02070309020205020404" pitchFamily="49" charset="0"/>
+              <a:cs typeface="Courier New" panose="02070309020205020404" pitchFamily="49" charset="0"/>
+            </a:endParaRPr>
+          </a:p>
+          <a:p>
+            <a:pPr marL="0" indent="0">
+              <a:buNone/>
+            </a:pPr>
+            <a:r>
+              <a:rPr lang="sr-Latn-RS" dirty="0" smtClean="0">
+                <a:latin typeface="Courier New" panose="02070309020205020404" pitchFamily="49" charset="0"/>
+                <a:cs typeface="Courier New" panose="02070309020205020404" pitchFamily="49" charset="0"/>
+              </a:rPr>
+              <a:t>3 – </a:t>
+            </a:r>
+            <a:r>
+              <a:rPr lang="sr-Latn-RS" b="1" dirty="0" smtClean="0">
+                <a:latin typeface="Courier New" panose="02070309020205020404" pitchFamily="49" charset="0"/>
+                <a:cs typeface="Courier New" panose="02070309020205020404" pitchFamily="49" charset="0"/>
+              </a:rPr>
+              <a:t>index.js</a:t>
+            </a:r>
+            <a:r>
+              <a:rPr lang="sr-Latn-RS" dirty="0" smtClean="0">
+                <a:latin typeface="Courier New" panose="02070309020205020404" pitchFamily="49" charset="0"/>
+                <a:cs typeface="Courier New" panose="02070309020205020404" pitchFamily="49" charset="0"/>
+              </a:rPr>
+              <a:t>: </a:t>
+            </a:r>
+          </a:p>
+          <a:p>
+            <a:pPr marL="0" indent="0">
+              <a:buNone/>
+            </a:pPr>
+            <a:r>
+              <a:rPr lang="en-GB" dirty="0" err="1" smtClean="0">
+                <a:latin typeface="Courier New" panose="02070309020205020404" pitchFamily="49" charset="0"/>
+                <a:cs typeface="Courier New" panose="02070309020205020404" pitchFamily="49" charset="0"/>
+              </a:rPr>
+              <a:t>var</a:t>
+            </a:r>
+            <a:r>
+              <a:rPr lang="en-GB" dirty="0" smtClean="0">
+                <a:latin typeface="Courier New" panose="02070309020205020404" pitchFamily="49" charset="0"/>
+                <a:cs typeface="Courier New" panose="02070309020205020404" pitchFamily="49" charset="0"/>
+              </a:rPr>
+              <a:t> </a:t>
+            </a:r>
+            <a:r>
+              <a:rPr lang="en-GB" dirty="0">
+                <a:latin typeface="Courier New" panose="02070309020205020404" pitchFamily="49" charset="0"/>
+                <a:cs typeface="Courier New" panose="02070309020205020404" pitchFamily="49" charset="0"/>
+              </a:rPr>
+              <a:t>express = require('express');</a:t>
+            </a:r>
+          </a:p>
+          <a:p>
+            <a:pPr marL="0" indent="0">
+              <a:buNone/>
+            </a:pPr>
+            <a:r>
+              <a:rPr lang="en-GB" dirty="0">
+                <a:latin typeface="Courier New" panose="02070309020205020404" pitchFamily="49" charset="0"/>
+                <a:cs typeface="Courier New" panose="02070309020205020404" pitchFamily="49" charset="0"/>
+              </a:rPr>
+              <a:t>express()</a:t>
+            </a:r>
+          </a:p>
+          <a:p>
+            <a:pPr marL="0" indent="0">
+              <a:buNone/>
+            </a:pPr>
+            <a:r>
+              <a:rPr lang="en-GB" dirty="0">
+                <a:latin typeface="Courier New" panose="02070309020205020404" pitchFamily="49" charset="0"/>
+                <a:cs typeface="Courier New" panose="02070309020205020404" pitchFamily="49" charset="0"/>
+              </a:rPr>
+              <a:t>  .use(function(</a:t>
+            </a:r>
+            <a:r>
+              <a:rPr lang="en-GB" dirty="0" err="1">
+                <a:latin typeface="Courier New" panose="02070309020205020404" pitchFamily="49" charset="0"/>
+                <a:cs typeface="Courier New" panose="02070309020205020404" pitchFamily="49" charset="0"/>
+              </a:rPr>
+              <a:t>req</a:t>
+            </a:r>
+            <a:r>
+              <a:rPr lang="en-GB" dirty="0">
+                <a:latin typeface="Courier New" panose="02070309020205020404" pitchFamily="49" charset="0"/>
+                <a:cs typeface="Courier New" panose="02070309020205020404" pitchFamily="49" charset="0"/>
+              </a:rPr>
+              <a:t>, res, next) {</a:t>
+            </a:r>
+          </a:p>
+          <a:p>
+            <a:pPr marL="0" indent="0">
+              <a:buNone/>
+            </a:pPr>
+            <a:r>
+              <a:rPr lang="en-GB" dirty="0">
+                <a:latin typeface="Courier New" panose="02070309020205020404" pitchFamily="49" charset="0"/>
+                <a:cs typeface="Courier New" panose="02070309020205020404" pitchFamily="49" charset="0"/>
+              </a:rPr>
+              <a:t>    </a:t>
+            </a:r>
+            <a:r>
+              <a:rPr lang="en-GB" dirty="0" err="1">
+                <a:latin typeface="Courier New" panose="02070309020205020404" pitchFamily="49" charset="0"/>
+                <a:cs typeface="Courier New" panose="02070309020205020404" pitchFamily="49" charset="0"/>
+              </a:rPr>
+              <a:t>res.end</a:t>
+            </a:r>
+            <a:r>
+              <a:rPr lang="en-GB" dirty="0">
+                <a:latin typeface="Courier New" panose="02070309020205020404" pitchFamily="49" charset="0"/>
+                <a:cs typeface="Courier New" panose="02070309020205020404" pitchFamily="49" charset="0"/>
+              </a:rPr>
+              <a:t>('hello express!');</a:t>
+            </a:r>
+          </a:p>
+          <a:p>
+            <a:pPr marL="0" indent="0">
+              <a:buNone/>
+            </a:pPr>
+            <a:r>
+              <a:rPr lang="en-GB" dirty="0">
+                <a:latin typeface="Courier New" panose="02070309020205020404" pitchFamily="49" charset="0"/>
+                <a:cs typeface="Courier New" panose="02070309020205020404" pitchFamily="49" charset="0"/>
+              </a:rPr>
+              <a:t>  })</a:t>
+            </a:r>
+          </a:p>
+          <a:p>
+            <a:pPr marL="0" indent="0">
+              <a:buNone/>
+            </a:pPr>
+            <a:r>
+              <a:rPr lang="en-GB" dirty="0">
+                <a:latin typeface="Courier New" panose="02070309020205020404" pitchFamily="49" charset="0"/>
+                <a:cs typeface="Courier New" panose="02070309020205020404" pitchFamily="49" charset="0"/>
+              </a:rPr>
+              <a:t>  .listen(3000);</a:t>
+            </a:r>
+          </a:p>
+          <a:p>
+            <a:pPr marL="0" indent="0">
+              <a:buNone/>
+            </a:pPr>
+            <a:endParaRPr lang="sr-Latn-RS" dirty="0" smtClean="0">
+              <a:latin typeface="Courier New" panose="02070309020205020404" pitchFamily="49" charset="0"/>
+              <a:cs typeface="Courier New" panose="02070309020205020404" pitchFamily="49" charset="0"/>
+            </a:endParaRPr>
+          </a:p>
+          <a:p>
+            <a:pPr marL="0" indent="0">
+              <a:buNone/>
+            </a:pPr>
+            <a:r>
+              <a:rPr lang="sr-Latn-RS" dirty="0">
+                <a:latin typeface="Courier New" panose="02070309020205020404" pitchFamily="49" charset="0"/>
+                <a:cs typeface="Courier New" panose="02070309020205020404" pitchFamily="49" charset="0"/>
+              </a:rPr>
+              <a:t>4</a:t>
+            </a:r>
+            <a:r>
+              <a:rPr lang="sr-Latn-RS" dirty="0" smtClean="0">
+                <a:latin typeface="Courier New" panose="02070309020205020404" pitchFamily="49" charset="0"/>
+                <a:cs typeface="Courier New" panose="02070309020205020404" pitchFamily="49" charset="0"/>
+              </a:rPr>
+              <a:t> - node index.js</a:t>
+            </a:r>
+            <a:endParaRPr lang="en-GB" dirty="0">
+              <a:latin typeface="Courier New" panose="02070309020205020404" pitchFamily="49" charset="0"/>
+              <a:cs typeface="Courier New" panose="02070309020205020404" pitchFamily="49" charset="0"/>
+            </a:endParaRPr>
+          </a:p>
+        </p:txBody>
+      </p:sp>
+    </p:spTree>
+    <p:extLst>
+      <p:ext uri="{BB962C8B-B14F-4D97-AF65-F5344CB8AC3E}">
+        <p14:creationId xmlns:p14="http://schemas.microsoft.com/office/powerpoint/2010/main" val="645398090"/>
+      </p:ext>
+    </p:extLst>
+  </p:cSld>
+  <p:clrMapOvr>
+    <a:masterClrMapping/>
+  </p:clrMapOvr>
+  <p:timing>
+    <p:tnLst>
+      <p:par>
+        <p:cTn id="1" dur="indefinite" restart="never" nodeType="tmRoot"/>
+      </p:par>
+    </p:tnLst>
+  </p:timing>
+</p:sld>
+</file>
+
+<file path=ppt/slides/slide16.xml><?xml version="1.0" encoding="utf-8"?>
+<p:sld xmlns:a="http://schemas.openxmlformats.org/drawingml/2006/main" xmlns:r="http://schemas.openxmlformats.org/officeDocument/2006/relationships" xmlns:p="http://schemas.openxmlformats.org/presentationml/2006/main">
+  <p:cSld>
+    <p:spTree>
+      <p:nvGrpSpPr>
+        <p:cNvPr id="1" name=""/>
+        <p:cNvGrpSpPr/>
+        <p:nvPr/>
+      </p:nvGrpSpPr>
+      <p:grpSpPr>
+        <a:xfrm>
+          <a:off x="0" y="0"/>
+          <a:ext cx="0" cy="0"/>
+          <a:chOff x="0" y="0"/>
+          <a:chExt cx="0" cy="0"/>
+        </a:xfrm>
+      </p:grpSpPr>
+      <p:sp>
+        <p:nvSpPr>
+          <p:cNvPr id="2" name="Title 1"/>
+          <p:cNvSpPr>
+            <a:spLocks noGrp="1"/>
+          </p:cNvSpPr>
+          <p:nvPr>
+            <p:ph type="title"/>
+          </p:nvPr>
+        </p:nvSpPr>
+        <p:spPr/>
+        <p:txBody>
+          <a:bodyPr/>
+          <a:lstStyle/>
+          <a:p>
+            <a:r>
+              <a:rPr lang="en-GB" dirty="0"/>
+              <a:t>Middleware </a:t>
+            </a:r>
+          </a:p>
+        </p:txBody>
+      </p:sp>
+      <p:sp>
+        <p:nvSpPr>
+          <p:cNvPr id="3" name="Content Placeholder 2"/>
+          <p:cNvSpPr>
+            <a:spLocks noGrp="1"/>
+          </p:cNvSpPr>
+          <p:nvPr>
+            <p:ph idx="1"/>
+          </p:nvPr>
+        </p:nvSpPr>
+        <p:spPr/>
+        <p:txBody>
+          <a:bodyPr>
+            <a:normAutofit/>
+          </a:bodyPr>
+          <a:lstStyle/>
+          <a:p>
+            <a:r>
+              <a:rPr lang="sr-Latn-RS" dirty="0" smtClean="0"/>
+              <a:t>Funkcije koje se pozivaju pre nego što se pozove request handler</a:t>
+            </a:r>
+          </a:p>
+          <a:p>
+            <a:r>
+              <a:rPr lang="sr-Latn-RS" dirty="0" smtClean="0"/>
+              <a:t>Ove funkcije se pozivaju u redosledu u kom su middleware-i dodati (middleware stack)</a:t>
+            </a:r>
+          </a:p>
+          <a:p>
+            <a:endParaRPr lang="en-GB" dirty="0"/>
+          </a:p>
+        </p:txBody>
+      </p:sp>
+    </p:spTree>
+    <p:extLst>
+      <p:ext uri="{BB962C8B-B14F-4D97-AF65-F5344CB8AC3E}">
+        <p14:creationId xmlns:p14="http://schemas.microsoft.com/office/powerpoint/2010/main" val="73220646"/>
+      </p:ext>
+    </p:extLst>
+  </p:cSld>
+  <p:clrMapOvr>
+    <a:masterClrMapping/>
+  </p:clrMapOvr>
+  <p:timing>
+    <p:tnLst>
+      <p:par>
+        <p:cTn id="1" dur="indefinite" restart="never" nodeType="tmRoot"/>
+      </p:par>
+    </p:tnLst>
+  </p:timing>
+</p:sld>
+</file>
+
+<file path=ppt/slides/slide17.xml><?xml version="1.0" encoding="utf-8"?>
+<p:sld xmlns:a="http://schemas.openxmlformats.org/drawingml/2006/main" xmlns:r="http://schemas.openxmlformats.org/officeDocument/2006/relationships" xmlns:p="http://schemas.openxmlformats.org/presentationml/2006/main">
+  <p:cSld>
+    <p:spTree>
+      <p:nvGrpSpPr>
+        <p:cNvPr id="1" name=""/>
+        <p:cNvGrpSpPr/>
+        <p:nvPr/>
+      </p:nvGrpSpPr>
+      <p:grpSpPr>
+        <a:xfrm>
+          <a:off x="0" y="0"/>
+          <a:ext cx="0" cy="0"/>
+          <a:chOff x="0" y="0"/>
+          <a:chExt cx="0" cy="0"/>
+        </a:xfrm>
+      </p:grpSpPr>
+      <p:sp>
+        <p:nvSpPr>
+          <p:cNvPr id="2" name="Title 1"/>
+          <p:cNvSpPr>
+            <a:spLocks noGrp="1"/>
+          </p:cNvSpPr>
+          <p:nvPr>
+            <p:ph type="title"/>
+          </p:nvPr>
+        </p:nvSpPr>
+        <p:spPr/>
+        <p:txBody>
+          <a:bodyPr/>
+          <a:lstStyle/>
+          <a:p>
+            <a:r>
+              <a:rPr lang="sr-Latn-RS" dirty="0" smtClean="0"/>
+              <a:t>static_server</a:t>
+            </a:r>
+            <a:endParaRPr lang="en-GB" dirty="0"/>
+          </a:p>
+        </p:txBody>
+      </p:sp>
+      <p:sp>
+        <p:nvSpPr>
+          <p:cNvPr id="3" name="Content Placeholder 2"/>
+          <p:cNvSpPr>
+            <a:spLocks noGrp="1"/>
+          </p:cNvSpPr>
+          <p:nvPr>
+            <p:ph idx="1"/>
+          </p:nvPr>
+        </p:nvSpPr>
+        <p:spPr/>
+        <p:txBody>
+          <a:bodyPr>
+            <a:normAutofit/>
+          </a:bodyPr>
+          <a:lstStyle/>
+          <a:p>
+            <a:pPr marL="0" indent="0">
+              <a:buNone/>
+            </a:pPr>
+            <a:r>
+              <a:rPr lang="en-GB" sz="2400" dirty="0" err="1">
+                <a:latin typeface="Courier New" panose="02070309020205020404" pitchFamily="49" charset="0"/>
+                <a:cs typeface="Courier New" panose="02070309020205020404" pitchFamily="49" charset="0"/>
+              </a:rPr>
+              <a:t>var</a:t>
+            </a:r>
+            <a:r>
+              <a:rPr lang="en-GB" sz="2400" dirty="0">
+                <a:latin typeface="Courier New" panose="02070309020205020404" pitchFamily="49" charset="0"/>
+                <a:cs typeface="Courier New" panose="02070309020205020404" pitchFamily="49" charset="0"/>
+              </a:rPr>
+              <a:t> express = require('express');</a:t>
+            </a:r>
+          </a:p>
+          <a:p>
+            <a:pPr marL="0" indent="0">
+              <a:buNone/>
+            </a:pPr>
+            <a:r>
+              <a:rPr lang="en-GB" sz="2400" dirty="0" err="1">
+                <a:latin typeface="Courier New" panose="02070309020205020404" pitchFamily="49" charset="0"/>
+                <a:cs typeface="Courier New" panose="02070309020205020404" pitchFamily="49" charset="0"/>
+              </a:rPr>
+              <a:t>var</a:t>
+            </a:r>
+            <a:r>
+              <a:rPr lang="en-GB" sz="2400" dirty="0">
+                <a:latin typeface="Courier New" panose="02070309020205020404" pitchFamily="49" charset="0"/>
+                <a:cs typeface="Courier New" panose="02070309020205020404" pitchFamily="49" charset="0"/>
+              </a:rPr>
+              <a:t> </a:t>
+            </a:r>
+            <a:r>
+              <a:rPr lang="en-GB" sz="2400" dirty="0" err="1">
+                <a:latin typeface="Courier New" panose="02070309020205020404" pitchFamily="49" charset="0"/>
+                <a:cs typeface="Courier New" panose="02070309020205020404" pitchFamily="49" charset="0"/>
+              </a:rPr>
+              <a:t>serveStatic</a:t>
+            </a:r>
+            <a:r>
+              <a:rPr lang="en-GB" sz="2400" dirty="0">
+                <a:latin typeface="Courier New" panose="02070309020205020404" pitchFamily="49" charset="0"/>
+                <a:cs typeface="Courier New" panose="02070309020205020404" pitchFamily="49" charset="0"/>
+              </a:rPr>
+              <a:t> = require('serve-static');</a:t>
+            </a:r>
+          </a:p>
+          <a:p>
+            <a:pPr marL="0" indent="0">
+              <a:buNone/>
+            </a:pPr>
+            <a:r>
+              <a:rPr lang="en-GB" sz="2400" dirty="0" err="1">
+                <a:latin typeface="Courier New" panose="02070309020205020404" pitchFamily="49" charset="0"/>
+                <a:cs typeface="Courier New" panose="02070309020205020404" pitchFamily="49" charset="0"/>
+              </a:rPr>
+              <a:t>var</a:t>
+            </a:r>
+            <a:r>
+              <a:rPr lang="en-GB" sz="2400" dirty="0">
+                <a:latin typeface="Courier New" panose="02070309020205020404" pitchFamily="49" charset="0"/>
+                <a:cs typeface="Courier New" panose="02070309020205020404" pitchFamily="49" charset="0"/>
+              </a:rPr>
+              <a:t> app = express()</a:t>
+            </a:r>
+          </a:p>
+          <a:p>
+            <a:pPr marL="0" indent="0">
+              <a:buNone/>
+            </a:pPr>
+            <a:r>
+              <a:rPr lang="en-GB" sz="2400" dirty="0">
+                <a:latin typeface="Courier New" panose="02070309020205020404" pitchFamily="49" charset="0"/>
+                <a:cs typeface="Courier New" panose="02070309020205020404" pitchFamily="49" charset="0"/>
+              </a:rPr>
+              <a:t>  </a:t>
+            </a:r>
+            <a:r>
+              <a:rPr lang="en-GB" sz="2400" b="1" dirty="0">
+                <a:latin typeface="Courier New" panose="02070309020205020404" pitchFamily="49" charset="0"/>
+                <a:cs typeface="Courier New" panose="02070309020205020404" pitchFamily="49" charset="0"/>
+              </a:rPr>
+              <a:t>.use(</a:t>
+            </a:r>
+            <a:r>
+              <a:rPr lang="en-GB" sz="2400" b="1" dirty="0" err="1">
+                <a:latin typeface="Courier New" panose="02070309020205020404" pitchFamily="49" charset="0"/>
+                <a:cs typeface="Courier New" panose="02070309020205020404" pitchFamily="49" charset="0"/>
+              </a:rPr>
+              <a:t>serveStatic</a:t>
+            </a:r>
+            <a:r>
+              <a:rPr lang="en-GB" sz="2400" b="1" dirty="0">
+                <a:latin typeface="Courier New" panose="02070309020205020404" pitchFamily="49" charset="0"/>
+                <a:cs typeface="Courier New" panose="02070309020205020404" pitchFamily="49" charset="0"/>
+              </a:rPr>
+              <a:t>(__</a:t>
+            </a:r>
+            <a:r>
+              <a:rPr lang="en-GB" sz="2400" b="1" dirty="0" err="1">
+                <a:latin typeface="Courier New" panose="02070309020205020404" pitchFamily="49" charset="0"/>
+                <a:cs typeface="Courier New" panose="02070309020205020404" pitchFamily="49" charset="0"/>
+              </a:rPr>
+              <a:t>dirname</a:t>
+            </a:r>
+            <a:r>
+              <a:rPr lang="en-GB" sz="2400" b="1" dirty="0">
+                <a:latin typeface="Courier New" panose="02070309020205020404" pitchFamily="49" charset="0"/>
+                <a:cs typeface="Courier New" panose="02070309020205020404" pitchFamily="49" charset="0"/>
+              </a:rPr>
+              <a:t> + '/static'))</a:t>
+            </a:r>
+          </a:p>
+          <a:p>
+            <a:pPr marL="0" indent="0">
+              <a:buNone/>
+            </a:pPr>
+            <a:r>
+              <a:rPr lang="en-GB" sz="2400" dirty="0">
+                <a:latin typeface="Courier New" panose="02070309020205020404" pitchFamily="49" charset="0"/>
+                <a:cs typeface="Courier New" panose="02070309020205020404" pitchFamily="49" charset="0"/>
+              </a:rPr>
+              <a:t>  .listen(3000);</a:t>
+            </a:r>
+          </a:p>
+        </p:txBody>
+      </p:sp>
+    </p:spTree>
+    <p:extLst>
+      <p:ext uri="{BB962C8B-B14F-4D97-AF65-F5344CB8AC3E}">
+        <p14:creationId xmlns:p14="http://schemas.microsoft.com/office/powerpoint/2010/main" val="1639639932"/>
+      </p:ext>
+    </p:extLst>
+  </p:cSld>
+  <p:clrMapOvr>
+    <a:masterClrMapping/>
+  </p:clrMapOvr>
+  <p:timing>
+    <p:tnLst>
+      <p:par>
+        <p:cTn id="1" dur="indefinite" restart="never" nodeType="tmRoot"/>
+      </p:par>
+    </p:tnLst>
+  </p:timing>
+</p:sld>
+</file>
+
+<file path=ppt/slides/slide18.xml><?xml version="1.0" encoding="utf-8"?>
+<p:sld xmlns:a="http://schemas.openxmlformats.org/drawingml/2006/main" xmlns:r="http://schemas.openxmlformats.org/officeDocument/2006/relationships" xmlns:p="http://schemas.openxmlformats.org/presentationml/2006/main">
+  <p:cSld>
+    <p:spTree>
+      <p:nvGrpSpPr>
+        <p:cNvPr id="1" name=""/>
+        <p:cNvGrpSpPr/>
+        <p:nvPr/>
+      </p:nvGrpSpPr>
+      <p:grpSpPr>
+        <a:xfrm>
+          <a:off x="0" y="0"/>
+          <a:ext cx="0" cy="0"/>
+          <a:chOff x="0" y="0"/>
+          <a:chExt cx="0" cy="0"/>
+        </a:xfrm>
+      </p:grpSpPr>
+      <p:sp>
+        <p:nvSpPr>
+          <p:cNvPr id="2" name="Title 1"/>
+          <p:cNvSpPr>
+            <a:spLocks noGrp="1"/>
+          </p:cNvSpPr>
+          <p:nvPr>
+            <p:ph type="title"/>
+          </p:nvPr>
+        </p:nvSpPr>
+        <p:spPr/>
+        <p:txBody>
+          <a:bodyPr/>
+          <a:lstStyle/>
+          <a:p>
+            <a:r>
+              <a:rPr lang="sr-Latn-RS" dirty="0" smtClean="0"/>
+              <a:t>static_server</a:t>
+            </a:r>
+            <a:endParaRPr lang="en-GB" dirty="0"/>
+          </a:p>
+        </p:txBody>
+      </p:sp>
+      <p:sp>
+        <p:nvSpPr>
+          <p:cNvPr id="3" name="Content Placeholder 2"/>
+          <p:cNvSpPr>
+            <a:spLocks noGrp="1"/>
+          </p:cNvSpPr>
+          <p:nvPr>
+            <p:ph idx="1"/>
+          </p:nvPr>
+        </p:nvSpPr>
+        <p:spPr/>
+        <p:txBody>
+          <a:bodyPr>
+            <a:normAutofit/>
+          </a:bodyPr>
+          <a:lstStyle/>
+          <a:p>
+            <a:r>
+              <a:rPr lang="sr-Latn-RS" dirty="0" smtClean="0"/>
+              <a:t>Postavlja odgovarajući mime tip za odgovor</a:t>
+            </a:r>
+            <a:endParaRPr lang="en-GB" dirty="0"/>
+          </a:p>
+          <a:p>
+            <a:r>
+              <a:rPr lang="sr-Latn-RS" dirty="0" smtClean="0"/>
+              <a:t>Postavlja odgovarajući HTTP response kod</a:t>
+            </a:r>
+          </a:p>
+          <a:p>
+            <a:r>
+              <a:rPr lang="sr-Latn-RS" dirty="0" smtClean="0"/>
+              <a:t>Ograničava pristup statičkom sadržaju na folder koji je navedene (nije moguće pristupit nadfolderu sa ../ u putanji)</a:t>
+            </a:r>
+          </a:p>
+          <a:p>
+            <a:r>
+              <a:rPr lang="sr-Latn-RS" dirty="0" smtClean="0"/>
+              <a:t>Servira index.html iz direktorijuma ukoliko je putanja direktorijum</a:t>
+            </a:r>
+          </a:p>
+        </p:txBody>
+      </p:sp>
+    </p:spTree>
+    <p:extLst>
+      <p:ext uri="{BB962C8B-B14F-4D97-AF65-F5344CB8AC3E}">
+        <p14:creationId xmlns:p14="http://schemas.microsoft.com/office/powerpoint/2010/main" val="270210412"/>
+      </p:ext>
+    </p:extLst>
+  </p:cSld>
+  <p:clrMapOvr>
+    <a:masterClrMapping/>
+  </p:clrMapOvr>
+  <p:timing>
+    <p:tnLst>
+      <p:par>
+        <p:cTn id="1" dur="indefinite" restart="never" nodeType="tmRoot"/>
+      </p:par>
+    </p:tnLst>
+  </p:timing>
+</p:sld>
+</file>
+
+<file path=ppt/slides/slide19.xml><?xml version="1.0" encoding="utf-8"?>
+<p:sld xmlns:a="http://schemas.openxmlformats.org/drawingml/2006/main" xmlns:r="http://schemas.openxmlformats.org/officeDocument/2006/relationships" xmlns:p="http://schemas.openxmlformats.org/presentationml/2006/main">
+  <p:cSld>
+    <p:spTree>
+      <p:nvGrpSpPr>
+        <p:cNvPr id="1" name=""/>
+        <p:cNvGrpSpPr/>
+        <p:nvPr/>
+      </p:nvGrpSpPr>
+      <p:grpSpPr>
+        <a:xfrm>
+          <a:off x="0" y="0"/>
+          <a:ext cx="0" cy="0"/>
+          <a:chOff x="0" y="0"/>
+          <a:chExt cx="0" cy="0"/>
+        </a:xfrm>
+      </p:grpSpPr>
+      <p:sp>
+        <p:nvSpPr>
+          <p:cNvPr id="2" name="Title 1"/>
+          <p:cNvSpPr>
+            <a:spLocks noGrp="1"/>
+          </p:cNvSpPr>
+          <p:nvPr>
+            <p:ph type="title"/>
+          </p:nvPr>
+        </p:nvSpPr>
+        <p:spPr/>
+        <p:txBody>
+          <a:bodyPr/>
+          <a:lstStyle/>
+          <a:p>
+            <a:r>
+              <a:rPr lang="sr-Latn-RS" dirty="0" smtClean="0"/>
+              <a:t>serve-index middleware</a:t>
+            </a:r>
+            <a:endParaRPr lang="en-GB" dirty="0"/>
+          </a:p>
+        </p:txBody>
+      </p:sp>
+      <p:sp>
+        <p:nvSpPr>
+          <p:cNvPr id="3" name="Content Placeholder 2"/>
+          <p:cNvSpPr>
+            <a:spLocks noGrp="1"/>
+          </p:cNvSpPr>
+          <p:nvPr>
+            <p:ph idx="1"/>
+          </p:nvPr>
+        </p:nvSpPr>
+        <p:spPr/>
+        <p:txBody>
+          <a:bodyPr>
+            <a:normAutofit/>
+          </a:bodyPr>
+          <a:lstStyle/>
+          <a:p>
+            <a:pPr marL="0" indent="0">
+              <a:buNone/>
+            </a:pPr>
+            <a:r>
+              <a:rPr lang="en-GB" sz="2400" dirty="0" err="1">
+                <a:latin typeface="Courier New" panose="02070309020205020404" pitchFamily="49" charset="0"/>
+                <a:cs typeface="Courier New" panose="02070309020205020404" pitchFamily="49" charset="0"/>
+              </a:rPr>
+              <a:t>var</a:t>
+            </a:r>
+            <a:r>
+              <a:rPr lang="en-GB" sz="2400" dirty="0">
+                <a:latin typeface="Courier New" panose="02070309020205020404" pitchFamily="49" charset="0"/>
+                <a:cs typeface="Courier New" panose="02070309020205020404" pitchFamily="49" charset="0"/>
+              </a:rPr>
+              <a:t> express = require('express</a:t>
+            </a:r>
+            <a:r>
+              <a:rPr lang="en-GB" sz="2400" dirty="0" smtClean="0">
+                <a:latin typeface="Courier New" panose="02070309020205020404" pitchFamily="49" charset="0"/>
+                <a:cs typeface="Courier New" panose="02070309020205020404" pitchFamily="49" charset="0"/>
+              </a:rPr>
+              <a:t>');</a:t>
+            </a:r>
+          </a:p>
+          <a:p>
+            <a:pPr marL="0" indent="0">
+              <a:buNone/>
+            </a:pPr>
+            <a:r>
+              <a:rPr lang="en-GB" sz="2400" dirty="0" err="1" smtClean="0">
+                <a:latin typeface="Courier New" panose="02070309020205020404" pitchFamily="49" charset="0"/>
+                <a:cs typeface="Courier New" panose="02070309020205020404" pitchFamily="49" charset="0"/>
+              </a:rPr>
+              <a:t>var</a:t>
+            </a:r>
+            <a:r>
+              <a:rPr lang="en-GB" sz="2400" dirty="0" smtClean="0">
+                <a:latin typeface="Courier New" panose="02070309020205020404" pitchFamily="49" charset="0"/>
+                <a:cs typeface="Courier New" panose="02070309020205020404" pitchFamily="49" charset="0"/>
+              </a:rPr>
+              <a:t> </a:t>
+            </a:r>
+            <a:r>
+              <a:rPr lang="en-GB" sz="2400" dirty="0" err="1">
+                <a:latin typeface="Courier New" panose="02070309020205020404" pitchFamily="49" charset="0"/>
+                <a:cs typeface="Courier New" panose="02070309020205020404" pitchFamily="49" charset="0"/>
+              </a:rPr>
+              <a:t>serveIndex</a:t>
+            </a:r>
+            <a:r>
+              <a:rPr lang="en-GB" sz="2400" dirty="0">
+                <a:latin typeface="Courier New" panose="02070309020205020404" pitchFamily="49" charset="0"/>
+                <a:cs typeface="Courier New" panose="02070309020205020404" pitchFamily="49" charset="0"/>
+              </a:rPr>
+              <a:t> = require('</a:t>
+            </a:r>
+            <a:r>
+              <a:rPr lang="en-GB" sz="2400" b="1" dirty="0">
+                <a:latin typeface="Courier New" panose="02070309020205020404" pitchFamily="49" charset="0"/>
+                <a:cs typeface="Courier New" panose="02070309020205020404" pitchFamily="49" charset="0"/>
+              </a:rPr>
+              <a:t>serve-index</a:t>
+            </a:r>
+            <a:r>
+              <a:rPr lang="en-GB" sz="2400" dirty="0">
+                <a:latin typeface="Courier New" panose="02070309020205020404" pitchFamily="49" charset="0"/>
+                <a:cs typeface="Courier New" panose="02070309020205020404" pitchFamily="49" charset="0"/>
+              </a:rPr>
+              <a:t>');</a:t>
+            </a:r>
+          </a:p>
+          <a:p>
+            <a:pPr marL="0" indent="0">
+              <a:buNone/>
+            </a:pPr>
+            <a:r>
+              <a:rPr lang="en-GB" sz="2400" dirty="0" err="1">
+                <a:latin typeface="Courier New" panose="02070309020205020404" pitchFamily="49" charset="0"/>
+                <a:cs typeface="Courier New" panose="02070309020205020404" pitchFamily="49" charset="0"/>
+              </a:rPr>
+              <a:t>var</a:t>
+            </a:r>
+            <a:r>
+              <a:rPr lang="en-GB" sz="2400" dirty="0">
+                <a:latin typeface="Courier New" panose="02070309020205020404" pitchFamily="49" charset="0"/>
+                <a:cs typeface="Courier New" panose="02070309020205020404" pitchFamily="49" charset="0"/>
+              </a:rPr>
+              <a:t> </a:t>
+            </a:r>
+            <a:r>
+              <a:rPr lang="en-GB" sz="2400" dirty="0" err="1">
+                <a:latin typeface="Courier New" panose="02070309020205020404" pitchFamily="49" charset="0"/>
+                <a:cs typeface="Courier New" panose="02070309020205020404" pitchFamily="49" charset="0"/>
+              </a:rPr>
+              <a:t>serveStatic</a:t>
+            </a:r>
+            <a:r>
+              <a:rPr lang="en-GB" sz="2400" dirty="0">
+                <a:latin typeface="Courier New" panose="02070309020205020404" pitchFamily="49" charset="0"/>
+                <a:cs typeface="Courier New" panose="02070309020205020404" pitchFamily="49" charset="0"/>
+              </a:rPr>
+              <a:t> = require('serve-static');</a:t>
+            </a:r>
+          </a:p>
+          <a:p>
+            <a:pPr marL="0" indent="0">
+              <a:buNone/>
+            </a:pPr>
+            <a:r>
+              <a:rPr lang="en-GB" sz="2400" dirty="0" err="1">
+                <a:latin typeface="Courier New" panose="02070309020205020404" pitchFamily="49" charset="0"/>
+                <a:cs typeface="Courier New" panose="02070309020205020404" pitchFamily="49" charset="0"/>
+              </a:rPr>
+              <a:t>var</a:t>
+            </a:r>
+            <a:r>
+              <a:rPr lang="en-GB" sz="2400" dirty="0">
+                <a:latin typeface="Courier New" panose="02070309020205020404" pitchFamily="49" charset="0"/>
+                <a:cs typeface="Courier New" panose="02070309020205020404" pitchFamily="49" charset="0"/>
+              </a:rPr>
+              <a:t> app = express()</a:t>
+            </a:r>
+          </a:p>
+          <a:p>
+            <a:pPr marL="0" indent="0">
+              <a:buNone/>
+            </a:pPr>
+            <a:r>
+              <a:rPr lang="en-GB" sz="2400" b="1" dirty="0">
+                <a:latin typeface="Courier New" panose="02070309020205020404" pitchFamily="49" charset="0"/>
+                <a:cs typeface="Courier New" panose="02070309020205020404" pitchFamily="49" charset="0"/>
+              </a:rPr>
+              <a:t>  .use(</a:t>
+            </a:r>
+            <a:r>
+              <a:rPr lang="en-GB" sz="2400" b="1" dirty="0" err="1">
+                <a:latin typeface="Courier New" panose="02070309020205020404" pitchFamily="49" charset="0"/>
+                <a:cs typeface="Courier New" panose="02070309020205020404" pitchFamily="49" charset="0"/>
+              </a:rPr>
+              <a:t>serveIndex</a:t>
+            </a:r>
+            <a:r>
+              <a:rPr lang="en-GB" sz="2400" b="1" dirty="0">
+                <a:latin typeface="Courier New" panose="02070309020205020404" pitchFamily="49" charset="0"/>
+                <a:cs typeface="Courier New" panose="02070309020205020404" pitchFamily="49" charset="0"/>
+              </a:rPr>
+              <a:t>(__</a:t>
+            </a:r>
+            <a:r>
+              <a:rPr lang="en-GB" sz="2400" b="1" dirty="0" err="1">
+                <a:latin typeface="Courier New" panose="02070309020205020404" pitchFamily="49" charset="0"/>
+                <a:cs typeface="Courier New" panose="02070309020205020404" pitchFamily="49" charset="0"/>
+              </a:rPr>
+              <a:t>dirname</a:t>
+            </a:r>
+            <a:r>
+              <a:rPr lang="en-GB" sz="2400" b="1" dirty="0">
+                <a:latin typeface="Courier New" panose="02070309020205020404" pitchFamily="49" charset="0"/>
+                <a:cs typeface="Courier New" panose="02070309020205020404" pitchFamily="49" charset="0"/>
+              </a:rPr>
+              <a:t> + '/static'))</a:t>
+            </a:r>
+          </a:p>
+          <a:p>
+            <a:pPr marL="0" indent="0">
+              <a:buNone/>
+            </a:pPr>
+            <a:r>
+              <a:rPr lang="en-GB" sz="2400" dirty="0">
+                <a:latin typeface="Courier New" panose="02070309020205020404" pitchFamily="49" charset="0"/>
+                <a:cs typeface="Courier New" panose="02070309020205020404" pitchFamily="49" charset="0"/>
+              </a:rPr>
+              <a:t>  .use(</a:t>
+            </a:r>
+            <a:r>
+              <a:rPr lang="en-GB" sz="2400" dirty="0" err="1">
+                <a:latin typeface="Courier New" panose="02070309020205020404" pitchFamily="49" charset="0"/>
+                <a:cs typeface="Courier New" panose="02070309020205020404" pitchFamily="49" charset="0"/>
+              </a:rPr>
+              <a:t>serveStatic</a:t>
+            </a:r>
+            <a:r>
+              <a:rPr lang="en-GB" sz="2400" dirty="0">
+                <a:latin typeface="Courier New" panose="02070309020205020404" pitchFamily="49" charset="0"/>
+                <a:cs typeface="Courier New" panose="02070309020205020404" pitchFamily="49" charset="0"/>
+              </a:rPr>
+              <a:t>(__</a:t>
+            </a:r>
+            <a:r>
+              <a:rPr lang="en-GB" sz="2400" dirty="0" err="1">
+                <a:latin typeface="Courier New" panose="02070309020205020404" pitchFamily="49" charset="0"/>
+                <a:cs typeface="Courier New" panose="02070309020205020404" pitchFamily="49" charset="0"/>
+              </a:rPr>
+              <a:t>dirname</a:t>
+            </a:r>
+            <a:r>
+              <a:rPr lang="en-GB" sz="2400" dirty="0">
+                <a:latin typeface="Courier New" panose="02070309020205020404" pitchFamily="49" charset="0"/>
+                <a:cs typeface="Courier New" panose="02070309020205020404" pitchFamily="49" charset="0"/>
+              </a:rPr>
+              <a:t> + '/static'))</a:t>
+            </a:r>
+          </a:p>
+          <a:p>
+            <a:pPr marL="0" indent="0">
+              <a:buNone/>
+            </a:pPr>
+            <a:r>
+              <a:rPr lang="en-GB" sz="2400" dirty="0">
+                <a:latin typeface="Courier New" panose="02070309020205020404" pitchFamily="49" charset="0"/>
+                <a:cs typeface="Courier New" panose="02070309020205020404" pitchFamily="49" charset="0"/>
+              </a:rPr>
+              <a:t>  .listen(3000);</a:t>
+            </a:r>
+          </a:p>
+          <a:p>
+            <a:pPr marL="0" indent="0">
+              <a:buNone/>
+            </a:pPr>
+            <a:endParaRPr lang="sr-Latn-RS" sz="2400" dirty="0" smtClean="0">
+              <a:latin typeface="Courier New" panose="02070309020205020404" pitchFamily="49" charset="0"/>
+              <a:cs typeface="Courier New" panose="02070309020205020404" pitchFamily="49" charset="0"/>
+            </a:endParaRPr>
+          </a:p>
+          <a:p>
+            <a:pPr marL="0" indent="0">
+              <a:buNone/>
+            </a:pPr>
+            <a:endParaRPr lang="en-GB" sz="2400" dirty="0">
+              <a:latin typeface="Courier New" panose="02070309020205020404" pitchFamily="49" charset="0"/>
+              <a:cs typeface="Courier New" panose="02070309020205020404" pitchFamily="49" charset="0"/>
+            </a:endParaRPr>
+          </a:p>
+        </p:txBody>
+      </p:sp>
+      <p:pic>
+        <p:nvPicPr>
+          <p:cNvPr id="1027" name="Picture 3"/>
+          <p:cNvPicPr>
+            <a:picLocks noChangeAspect="1" noChangeArrowheads="1"/>
+          </p:cNvPicPr>
+          <p:nvPr/>
+        </p:nvPicPr>
+        <p:blipFill>
+          <a:blip r:embed="rId2">
+            <a:extLst>
+              <a:ext uri="{28A0092B-C50C-407E-A947-70E740481C1C}">
+                <a14:useLocalDpi xmlns:a14="http://schemas.microsoft.com/office/drawing/2010/main" val="0"/>
+              </a:ext>
+            </a:extLst>
+          </a:blip>
+          <a:srcRect/>
+          <a:stretch>
+            <a:fillRect/>
+          </a:stretch>
+        </p:blipFill>
+        <p:spPr bwMode="auto">
+          <a:xfrm>
+            <a:off x="14288" y="4848225"/>
+            <a:ext cx="9115425" cy="2009775"/>
+          </a:xfrm>
+          <a:prstGeom prst="rect">
+            <a:avLst/>
+          </a:prstGeom>
+          <a:noFill/>
+          <a:ln>
+            <a:noFill/>
+          </a:ln>
+          <a:extLst>
+            <a:ext uri="{909E8E84-426E-40DD-AFC4-6F175D3DCCD1}">
+              <a14:hiddenFill xmlns:a14="http://schemas.microsoft.com/office/drawing/2010/main">
+                <a:solidFill>
+                  <a:schemeClr val="accent1"/>
+                </a:solidFill>
+              </a14:hiddenFill>
+            </a:ext>
+            <a:ext uri="{91240B29-F687-4F45-9708-019B960494DF}">
+              <a14:hiddenLine xmlns:a14="http://schemas.microsoft.com/office/drawing/2010/main" w="9525">
+                <a:solidFill>
+                  <a:schemeClr val="tx1"/>
+                </a:solidFill>
+                <a:miter lim="800000"/>
+                <a:headEnd/>
+                <a:tailEnd/>
+              </a14:hiddenLine>
+            </a:ext>
+          </a:extLst>
+        </p:spPr>
+      </p:pic>
+    </p:spTree>
+    <p:extLst>
+      <p:ext uri="{BB962C8B-B14F-4D97-AF65-F5344CB8AC3E}">
+        <p14:creationId xmlns:p14="http://schemas.microsoft.com/office/powerpoint/2010/main" val="2453395812"/>
       </p:ext>
     </p:extLst>
   </p:cSld>
@@ -3162,7 +5453,11 @@
           <a:bodyPr/>
           <a:lstStyle/>
           <a:p>
-            <a:endParaRPr lang="en-GB"/>
+            <a:r>
+              <a:rPr lang="sr-Latn-RS" dirty="0" smtClean="0"/>
+              <a:t>Sadržaj</a:t>
+            </a:r>
+            <a:endParaRPr lang="en-GB" dirty="0"/>
           </a:p>
         </p:txBody>
       </p:sp>
@@ -3181,7 +5476,27 @@
           <a:bodyPr/>
           <a:lstStyle/>
           <a:p>
-            <a:endParaRPr lang="en-GB"/>
+            <a:r>
+              <a:rPr lang="sr-Latn-RS" dirty="0" smtClean="0"/>
+              <a:t>Upravljanje zavisnostima</a:t>
+            </a:r>
+          </a:p>
+          <a:p>
+            <a:r>
+              <a:rPr lang="sr-Latn-RS" dirty="0" smtClean="0"/>
+              <a:t>REST servisi</a:t>
+            </a:r>
+          </a:p>
+          <a:p>
+            <a:r>
+              <a:rPr lang="sr-Latn-RS" dirty="0"/>
+              <a:t>Perzistencija </a:t>
+            </a:r>
+            <a:r>
+              <a:rPr lang="sr-Latn-RS" dirty="0" smtClean="0"/>
+              <a:t>podataka</a:t>
+            </a:r>
+            <a:endParaRPr lang="sr-Latn-RS" dirty="0"/>
           </a:p>
         </p:txBody>
       </p:sp>
@@ -3189,6 +5504,4318 @@
     <p:extLst>
       <p:ext uri="{BB962C8B-B14F-4D97-AF65-F5344CB8AC3E}">
         <p14:creationId xmlns:p14="http://schemas.microsoft.com/office/powerpoint/2010/main" val="51781529"/>
+      </p:ext>
+    </p:extLst>
+  </p:cSld>
+  <p:clrMapOvr>
+    <a:masterClrMapping/>
+  </p:clrMapOvr>
+  <p:timing>
+    <p:tnLst>
+      <p:par>
+        <p:cTn id="1" dur="indefinite" restart="never" nodeType="tmRoot"/>
+      </p:par>
+    </p:tnLst>
+  </p:timing>
+</p:sld>
+</file>
+
+<file path=ppt/slides/slide20.xml><?xml version="1.0" encoding="utf-8"?>
+<p:sld xmlns:a="http://schemas.openxmlformats.org/drawingml/2006/main" xmlns:r="http://schemas.openxmlformats.org/officeDocument/2006/relationships" xmlns:p="http://schemas.openxmlformats.org/presentationml/2006/main">
+  <p:cSld>
+    <p:spTree>
+      <p:nvGrpSpPr>
+        <p:cNvPr id="1" name=""/>
+        <p:cNvGrpSpPr/>
+        <p:nvPr/>
+      </p:nvGrpSpPr>
+      <p:grpSpPr>
+        <a:xfrm>
+          <a:off x="0" y="0"/>
+          <a:ext cx="0" cy="0"/>
+          <a:chOff x="0" y="0"/>
+          <a:chExt cx="0" cy="0"/>
+        </a:xfrm>
+      </p:grpSpPr>
+      <p:sp>
+        <p:nvSpPr>
+          <p:cNvPr id="2" name="Title 1"/>
+          <p:cNvSpPr>
+            <a:spLocks noGrp="1"/>
+          </p:cNvSpPr>
+          <p:nvPr>
+            <p:ph type="title"/>
+          </p:nvPr>
+        </p:nvSpPr>
+        <p:spPr/>
+        <p:txBody>
+          <a:bodyPr/>
+          <a:lstStyle/>
+          <a:p>
+            <a:r>
+              <a:rPr lang="sr-Latn-RS" dirty="0" smtClean="0"/>
+              <a:t>Preuzimanje parametara</a:t>
+            </a:r>
+            <a:endParaRPr lang="en-GB" dirty="0"/>
+          </a:p>
+        </p:txBody>
+      </p:sp>
+      <p:sp>
+        <p:nvSpPr>
+          <p:cNvPr id="3" name="Content Placeholder 2"/>
+          <p:cNvSpPr>
+            <a:spLocks noGrp="1"/>
+          </p:cNvSpPr>
+          <p:nvPr>
+            <p:ph idx="1"/>
+          </p:nvPr>
+        </p:nvSpPr>
+        <p:spPr/>
+        <p:txBody>
+          <a:bodyPr/>
+          <a:lstStyle/>
+          <a:p>
+            <a:r>
+              <a:rPr lang="sr-Latn-RS" dirty="0" smtClean="0"/>
+              <a:t>Parsiranje tela zahteva i preuzimanje parametara:</a:t>
+            </a:r>
+          </a:p>
+          <a:p>
+            <a:pPr lvl="1"/>
+            <a:r>
+              <a:rPr lang="sr-Latn-RS" dirty="0" smtClean="0"/>
+              <a:t>Parsiranje se vrši ukoliko je content-type </a:t>
+            </a:r>
+            <a:r>
+              <a:rPr lang="en-GB" dirty="0" smtClean="0"/>
+              <a:t>application/JSON</a:t>
+            </a:r>
+            <a:r>
+              <a:rPr lang="sr-Latn-RS" dirty="0" smtClean="0"/>
+              <a:t> ili 	</a:t>
+            </a:r>
+            <a:r>
+              <a:rPr lang="en-GB" dirty="0"/>
+              <a:t> </a:t>
+            </a:r>
+            <a:r>
+              <a:rPr lang="en-GB" dirty="0" smtClean="0"/>
+              <a:t>application/x-www-form-</a:t>
+            </a:r>
+            <a:r>
+              <a:rPr lang="en-GB" dirty="0" err="1" smtClean="0"/>
+              <a:t>urlencoded</a:t>
+            </a:r>
+            <a:endParaRPr lang="sr-Latn-RS" dirty="0" smtClean="0"/>
+          </a:p>
+          <a:p>
+            <a:pPr lvl="1"/>
+            <a:r>
+              <a:rPr lang="sr-Latn-RS" dirty="0" smtClean="0"/>
+              <a:t>Kreiranje JavaScript objekta koji reprezentuje zahtev</a:t>
+            </a:r>
+          </a:p>
+          <a:p>
+            <a:r>
+              <a:rPr lang="sr-Latn-RS" dirty="0" smtClean="0"/>
+              <a:t>Middleware body-parser</a:t>
+            </a:r>
+          </a:p>
+        </p:txBody>
+      </p:sp>
+    </p:spTree>
+    <p:extLst>
+      <p:ext uri="{BB962C8B-B14F-4D97-AF65-F5344CB8AC3E}">
+        <p14:creationId xmlns:p14="http://schemas.microsoft.com/office/powerpoint/2010/main" val="1076803665"/>
+      </p:ext>
+    </p:extLst>
+  </p:cSld>
+  <p:clrMapOvr>
+    <a:masterClrMapping/>
+  </p:clrMapOvr>
+  <p:timing>
+    <p:tnLst>
+      <p:par>
+        <p:cTn id="1" dur="indefinite" restart="never" nodeType="tmRoot"/>
+      </p:par>
+    </p:tnLst>
+  </p:timing>
+</p:sld>
+</file>
+
+<file path=ppt/slides/slide21.xml><?xml version="1.0" encoding="utf-8"?>
+<p:sld xmlns:a="http://schemas.openxmlformats.org/drawingml/2006/main" xmlns:r="http://schemas.openxmlformats.org/officeDocument/2006/relationships" xmlns:p="http://schemas.openxmlformats.org/presentationml/2006/main">
+  <p:cSld>
+    <p:spTree>
+      <p:nvGrpSpPr>
+        <p:cNvPr id="1" name=""/>
+        <p:cNvGrpSpPr/>
+        <p:nvPr/>
+      </p:nvGrpSpPr>
+      <p:grpSpPr>
+        <a:xfrm>
+          <a:off x="0" y="0"/>
+          <a:ext cx="0" cy="0"/>
+          <a:chOff x="0" y="0"/>
+          <a:chExt cx="0" cy="0"/>
+        </a:xfrm>
+      </p:grpSpPr>
+      <p:sp>
+        <p:nvSpPr>
+          <p:cNvPr id="2" name="Title 1"/>
+          <p:cNvSpPr>
+            <a:spLocks noGrp="1"/>
+          </p:cNvSpPr>
+          <p:nvPr>
+            <p:ph type="title"/>
+          </p:nvPr>
+        </p:nvSpPr>
+        <p:spPr/>
+        <p:txBody>
+          <a:bodyPr/>
+          <a:lstStyle/>
+          <a:p>
+            <a:r>
+              <a:rPr lang="sr-Latn-RS" dirty="0" smtClean="0"/>
+              <a:t>paremeters</a:t>
+            </a:r>
+            <a:endParaRPr lang="en-GB" dirty="0"/>
+          </a:p>
+        </p:txBody>
+      </p:sp>
+      <p:sp>
+        <p:nvSpPr>
+          <p:cNvPr id="3" name="Content Placeholder 2"/>
+          <p:cNvSpPr>
+            <a:spLocks noGrp="1"/>
+          </p:cNvSpPr>
+          <p:nvPr>
+            <p:ph idx="1"/>
+          </p:nvPr>
+        </p:nvSpPr>
+        <p:spPr/>
+        <p:txBody>
+          <a:bodyPr>
+            <a:normAutofit fontScale="47500" lnSpcReduction="20000"/>
+          </a:bodyPr>
+          <a:lstStyle/>
+          <a:p>
+            <a:pPr marL="0" indent="0">
+              <a:buNone/>
+            </a:pPr>
+            <a:r>
+              <a:rPr lang="en-GB" dirty="0" err="1">
+                <a:latin typeface="Courier New" panose="02070309020205020404" pitchFamily="49" charset="0"/>
+                <a:cs typeface="Courier New" panose="02070309020205020404" pitchFamily="49" charset="0"/>
+              </a:rPr>
+              <a:t>var</a:t>
+            </a:r>
+            <a:r>
+              <a:rPr lang="en-GB" dirty="0">
+                <a:latin typeface="Courier New" panose="02070309020205020404" pitchFamily="49" charset="0"/>
+                <a:cs typeface="Courier New" panose="02070309020205020404" pitchFamily="49" charset="0"/>
+              </a:rPr>
+              <a:t> express = require('express');</a:t>
+            </a:r>
+          </a:p>
+          <a:p>
+            <a:pPr marL="0" indent="0">
+              <a:buNone/>
+            </a:pPr>
+            <a:r>
+              <a:rPr lang="en-GB" b="1" dirty="0" err="1">
+                <a:latin typeface="Courier New" panose="02070309020205020404" pitchFamily="49" charset="0"/>
+                <a:cs typeface="Courier New" panose="02070309020205020404" pitchFamily="49" charset="0"/>
+              </a:rPr>
+              <a:t>var</a:t>
+            </a:r>
+            <a:r>
+              <a:rPr lang="en-GB" b="1" dirty="0">
+                <a:latin typeface="Courier New" panose="02070309020205020404" pitchFamily="49" charset="0"/>
+                <a:cs typeface="Courier New" panose="02070309020205020404" pitchFamily="49" charset="0"/>
+              </a:rPr>
+              <a:t> </a:t>
+            </a:r>
+            <a:r>
+              <a:rPr lang="en-GB" b="1" dirty="0" err="1">
+                <a:latin typeface="Courier New" panose="02070309020205020404" pitchFamily="49" charset="0"/>
+                <a:cs typeface="Courier New" panose="02070309020205020404" pitchFamily="49" charset="0"/>
+              </a:rPr>
+              <a:t>bodyParser</a:t>
+            </a:r>
+            <a:r>
+              <a:rPr lang="en-GB" b="1" dirty="0">
+                <a:latin typeface="Courier New" panose="02070309020205020404" pitchFamily="49" charset="0"/>
+                <a:cs typeface="Courier New" panose="02070309020205020404" pitchFamily="49" charset="0"/>
+              </a:rPr>
+              <a:t> = require('body-parser');</a:t>
+            </a:r>
+          </a:p>
+          <a:p>
+            <a:pPr marL="0" indent="0">
+              <a:buNone/>
+            </a:pPr>
+            <a:r>
+              <a:rPr lang="en-GB" dirty="0" err="1">
+                <a:latin typeface="Courier New" panose="02070309020205020404" pitchFamily="49" charset="0"/>
+                <a:cs typeface="Courier New" panose="02070309020205020404" pitchFamily="49" charset="0"/>
+              </a:rPr>
+              <a:t>var</a:t>
+            </a:r>
+            <a:r>
+              <a:rPr lang="en-GB" dirty="0">
+                <a:latin typeface="Courier New" panose="02070309020205020404" pitchFamily="49" charset="0"/>
+                <a:cs typeface="Courier New" panose="02070309020205020404" pitchFamily="49" charset="0"/>
+              </a:rPr>
+              <a:t> app = express()</a:t>
+            </a:r>
+          </a:p>
+          <a:p>
+            <a:pPr marL="0" indent="0">
+              <a:buNone/>
+            </a:pPr>
+            <a:r>
+              <a:rPr lang="en-GB" b="1" dirty="0">
+                <a:latin typeface="Courier New" panose="02070309020205020404" pitchFamily="49" charset="0"/>
+                <a:cs typeface="Courier New" panose="02070309020205020404" pitchFamily="49" charset="0"/>
+              </a:rPr>
+              <a:t>  .use(</a:t>
+            </a:r>
+            <a:r>
+              <a:rPr lang="en-GB" b="1" dirty="0" err="1">
+                <a:latin typeface="Courier New" panose="02070309020205020404" pitchFamily="49" charset="0"/>
+                <a:cs typeface="Courier New" panose="02070309020205020404" pitchFamily="49" charset="0"/>
+              </a:rPr>
+              <a:t>bodyParser.urlencoded</a:t>
+            </a:r>
+            <a:r>
+              <a:rPr lang="en-GB" b="1" dirty="0">
+                <a:latin typeface="Courier New" panose="02070309020205020404" pitchFamily="49" charset="0"/>
+                <a:cs typeface="Courier New" panose="02070309020205020404" pitchFamily="49" charset="0"/>
+              </a:rPr>
+              <a:t>({</a:t>
+            </a:r>
+          </a:p>
+          <a:p>
+            <a:pPr marL="0" indent="0">
+              <a:buNone/>
+            </a:pPr>
+            <a:r>
+              <a:rPr lang="en-GB" b="1" dirty="0">
+                <a:latin typeface="Courier New" panose="02070309020205020404" pitchFamily="49" charset="0"/>
+                <a:cs typeface="Courier New" panose="02070309020205020404" pitchFamily="49" charset="0"/>
+              </a:rPr>
+              <a:t>    extended: true</a:t>
+            </a:r>
+          </a:p>
+          <a:p>
+            <a:pPr marL="0" indent="0">
+              <a:buNone/>
+            </a:pPr>
+            <a:r>
+              <a:rPr lang="en-GB" b="1" dirty="0">
+                <a:latin typeface="Courier New" panose="02070309020205020404" pitchFamily="49" charset="0"/>
+                <a:cs typeface="Courier New" panose="02070309020205020404" pitchFamily="49" charset="0"/>
+              </a:rPr>
+              <a:t>  }))</a:t>
+            </a:r>
+          </a:p>
+          <a:p>
+            <a:pPr marL="0" indent="0">
+              <a:buNone/>
+            </a:pPr>
+            <a:r>
+              <a:rPr lang="en-GB" b="1" dirty="0">
+                <a:latin typeface="Courier New" panose="02070309020205020404" pitchFamily="49" charset="0"/>
+                <a:cs typeface="Courier New" panose="02070309020205020404" pitchFamily="49" charset="0"/>
+              </a:rPr>
+              <a:t>  .use(</a:t>
+            </a:r>
+            <a:r>
+              <a:rPr lang="en-GB" b="1" dirty="0" err="1">
+                <a:latin typeface="Courier New" panose="02070309020205020404" pitchFamily="49" charset="0"/>
+                <a:cs typeface="Courier New" panose="02070309020205020404" pitchFamily="49" charset="0"/>
+              </a:rPr>
+              <a:t>bodyParser.json</a:t>
+            </a:r>
+            <a:r>
+              <a:rPr lang="en-GB" b="1" dirty="0">
+                <a:latin typeface="Courier New" panose="02070309020205020404" pitchFamily="49" charset="0"/>
+                <a:cs typeface="Courier New" panose="02070309020205020404" pitchFamily="49" charset="0"/>
+              </a:rPr>
+              <a:t>())</a:t>
+            </a:r>
+          </a:p>
+          <a:p>
+            <a:pPr marL="0" indent="0">
+              <a:buNone/>
+            </a:pPr>
+            <a:r>
+              <a:rPr lang="en-GB" dirty="0">
+                <a:latin typeface="Courier New" panose="02070309020205020404" pitchFamily="49" charset="0"/>
+                <a:cs typeface="Courier New" panose="02070309020205020404" pitchFamily="49" charset="0"/>
+              </a:rPr>
+              <a:t>  .use(function(</a:t>
+            </a:r>
+            <a:r>
+              <a:rPr lang="en-GB" dirty="0" err="1">
+                <a:latin typeface="Courier New" panose="02070309020205020404" pitchFamily="49" charset="0"/>
+                <a:cs typeface="Courier New" panose="02070309020205020404" pitchFamily="49" charset="0"/>
+              </a:rPr>
+              <a:t>req</a:t>
+            </a:r>
+            <a:r>
+              <a:rPr lang="en-GB" dirty="0">
+                <a:latin typeface="Courier New" panose="02070309020205020404" pitchFamily="49" charset="0"/>
+                <a:cs typeface="Courier New" panose="02070309020205020404" pitchFamily="49" charset="0"/>
+              </a:rPr>
+              <a:t>, res) {</a:t>
+            </a:r>
+          </a:p>
+          <a:p>
+            <a:pPr marL="0" indent="0">
+              <a:buNone/>
+            </a:pPr>
+            <a:r>
+              <a:rPr lang="en-GB" dirty="0">
+                <a:latin typeface="Courier New" panose="02070309020205020404" pitchFamily="49" charset="0"/>
+                <a:cs typeface="Courier New" panose="02070309020205020404" pitchFamily="49" charset="0"/>
+              </a:rPr>
+              <a:t>    if (</a:t>
+            </a:r>
+            <a:r>
+              <a:rPr lang="en-GB" b="1" dirty="0" err="1">
+                <a:latin typeface="Courier New" panose="02070309020205020404" pitchFamily="49" charset="0"/>
+                <a:cs typeface="Courier New" panose="02070309020205020404" pitchFamily="49" charset="0"/>
+              </a:rPr>
+              <a:t>req.body.foo</a:t>
+            </a:r>
+            <a:r>
+              <a:rPr lang="en-GB" dirty="0">
+                <a:latin typeface="Courier New" panose="02070309020205020404" pitchFamily="49" charset="0"/>
+                <a:cs typeface="Courier New" panose="02070309020205020404" pitchFamily="49" charset="0"/>
+              </a:rPr>
+              <a:t>) {</a:t>
+            </a:r>
+          </a:p>
+          <a:p>
+            <a:pPr marL="0" indent="0">
+              <a:buNone/>
+            </a:pPr>
+            <a:r>
+              <a:rPr lang="en-GB" dirty="0">
+                <a:latin typeface="Courier New" panose="02070309020205020404" pitchFamily="49" charset="0"/>
+                <a:cs typeface="Courier New" panose="02070309020205020404" pitchFamily="49" charset="0"/>
+              </a:rPr>
+              <a:t>      </a:t>
+            </a:r>
+            <a:r>
+              <a:rPr lang="en-GB" dirty="0" err="1">
+                <a:latin typeface="Courier New" panose="02070309020205020404" pitchFamily="49" charset="0"/>
+                <a:cs typeface="Courier New" panose="02070309020205020404" pitchFamily="49" charset="0"/>
+              </a:rPr>
+              <a:t>res.end</a:t>
+            </a:r>
+            <a:r>
+              <a:rPr lang="en-GB" dirty="0">
+                <a:latin typeface="Courier New" panose="02070309020205020404" pitchFamily="49" charset="0"/>
+                <a:cs typeface="Courier New" panose="02070309020205020404" pitchFamily="49" charset="0"/>
+              </a:rPr>
+              <a:t>('Body parsed! Value of foo: ' + </a:t>
+            </a:r>
+            <a:r>
+              <a:rPr lang="en-GB" b="1" dirty="0" err="1">
+                <a:latin typeface="Courier New" panose="02070309020205020404" pitchFamily="49" charset="0"/>
+                <a:cs typeface="Courier New" panose="02070309020205020404" pitchFamily="49" charset="0"/>
+              </a:rPr>
+              <a:t>req.body.foo</a:t>
+            </a:r>
+            <a:r>
+              <a:rPr lang="en-GB" dirty="0">
+                <a:latin typeface="Courier New" panose="02070309020205020404" pitchFamily="49" charset="0"/>
+                <a:cs typeface="Courier New" panose="02070309020205020404" pitchFamily="49" charset="0"/>
+              </a:rPr>
+              <a:t>);</a:t>
+            </a:r>
+          </a:p>
+          <a:p>
+            <a:pPr marL="0" indent="0">
+              <a:buNone/>
+            </a:pPr>
+            <a:r>
+              <a:rPr lang="en-GB" dirty="0">
+                <a:latin typeface="Courier New" panose="02070309020205020404" pitchFamily="49" charset="0"/>
+                <a:cs typeface="Courier New" panose="02070309020205020404" pitchFamily="49" charset="0"/>
+              </a:rPr>
+              <a:t>    } else {</a:t>
+            </a:r>
+          </a:p>
+          <a:p>
+            <a:pPr marL="0" indent="0">
+              <a:buNone/>
+            </a:pPr>
+            <a:r>
+              <a:rPr lang="en-GB" dirty="0">
+                <a:latin typeface="Courier New" panose="02070309020205020404" pitchFamily="49" charset="0"/>
+                <a:cs typeface="Courier New" panose="02070309020205020404" pitchFamily="49" charset="0"/>
+              </a:rPr>
+              <a:t>      </a:t>
+            </a:r>
+            <a:r>
+              <a:rPr lang="en-GB" dirty="0" err="1">
+                <a:latin typeface="Courier New" panose="02070309020205020404" pitchFamily="49" charset="0"/>
+                <a:cs typeface="Courier New" panose="02070309020205020404" pitchFamily="49" charset="0"/>
+              </a:rPr>
+              <a:t>res.end</a:t>
+            </a:r>
+            <a:r>
+              <a:rPr lang="en-GB" dirty="0">
+                <a:latin typeface="Courier New" panose="02070309020205020404" pitchFamily="49" charset="0"/>
+                <a:cs typeface="Courier New" panose="02070309020205020404" pitchFamily="49" charset="0"/>
+              </a:rPr>
+              <a:t>('Body does not have foo!');</a:t>
+            </a:r>
+          </a:p>
+          <a:p>
+            <a:pPr marL="0" indent="0">
+              <a:buNone/>
+            </a:pPr>
+            <a:r>
+              <a:rPr lang="en-GB" dirty="0">
+                <a:latin typeface="Courier New" panose="02070309020205020404" pitchFamily="49" charset="0"/>
+                <a:cs typeface="Courier New" panose="02070309020205020404" pitchFamily="49" charset="0"/>
+              </a:rPr>
+              <a:t>    }</a:t>
+            </a:r>
+          </a:p>
+          <a:p>
+            <a:pPr marL="0" indent="0">
+              <a:buNone/>
+            </a:pPr>
+            <a:r>
+              <a:rPr lang="en-GB" dirty="0">
+                <a:latin typeface="Courier New" panose="02070309020205020404" pitchFamily="49" charset="0"/>
+                <a:cs typeface="Courier New" panose="02070309020205020404" pitchFamily="49" charset="0"/>
+              </a:rPr>
+              <a:t>  })</a:t>
+            </a:r>
+          </a:p>
+          <a:p>
+            <a:pPr marL="0" indent="0">
+              <a:buNone/>
+            </a:pPr>
+            <a:r>
+              <a:rPr lang="en-GB" b="1" dirty="0">
+                <a:latin typeface="Courier New" panose="02070309020205020404" pitchFamily="49" charset="0"/>
+                <a:cs typeface="Courier New" panose="02070309020205020404" pitchFamily="49" charset="0"/>
+              </a:rPr>
+              <a:t>  .use(function(err, </a:t>
+            </a:r>
+            <a:r>
+              <a:rPr lang="en-GB" b="1" dirty="0" err="1">
+                <a:latin typeface="Courier New" panose="02070309020205020404" pitchFamily="49" charset="0"/>
+                <a:cs typeface="Courier New" panose="02070309020205020404" pitchFamily="49" charset="0"/>
+              </a:rPr>
+              <a:t>req</a:t>
+            </a:r>
+            <a:r>
+              <a:rPr lang="en-GB" b="1" dirty="0">
+                <a:latin typeface="Courier New" panose="02070309020205020404" pitchFamily="49" charset="0"/>
+                <a:cs typeface="Courier New" panose="02070309020205020404" pitchFamily="49" charset="0"/>
+              </a:rPr>
+              <a:t>, res, next) {</a:t>
+            </a:r>
+          </a:p>
+          <a:p>
+            <a:pPr marL="0" indent="0">
+              <a:buNone/>
+            </a:pPr>
+            <a:r>
+              <a:rPr lang="en-GB" b="1" dirty="0">
+                <a:latin typeface="Courier New" panose="02070309020205020404" pitchFamily="49" charset="0"/>
+                <a:cs typeface="Courier New" panose="02070309020205020404" pitchFamily="49" charset="0"/>
+              </a:rPr>
+              <a:t>    </a:t>
+            </a:r>
+            <a:r>
+              <a:rPr lang="en-GB" b="1" dirty="0" err="1">
+                <a:latin typeface="Courier New" panose="02070309020205020404" pitchFamily="49" charset="0"/>
+                <a:cs typeface="Courier New" panose="02070309020205020404" pitchFamily="49" charset="0"/>
+              </a:rPr>
+              <a:t>res.end</a:t>
+            </a:r>
+            <a:r>
+              <a:rPr lang="en-GB" b="1" dirty="0">
+                <a:latin typeface="Courier New" panose="02070309020205020404" pitchFamily="49" charset="0"/>
+                <a:cs typeface="Courier New" panose="02070309020205020404" pitchFamily="49" charset="0"/>
+              </a:rPr>
+              <a:t>('Invalid body!');</a:t>
+            </a:r>
+          </a:p>
+          <a:p>
+            <a:pPr marL="0" indent="0">
+              <a:buNone/>
+            </a:pPr>
+            <a:r>
+              <a:rPr lang="en-GB" b="1" dirty="0">
+                <a:latin typeface="Courier New" panose="02070309020205020404" pitchFamily="49" charset="0"/>
+                <a:cs typeface="Courier New" panose="02070309020205020404" pitchFamily="49" charset="0"/>
+              </a:rPr>
+              <a:t>  })</a:t>
+            </a:r>
+          </a:p>
+          <a:p>
+            <a:pPr marL="0" indent="0">
+              <a:buNone/>
+            </a:pPr>
+            <a:r>
+              <a:rPr lang="en-GB" dirty="0">
+                <a:latin typeface="Courier New" panose="02070309020205020404" pitchFamily="49" charset="0"/>
+                <a:cs typeface="Courier New" panose="02070309020205020404" pitchFamily="49" charset="0"/>
+              </a:rPr>
+              <a:t>  .listen(3000);</a:t>
+            </a:r>
+          </a:p>
+          <a:p>
+            <a:pPr marL="0" indent="0">
+              <a:buNone/>
+            </a:pPr>
+            <a:endParaRPr lang="en-GB" dirty="0">
+              <a:latin typeface="Courier New" panose="02070309020205020404" pitchFamily="49" charset="0"/>
+              <a:cs typeface="Courier New" panose="02070309020205020404" pitchFamily="49" charset="0"/>
+            </a:endParaRPr>
+          </a:p>
+        </p:txBody>
+      </p:sp>
+    </p:spTree>
+    <p:extLst>
+      <p:ext uri="{BB962C8B-B14F-4D97-AF65-F5344CB8AC3E}">
+        <p14:creationId xmlns:p14="http://schemas.microsoft.com/office/powerpoint/2010/main" val="1819247823"/>
+      </p:ext>
+    </p:extLst>
+  </p:cSld>
+  <p:clrMapOvr>
+    <a:masterClrMapping/>
+  </p:clrMapOvr>
+  <p:timing>
+    <p:tnLst>
+      <p:par>
+        <p:cTn id="1" dur="indefinite" restart="never" nodeType="tmRoot"/>
+      </p:par>
+    </p:tnLst>
+  </p:timing>
+</p:sld>
+</file>
+
+<file path=ppt/slides/slide22.xml><?xml version="1.0" encoding="utf-8"?>
+<p:sld xmlns:a="http://schemas.openxmlformats.org/drawingml/2006/main" xmlns:r="http://schemas.openxmlformats.org/officeDocument/2006/relationships" xmlns:p="http://schemas.openxmlformats.org/presentationml/2006/main">
+  <p:cSld>
+    <p:spTree>
+      <p:nvGrpSpPr>
+        <p:cNvPr id="1" name=""/>
+        <p:cNvGrpSpPr/>
+        <p:nvPr/>
+      </p:nvGrpSpPr>
+      <p:grpSpPr>
+        <a:xfrm>
+          <a:off x="0" y="0"/>
+          <a:ext cx="0" cy="0"/>
+          <a:chOff x="0" y="0"/>
+          <a:chExt cx="0" cy="0"/>
+        </a:xfrm>
+      </p:grpSpPr>
+      <p:sp>
+        <p:nvSpPr>
+          <p:cNvPr id="2" name="Title 1"/>
+          <p:cNvSpPr>
+            <a:spLocks noGrp="1"/>
+          </p:cNvSpPr>
+          <p:nvPr>
+            <p:ph type="title"/>
+          </p:nvPr>
+        </p:nvSpPr>
+        <p:spPr/>
+        <p:txBody>
+          <a:bodyPr/>
+          <a:lstStyle/>
+          <a:p>
+            <a:r>
+              <a:rPr lang="sr-Latn-RS" dirty="0" smtClean="0"/>
+              <a:t>Testiranje paremters primera</a:t>
+            </a:r>
+            <a:endParaRPr lang="en-GB" dirty="0"/>
+          </a:p>
+        </p:txBody>
+      </p:sp>
+      <p:sp>
+        <p:nvSpPr>
+          <p:cNvPr id="3" name="Content Placeholder 2"/>
+          <p:cNvSpPr>
+            <a:spLocks noGrp="1"/>
+          </p:cNvSpPr>
+          <p:nvPr>
+            <p:ph idx="1"/>
+          </p:nvPr>
+        </p:nvSpPr>
+        <p:spPr/>
+        <p:txBody>
+          <a:bodyPr>
+            <a:normAutofit/>
+          </a:bodyPr>
+          <a:lstStyle/>
+          <a:p>
+            <a:pPr marL="0" indent="0">
+              <a:buNone/>
+            </a:pPr>
+            <a:r>
+              <a:rPr lang="en-GB" sz="1600" b="1" dirty="0">
+                <a:latin typeface="Courier New" panose="02070309020205020404" pitchFamily="49" charset="0"/>
+                <a:cs typeface="Courier New" panose="02070309020205020404" pitchFamily="49" charset="0"/>
+              </a:rPr>
+              <a:t>$ curl http://127.0.0.1:3000/ -H "content-type: application/</a:t>
+            </a:r>
+            <a:r>
+              <a:rPr lang="en-GB" sz="1600" b="1" dirty="0" err="1">
+                <a:latin typeface="Courier New" panose="02070309020205020404" pitchFamily="49" charset="0"/>
+                <a:cs typeface="Courier New" panose="02070309020205020404" pitchFamily="49" charset="0"/>
+              </a:rPr>
+              <a:t>json</a:t>
+            </a:r>
+            <a:r>
+              <a:rPr lang="en-GB" sz="1600" b="1" dirty="0">
+                <a:latin typeface="Courier New" panose="02070309020205020404" pitchFamily="49" charset="0"/>
+                <a:cs typeface="Courier New" panose="02070309020205020404" pitchFamily="49" charset="0"/>
+              </a:rPr>
+              <a:t>" -d "{\"foo\":123}"</a:t>
+            </a:r>
+          </a:p>
+          <a:p>
+            <a:pPr marL="0" indent="0">
+              <a:buNone/>
+            </a:pPr>
+            <a:r>
+              <a:rPr lang="en-GB" sz="1600" dirty="0">
+                <a:latin typeface="Courier New" panose="02070309020205020404" pitchFamily="49" charset="0"/>
+                <a:cs typeface="Courier New" panose="02070309020205020404" pitchFamily="49" charset="0"/>
+              </a:rPr>
+              <a:t>Body parsed! Value of foo: </a:t>
+            </a:r>
+            <a:r>
+              <a:rPr lang="en-GB" sz="1600" dirty="0" smtClean="0">
+                <a:latin typeface="Courier New" panose="02070309020205020404" pitchFamily="49" charset="0"/>
+                <a:cs typeface="Courier New" panose="02070309020205020404" pitchFamily="49" charset="0"/>
+              </a:rPr>
+              <a:t>123</a:t>
+            </a:r>
+            <a:endParaRPr lang="sr-Latn-RS" sz="1600" dirty="0" smtClean="0">
+              <a:latin typeface="Courier New" panose="02070309020205020404" pitchFamily="49" charset="0"/>
+              <a:cs typeface="Courier New" panose="02070309020205020404" pitchFamily="49" charset="0"/>
+            </a:endParaRPr>
+          </a:p>
+          <a:p>
+            <a:pPr marL="0" indent="0">
+              <a:buNone/>
+            </a:pPr>
+            <a:endParaRPr lang="en-GB" sz="1600" dirty="0">
+              <a:latin typeface="Courier New" panose="02070309020205020404" pitchFamily="49" charset="0"/>
+              <a:cs typeface="Courier New" panose="02070309020205020404" pitchFamily="49" charset="0"/>
+            </a:endParaRPr>
+          </a:p>
+          <a:p>
+            <a:pPr marL="0" indent="0">
+              <a:buNone/>
+            </a:pPr>
+            <a:r>
+              <a:rPr lang="en-GB" sz="1600" b="1" dirty="0">
+                <a:latin typeface="Courier New" panose="02070309020205020404" pitchFamily="49" charset="0"/>
+                <a:cs typeface="Courier New" panose="02070309020205020404" pitchFamily="49" charset="0"/>
+              </a:rPr>
+              <a:t>$ curl http://127.0.0.1:3000/ -H "content-type: application/</a:t>
+            </a:r>
+            <a:r>
+              <a:rPr lang="en-GB" sz="1600" b="1" dirty="0" err="1">
+                <a:latin typeface="Courier New" panose="02070309020205020404" pitchFamily="49" charset="0"/>
+                <a:cs typeface="Courier New" panose="02070309020205020404" pitchFamily="49" charset="0"/>
+              </a:rPr>
+              <a:t>json</a:t>
+            </a:r>
+            <a:r>
+              <a:rPr lang="en-GB" sz="1600" b="1" dirty="0">
+                <a:latin typeface="Courier New" panose="02070309020205020404" pitchFamily="49" charset="0"/>
+                <a:cs typeface="Courier New" panose="02070309020205020404" pitchFamily="49" charset="0"/>
+              </a:rPr>
+              <a:t>" -d "{\"foo\":123,}"</a:t>
+            </a:r>
+          </a:p>
+          <a:p>
+            <a:pPr marL="0" indent="0">
+              <a:buNone/>
+            </a:pPr>
+            <a:r>
+              <a:rPr lang="en-GB" sz="1600" dirty="0">
+                <a:latin typeface="Courier New" panose="02070309020205020404" pitchFamily="49" charset="0"/>
+                <a:cs typeface="Courier New" panose="02070309020205020404" pitchFamily="49" charset="0"/>
+              </a:rPr>
+              <a:t>Invalid body</a:t>
+            </a:r>
+            <a:r>
+              <a:rPr lang="en-GB" sz="1600" dirty="0" smtClean="0">
+                <a:latin typeface="Courier New" panose="02070309020205020404" pitchFamily="49" charset="0"/>
+                <a:cs typeface="Courier New" panose="02070309020205020404" pitchFamily="49" charset="0"/>
+              </a:rPr>
+              <a:t>!</a:t>
+            </a:r>
+            <a:endParaRPr lang="sr-Latn-RS" sz="1600" dirty="0" smtClean="0">
+              <a:latin typeface="Courier New" panose="02070309020205020404" pitchFamily="49" charset="0"/>
+              <a:cs typeface="Courier New" panose="02070309020205020404" pitchFamily="49" charset="0"/>
+            </a:endParaRPr>
+          </a:p>
+          <a:p>
+            <a:pPr marL="0" indent="0">
+              <a:buNone/>
+            </a:pPr>
+            <a:endParaRPr lang="sr-Latn-RS" sz="1600" dirty="0" smtClean="0">
+              <a:latin typeface="Courier New" panose="02070309020205020404" pitchFamily="49" charset="0"/>
+              <a:cs typeface="Courier New" panose="02070309020205020404" pitchFamily="49" charset="0"/>
+            </a:endParaRPr>
+          </a:p>
+          <a:p>
+            <a:pPr marL="0" indent="0">
+              <a:buNone/>
+            </a:pPr>
+            <a:r>
+              <a:rPr lang="en-GB" sz="1600" b="1" dirty="0" smtClean="0">
+                <a:latin typeface="Courier New" panose="02070309020205020404" pitchFamily="49" charset="0"/>
+                <a:cs typeface="Courier New" panose="02070309020205020404" pitchFamily="49" charset="0"/>
+              </a:rPr>
+              <a:t>$ </a:t>
+            </a:r>
+            <a:r>
+              <a:rPr lang="en-GB" sz="1600" b="1" dirty="0">
+                <a:latin typeface="Courier New" panose="02070309020205020404" pitchFamily="49" charset="0"/>
+                <a:cs typeface="Courier New" panose="02070309020205020404" pitchFamily="49" charset="0"/>
+              </a:rPr>
+              <a:t>curl http://127.0.0.1:3000/ --data-</a:t>
+            </a:r>
+            <a:r>
+              <a:rPr lang="en-GB" sz="1600" b="1" dirty="0" err="1">
+                <a:latin typeface="Courier New" panose="02070309020205020404" pitchFamily="49" charset="0"/>
+                <a:cs typeface="Courier New" panose="02070309020205020404" pitchFamily="49" charset="0"/>
+              </a:rPr>
+              <a:t>urlencode</a:t>
+            </a:r>
+            <a:r>
+              <a:rPr lang="en-GB" sz="1600" b="1" dirty="0">
+                <a:latin typeface="Courier New" panose="02070309020205020404" pitchFamily="49" charset="0"/>
+                <a:cs typeface="Courier New" panose="02070309020205020404" pitchFamily="49" charset="0"/>
+              </a:rPr>
+              <a:t> "foo=123"</a:t>
+            </a:r>
+          </a:p>
+          <a:p>
+            <a:pPr marL="0" indent="0">
+              <a:buNone/>
+            </a:pPr>
+            <a:r>
+              <a:rPr lang="en-GB" sz="1600" dirty="0">
+                <a:latin typeface="Courier New" panose="02070309020205020404" pitchFamily="49" charset="0"/>
+                <a:cs typeface="Courier New" panose="02070309020205020404" pitchFamily="49" charset="0"/>
+              </a:rPr>
+              <a:t>Body parsed! Value of foo: 123</a:t>
+            </a:r>
+          </a:p>
+        </p:txBody>
+      </p:sp>
+    </p:spTree>
+    <p:extLst>
+      <p:ext uri="{BB962C8B-B14F-4D97-AF65-F5344CB8AC3E}">
+        <p14:creationId xmlns:p14="http://schemas.microsoft.com/office/powerpoint/2010/main" val="1063088282"/>
+      </p:ext>
+    </p:extLst>
+  </p:cSld>
+  <p:clrMapOvr>
+    <a:masterClrMapping/>
+  </p:clrMapOvr>
+  <p:timing>
+    <p:tnLst>
+      <p:par>
+        <p:cTn id="1" dur="indefinite" restart="never" nodeType="tmRoot"/>
+      </p:par>
+    </p:tnLst>
+  </p:timing>
+</p:sld>
+</file>
+
+<file path=ppt/slides/slide23.xml><?xml version="1.0" encoding="utf-8"?>
+<p:sld xmlns:a="http://schemas.openxmlformats.org/drawingml/2006/main" xmlns:r="http://schemas.openxmlformats.org/officeDocument/2006/relationships" xmlns:p="http://schemas.openxmlformats.org/presentationml/2006/main">
+  <p:cSld>
+    <p:spTree>
+      <p:nvGrpSpPr>
+        <p:cNvPr id="1" name=""/>
+        <p:cNvGrpSpPr/>
+        <p:nvPr/>
+      </p:nvGrpSpPr>
+      <p:grpSpPr>
+        <a:xfrm>
+          <a:off x="0" y="0"/>
+          <a:ext cx="0" cy="0"/>
+          <a:chOff x="0" y="0"/>
+          <a:chExt cx="0" cy="0"/>
+        </a:xfrm>
+      </p:grpSpPr>
+      <p:sp>
+        <p:nvSpPr>
+          <p:cNvPr id="2" name="Title 1"/>
+          <p:cNvSpPr>
+            <a:spLocks noGrp="1"/>
+          </p:cNvSpPr>
+          <p:nvPr>
+            <p:ph type="title"/>
+          </p:nvPr>
+        </p:nvSpPr>
+        <p:spPr/>
+        <p:txBody>
+          <a:bodyPr/>
+          <a:lstStyle/>
+          <a:p>
+            <a:r>
+              <a:rPr lang="sr-Latn-RS" dirty="0" smtClean="0"/>
+              <a:t>Rutiranje</a:t>
+            </a:r>
+            <a:endParaRPr lang="en-GB" dirty="0"/>
+          </a:p>
+        </p:txBody>
+      </p:sp>
+      <p:sp>
+        <p:nvSpPr>
+          <p:cNvPr id="3" name="Content Placeholder 2"/>
+          <p:cNvSpPr>
+            <a:spLocks noGrp="1"/>
+          </p:cNvSpPr>
+          <p:nvPr>
+            <p:ph idx="1"/>
+          </p:nvPr>
+        </p:nvSpPr>
+        <p:spPr/>
+        <p:txBody>
+          <a:bodyPr>
+            <a:normAutofit/>
+          </a:bodyPr>
+          <a:lstStyle/>
+          <a:p>
+            <a:r>
+              <a:rPr lang="sr-Latn-RS" dirty="0" smtClean="0"/>
+              <a:t>Može se definisati middleware lanac koji se izvršava kada se poklope path i HTTP metoda za celu aplikaciju:</a:t>
+            </a:r>
+          </a:p>
+          <a:p>
+            <a:endParaRPr lang="sr-Latn-RS" dirty="0" smtClean="0"/>
+          </a:p>
+          <a:p>
+            <a:pPr marL="0" indent="0">
+              <a:buNone/>
+            </a:pPr>
+            <a:r>
+              <a:rPr lang="en-GB" sz="2400" dirty="0" err="1">
+                <a:latin typeface="Courier New" panose="02070309020205020404" pitchFamily="49" charset="0"/>
+                <a:cs typeface="Courier New" panose="02070309020205020404" pitchFamily="49" charset="0"/>
+              </a:rPr>
+              <a:t>var</a:t>
+            </a:r>
+            <a:r>
+              <a:rPr lang="en-GB" sz="2400" dirty="0">
+                <a:latin typeface="Courier New" panose="02070309020205020404" pitchFamily="49" charset="0"/>
+                <a:cs typeface="Courier New" panose="02070309020205020404" pitchFamily="49" charset="0"/>
+              </a:rPr>
+              <a:t> app = express();</a:t>
+            </a:r>
+            <a:endParaRPr lang="sr-Latn-RS" sz="2400" dirty="0">
+              <a:latin typeface="Courier New" panose="02070309020205020404" pitchFamily="49" charset="0"/>
+              <a:cs typeface="Courier New" panose="02070309020205020404" pitchFamily="49" charset="0"/>
+            </a:endParaRPr>
+          </a:p>
+          <a:p>
+            <a:pPr marL="0" indent="0">
+              <a:buNone/>
+            </a:pPr>
+            <a:r>
+              <a:rPr lang="sr-Latn-RS" sz="2400" dirty="0" smtClean="0">
+                <a:latin typeface="Courier New" panose="02070309020205020404" pitchFamily="49" charset="0"/>
+                <a:cs typeface="Courier New" panose="02070309020205020404" pitchFamily="49" charset="0"/>
+              </a:rPr>
+              <a:t>...</a:t>
+            </a:r>
+            <a:endParaRPr lang="sr-Latn-RS" sz="2400" dirty="0">
+              <a:latin typeface="Courier New" panose="02070309020205020404" pitchFamily="49" charset="0"/>
+              <a:cs typeface="Courier New" panose="02070309020205020404" pitchFamily="49" charset="0"/>
+            </a:endParaRPr>
+          </a:p>
+          <a:p>
+            <a:pPr marL="0" indent="0">
+              <a:buNone/>
+            </a:pPr>
+            <a:r>
+              <a:rPr lang="en-GB" sz="2400" dirty="0" err="1" smtClean="0">
+                <a:latin typeface="Courier New" panose="02070309020205020404" pitchFamily="49" charset="0"/>
+                <a:cs typeface="Courier New" panose="02070309020205020404" pitchFamily="49" charset="0"/>
+              </a:rPr>
+              <a:t>app.get</a:t>
+            </a:r>
+            <a:r>
+              <a:rPr lang="en-GB" sz="2400" dirty="0">
+                <a:latin typeface="Courier New" panose="02070309020205020404" pitchFamily="49" charset="0"/>
+                <a:cs typeface="Courier New" panose="02070309020205020404" pitchFamily="49" charset="0"/>
+              </a:rPr>
+              <a:t>('/', </a:t>
+            </a:r>
+            <a:r>
+              <a:rPr lang="en-GB" sz="2400" dirty="0" smtClean="0">
+                <a:latin typeface="Courier New" panose="02070309020205020404" pitchFamily="49" charset="0"/>
+                <a:cs typeface="Courier New" panose="02070309020205020404" pitchFamily="49" charset="0"/>
+              </a:rPr>
+              <a:t>function </a:t>
+            </a:r>
+            <a:r>
+              <a:rPr lang="en-GB" sz="2400" dirty="0">
+                <a:latin typeface="Courier New" panose="02070309020205020404" pitchFamily="49" charset="0"/>
+                <a:cs typeface="Courier New" panose="02070309020205020404" pitchFamily="49" charset="0"/>
+              </a:rPr>
+              <a:t>(</a:t>
+            </a:r>
+            <a:r>
+              <a:rPr lang="en-GB" sz="2400" dirty="0" err="1">
+                <a:latin typeface="Courier New" panose="02070309020205020404" pitchFamily="49" charset="0"/>
+                <a:cs typeface="Courier New" panose="02070309020205020404" pitchFamily="49" charset="0"/>
+              </a:rPr>
+              <a:t>req</a:t>
+            </a:r>
+            <a:r>
+              <a:rPr lang="en-GB" sz="2400" dirty="0">
+                <a:latin typeface="Courier New" panose="02070309020205020404" pitchFamily="49" charset="0"/>
+                <a:cs typeface="Courier New" panose="02070309020205020404" pitchFamily="49" charset="0"/>
+              </a:rPr>
+              <a:t>, res, next) {</a:t>
+            </a:r>
+          </a:p>
+          <a:p>
+            <a:pPr marL="0" indent="0">
+              <a:buNone/>
+            </a:pPr>
+            <a:r>
+              <a:rPr lang="sr-Latn-RS" sz="2400" dirty="0" smtClean="0">
+                <a:latin typeface="Courier New" panose="02070309020205020404" pitchFamily="49" charset="0"/>
+                <a:cs typeface="Courier New" panose="02070309020205020404" pitchFamily="49" charset="0"/>
+              </a:rPr>
+              <a:t>	</a:t>
+            </a:r>
+            <a:r>
+              <a:rPr lang="en-GB" sz="2400" dirty="0" err="1" smtClean="0">
+                <a:latin typeface="Courier New" panose="02070309020205020404" pitchFamily="49" charset="0"/>
+                <a:cs typeface="Courier New" panose="02070309020205020404" pitchFamily="49" charset="0"/>
+              </a:rPr>
+              <a:t>res.end</a:t>
+            </a:r>
+            <a:r>
+              <a:rPr lang="en-GB" sz="2400" dirty="0">
+                <a:latin typeface="Courier New" panose="02070309020205020404" pitchFamily="49" charset="0"/>
+                <a:cs typeface="Courier New" panose="02070309020205020404" pitchFamily="49" charset="0"/>
+              </a:rPr>
+              <a:t>('get');</a:t>
+            </a:r>
+          </a:p>
+          <a:p>
+            <a:pPr marL="0" indent="0">
+              <a:buNone/>
+            </a:pPr>
+            <a:r>
+              <a:rPr lang="en-GB" sz="2400" dirty="0">
+                <a:latin typeface="Courier New" panose="02070309020205020404" pitchFamily="49" charset="0"/>
+                <a:cs typeface="Courier New" panose="02070309020205020404" pitchFamily="49" charset="0"/>
+              </a:rPr>
+              <a:t>});</a:t>
+            </a:r>
+            <a:endParaRPr lang="sr-Latn-RS" sz="2400" dirty="0" smtClean="0">
+              <a:latin typeface="Courier New" panose="02070309020205020404" pitchFamily="49" charset="0"/>
+              <a:cs typeface="Courier New" panose="02070309020205020404" pitchFamily="49" charset="0"/>
+            </a:endParaRPr>
+          </a:p>
+        </p:txBody>
+      </p:sp>
+    </p:spTree>
+    <p:extLst>
+      <p:ext uri="{BB962C8B-B14F-4D97-AF65-F5344CB8AC3E}">
+        <p14:creationId xmlns:p14="http://schemas.microsoft.com/office/powerpoint/2010/main" val="3917415086"/>
+      </p:ext>
+    </p:extLst>
+  </p:cSld>
+  <p:clrMapOvr>
+    <a:masterClrMapping/>
+  </p:clrMapOvr>
+  <p:timing>
+    <p:tnLst>
+      <p:par>
+        <p:cTn id="1" dur="indefinite" restart="never" nodeType="tmRoot"/>
+      </p:par>
+    </p:tnLst>
+  </p:timing>
+</p:sld>
+</file>
+
+<file path=ppt/slides/slide24.xml><?xml version="1.0" encoding="utf-8"?>
+<p:sld xmlns:a="http://schemas.openxmlformats.org/drawingml/2006/main" xmlns:r="http://schemas.openxmlformats.org/officeDocument/2006/relationships" xmlns:p="http://schemas.openxmlformats.org/presentationml/2006/main">
+  <p:cSld>
+    <p:spTree>
+      <p:nvGrpSpPr>
+        <p:cNvPr id="1" name=""/>
+        <p:cNvGrpSpPr/>
+        <p:nvPr/>
+      </p:nvGrpSpPr>
+      <p:grpSpPr>
+        <a:xfrm>
+          <a:off x="0" y="0"/>
+          <a:ext cx="0" cy="0"/>
+          <a:chOff x="0" y="0"/>
+          <a:chExt cx="0" cy="0"/>
+        </a:xfrm>
+      </p:grpSpPr>
+      <p:sp>
+        <p:nvSpPr>
+          <p:cNvPr id="2" name="Title 1"/>
+          <p:cNvSpPr>
+            <a:spLocks noGrp="1"/>
+          </p:cNvSpPr>
+          <p:nvPr>
+            <p:ph type="title"/>
+          </p:nvPr>
+        </p:nvSpPr>
+        <p:spPr/>
+        <p:txBody>
+          <a:bodyPr/>
+          <a:lstStyle/>
+          <a:p>
+            <a:r>
+              <a:rPr lang="sr-Latn-RS" dirty="0" smtClean="0"/>
+              <a:t>Rutiranje – route parametri</a:t>
+            </a:r>
+            <a:endParaRPr lang="en-GB" dirty="0"/>
+          </a:p>
+        </p:txBody>
+      </p:sp>
+      <p:sp>
+        <p:nvSpPr>
+          <p:cNvPr id="3" name="Content Placeholder 2"/>
+          <p:cNvSpPr>
+            <a:spLocks noGrp="1"/>
+          </p:cNvSpPr>
+          <p:nvPr>
+            <p:ph idx="1"/>
+          </p:nvPr>
+        </p:nvSpPr>
+        <p:spPr/>
+        <p:txBody>
+          <a:bodyPr>
+            <a:normAutofit/>
+          </a:bodyPr>
+          <a:lstStyle/>
+          <a:p>
+            <a:pPr marL="0" indent="0">
+              <a:buNone/>
+            </a:pPr>
+            <a:r>
+              <a:rPr lang="en-GB" sz="1800" dirty="0" err="1">
+                <a:latin typeface="Courier New" panose="02070309020205020404" pitchFamily="49" charset="0"/>
+                <a:cs typeface="Courier New" panose="02070309020205020404" pitchFamily="49" charset="0"/>
+              </a:rPr>
+              <a:t>app.get</a:t>
+            </a:r>
+            <a:r>
+              <a:rPr lang="en-GB" sz="1800" dirty="0">
+                <a:latin typeface="Courier New" panose="02070309020205020404" pitchFamily="49" charset="0"/>
+                <a:cs typeface="Courier New" panose="02070309020205020404" pitchFamily="49" charset="0"/>
+              </a:rPr>
+              <a:t>('/user/</a:t>
+            </a:r>
+            <a:r>
+              <a:rPr lang="en-GB" sz="1800" b="1" dirty="0">
+                <a:latin typeface="Courier New" panose="02070309020205020404" pitchFamily="49" charset="0"/>
+                <a:cs typeface="Courier New" panose="02070309020205020404" pitchFamily="49" charset="0"/>
+              </a:rPr>
+              <a:t>:</a:t>
+            </a:r>
+            <a:r>
+              <a:rPr lang="en-GB" sz="1800" b="1" dirty="0" err="1">
+                <a:latin typeface="Courier New" panose="02070309020205020404" pitchFamily="49" charset="0"/>
+                <a:cs typeface="Courier New" panose="02070309020205020404" pitchFamily="49" charset="0"/>
+              </a:rPr>
+              <a:t>userId</a:t>
+            </a:r>
+            <a:r>
+              <a:rPr lang="en-GB" sz="1800" dirty="0">
+                <a:latin typeface="Courier New" panose="02070309020205020404" pitchFamily="49" charset="0"/>
+                <a:cs typeface="Courier New" panose="02070309020205020404" pitchFamily="49" charset="0"/>
+              </a:rPr>
+              <a:t>', function (</a:t>
+            </a:r>
+            <a:r>
+              <a:rPr lang="en-GB" sz="1800" dirty="0" err="1">
+                <a:latin typeface="Courier New" panose="02070309020205020404" pitchFamily="49" charset="0"/>
+                <a:cs typeface="Courier New" panose="02070309020205020404" pitchFamily="49" charset="0"/>
+              </a:rPr>
+              <a:t>req</a:t>
+            </a:r>
+            <a:r>
+              <a:rPr lang="en-GB" sz="1800" dirty="0">
+                <a:latin typeface="Courier New" panose="02070309020205020404" pitchFamily="49" charset="0"/>
+                <a:cs typeface="Courier New" panose="02070309020205020404" pitchFamily="49" charset="0"/>
+              </a:rPr>
+              <a:t>, res) {</a:t>
+            </a:r>
+          </a:p>
+          <a:p>
+            <a:pPr marL="0" indent="0">
+              <a:buNone/>
+            </a:pPr>
+            <a:r>
+              <a:rPr lang="sr-Latn-RS" sz="1800" dirty="0" smtClean="0">
+                <a:latin typeface="Courier New" panose="02070309020205020404" pitchFamily="49" charset="0"/>
+                <a:cs typeface="Courier New" panose="02070309020205020404" pitchFamily="49" charset="0"/>
+              </a:rPr>
+              <a:t>	</a:t>
+            </a:r>
+            <a:r>
+              <a:rPr lang="en-GB" sz="1800" dirty="0" err="1" smtClean="0">
+                <a:latin typeface="Courier New" panose="02070309020205020404" pitchFamily="49" charset="0"/>
+                <a:cs typeface="Courier New" panose="02070309020205020404" pitchFamily="49" charset="0"/>
+              </a:rPr>
+              <a:t>res.send</a:t>
+            </a:r>
+            <a:r>
+              <a:rPr lang="en-GB" sz="1800" dirty="0">
+                <a:latin typeface="Courier New" panose="02070309020205020404" pitchFamily="49" charset="0"/>
+                <a:cs typeface="Courier New" panose="02070309020205020404" pitchFamily="49" charset="0"/>
+              </a:rPr>
+              <a:t>('</a:t>
+            </a:r>
+            <a:r>
+              <a:rPr lang="en-GB" sz="1800" dirty="0" err="1">
+                <a:latin typeface="Courier New" panose="02070309020205020404" pitchFamily="49" charset="0"/>
+                <a:cs typeface="Courier New" panose="02070309020205020404" pitchFamily="49" charset="0"/>
+              </a:rPr>
+              <a:t>userId</a:t>
+            </a:r>
+            <a:r>
+              <a:rPr lang="en-GB" sz="1800" dirty="0">
+                <a:latin typeface="Courier New" panose="02070309020205020404" pitchFamily="49" charset="0"/>
+                <a:cs typeface="Courier New" panose="02070309020205020404" pitchFamily="49" charset="0"/>
+              </a:rPr>
+              <a:t> is: ' + </a:t>
+            </a:r>
+            <a:r>
+              <a:rPr lang="en-GB" sz="1800" b="1" dirty="0" err="1">
+                <a:latin typeface="Courier New" panose="02070309020205020404" pitchFamily="49" charset="0"/>
+                <a:cs typeface="Courier New" panose="02070309020205020404" pitchFamily="49" charset="0"/>
+              </a:rPr>
+              <a:t>req.params</a:t>
+            </a:r>
+            <a:r>
+              <a:rPr lang="en-GB" sz="1800" b="1" dirty="0">
+                <a:latin typeface="Courier New" panose="02070309020205020404" pitchFamily="49" charset="0"/>
+                <a:cs typeface="Courier New" panose="02070309020205020404" pitchFamily="49" charset="0"/>
+              </a:rPr>
+              <a:t>['</a:t>
+            </a:r>
+            <a:r>
+              <a:rPr lang="en-GB" sz="1800" b="1" dirty="0" err="1">
+                <a:latin typeface="Courier New" panose="02070309020205020404" pitchFamily="49" charset="0"/>
+                <a:cs typeface="Courier New" panose="02070309020205020404" pitchFamily="49" charset="0"/>
+              </a:rPr>
+              <a:t>userId</a:t>
+            </a:r>
+            <a:r>
+              <a:rPr lang="en-GB" sz="1800" b="1" dirty="0">
+                <a:latin typeface="Courier New" panose="02070309020205020404" pitchFamily="49" charset="0"/>
+                <a:cs typeface="Courier New" panose="02070309020205020404" pitchFamily="49" charset="0"/>
+              </a:rPr>
+              <a:t>']</a:t>
+            </a:r>
+            <a:r>
+              <a:rPr lang="en-GB" sz="1800" dirty="0">
+                <a:latin typeface="Courier New" panose="02070309020205020404" pitchFamily="49" charset="0"/>
+                <a:cs typeface="Courier New" panose="02070309020205020404" pitchFamily="49" charset="0"/>
+              </a:rPr>
+              <a:t>);</a:t>
+            </a:r>
+          </a:p>
+          <a:p>
+            <a:pPr marL="0" indent="0">
+              <a:buNone/>
+            </a:pPr>
+            <a:r>
+              <a:rPr lang="en-GB" sz="1800" dirty="0">
+                <a:latin typeface="Courier New" panose="02070309020205020404" pitchFamily="49" charset="0"/>
+                <a:cs typeface="Courier New" panose="02070309020205020404" pitchFamily="49" charset="0"/>
+              </a:rPr>
+              <a:t>});</a:t>
+            </a:r>
+          </a:p>
+        </p:txBody>
+      </p:sp>
+    </p:spTree>
+    <p:extLst>
+      <p:ext uri="{BB962C8B-B14F-4D97-AF65-F5344CB8AC3E}">
+        <p14:creationId xmlns:p14="http://schemas.microsoft.com/office/powerpoint/2010/main" val="3622428821"/>
+      </p:ext>
+    </p:extLst>
+  </p:cSld>
+  <p:clrMapOvr>
+    <a:masterClrMapping/>
+  </p:clrMapOvr>
+  <p:timing>
+    <p:tnLst>
+      <p:par>
+        <p:cTn id="1" dur="indefinite" restart="never" nodeType="tmRoot"/>
+      </p:par>
+    </p:tnLst>
+  </p:timing>
+</p:sld>
+</file>
+
+<file path=ppt/slides/slide25.xml><?xml version="1.0" encoding="utf-8"?>
+<p:sld xmlns:a="http://schemas.openxmlformats.org/drawingml/2006/main" xmlns:r="http://schemas.openxmlformats.org/officeDocument/2006/relationships" xmlns:p="http://schemas.openxmlformats.org/presentationml/2006/main">
+  <p:cSld>
+    <p:spTree>
+      <p:nvGrpSpPr>
+        <p:cNvPr id="1" name=""/>
+        <p:cNvGrpSpPr/>
+        <p:nvPr/>
+      </p:nvGrpSpPr>
+      <p:grpSpPr>
+        <a:xfrm>
+          <a:off x="0" y="0"/>
+          <a:ext cx="0" cy="0"/>
+          <a:chOff x="0" y="0"/>
+          <a:chExt cx="0" cy="0"/>
+        </a:xfrm>
+      </p:grpSpPr>
+      <p:sp>
+        <p:nvSpPr>
+          <p:cNvPr id="2" name="Title 1"/>
+          <p:cNvSpPr>
+            <a:spLocks noGrp="1"/>
+          </p:cNvSpPr>
+          <p:nvPr>
+            <p:ph type="title"/>
+          </p:nvPr>
+        </p:nvSpPr>
+        <p:spPr/>
+        <p:txBody>
+          <a:bodyPr/>
+          <a:lstStyle/>
+          <a:p>
+            <a:r>
+              <a:rPr lang="sr-Latn-RS" dirty="0" smtClean="0"/>
+              <a:t>Router objekat</a:t>
+            </a:r>
+            <a:endParaRPr lang="en-GB" dirty="0"/>
+          </a:p>
+        </p:txBody>
+      </p:sp>
+      <p:sp>
+        <p:nvSpPr>
+          <p:cNvPr id="3" name="Content Placeholder 2"/>
+          <p:cNvSpPr>
+            <a:spLocks noGrp="1"/>
+          </p:cNvSpPr>
+          <p:nvPr>
+            <p:ph idx="1"/>
+          </p:nvPr>
+        </p:nvSpPr>
+        <p:spPr/>
+        <p:txBody>
+          <a:bodyPr/>
+          <a:lstStyle/>
+          <a:p>
+            <a:r>
+              <a:rPr lang="en-GB" dirty="0" err="1">
+                <a:latin typeface="Courier New" panose="02070309020205020404" pitchFamily="49" charset="0"/>
+                <a:cs typeface="Courier New" panose="02070309020205020404" pitchFamily="49" charset="0"/>
+              </a:rPr>
+              <a:t>express.Router</a:t>
+            </a:r>
+            <a:r>
+              <a:rPr lang="en-GB" dirty="0">
+                <a:latin typeface="Courier New" panose="02070309020205020404" pitchFamily="49" charset="0"/>
+                <a:cs typeface="Courier New" panose="02070309020205020404" pitchFamily="49" charset="0"/>
+              </a:rPr>
+              <a:t>()</a:t>
+            </a:r>
+            <a:endParaRPr lang="sr-Latn-RS" dirty="0" smtClean="0">
+              <a:latin typeface="Courier New" panose="02070309020205020404" pitchFamily="49" charset="0"/>
+              <a:cs typeface="Courier New" panose="02070309020205020404" pitchFamily="49" charset="0"/>
+            </a:endParaRPr>
+          </a:p>
+          <a:p>
+            <a:r>
+              <a:rPr lang="sr-Latn-RS" dirty="0" smtClean="0"/>
+              <a:t>Izolovana instanca middleware-a i ruta</a:t>
+            </a:r>
+          </a:p>
+          <a:p>
+            <a:r>
+              <a:rPr lang="sr-Latn-RS" dirty="0" smtClean="0"/>
+              <a:t>Koristi se kao i svaki drugi middleware</a:t>
+            </a:r>
+          </a:p>
+          <a:p>
+            <a:pPr lvl="1"/>
+            <a:r>
+              <a:rPr lang="sr-Latn-RS" dirty="0" smtClean="0"/>
+              <a:t>Dodaje se u aplikaciju sa use</a:t>
+            </a:r>
+            <a:endParaRPr lang="en-GB" dirty="0"/>
+          </a:p>
+        </p:txBody>
+      </p:sp>
+    </p:spTree>
+    <p:extLst>
+      <p:ext uri="{BB962C8B-B14F-4D97-AF65-F5344CB8AC3E}">
+        <p14:creationId xmlns:p14="http://schemas.microsoft.com/office/powerpoint/2010/main" val="3710227799"/>
+      </p:ext>
+    </p:extLst>
+  </p:cSld>
+  <p:clrMapOvr>
+    <a:masterClrMapping/>
+  </p:clrMapOvr>
+  <p:timing>
+    <p:tnLst>
+      <p:par>
+        <p:cTn id="1" dur="indefinite" restart="never" nodeType="tmRoot"/>
+      </p:par>
+    </p:tnLst>
+  </p:timing>
+</p:sld>
+</file>
+
+<file path=ppt/slides/slide26.xml><?xml version="1.0" encoding="utf-8"?>
+<p:sld xmlns:a="http://schemas.openxmlformats.org/drawingml/2006/main" xmlns:r="http://schemas.openxmlformats.org/officeDocument/2006/relationships" xmlns:p="http://schemas.openxmlformats.org/presentationml/2006/main">
+  <p:cSld>
+    <p:spTree>
+      <p:nvGrpSpPr>
+        <p:cNvPr id="1" name=""/>
+        <p:cNvGrpSpPr/>
+        <p:nvPr/>
+      </p:nvGrpSpPr>
+      <p:grpSpPr>
+        <a:xfrm>
+          <a:off x="0" y="0"/>
+          <a:ext cx="0" cy="0"/>
+          <a:chOff x="0" y="0"/>
+          <a:chExt cx="0" cy="0"/>
+        </a:xfrm>
+      </p:grpSpPr>
+      <p:sp>
+        <p:nvSpPr>
+          <p:cNvPr id="2" name="Title 1"/>
+          <p:cNvSpPr>
+            <a:spLocks noGrp="1"/>
+          </p:cNvSpPr>
+          <p:nvPr>
+            <p:ph type="title"/>
+          </p:nvPr>
+        </p:nvSpPr>
+        <p:spPr/>
+        <p:txBody>
+          <a:bodyPr/>
+          <a:lstStyle/>
+          <a:p>
+            <a:r>
+              <a:rPr lang="sr-Latn-RS" dirty="0" smtClean="0"/>
+              <a:t>Items primer</a:t>
+            </a:r>
+            <a:endParaRPr lang="en-GB" dirty="0"/>
+          </a:p>
+        </p:txBody>
+      </p:sp>
+      <p:sp>
+        <p:nvSpPr>
+          <p:cNvPr id="3" name="Content Placeholder 2"/>
+          <p:cNvSpPr>
+            <a:spLocks noGrp="1"/>
+          </p:cNvSpPr>
+          <p:nvPr>
+            <p:ph idx="1"/>
+          </p:nvPr>
+        </p:nvSpPr>
+        <p:spPr>
+          <a:xfrm>
+            <a:off x="533400" y="1371600"/>
+            <a:ext cx="4114800" cy="4754563"/>
+          </a:xfrm>
+        </p:spPr>
+        <p:txBody>
+          <a:bodyPr>
+            <a:noAutofit/>
+          </a:bodyPr>
+          <a:lstStyle/>
+          <a:p>
+            <a:pPr marL="0" indent="0">
+              <a:buNone/>
+            </a:pPr>
+            <a:r>
+              <a:rPr lang="sr-Latn-RS" sz="1100" dirty="0" smtClean="0">
+                <a:latin typeface="Courier New" panose="02070309020205020404" pitchFamily="49" charset="0"/>
+                <a:cs typeface="Courier New" panose="02070309020205020404" pitchFamily="49" charset="0"/>
+              </a:rPr>
+              <a:t>...</a:t>
+            </a:r>
+            <a:endParaRPr lang="en-GB" sz="1100" dirty="0">
+              <a:latin typeface="Courier New" panose="02070309020205020404" pitchFamily="49" charset="0"/>
+              <a:cs typeface="Courier New" panose="02070309020205020404" pitchFamily="49" charset="0"/>
+            </a:endParaRPr>
+          </a:p>
+          <a:p>
+            <a:pPr marL="0" indent="0">
+              <a:buNone/>
+            </a:pPr>
+            <a:r>
+              <a:rPr lang="sr-Latn-RS" sz="1100" dirty="0" smtClean="0">
+                <a:latin typeface="Courier New" panose="02070309020205020404" pitchFamily="49" charset="0"/>
+                <a:cs typeface="Courier New" panose="02070309020205020404" pitchFamily="49" charset="0"/>
+              </a:rPr>
+              <a:t>//lista objekata koji se čuvaju u aplikacij</a:t>
+            </a:r>
+          </a:p>
+          <a:p>
+            <a:pPr marL="0" indent="0">
+              <a:buNone/>
+            </a:pPr>
+            <a:r>
+              <a:rPr lang="en-GB" sz="1100" dirty="0" err="1" smtClean="0">
+                <a:latin typeface="Courier New" panose="02070309020205020404" pitchFamily="49" charset="0"/>
+                <a:cs typeface="Courier New" panose="02070309020205020404" pitchFamily="49" charset="0"/>
+              </a:rPr>
+              <a:t>var</a:t>
+            </a:r>
+            <a:r>
+              <a:rPr lang="en-GB" sz="1100" dirty="0" smtClean="0">
+                <a:latin typeface="Courier New" panose="02070309020205020404" pitchFamily="49" charset="0"/>
+                <a:cs typeface="Courier New" panose="02070309020205020404" pitchFamily="49" charset="0"/>
+              </a:rPr>
+              <a:t> </a:t>
+            </a:r>
+            <a:r>
+              <a:rPr lang="en-GB" sz="1100" dirty="0">
+                <a:latin typeface="Courier New" panose="02070309020205020404" pitchFamily="49" charset="0"/>
+                <a:cs typeface="Courier New" panose="02070309020205020404" pitchFamily="49" charset="0"/>
+              </a:rPr>
+              <a:t>items = [];</a:t>
+            </a:r>
+          </a:p>
+          <a:p>
+            <a:pPr marL="0" indent="0">
+              <a:buNone/>
+            </a:pPr>
+            <a:r>
+              <a:rPr lang="en-GB" sz="1100" b="1" dirty="0" err="1">
+                <a:latin typeface="Courier New" panose="02070309020205020404" pitchFamily="49" charset="0"/>
+                <a:cs typeface="Courier New" panose="02070309020205020404" pitchFamily="49" charset="0"/>
+              </a:rPr>
+              <a:t>var</a:t>
+            </a:r>
+            <a:r>
+              <a:rPr lang="en-GB" sz="1100" b="1" dirty="0">
+                <a:latin typeface="Courier New" panose="02070309020205020404" pitchFamily="49" charset="0"/>
+                <a:cs typeface="Courier New" panose="02070309020205020404" pitchFamily="49" charset="0"/>
+              </a:rPr>
+              <a:t> router = </a:t>
+            </a:r>
+            <a:r>
+              <a:rPr lang="en-GB" sz="1100" b="1" dirty="0" err="1">
+                <a:latin typeface="Courier New" panose="02070309020205020404" pitchFamily="49" charset="0"/>
+                <a:cs typeface="Courier New" panose="02070309020205020404" pitchFamily="49" charset="0"/>
+              </a:rPr>
+              <a:t>express.Router</a:t>
+            </a:r>
+            <a:r>
+              <a:rPr lang="en-GB" sz="1100" b="1" dirty="0">
+                <a:latin typeface="Courier New" panose="02070309020205020404" pitchFamily="49" charset="0"/>
+                <a:cs typeface="Courier New" panose="02070309020205020404" pitchFamily="49" charset="0"/>
+              </a:rPr>
+              <a:t>();</a:t>
+            </a:r>
+          </a:p>
+          <a:p>
+            <a:pPr marL="0" indent="0">
+              <a:buNone/>
+            </a:pPr>
+            <a:r>
+              <a:rPr lang="en-GB" sz="1100" dirty="0" err="1">
+                <a:latin typeface="Courier New" panose="02070309020205020404" pitchFamily="49" charset="0"/>
+                <a:cs typeface="Courier New" panose="02070309020205020404" pitchFamily="49" charset="0"/>
+              </a:rPr>
+              <a:t>router.use</a:t>
+            </a:r>
+            <a:r>
+              <a:rPr lang="en-GB" sz="1100" dirty="0">
+                <a:latin typeface="Courier New" panose="02070309020205020404" pitchFamily="49" charset="0"/>
+                <a:cs typeface="Courier New" panose="02070309020205020404" pitchFamily="49" charset="0"/>
+              </a:rPr>
+              <a:t>(</a:t>
+            </a:r>
+            <a:r>
+              <a:rPr lang="en-GB" sz="1100" dirty="0" err="1">
+                <a:latin typeface="Courier New" panose="02070309020205020404" pitchFamily="49" charset="0"/>
+                <a:cs typeface="Courier New" panose="02070309020205020404" pitchFamily="49" charset="0"/>
+              </a:rPr>
+              <a:t>bodyParser.urlencoded</a:t>
+            </a:r>
+            <a:r>
+              <a:rPr lang="en-GB" sz="1100" dirty="0">
+                <a:latin typeface="Courier New" panose="02070309020205020404" pitchFamily="49" charset="0"/>
+                <a:cs typeface="Courier New" panose="02070309020205020404" pitchFamily="49" charset="0"/>
+              </a:rPr>
+              <a:t>({</a:t>
+            </a:r>
+          </a:p>
+          <a:p>
+            <a:pPr marL="0" indent="0">
+              <a:buNone/>
+            </a:pPr>
+            <a:r>
+              <a:rPr lang="en-GB" sz="1100" dirty="0">
+                <a:latin typeface="Courier New" panose="02070309020205020404" pitchFamily="49" charset="0"/>
+                <a:cs typeface="Courier New" panose="02070309020205020404" pitchFamily="49" charset="0"/>
+              </a:rPr>
+              <a:t>  extended: true</a:t>
+            </a:r>
+          </a:p>
+          <a:p>
+            <a:pPr marL="0" indent="0">
+              <a:buNone/>
+            </a:pPr>
+            <a:r>
+              <a:rPr lang="en-GB" sz="1100" dirty="0">
+                <a:latin typeface="Courier New" panose="02070309020205020404" pitchFamily="49" charset="0"/>
+                <a:cs typeface="Courier New" panose="02070309020205020404" pitchFamily="49" charset="0"/>
+              </a:rPr>
+              <a:t>}));</a:t>
+            </a:r>
+          </a:p>
+          <a:p>
+            <a:pPr marL="0" indent="0">
+              <a:buNone/>
+            </a:pPr>
+            <a:r>
+              <a:rPr lang="en-GB" sz="1100" dirty="0" err="1">
+                <a:latin typeface="Courier New" panose="02070309020205020404" pitchFamily="49" charset="0"/>
+                <a:cs typeface="Courier New" panose="02070309020205020404" pitchFamily="49" charset="0"/>
+              </a:rPr>
+              <a:t>router.use</a:t>
+            </a:r>
+            <a:r>
+              <a:rPr lang="en-GB" sz="1100" dirty="0">
+                <a:latin typeface="Courier New" panose="02070309020205020404" pitchFamily="49" charset="0"/>
+                <a:cs typeface="Courier New" panose="02070309020205020404" pitchFamily="49" charset="0"/>
+              </a:rPr>
+              <a:t>(</a:t>
+            </a:r>
+            <a:r>
+              <a:rPr lang="en-GB" sz="1100" dirty="0" err="1">
+                <a:latin typeface="Courier New" panose="02070309020205020404" pitchFamily="49" charset="0"/>
+                <a:cs typeface="Courier New" panose="02070309020205020404" pitchFamily="49" charset="0"/>
+              </a:rPr>
+              <a:t>bodyParser.json</a:t>
+            </a:r>
+            <a:r>
+              <a:rPr lang="en-GB" sz="1100" dirty="0">
+                <a:latin typeface="Courier New" panose="02070309020205020404" pitchFamily="49" charset="0"/>
+                <a:cs typeface="Courier New" panose="02070309020205020404" pitchFamily="49" charset="0"/>
+              </a:rPr>
+              <a:t>());</a:t>
+            </a:r>
+          </a:p>
+          <a:p>
+            <a:pPr marL="0" indent="0">
+              <a:buNone/>
+            </a:pPr>
+            <a:r>
+              <a:rPr lang="en-GB" sz="1100" b="1" dirty="0" err="1">
+                <a:latin typeface="Courier New" panose="02070309020205020404" pitchFamily="49" charset="0"/>
+                <a:cs typeface="Courier New" panose="02070309020205020404" pitchFamily="49" charset="0"/>
+              </a:rPr>
+              <a:t>router.route</a:t>
+            </a:r>
+            <a:r>
+              <a:rPr lang="en-GB" sz="1100" b="1" dirty="0">
+                <a:latin typeface="Courier New" panose="02070309020205020404" pitchFamily="49" charset="0"/>
+                <a:cs typeface="Courier New" panose="02070309020205020404" pitchFamily="49" charset="0"/>
+              </a:rPr>
+              <a:t>('/')</a:t>
+            </a:r>
+          </a:p>
+          <a:p>
+            <a:pPr marL="0" indent="0">
+              <a:buNone/>
+            </a:pPr>
+            <a:r>
+              <a:rPr lang="en-GB" sz="1100" dirty="0">
+                <a:latin typeface="Courier New" panose="02070309020205020404" pitchFamily="49" charset="0"/>
+                <a:cs typeface="Courier New" panose="02070309020205020404" pitchFamily="49" charset="0"/>
+              </a:rPr>
+              <a:t>  </a:t>
+            </a:r>
+            <a:r>
+              <a:rPr lang="en-GB" sz="1100" b="1" dirty="0">
+                <a:latin typeface="Courier New" panose="02070309020205020404" pitchFamily="49" charset="0"/>
+                <a:cs typeface="Courier New" panose="02070309020205020404" pitchFamily="49" charset="0"/>
+              </a:rPr>
+              <a:t>.get</a:t>
+            </a:r>
+            <a:r>
+              <a:rPr lang="en-GB" sz="1100" dirty="0">
+                <a:latin typeface="Courier New" panose="02070309020205020404" pitchFamily="49" charset="0"/>
+                <a:cs typeface="Courier New" panose="02070309020205020404" pitchFamily="49" charset="0"/>
+              </a:rPr>
+              <a:t>(function(</a:t>
+            </a:r>
+            <a:r>
+              <a:rPr lang="en-GB" sz="1100" dirty="0" err="1">
+                <a:latin typeface="Courier New" panose="02070309020205020404" pitchFamily="49" charset="0"/>
+                <a:cs typeface="Courier New" panose="02070309020205020404" pitchFamily="49" charset="0"/>
+              </a:rPr>
+              <a:t>req</a:t>
+            </a:r>
+            <a:r>
+              <a:rPr lang="en-GB" sz="1100" dirty="0">
+                <a:latin typeface="Courier New" panose="02070309020205020404" pitchFamily="49" charset="0"/>
+                <a:cs typeface="Courier New" panose="02070309020205020404" pitchFamily="49" charset="0"/>
+              </a:rPr>
+              <a:t>, res, next) {</a:t>
+            </a:r>
+          </a:p>
+          <a:p>
+            <a:pPr marL="0" indent="0">
+              <a:buNone/>
+            </a:pPr>
+            <a:r>
+              <a:rPr lang="en-GB" sz="1100" dirty="0">
+                <a:latin typeface="Courier New" panose="02070309020205020404" pitchFamily="49" charset="0"/>
+                <a:cs typeface="Courier New" panose="02070309020205020404" pitchFamily="49" charset="0"/>
+              </a:rPr>
+              <a:t>    </a:t>
+            </a:r>
+            <a:r>
+              <a:rPr lang="en-GB" sz="1100" dirty="0" err="1">
+                <a:latin typeface="Courier New" panose="02070309020205020404" pitchFamily="49" charset="0"/>
+                <a:cs typeface="Courier New" panose="02070309020205020404" pitchFamily="49" charset="0"/>
+              </a:rPr>
+              <a:t>res.send</a:t>
+            </a:r>
+            <a:r>
+              <a:rPr lang="en-GB" sz="1100" dirty="0">
+                <a:latin typeface="Courier New" panose="02070309020205020404" pitchFamily="49" charset="0"/>
+                <a:cs typeface="Courier New" panose="02070309020205020404" pitchFamily="49" charset="0"/>
+              </a:rPr>
+              <a:t>({</a:t>
+            </a:r>
+          </a:p>
+          <a:p>
+            <a:pPr marL="0" indent="0">
+              <a:buNone/>
+            </a:pPr>
+            <a:r>
+              <a:rPr lang="en-GB" sz="1100" dirty="0">
+                <a:latin typeface="Courier New" panose="02070309020205020404" pitchFamily="49" charset="0"/>
+                <a:cs typeface="Courier New" panose="02070309020205020404" pitchFamily="49" charset="0"/>
+              </a:rPr>
+              <a:t>      status: 'Items found',</a:t>
+            </a:r>
+          </a:p>
+          <a:p>
+            <a:pPr marL="0" indent="0">
+              <a:buNone/>
+            </a:pPr>
+            <a:r>
+              <a:rPr lang="en-GB" sz="1100" dirty="0">
+                <a:latin typeface="Courier New" panose="02070309020205020404" pitchFamily="49" charset="0"/>
+                <a:cs typeface="Courier New" panose="02070309020205020404" pitchFamily="49" charset="0"/>
+              </a:rPr>
+              <a:t>      items: items</a:t>
+            </a:r>
+          </a:p>
+          <a:p>
+            <a:pPr marL="0" indent="0">
+              <a:buNone/>
+            </a:pPr>
+            <a:r>
+              <a:rPr lang="en-GB" sz="1100" dirty="0">
+                <a:latin typeface="Courier New" panose="02070309020205020404" pitchFamily="49" charset="0"/>
+                <a:cs typeface="Courier New" panose="02070309020205020404" pitchFamily="49" charset="0"/>
+              </a:rPr>
+              <a:t>    });</a:t>
+            </a:r>
+          </a:p>
+          <a:p>
+            <a:pPr marL="0" indent="0">
+              <a:buNone/>
+            </a:pPr>
+            <a:r>
+              <a:rPr lang="en-GB" sz="1100" dirty="0">
+                <a:latin typeface="Courier New" panose="02070309020205020404" pitchFamily="49" charset="0"/>
+                <a:cs typeface="Courier New" panose="02070309020205020404" pitchFamily="49" charset="0"/>
+              </a:rPr>
+              <a:t>  })</a:t>
+            </a:r>
+          </a:p>
+          <a:p>
+            <a:pPr marL="0" indent="0">
+              <a:buNone/>
+            </a:pPr>
+            <a:r>
+              <a:rPr lang="en-GB" sz="1100" dirty="0">
+                <a:latin typeface="Courier New" panose="02070309020205020404" pitchFamily="49" charset="0"/>
+                <a:cs typeface="Courier New" panose="02070309020205020404" pitchFamily="49" charset="0"/>
+              </a:rPr>
+              <a:t>  </a:t>
+            </a:r>
+            <a:r>
+              <a:rPr lang="en-GB" sz="1100" b="1" dirty="0">
+                <a:latin typeface="Courier New" panose="02070309020205020404" pitchFamily="49" charset="0"/>
+                <a:cs typeface="Courier New" panose="02070309020205020404" pitchFamily="49" charset="0"/>
+              </a:rPr>
+              <a:t>.post</a:t>
+            </a:r>
+            <a:r>
+              <a:rPr lang="en-GB" sz="1100" dirty="0">
+                <a:latin typeface="Courier New" panose="02070309020205020404" pitchFamily="49" charset="0"/>
+                <a:cs typeface="Courier New" panose="02070309020205020404" pitchFamily="49" charset="0"/>
+              </a:rPr>
+              <a:t>(function(</a:t>
+            </a:r>
+            <a:r>
+              <a:rPr lang="en-GB" sz="1100" dirty="0" err="1">
+                <a:latin typeface="Courier New" panose="02070309020205020404" pitchFamily="49" charset="0"/>
+                <a:cs typeface="Courier New" panose="02070309020205020404" pitchFamily="49" charset="0"/>
+              </a:rPr>
+              <a:t>req</a:t>
+            </a:r>
+            <a:r>
+              <a:rPr lang="en-GB" sz="1100" dirty="0">
+                <a:latin typeface="Courier New" panose="02070309020205020404" pitchFamily="49" charset="0"/>
+                <a:cs typeface="Courier New" panose="02070309020205020404" pitchFamily="49" charset="0"/>
+              </a:rPr>
+              <a:t>, res, next) {</a:t>
+            </a:r>
+          </a:p>
+          <a:p>
+            <a:pPr marL="0" indent="0">
+              <a:buNone/>
+            </a:pPr>
+            <a:r>
+              <a:rPr lang="en-GB" sz="1100" dirty="0">
+                <a:latin typeface="Courier New" panose="02070309020205020404" pitchFamily="49" charset="0"/>
+                <a:cs typeface="Courier New" panose="02070309020205020404" pitchFamily="49" charset="0"/>
+              </a:rPr>
+              <a:t>    </a:t>
+            </a:r>
+            <a:r>
+              <a:rPr lang="en-GB" sz="1100" dirty="0" err="1">
+                <a:latin typeface="Courier New" panose="02070309020205020404" pitchFamily="49" charset="0"/>
+                <a:cs typeface="Courier New" panose="02070309020205020404" pitchFamily="49" charset="0"/>
+              </a:rPr>
+              <a:t>items.push</a:t>
+            </a:r>
+            <a:r>
+              <a:rPr lang="en-GB" sz="1100" dirty="0">
+                <a:latin typeface="Courier New" panose="02070309020205020404" pitchFamily="49" charset="0"/>
+                <a:cs typeface="Courier New" panose="02070309020205020404" pitchFamily="49" charset="0"/>
+              </a:rPr>
+              <a:t>(</a:t>
+            </a:r>
+            <a:r>
+              <a:rPr lang="en-GB" sz="1100" dirty="0" err="1">
+                <a:latin typeface="Courier New" panose="02070309020205020404" pitchFamily="49" charset="0"/>
+                <a:cs typeface="Courier New" panose="02070309020205020404" pitchFamily="49" charset="0"/>
+              </a:rPr>
+              <a:t>req.body</a:t>
+            </a:r>
+            <a:r>
+              <a:rPr lang="en-GB" sz="1100" dirty="0">
+                <a:latin typeface="Courier New" panose="02070309020205020404" pitchFamily="49" charset="0"/>
+                <a:cs typeface="Courier New" panose="02070309020205020404" pitchFamily="49" charset="0"/>
+              </a:rPr>
+              <a:t>);</a:t>
+            </a:r>
+          </a:p>
+          <a:p>
+            <a:pPr marL="0" indent="0">
+              <a:buNone/>
+            </a:pPr>
+            <a:r>
+              <a:rPr lang="en-GB" sz="1100" dirty="0">
+                <a:latin typeface="Courier New" panose="02070309020205020404" pitchFamily="49" charset="0"/>
+                <a:cs typeface="Courier New" panose="02070309020205020404" pitchFamily="49" charset="0"/>
+              </a:rPr>
+              <a:t>    </a:t>
+            </a:r>
+            <a:r>
+              <a:rPr lang="en-GB" sz="1100" dirty="0" err="1">
+                <a:latin typeface="Courier New" panose="02070309020205020404" pitchFamily="49" charset="0"/>
+                <a:cs typeface="Courier New" panose="02070309020205020404" pitchFamily="49" charset="0"/>
+              </a:rPr>
+              <a:t>res.send</a:t>
+            </a:r>
+            <a:r>
+              <a:rPr lang="en-GB" sz="1100" dirty="0">
+                <a:latin typeface="Courier New" panose="02070309020205020404" pitchFamily="49" charset="0"/>
+                <a:cs typeface="Courier New" panose="02070309020205020404" pitchFamily="49" charset="0"/>
+              </a:rPr>
+              <a:t>({</a:t>
+            </a:r>
+          </a:p>
+          <a:p>
+            <a:pPr marL="0" indent="0">
+              <a:buNone/>
+            </a:pPr>
+            <a:r>
+              <a:rPr lang="en-GB" sz="1100" dirty="0">
+                <a:latin typeface="Courier New" panose="02070309020205020404" pitchFamily="49" charset="0"/>
+                <a:cs typeface="Courier New" panose="02070309020205020404" pitchFamily="49" charset="0"/>
+              </a:rPr>
+              <a:t>      status: 'Item added',</a:t>
+            </a:r>
+          </a:p>
+          <a:p>
+            <a:pPr marL="0" indent="0">
+              <a:buNone/>
+            </a:pPr>
+            <a:r>
+              <a:rPr lang="en-GB" sz="1100" dirty="0">
+                <a:latin typeface="Courier New" panose="02070309020205020404" pitchFamily="49" charset="0"/>
+                <a:cs typeface="Courier New" panose="02070309020205020404" pitchFamily="49" charset="0"/>
+              </a:rPr>
+              <a:t>      </a:t>
+            </a:r>
+            <a:r>
+              <a:rPr lang="en-GB" sz="1100" dirty="0" err="1">
+                <a:latin typeface="Courier New" panose="02070309020205020404" pitchFamily="49" charset="0"/>
+                <a:cs typeface="Courier New" panose="02070309020205020404" pitchFamily="49" charset="0"/>
+              </a:rPr>
+              <a:t>itemId</a:t>
+            </a:r>
+            <a:r>
+              <a:rPr lang="en-GB" sz="1100" dirty="0">
+                <a:latin typeface="Courier New" panose="02070309020205020404" pitchFamily="49" charset="0"/>
+                <a:cs typeface="Courier New" panose="02070309020205020404" pitchFamily="49" charset="0"/>
+              </a:rPr>
+              <a:t>: </a:t>
+            </a:r>
+            <a:r>
+              <a:rPr lang="en-GB" sz="1100" dirty="0" err="1">
+                <a:latin typeface="Courier New" panose="02070309020205020404" pitchFamily="49" charset="0"/>
+                <a:cs typeface="Courier New" panose="02070309020205020404" pitchFamily="49" charset="0"/>
+              </a:rPr>
+              <a:t>items.length</a:t>
+            </a:r>
+            <a:r>
+              <a:rPr lang="en-GB" sz="1100" dirty="0">
+                <a:latin typeface="Courier New" panose="02070309020205020404" pitchFamily="49" charset="0"/>
+                <a:cs typeface="Courier New" panose="02070309020205020404" pitchFamily="49" charset="0"/>
+              </a:rPr>
+              <a:t> - 1</a:t>
+            </a:r>
+          </a:p>
+          <a:p>
+            <a:pPr marL="0" indent="0">
+              <a:buNone/>
+            </a:pPr>
+            <a:r>
+              <a:rPr lang="en-GB" sz="1100" dirty="0">
+                <a:latin typeface="Courier New" panose="02070309020205020404" pitchFamily="49" charset="0"/>
+                <a:cs typeface="Courier New" panose="02070309020205020404" pitchFamily="49" charset="0"/>
+              </a:rPr>
+              <a:t>    });</a:t>
+            </a:r>
+          </a:p>
+          <a:p>
+            <a:pPr marL="0" indent="0">
+              <a:buNone/>
+            </a:pPr>
+            <a:r>
+              <a:rPr lang="en-GB" sz="1100" dirty="0">
+                <a:latin typeface="Courier New" panose="02070309020205020404" pitchFamily="49" charset="0"/>
+                <a:cs typeface="Courier New" panose="02070309020205020404" pitchFamily="49" charset="0"/>
+              </a:rPr>
+              <a:t>  })</a:t>
+            </a:r>
+          </a:p>
+          <a:p>
+            <a:pPr marL="0" indent="0">
+              <a:buNone/>
+            </a:pPr>
+            <a:r>
+              <a:rPr lang="sr-Latn-RS" sz="1100" dirty="0" smtClean="0">
+                <a:latin typeface="Courier New" panose="02070309020205020404" pitchFamily="49" charset="0"/>
+                <a:cs typeface="Courier New" panose="02070309020205020404" pitchFamily="49" charset="0"/>
+              </a:rPr>
+              <a:t>...</a:t>
+            </a:r>
+            <a:endParaRPr lang="en-GB" sz="1100" dirty="0">
+              <a:latin typeface="Courier New" panose="02070309020205020404" pitchFamily="49" charset="0"/>
+              <a:cs typeface="Courier New" panose="02070309020205020404" pitchFamily="49" charset="0"/>
+            </a:endParaRPr>
+          </a:p>
+          <a:p>
+            <a:pPr marL="0" indent="0">
+              <a:buNone/>
+            </a:pPr>
+            <a:r>
+              <a:rPr lang="en-GB" sz="1100" dirty="0">
+                <a:latin typeface="Courier New" panose="02070309020205020404" pitchFamily="49" charset="0"/>
+                <a:cs typeface="Courier New" panose="02070309020205020404" pitchFamily="49" charset="0"/>
+              </a:rPr>
+              <a:t>  });</a:t>
+            </a:r>
+          </a:p>
+          <a:p>
+            <a:pPr marL="0" indent="0">
+              <a:buNone/>
+            </a:pPr>
+            <a:endParaRPr lang="en-GB" sz="1100" dirty="0">
+              <a:latin typeface="Courier New" panose="02070309020205020404" pitchFamily="49" charset="0"/>
+              <a:cs typeface="Courier New" panose="02070309020205020404" pitchFamily="49" charset="0"/>
+            </a:endParaRPr>
+          </a:p>
+        </p:txBody>
+      </p:sp>
+      <p:sp>
+        <p:nvSpPr>
+          <p:cNvPr id="4" name="Rectangle 3"/>
+          <p:cNvSpPr/>
+          <p:nvPr/>
+        </p:nvSpPr>
+        <p:spPr>
+          <a:xfrm>
+            <a:off x="5181600" y="1524000"/>
+            <a:ext cx="3810000" cy="4527393"/>
+          </a:xfrm>
+          <a:prstGeom prst="rect">
+            <a:avLst/>
+          </a:prstGeom>
+        </p:spPr>
+        <p:txBody>
+          <a:bodyPr wrap="square">
+            <a:spAutoFit/>
+          </a:bodyPr>
+          <a:lstStyle/>
+          <a:p>
+            <a:pPr>
+              <a:spcBef>
+                <a:spcPct val="20000"/>
+              </a:spcBef>
+            </a:pPr>
+            <a:r>
+              <a:rPr lang="en-GB" sz="1100" b="1" dirty="0" err="1">
+                <a:latin typeface="Courier New" panose="02070309020205020404" pitchFamily="49" charset="0"/>
+                <a:cs typeface="Courier New" panose="02070309020205020404" pitchFamily="49" charset="0"/>
+              </a:rPr>
+              <a:t>router.route</a:t>
+            </a:r>
+            <a:r>
+              <a:rPr lang="en-GB" sz="1100" b="1" dirty="0">
+                <a:latin typeface="Courier New" panose="02070309020205020404" pitchFamily="49" charset="0"/>
+                <a:cs typeface="Courier New" panose="02070309020205020404" pitchFamily="49" charset="0"/>
+              </a:rPr>
+              <a:t>('/:id')</a:t>
+            </a:r>
+          </a:p>
+          <a:p>
+            <a:pPr>
+              <a:spcBef>
+                <a:spcPct val="20000"/>
+              </a:spcBef>
+            </a:pPr>
+            <a:r>
+              <a:rPr lang="en-GB" sz="1100" dirty="0">
+                <a:latin typeface="Courier New" panose="02070309020205020404" pitchFamily="49" charset="0"/>
+                <a:cs typeface="Courier New" panose="02070309020205020404" pitchFamily="49" charset="0"/>
+              </a:rPr>
+              <a:t>  .get(function(</a:t>
+            </a:r>
+            <a:r>
+              <a:rPr lang="en-GB" sz="1100" dirty="0" err="1">
+                <a:latin typeface="Courier New" panose="02070309020205020404" pitchFamily="49" charset="0"/>
+                <a:cs typeface="Courier New" panose="02070309020205020404" pitchFamily="49" charset="0"/>
+              </a:rPr>
+              <a:t>req</a:t>
+            </a:r>
+            <a:r>
+              <a:rPr lang="en-GB" sz="1100" dirty="0">
+                <a:latin typeface="Courier New" panose="02070309020205020404" pitchFamily="49" charset="0"/>
+                <a:cs typeface="Courier New" panose="02070309020205020404" pitchFamily="49" charset="0"/>
+              </a:rPr>
+              <a:t>, res, next) {</a:t>
+            </a:r>
+          </a:p>
+          <a:p>
+            <a:pPr>
+              <a:spcBef>
+                <a:spcPct val="20000"/>
+              </a:spcBef>
+            </a:pPr>
+            <a:r>
+              <a:rPr lang="en-GB" sz="1100" dirty="0">
+                <a:latin typeface="Courier New" panose="02070309020205020404" pitchFamily="49" charset="0"/>
+                <a:cs typeface="Courier New" panose="02070309020205020404" pitchFamily="49" charset="0"/>
+              </a:rPr>
+              <a:t>    </a:t>
+            </a:r>
+            <a:r>
+              <a:rPr lang="en-GB" sz="1100" dirty="0" err="1">
+                <a:latin typeface="Courier New" panose="02070309020205020404" pitchFamily="49" charset="0"/>
+                <a:cs typeface="Courier New" panose="02070309020205020404" pitchFamily="49" charset="0"/>
+              </a:rPr>
+              <a:t>var</a:t>
+            </a:r>
+            <a:r>
+              <a:rPr lang="en-GB" sz="1100" dirty="0">
+                <a:latin typeface="Courier New" panose="02070309020205020404" pitchFamily="49" charset="0"/>
+                <a:cs typeface="Courier New" panose="02070309020205020404" pitchFamily="49" charset="0"/>
+              </a:rPr>
+              <a:t> id = req.params.id;</a:t>
+            </a:r>
+          </a:p>
+          <a:p>
+            <a:pPr>
+              <a:spcBef>
+                <a:spcPct val="20000"/>
+              </a:spcBef>
+            </a:pPr>
+            <a:r>
+              <a:rPr lang="en-GB" sz="1100" dirty="0">
+                <a:latin typeface="Courier New" panose="02070309020205020404" pitchFamily="49" charset="0"/>
+                <a:cs typeface="Courier New" panose="02070309020205020404" pitchFamily="49" charset="0"/>
+              </a:rPr>
+              <a:t>    if (id &amp;&amp; items[Number(id)]) {</a:t>
+            </a:r>
+          </a:p>
+          <a:p>
+            <a:pPr>
+              <a:spcBef>
+                <a:spcPct val="20000"/>
+              </a:spcBef>
+            </a:pPr>
+            <a:r>
+              <a:rPr lang="en-GB" sz="1100" dirty="0">
+                <a:latin typeface="Courier New" panose="02070309020205020404" pitchFamily="49" charset="0"/>
+                <a:cs typeface="Courier New" panose="02070309020205020404" pitchFamily="49" charset="0"/>
+              </a:rPr>
+              <a:t>      </a:t>
+            </a:r>
+            <a:r>
+              <a:rPr lang="en-GB" sz="1100" dirty="0" err="1">
+                <a:latin typeface="Courier New" panose="02070309020205020404" pitchFamily="49" charset="0"/>
+                <a:cs typeface="Courier New" panose="02070309020205020404" pitchFamily="49" charset="0"/>
+              </a:rPr>
+              <a:t>res.send</a:t>
+            </a:r>
+            <a:r>
+              <a:rPr lang="en-GB" sz="1100" dirty="0">
+                <a:latin typeface="Courier New" panose="02070309020205020404" pitchFamily="49" charset="0"/>
+                <a:cs typeface="Courier New" panose="02070309020205020404" pitchFamily="49" charset="0"/>
+              </a:rPr>
+              <a:t>({</a:t>
+            </a:r>
+          </a:p>
+          <a:p>
+            <a:pPr>
+              <a:spcBef>
+                <a:spcPct val="20000"/>
+              </a:spcBef>
+            </a:pPr>
+            <a:r>
+              <a:rPr lang="en-GB" sz="1100" dirty="0">
+                <a:latin typeface="Courier New" panose="02070309020205020404" pitchFamily="49" charset="0"/>
+                <a:cs typeface="Courier New" panose="02070309020205020404" pitchFamily="49" charset="0"/>
+              </a:rPr>
+              <a:t>        status: 'Item found',</a:t>
+            </a:r>
+          </a:p>
+          <a:p>
+            <a:pPr>
+              <a:spcBef>
+                <a:spcPct val="20000"/>
+              </a:spcBef>
+            </a:pPr>
+            <a:r>
+              <a:rPr lang="en-GB" sz="1100" dirty="0">
+                <a:latin typeface="Courier New" panose="02070309020205020404" pitchFamily="49" charset="0"/>
+                <a:cs typeface="Courier New" panose="02070309020205020404" pitchFamily="49" charset="0"/>
+              </a:rPr>
+              <a:t>        item: items[Number(id)]</a:t>
+            </a:r>
+          </a:p>
+          <a:p>
+            <a:pPr>
+              <a:spcBef>
+                <a:spcPct val="20000"/>
+              </a:spcBef>
+            </a:pPr>
+            <a:r>
+              <a:rPr lang="en-GB" sz="1100" dirty="0">
+                <a:latin typeface="Courier New" panose="02070309020205020404" pitchFamily="49" charset="0"/>
+                <a:cs typeface="Courier New" panose="02070309020205020404" pitchFamily="49" charset="0"/>
+              </a:rPr>
+              <a:t>      });</a:t>
+            </a:r>
+          </a:p>
+          <a:p>
+            <a:pPr>
+              <a:spcBef>
+                <a:spcPct val="20000"/>
+              </a:spcBef>
+            </a:pPr>
+            <a:r>
+              <a:rPr lang="en-GB" sz="1100" dirty="0">
+                <a:latin typeface="Courier New" panose="02070309020205020404" pitchFamily="49" charset="0"/>
+                <a:cs typeface="Courier New" panose="02070309020205020404" pitchFamily="49" charset="0"/>
+              </a:rPr>
+              <a:t>    } else {</a:t>
+            </a:r>
+          </a:p>
+          <a:p>
+            <a:pPr>
+              <a:spcBef>
+                <a:spcPct val="20000"/>
+              </a:spcBef>
+            </a:pPr>
+            <a:r>
+              <a:rPr lang="en-GB" sz="1100" dirty="0">
+                <a:latin typeface="Courier New" panose="02070309020205020404" pitchFamily="49" charset="0"/>
+                <a:cs typeface="Courier New" panose="02070309020205020404" pitchFamily="49" charset="0"/>
+              </a:rPr>
+              <a:t>      </a:t>
+            </a:r>
+            <a:r>
+              <a:rPr lang="en-GB" sz="1100" dirty="0" err="1">
+                <a:latin typeface="Courier New" panose="02070309020205020404" pitchFamily="49" charset="0"/>
+                <a:cs typeface="Courier New" panose="02070309020205020404" pitchFamily="49" charset="0"/>
+              </a:rPr>
+              <a:t>res.send</a:t>
+            </a:r>
+            <a:r>
+              <a:rPr lang="en-GB" sz="1100" dirty="0">
+                <a:latin typeface="Courier New" panose="02070309020205020404" pitchFamily="49" charset="0"/>
+                <a:cs typeface="Courier New" panose="02070309020205020404" pitchFamily="49" charset="0"/>
+              </a:rPr>
+              <a:t>(404, {</a:t>
+            </a:r>
+          </a:p>
+          <a:p>
+            <a:pPr>
+              <a:spcBef>
+                <a:spcPct val="20000"/>
+              </a:spcBef>
+            </a:pPr>
+            <a:r>
+              <a:rPr lang="en-GB" sz="1100" dirty="0">
+                <a:latin typeface="Courier New" panose="02070309020205020404" pitchFamily="49" charset="0"/>
+                <a:cs typeface="Courier New" panose="02070309020205020404" pitchFamily="49" charset="0"/>
+              </a:rPr>
+              <a:t>        status: 'Not found'</a:t>
+            </a:r>
+          </a:p>
+          <a:p>
+            <a:pPr>
+              <a:spcBef>
+                <a:spcPct val="20000"/>
+              </a:spcBef>
+            </a:pPr>
+            <a:r>
+              <a:rPr lang="en-GB" sz="1100" dirty="0">
+                <a:latin typeface="Courier New" panose="02070309020205020404" pitchFamily="49" charset="0"/>
+                <a:cs typeface="Courier New" panose="02070309020205020404" pitchFamily="49" charset="0"/>
+              </a:rPr>
+              <a:t>      });</a:t>
+            </a:r>
+          </a:p>
+          <a:p>
+            <a:pPr>
+              <a:spcBef>
+                <a:spcPct val="20000"/>
+              </a:spcBef>
+            </a:pPr>
+            <a:r>
+              <a:rPr lang="en-GB" sz="1100" dirty="0">
+                <a:latin typeface="Courier New" panose="02070309020205020404" pitchFamily="49" charset="0"/>
+                <a:cs typeface="Courier New" panose="02070309020205020404" pitchFamily="49" charset="0"/>
+              </a:rPr>
+              <a:t>    }</a:t>
+            </a:r>
+          </a:p>
+          <a:p>
+            <a:pPr>
+              <a:spcBef>
+                <a:spcPct val="20000"/>
+              </a:spcBef>
+            </a:pPr>
+            <a:r>
+              <a:rPr lang="en-GB" sz="1100" dirty="0">
+                <a:latin typeface="Courier New" panose="02070309020205020404" pitchFamily="49" charset="0"/>
+                <a:cs typeface="Courier New" panose="02070309020205020404" pitchFamily="49" charset="0"/>
+              </a:rPr>
+              <a:t>  })</a:t>
+            </a:r>
+          </a:p>
+          <a:p>
+            <a:pPr>
+              <a:spcBef>
+                <a:spcPct val="20000"/>
+              </a:spcBef>
+            </a:pPr>
+            <a:r>
+              <a:rPr lang="en-GB" sz="1100" dirty="0">
+                <a:latin typeface="Courier New" panose="02070309020205020404" pitchFamily="49" charset="0"/>
+                <a:cs typeface="Courier New" panose="02070309020205020404" pitchFamily="49" charset="0"/>
+              </a:rPr>
+              <a:t>  .all(function(</a:t>
+            </a:r>
+            <a:r>
+              <a:rPr lang="en-GB" sz="1100" dirty="0" err="1">
+                <a:latin typeface="Courier New" panose="02070309020205020404" pitchFamily="49" charset="0"/>
+                <a:cs typeface="Courier New" panose="02070309020205020404" pitchFamily="49" charset="0"/>
+              </a:rPr>
+              <a:t>req</a:t>
+            </a:r>
+            <a:r>
+              <a:rPr lang="en-GB" sz="1100" dirty="0">
+                <a:latin typeface="Courier New" panose="02070309020205020404" pitchFamily="49" charset="0"/>
+                <a:cs typeface="Courier New" panose="02070309020205020404" pitchFamily="49" charset="0"/>
+              </a:rPr>
+              <a:t>, res, next) {</a:t>
+            </a:r>
+          </a:p>
+          <a:p>
+            <a:pPr>
+              <a:spcBef>
+                <a:spcPct val="20000"/>
+              </a:spcBef>
+            </a:pPr>
+            <a:r>
+              <a:rPr lang="en-GB" sz="1100" dirty="0">
+                <a:latin typeface="Courier New" panose="02070309020205020404" pitchFamily="49" charset="0"/>
+                <a:cs typeface="Courier New" panose="02070309020205020404" pitchFamily="49" charset="0"/>
+              </a:rPr>
+              <a:t>    </a:t>
+            </a:r>
+            <a:r>
+              <a:rPr lang="en-GB" sz="1100" dirty="0" err="1">
+                <a:latin typeface="Courier New" panose="02070309020205020404" pitchFamily="49" charset="0"/>
+                <a:cs typeface="Courier New" panose="02070309020205020404" pitchFamily="49" charset="0"/>
+              </a:rPr>
+              <a:t>res.send</a:t>
+            </a:r>
+            <a:r>
+              <a:rPr lang="en-GB" sz="1100" dirty="0">
+                <a:latin typeface="Courier New" panose="02070309020205020404" pitchFamily="49" charset="0"/>
+                <a:cs typeface="Courier New" panose="02070309020205020404" pitchFamily="49" charset="0"/>
+              </a:rPr>
+              <a:t>(501, {</a:t>
+            </a:r>
+          </a:p>
+          <a:p>
+            <a:pPr>
+              <a:spcBef>
+                <a:spcPct val="20000"/>
+              </a:spcBef>
+            </a:pPr>
+            <a:r>
+              <a:rPr lang="en-GB" sz="1100" dirty="0">
+                <a:latin typeface="Courier New" panose="02070309020205020404" pitchFamily="49" charset="0"/>
+                <a:cs typeface="Courier New" panose="02070309020205020404" pitchFamily="49" charset="0"/>
+              </a:rPr>
+              <a:t>      status: 'Not implemented'</a:t>
+            </a:r>
+          </a:p>
+          <a:p>
+            <a:pPr>
+              <a:spcBef>
+                <a:spcPct val="20000"/>
+              </a:spcBef>
+            </a:pPr>
+            <a:r>
+              <a:rPr lang="en-GB" sz="1100" dirty="0">
+                <a:latin typeface="Courier New" panose="02070309020205020404" pitchFamily="49" charset="0"/>
+                <a:cs typeface="Courier New" panose="02070309020205020404" pitchFamily="49" charset="0"/>
+              </a:rPr>
+              <a:t>    });</a:t>
+            </a:r>
+          </a:p>
+          <a:p>
+            <a:pPr>
+              <a:spcBef>
+                <a:spcPct val="20000"/>
+              </a:spcBef>
+            </a:pPr>
+            <a:r>
+              <a:rPr lang="en-GB" sz="1100" dirty="0">
+                <a:latin typeface="Courier New" panose="02070309020205020404" pitchFamily="49" charset="0"/>
+                <a:cs typeface="Courier New" panose="02070309020205020404" pitchFamily="49" charset="0"/>
+              </a:rPr>
+              <a:t>  });</a:t>
+            </a:r>
+          </a:p>
+          <a:p>
+            <a:pPr>
+              <a:spcBef>
+                <a:spcPct val="20000"/>
+              </a:spcBef>
+            </a:pPr>
+            <a:r>
+              <a:rPr lang="en-GB" sz="1100" dirty="0" err="1">
+                <a:latin typeface="Courier New" panose="02070309020205020404" pitchFamily="49" charset="0"/>
+                <a:cs typeface="Courier New" panose="02070309020205020404" pitchFamily="49" charset="0"/>
+              </a:rPr>
+              <a:t>var</a:t>
+            </a:r>
+            <a:r>
+              <a:rPr lang="en-GB" sz="1100" dirty="0">
+                <a:latin typeface="Courier New" panose="02070309020205020404" pitchFamily="49" charset="0"/>
+                <a:cs typeface="Courier New" panose="02070309020205020404" pitchFamily="49" charset="0"/>
+              </a:rPr>
+              <a:t> app = express()</a:t>
+            </a:r>
+          </a:p>
+          <a:p>
+            <a:pPr>
+              <a:spcBef>
+                <a:spcPct val="20000"/>
+              </a:spcBef>
+            </a:pPr>
+            <a:r>
+              <a:rPr lang="en-GB" sz="1100" dirty="0">
+                <a:latin typeface="Courier New" panose="02070309020205020404" pitchFamily="49" charset="0"/>
+                <a:cs typeface="Courier New" panose="02070309020205020404" pitchFamily="49" charset="0"/>
+              </a:rPr>
+              <a:t>  .use('/</a:t>
+            </a:r>
+            <a:r>
+              <a:rPr lang="en-GB" sz="1100" dirty="0" err="1">
+                <a:latin typeface="Courier New" panose="02070309020205020404" pitchFamily="49" charset="0"/>
+                <a:cs typeface="Courier New" panose="02070309020205020404" pitchFamily="49" charset="0"/>
+              </a:rPr>
+              <a:t>todo</a:t>
+            </a:r>
+            <a:r>
+              <a:rPr lang="en-GB" sz="1100" dirty="0">
+                <a:latin typeface="Courier New" panose="02070309020205020404" pitchFamily="49" charset="0"/>
+                <a:cs typeface="Courier New" panose="02070309020205020404" pitchFamily="49" charset="0"/>
+              </a:rPr>
+              <a:t>', router)</a:t>
+            </a:r>
+          </a:p>
+          <a:p>
+            <a:pPr>
+              <a:spcBef>
+                <a:spcPct val="20000"/>
+              </a:spcBef>
+            </a:pPr>
+            <a:r>
+              <a:rPr lang="en-GB" sz="1100" dirty="0">
+                <a:latin typeface="Courier New" panose="02070309020205020404" pitchFamily="49" charset="0"/>
+                <a:cs typeface="Courier New" panose="02070309020205020404" pitchFamily="49" charset="0"/>
+              </a:rPr>
+              <a:t>  .listen(3000);</a:t>
+            </a:r>
+          </a:p>
+        </p:txBody>
+      </p:sp>
+    </p:spTree>
+    <p:extLst>
+      <p:ext uri="{BB962C8B-B14F-4D97-AF65-F5344CB8AC3E}">
+        <p14:creationId xmlns:p14="http://schemas.microsoft.com/office/powerpoint/2010/main" val="2302435925"/>
+      </p:ext>
+    </p:extLst>
+  </p:cSld>
+  <p:clrMapOvr>
+    <a:masterClrMapping/>
+  </p:clrMapOvr>
+  <p:timing>
+    <p:tnLst>
+      <p:par>
+        <p:cTn id="1" dur="indefinite" restart="never" nodeType="tmRoot"/>
+      </p:par>
+    </p:tnLst>
+  </p:timing>
+</p:sld>
+</file>
+
+<file path=ppt/slides/slide27.xml><?xml version="1.0" encoding="utf-8"?>
+<p:sld xmlns:a="http://schemas.openxmlformats.org/drawingml/2006/main" xmlns:r="http://schemas.openxmlformats.org/officeDocument/2006/relationships" xmlns:p="http://schemas.openxmlformats.org/presentationml/2006/main">
+  <p:cSld>
+    <p:spTree>
+      <p:nvGrpSpPr>
+        <p:cNvPr id="1" name=""/>
+        <p:cNvGrpSpPr/>
+        <p:nvPr/>
+      </p:nvGrpSpPr>
+      <p:grpSpPr>
+        <a:xfrm>
+          <a:off x="0" y="0"/>
+          <a:ext cx="0" cy="0"/>
+          <a:chOff x="0" y="0"/>
+          <a:chExt cx="0" cy="0"/>
+        </a:xfrm>
+      </p:grpSpPr>
+      <p:sp>
+        <p:nvSpPr>
+          <p:cNvPr id="2" name="Title 1"/>
+          <p:cNvSpPr>
+            <a:spLocks noGrp="1"/>
+          </p:cNvSpPr>
+          <p:nvPr>
+            <p:ph type="title"/>
+          </p:nvPr>
+        </p:nvSpPr>
+        <p:spPr/>
+        <p:txBody>
+          <a:bodyPr/>
+          <a:lstStyle/>
+          <a:p>
+            <a:r>
+              <a:rPr lang="en-GB" dirty="0" smtClean="0"/>
+              <a:t>Items primer</a:t>
+            </a:r>
+            <a:endParaRPr lang="en-GB" dirty="0"/>
+          </a:p>
+        </p:txBody>
+      </p:sp>
+      <p:sp>
+        <p:nvSpPr>
+          <p:cNvPr id="3" name="Content Placeholder 2"/>
+          <p:cNvSpPr>
+            <a:spLocks noGrp="1"/>
+          </p:cNvSpPr>
+          <p:nvPr>
+            <p:ph idx="1"/>
+          </p:nvPr>
+        </p:nvSpPr>
+        <p:spPr/>
+        <p:txBody>
+          <a:bodyPr>
+            <a:normAutofit fontScale="40000" lnSpcReduction="20000"/>
+          </a:bodyPr>
+          <a:lstStyle/>
+          <a:p>
+            <a:pPr marL="0" indent="0">
+              <a:buNone/>
+            </a:pPr>
+            <a:r>
+              <a:rPr lang="en-GB" b="1" dirty="0">
+                <a:latin typeface="Courier New" panose="02070309020205020404" pitchFamily="49" charset="0"/>
+                <a:cs typeface="Courier New" panose="02070309020205020404" pitchFamily="49" charset="0"/>
+              </a:rPr>
+              <a:t>curl http://127.0.0.1:3000/todo</a:t>
+            </a:r>
+          </a:p>
+          <a:p>
+            <a:pPr marL="0" indent="0">
+              <a:buNone/>
+            </a:pPr>
+            <a:r>
+              <a:rPr lang="en-GB" dirty="0">
+                <a:latin typeface="Courier New" panose="02070309020205020404" pitchFamily="49" charset="0"/>
+                <a:cs typeface="Courier New" panose="02070309020205020404" pitchFamily="49" charset="0"/>
+              </a:rPr>
+              <a:t>{"</a:t>
+            </a:r>
+            <a:r>
+              <a:rPr lang="en-GB" dirty="0" err="1">
+                <a:latin typeface="Courier New" panose="02070309020205020404" pitchFamily="49" charset="0"/>
+                <a:cs typeface="Courier New" panose="02070309020205020404" pitchFamily="49" charset="0"/>
+              </a:rPr>
+              <a:t>status":"Items</a:t>
+            </a:r>
+            <a:r>
+              <a:rPr lang="en-GB" dirty="0">
+                <a:latin typeface="Courier New" panose="02070309020205020404" pitchFamily="49" charset="0"/>
+                <a:cs typeface="Courier New" panose="02070309020205020404" pitchFamily="49" charset="0"/>
+              </a:rPr>
+              <a:t> </a:t>
+            </a:r>
+            <a:r>
+              <a:rPr lang="en-GB" dirty="0" err="1">
+                <a:latin typeface="Courier New" panose="02070309020205020404" pitchFamily="49" charset="0"/>
+                <a:cs typeface="Courier New" panose="02070309020205020404" pitchFamily="49" charset="0"/>
+              </a:rPr>
+              <a:t>found","items</a:t>
+            </a:r>
+            <a:r>
+              <a:rPr lang="en-GB" dirty="0" smtClean="0">
+                <a:latin typeface="Courier New" panose="02070309020205020404" pitchFamily="49" charset="0"/>
+                <a:cs typeface="Courier New" panose="02070309020205020404" pitchFamily="49" charset="0"/>
+              </a:rPr>
+              <a:t>":[]}</a:t>
+            </a:r>
+            <a:endParaRPr lang="en-GB" dirty="0">
+              <a:latin typeface="Courier New" panose="02070309020205020404" pitchFamily="49" charset="0"/>
+              <a:cs typeface="Courier New" panose="02070309020205020404" pitchFamily="49" charset="0"/>
+            </a:endParaRPr>
+          </a:p>
+          <a:p>
+            <a:pPr marL="0" indent="0">
+              <a:buNone/>
+            </a:pPr>
+            <a:r>
+              <a:rPr lang="en-GB" b="1" dirty="0">
+                <a:latin typeface="Courier New" panose="02070309020205020404" pitchFamily="49" charset="0"/>
+                <a:cs typeface="Courier New" panose="02070309020205020404" pitchFamily="49" charset="0"/>
+              </a:rPr>
+              <a:t>curl http://127.0.0.1:3000/todo -H "content-type: application/</a:t>
+            </a:r>
+            <a:r>
+              <a:rPr lang="en-GB" b="1" dirty="0" err="1">
+                <a:latin typeface="Courier New" panose="02070309020205020404" pitchFamily="49" charset="0"/>
+                <a:cs typeface="Courier New" panose="02070309020205020404" pitchFamily="49" charset="0"/>
+              </a:rPr>
+              <a:t>json</a:t>
+            </a:r>
+            <a:r>
+              <a:rPr lang="en-GB" b="1" dirty="0">
+                <a:latin typeface="Courier New" panose="02070309020205020404" pitchFamily="49" charset="0"/>
+                <a:cs typeface="Courier New" panose="02070309020205020404" pitchFamily="49" charset="0"/>
+              </a:rPr>
+              <a:t>" -d "{\"description\":\"test\"}"</a:t>
+            </a:r>
+          </a:p>
+          <a:p>
+            <a:pPr marL="0" indent="0">
+              <a:buNone/>
+            </a:pPr>
+            <a:r>
+              <a:rPr lang="en-GB" dirty="0">
+                <a:latin typeface="Courier New" panose="02070309020205020404" pitchFamily="49" charset="0"/>
+                <a:cs typeface="Courier New" panose="02070309020205020404" pitchFamily="49" charset="0"/>
+              </a:rPr>
+              <a:t>{"</a:t>
+            </a:r>
+            <a:r>
+              <a:rPr lang="en-GB" dirty="0" err="1">
+                <a:latin typeface="Courier New" panose="02070309020205020404" pitchFamily="49" charset="0"/>
+                <a:cs typeface="Courier New" panose="02070309020205020404" pitchFamily="49" charset="0"/>
+              </a:rPr>
+              <a:t>status":"Item</a:t>
+            </a:r>
+            <a:r>
+              <a:rPr lang="en-GB" dirty="0">
+                <a:latin typeface="Courier New" panose="02070309020205020404" pitchFamily="49" charset="0"/>
+                <a:cs typeface="Courier New" panose="02070309020205020404" pitchFamily="49" charset="0"/>
+              </a:rPr>
+              <a:t> added","itemId":0</a:t>
+            </a:r>
+            <a:r>
+              <a:rPr lang="en-GB" dirty="0" smtClean="0">
+                <a:latin typeface="Courier New" panose="02070309020205020404" pitchFamily="49" charset="0"/>
+                <a:cs typeface="Courier New" panose="02070309020205020404" pitchFamily="49" charset="0"/>
+              </a:rPr>
+              <a:t>}</a:t>
+            </a:r>
+          </a:p>
+          <a:p>
+            <a:pPr marL="0" indent="0">
+              <a:buNone/>
+            </a:pPr>
+            <a:r>
+              <a:rPr lang="en-GB" b="1" dirty="0" smtClean="0">
+                <a:latin typeface="Courier New" panose="02070309020205020404" pitchFamily="49" charset="0"/>
+                <a:cs typeface="Courier New" panose="02070309020205020404" pitchFamily="49" charset="0"/>
+              </a:rPr>
+              <a:t>curl </a:t>
+            </a:r>
+            <a:r>
+              <a:rPr lang="en-GB" b="1" dirty="0">
+                <a:latin typeface="Courier New" panose="02070309020205020404" pitchFamily="49" charset="0"/>
+                <a:cs typeface="Courier New" panose="02070309020205020404" pitchFamily="49" charset="0"/>
+              </a:rPr>
+              <a:t>http://127.0.0.1:3000/todo/0</a:t>
+            </a:r>
+          </a:p>
+          <a:p>
+            <a:pPr marL="0" indent="0">
+              <a:buNone/>
+            </a:pPr>
+            <a:r>
+              <a:rPr lang="en-GB" dirty="0">
+                <a:latin typeface="Courier New" panose="02070309020205020404" pitchFamily="49" charset="0"/>
+                <a:cs typeface="Courier New" panose="02070309020205020404" pitchFamily="49" charset="0"/>
+              </a:rPr>
+              <a:t>{"</a:t>
+            </a:r>
+            <a:r>
+              <a:rPr lang="en-GB" dirty="0" err="1">
+                <a:latin typeface="Courier New" panose="02070309020205020404" pitchFamily="49" charset="0"/>
+                <a:cs typeface="Courier New" panose="02070309020205020404" pitchFamily="49" charset="0"/>
+              </a:rPr>
+              <a:t>status":"Item</a:t>
+            </a:r>
+            <a:r>
+              <a:rPr lang="en-GB" dirty="0">
+                <a:latin typeface="Courier New" panose="02070309020205020404" pitchFamily="49" charset="0"/>
+                <a:cs typeface="Courier New" panose="02070309020205020404" pitchFamily="49" charset="0"/>
+              </a:rPr>
+              <a:t> </a:t>
+            </a:r>
+            <a:r>
+              <a:rPr lang="en-GB" dirty="0" err="1">
+                <a:latin typeface="Courier New" panose="02070309020205020404" pitchFamily="49" charset="0"/>
+                <a:cs typeface="Courier New" panose="02070309020205020404" pitchFamily="49" charset="0"/>
+              </a:rPr>
+              <a:t>found","item</a:t>
+            </a:r>
+            <a:r>
+              <a:rPr lang="en-GB" dirty="0">
+                <a:latin typeface="Courier New" panose="02070309020205020404" pitchFamily="49" charset="0"/>
+                <a:cs typeface="Courier New" panose="02070309020205020404" pitchFamily="49" charset="0"/>
+              </a:rPr>
+              <a:t>":{"</a:t>
+            </a:r>
+            <a:r>
+              <a:rPr lang="en-GB" dirty="0" err="1">
+                <a:latin typeface="Courier New" panose="02070309020205020404" pitchFamily="49" charset="0"/>
+                <a:cs typeface="Courier New" panose="02070309020205020404" pitchFamily="49" charset="0"/>
+              </a:rPr>
+              <a:t>description":"test</a:t>
+            </a:r>
+            <a:r>
+              <a:rPr lang="en-GB" dirty="0" smtClean="0">
+                <a:latin typeface="Courier New" panose="02070309020205020404" pitchFamily="49" charset="0"/>
+                <a:cs typeface="Courier New" panose="02070309020205020404" pitchFamily="49" charset="0"/>
+              </a:rPr>
+              <a:t>"}}</a:t>
+            </a:r>
+            <a:endParaRPr lang="en-GB" dirty="0">
+              <a:latin typeface="Courier New" panose="02070309020205020404" pitchFamily="49" charset="0"/>
+              <a:cs typeface="Courier New" panose="02070309020205020404" pitchFamily="49" charset="0"/>
+            </a:endParaRPr>
+          </a:p>
+          <a:p>
+            <a:pPr marL="0" indent="0">
+              <a:buNone/>
+            </a:pPr>
+            <a:r>
+              <a:rPr lang="en-GB" b="1" dirty="0">
+                <a:latin typeface="Courier New" panose="02070309020205020404" pitchFamily="49" charset="0"/>
+                <a:cs typeface="Courier New" panose="02070309020205020404" pitchFamily="49" charset="0"/>
+              </a:rPr>
+              <a:t>curl http://127.0.0.1:3000/todo/</a:t>
+            </a:r>
+          </a:p>
+          <a:p>
+            <a:pPr marL="0" indent="0">
+              <a:buNone/>
+            </a:pPr>
+            <a:r>
+              <a:rPr lang="en-GB" dirty="0">
+                <a:latin typeface="Courier New" panose="02070309020205020404" pitchFamily="49" charset="0"/>
+                <a:cs typeface="Courier New" panose="02070309020205020404" pitchFamily="49" charset="0"/>
+              </a:rPr>
+              <a:t>{"</a:t>
+            </a:r>
+            <a:r>
+              <a:rPr lang="en-GB" dirty="0" err="1">
+                <a:latin typeface="Courier New" panose="02070309020205020404" pitchFamily="49" charset="0"/>
+                <a:cs typeface="Courier New" panose="02070309020205020404" pitchFamily="49" charset="0"/>
+              </a:rPr>
+              <a:t>status":"Items</a:t>
+            </a:r>
+            <a:r>
+              <a:rPr lang="en-GB" dirty="0">
+                <a:latin typeface="Courier New" panose="02070309020205020404" pitchFamily="49" charset="0"/>
+                <a:cs typeface="Courier New" panose="02070309020205020404" pitchFamily="49" charset="0"/>
+              </a:rPr>
+              <a:t> </a:t>
+            </a:r>
+            <a:r>
+              <a:rPr lang="en-GB" dirty="0" err="1">
+                <a:latin typeface="Courier New" panose="02070309020205020404" pitchFamily="49" charset="0"/>
+                <a:cs typeface="Courier New" panose="02070309020205020404" pitchFamily="49" charset="0"/>
+              </a:rPr>
+              <a:t>found","items</a:t>
+            </a:r>
+            <a:r>
+              <a:rPr lang="en-GB" dirty="0">
+                <a:latin typeface="Courier New" panose="02070309020205020404" pitchFamily="49" charset="0"/>
+                <a:cs typeface="Courier New" panose="02070309020205020404" pitchFamily="49" charset="0"/>
+              </a:rPr>
+              <a:t>":[{"</a:t>
+            </a:r>
+            <a:r>
+              <a:rPr lang="en-GB" dirty="0" err="1">
+                <a:latin typeface="Courier New" panose="02070309020205020404" pitchFamily="49" charset="0"/>
+                <a:cs typeface="Courier New" panose="02070309020205020404" pitchFamily="49" charset="0"/>
+              </a:rPr>
+              <a:t>description":"test</a:t>
+            </a:r>
+            <a:r>
+              <a:rPr lang="en-GB" dirty="0">
+                <a:latin typeface="Courier New" panose="02070309020205020404" pitchFamily="49" charset="0"/>
+                <a:cs typeface="Courier New" panose="02070309020205020404" pitchFamily="49" charset="0"/>
+              </a:rPr>
+              <a:t>"}]}</a:t>
+            </a:r>
+          </a:p>
+          <a:p>
+            <a:pPr marL="0" indent="0">
+              <a:buNone/>
+            </a:pPr>
+            <a:r>
+              <a:rPr lang="en-GB" b="1" dirty="0">
+                <a:latin typeface="Courier New" panose="02070309020205020404" pitchFamily="49" charset="0"/>
+                <a:cs typeface="Courier New" panose="02070309020205020404" pitchFamily="49" charset="0"/>
+              </a:rPr>
+              <a:t>curl http://127.0.0.1:3000/todo/ -X DELETE</a:t>
+            </a:r>
+          </a:p>
+          <a:p>
+            <a:pPr marL="0" indent="0">
+              <a:buNone/>
+            </a:pPr>
+            <a:r>
+              <a:rPr lang="en-GB" dirty="0">
+                <a:latin typeface="Courier New" panose="02070309020205020404" pitchFamily="49" charset="0"/>
+                <a:cs typeface="Courier New" panose="02070309020205020404" pitchFamily="49" charset="0"/>
+              </a:rPr>
+              <a:t>{"</a:t>
+            </a:r>
+            <a:r>
+              <a:rPr lang="en-GB" dirty="0" err="1">
+                <a:latin typeface="Courier New" panose="02070309020205020404" pitchFamily="49" charset="0"/>
+                <a:cs typeface="Courier New" panose="02070309020205020404" pitchFamily="49" charset="0"/>
+              </a:rPr>
+              <a:t>status":"Items</a:t>
+            </a:r>
+            <a:r>
+              <a:rPr lang="en-GB" dirty="0">
+                <a:latin typeface="Courier New" panose="02070309020205020404" pitchFamily="49" charset="0"/>
+                <a:cs typeface="Courier New" panose="02070309020205020404" pitchFamily="49" charset="0"/>
+              </a:rPr>
+              <a:t> cleared"}</a:t>
+            </a:r>
+          </a:p>
+          <a:p>
+            <a:pPr marL="0" indent="0">
+              <a:buNone/>
+            </a:pPr>
+            <a:r>
+              <a:rPr lang="en-GB" b="1" dirty="0">
+                <a:latin typeface="Courier New" panose="02070309020205020404" pitchFamily="49" charset="0"/>
+                <a:cs typeface="Courier New" panose="02070309020205020404" pitchFamily="49" charset="0"/>
+              </a:rPr>
+              <a:t>curl http://127.0.0.1:3000/todo/</a:t>
+            </a:r>
+          </a:p>
+          <a:p>
+            <a:pPr marL="0" indent="0">
+              <a:buNone/>
+            </a:pPr>
+            <a:r>
+              <a:rPr lang="en-GB" dirty="0">
+                <a:latin typeface="Courier New" panose="02070309020205020404" pitchFamily="49" charset="0"/>
+                <a:cs typeface="Courier New" panose="02070309020205020404" pitchFamily="49" charset="0"/>
+              </a:rPr>
+              <a:t>{"</a:t>
+            </a:r>
+            <a:r>
+              <a:rPr lang="en-GB" dirty="0" err="1">
+                <a:latin typeface="Courier New" panose="02070309020205020404" pitchFamily="49" charset="0"/>
+                <a:cs typeface="Courier New" panose="02070309020205020404" pitchFamily="49" charset="0"/>
+              </a:rPr>
+              <a:t>status":"Items</a:t>
+            </a:r>
+            <a:r>
+              <a:rPr lang="en-GB" dirty="0">
+                <a:latin typeface="Courier New" panose="02070309020205020404" pitchFamily="49" charset="0"/>
+                <a:cs typeface="Courier New" panose="02070309020205020404" pitchFamily="49" charset="0"/>
+              </a:rPr>
+              <a:t> </a:t>
+            </a:r>
+            <a:r>
+              <a:rPr lang="en-GB" dirty="0" err="1">
+                <a:latin typeface="Courier New" panose="02070309020205020404" pitchFamily="49" charset="0"/>
+                <a:cs typeface="Courier New" panose="02070309020205020404" pitchFamily="49" charset="0"/>
+              </a:rPr>
+              <a:t>found","items</a:t>
+            </a:r>
+            <a:r>
+              <a:rPr lang="en-GB" dirty="0">
+                <a:latin typeface="Courier New" panose="02070309020205020404" pitchFamily="49" charset="0"/>
+                <a:cs typeface="Courier New" panose="02070309020205020404" pitchFamily="49" charset="0"/>
+              </a:rPr>
+              <a:t>":[]}</a:t>
+            </a:r>
+          </a:p>
+          <a:p>
+            <a:pPr marL="0" indent="0">
+              <a:buNone/>
+            </a:pPr>
+            <a:r>
+              <a:rPr lang="en-GB" b="1" dirty="0">
+                <a:latin typeface="Courier New" panose="02070309020205020404" pitchFamily="49" charset="0"/>
+                <a:cs typeface="Courier New" panose="02070309020205020404" pitchFamily="49" charset="0"/>
+              </a:rPr>
+              <a:t>curl http://127.0.0.1:3000/todo -X PUT -H "content-type: application/</a:t>
+            </a:r>
+            <a:r>
+              <a:rPr lang="en-GB" b="1" dirty="0" err="1">
+                <a:latin typeface="Courier New" panose="02070309020205020404" pitchFamily="49" charset="0"/>
+                <a:cs typeface="Courier New" panose="02070309020205020404" pitchFamily="49" charset="0"/>
+              </a:rPr>
+              <a:t>json</a:t>
+            </a:r>
+            <a:r>
+              <a:rPr lang="en-GB" b="1" dirty="0">
+                <a:latin typeface="Courier New" panose="02070309020205020404" pitchFamily="49" charset="0"/>
+                <a:cs typeface="Courier New" panose="02070309020205020404" pitchFamily="49" charset="0"/>
+              </a:rPr>
+              <a:t>" -d</a:t>
+            </a:r>
+          </a:p>
+          <a:p>
+            <a:pPr marL="0" indent="0">
+              <a:buNone/>
+            </a:pPr>
+            <a:r>
+              <a:rPr lang="en-GB" b="1" dirty="0">
+                <a:latin typeface="Courier New" panose="02070309020205020404" pitchFamily="49" charset="0"/>
+                <a:cs typeface="Courier New" panose="02070309020205020404" pitchFamily="49" charset="0"/>
+              </a:rPr>
+              <a:t>"[{\"description\":\"test\"}]"</a:t>
+            </a:r>
+          </a:p>
+          <a:p>
+            <a:pPr marL="0" indent="0">
+              <a:buNone/>
+            </a:pPr>
+            <a:r>
+              <a:rPr lang="en-GB" dirty="0">
+                <a:latin typeface="Courier New" panose="02070309020205020404" pitchFamily="49" charset="0"/>
+                <a:cs typeface="Courier New" panose="02070309020205020404" pitchFamily="49" charset="0"/>
+              </a:rPr>
+              <a:t>{"</a:t>
+            </a:r>
+            <a:r>
+              <a:rPr lang="en-GB" dirty="0" err="1">
+                <a:latin typeface="Courier New" panose="02070309020205020404" pitchFamily="49" charset="0"/>
+                <a:cs typeface="Courier New" panose="02070309020205020404" pitchFamily="49" charset="0"/>
+              </a:rPr>
+              <a:t>status":"Items</a:t>
+            </a:r>
+            <a:r>
+              <a:rPr lang="en-GB" dirty="0">
+                <a:latin typeface="Courier New" panose="02070309020205020404" pitchFamily="49" charset="0"/>
+                <a:cs typeface="Courier New" panose="02070309020205020404" pitchFamily="49" charset="0"/>
+              </a:rPr>
+              <a:t> replaced"}</a:t>
+            </a:r>
+          </a:p>
+          <a:p>
+            <a:pPr marL="0" indent="0">
+              <a:buNone/>
+            </a:pPr>
+            <a:r>
+              <a:rPr lang="en-GB" b="1" dirty="0">
+                <a:latin typeface="Courier New" panose="02070309020205020404" pitchFamily="49" charset="0"/>
+                <a:cs typeface="Courier New" panose="02070309020205020404" pitchFamily="49" charset="0"/>
+              </a:rPr>
+              <a:t>curl http://127.0.0.1:3000/todo/</a:t>
+            </a:r>
+          </a:p>
+          <a:p>
+            <a:pPr marL="0" indent="0">
+              <a:buNone/>
+            </a:pPr>
+            <a:r>
+              <a:rPr lang="en-GB" dirty="0">
+                <a:latin typeface="Courier New" panose="02070309020205020404" pitchFamily="49" charset="0"/>
+                <a:cs typeface="Courier New" panose="02070309020205020404" pitchFamily="49" charset="0"/>
+              </a:rPr>
+              <a:t>{"</a:t>
+            </a:r>
+            <a:r>
+              <a:rPr lang="en-GB" dirty="0" err="1">
+                <a:latin typeface="Courier New" panose="02070309020205020404" pitchFamily="49" charset="0"/>
+                <a:cs typeface="Courier New" panose="02070309020205020404" pitchFamily="49" charset="0"/>
+              </a:rPr>
+              <a:t>status":"Items</a:t>
+            </a:r>
+            <a:r>
+              <a:rPr lang="en-GB" dirty="0">
+                <a:latin typeface="Courier New" panose="02070309020205020404" pitchFamily="49" charset="0"/>
+                <a:cs typeface="Courier New" panose="02070309020205020404" pitchFamily="49" charset="0"/>
+              </a:rPr>
+              <a:t> </a:t>
+            </a:r>
+            <a:r>
+              <a:rPr lang="en-GB" dirty="0" err="1">
+                <a:latin typeface="Courier New" panose="02070309020205020404" pitchFamily="49" charset="0"/>
+                <a:cs typeface="Courier New" panose="02070309020205020404" pitchFamily="49" charset="0"/>
+              </a:rPr>
+              <a:t>found","items</a:t>
+            </a:r>
+            <a:r>
+              <a:rPr lang="en-GB" dirty="0">
+                <a:latin typeface="Courier New" panose="02070309020205020404" pitchFamily="49" charset="0"/>
+                <a:cs typeface="Courier New" panose="02070309020205020404" pitchFamily="49" charset="0"/>
+              </a:rPr>
+              <a:t>":[{"</a:t>
+            </a:r>
+            <a:r>
+              <a:rPr lang="en-GB" dirty="0" err="1">
+                <a:latin typeface="Courier New" panose="02070309020205020404" pitchFamily="49" charset="0"/>
+                <a:cs typeface="Courier New" panose="02070309020205020404" pitchFamily="49" charset="0"/>
+              </a:rPr>
+              <a:t>description":"test</a:t>
+            </a:r>
+            <a:r>
+              <a:rPr lang="en-GB" dirty="0">
+                <a:latin typeface="Courier New" panose="02070309020205020404" pitchFamily="49" charset="0"/>
+                <a:cs typeface="Courier New" panose="02070309020205020404" pitchFamily="49" charset="0"/>
+              </a:rPr>
+              <a:t>"}]}</a:t>
+            </a:r>
+          </a:p>
+          <a:p>
+            <a:pPr marL="0" indent="0">
+              <a:buNone/>
+            </a:pPr>
+            <a:r>
+              <a:rPr lang="en-GB" b="1" dirty="0">
+                <a:latin typeface="Courier New" panose="02070309020205020404" pitchFamily="49" charset="0"/>
+                <a:cs typeface="Courier New" panose="02070309020205020404" pitchFamily="49" charset="0"/>
+              </a:rPr>
+              <a:t>curl http://127.0.0.1:3000/todo/0 -X DELETE</a:t>
+            </a:r>
+          </a:p>
+          <a:p>
+            <a:pPr marL="0" indent="0">
+              <a:buNone/>
+            </a:pPr>
+            <a:r>
+              <a:rPr lang="en-GB" dirty="0">
+                <a:latin typeface="Courier New" panose="02070309020205020404" pitchFamily="49" charset="0"/>
+                <a:cs typeface="Courier New" panose="02070309020205020404" pitchFamily="49" charset="0"/>
+              </a:rPr>
+              <a:t>{"</a:t>
+            </a:r>
+            <a:r>
+              <a:rPr lang="en-GB" dirty="0" err="1">
+                <a:latin typeface="Courier New" panose="02070309020205020404" pitchFamily="49" charset="0"/>
+                <a:cs typeface="Courier New" panose="02070309020205020404" pitchFamily="49" charset="0"/>
+              </a:rPr>
+              <a:t>status":"Not</a:t>
+            </a:r>
+            <a:r>
+              <a:rPr lang="en-GB" dirty="0">
+                <a:latin typeface="Courier New" panose="02070309020205020404" pitchFamily="49" charset="0"/>
+                <a:cs typeface="Courier New" panose="02070309020205020404" pitchFamily="49" charset="0"/>
+              </a:rPr>
+              <a:t> implemented"}</a:t>
+            </a:r>
+            <a:endParaRPr lang="en-GB" dirty="0">
+              <a:latin typeface="Courier New" panose="02070309020205020404" pitchFamily="49" charset="0"/>
+              <a:cs typeface="Courier New" panose="02070309020205020404" pitchFamily="49" charset="0"/>
+            </a:endParaRPr>
+          </a:p>
+        </p:txBody>
+      </p:sp>
+    </p:spTree>
+    <p:extLst>
+      <p:ext uri="{BB962C8B-B14F-4D97-AF65-F5344CB8AC3E}">
+        <p14:creationId xmlns:p14="http://schemas.microsoft.com/office/powerpoint/2010/main" val="2445681853"/>
+      </p:ext>
+    </p:extLst>
+  </p:cSld>
+  <p:clrMapOvr>
+    <a:masterClrMapping/>
+  </p:clrMapOvr>
+  <p:timing>
+    <p:tnLst>
+      <p:par>
+        <p:cTn id="1" dur="indefinite" restart="never" nodeType="tmRoot"/>
+      </p:par>
+    </p:tnLst>
+  </p:timing>
+</p:sld>
+</file>
+
+<file path=ppt/slides/slide3.xml><?xml version="1.0" encoding="utf-8"?>
+<p:sld xmlns:a="http://schemas.openxmlformats.org/drawingml/2006/main" xmlns:r="http://schemas.openxmlformats.org/officeDocument/2006/relationships" xmlns:p="http://schemas.openxmlformats.org/presentationml/2006/main">
+  <p:cSld>
+    <p:spTree>
+      <p:nvGrpSpPr>
+        <p:cNvPr id="1" name=""/>
+        <p:cNvGrpSpPr/>
+        <p:nvPr/>
+      </p:nvGrpSpPr>
+      <p:grpSpPr>
+        <a:xfrm>
+          <a:off x="0" y="0"/>
+          <a:ext cx="0" cy="0"/>
+          <a:chOff x="0" y="0"/>
+          <a:chExt cx="0" cy="0"/>
+        </a:xfrm>
+      </p:grpSpPr>
+      <p:sp>
+        <p:nvSpPr>
+          <p:cNvPr id="4" name="Title 3"/>
+          <p:cNvSpPr>
+            <a:spLocks noGrp="1"/>
+          </p:cNvSpPr>
+          <p:nvPr>
+            <p:ph type="title"/>
+          </p:nvPr>
+        </p:nvSpPr>
+        <p:spPr/>
+        <p:txBody>
+          <a:bodyPr>
+            <a:normAutofit/>
+          </a:bodyPr>
+          <a:lstStyle/>
+          <a:p>
+            <a:r>
+              <a:rPr lang="sr-Latn-RS" dirty="0"/>
+              <a:t>Upravljanje </a:t>
+            </a:r>
+            <a:r>
+              <a:rPr lang="sr-Latn-RS" dirty="0" smtClean="0"/>
+              <a:t>zavisnostima – </a:t>
+            </a:r>
+            <a:r>
+              <a:rPr lang="sr-Latn-RS" dirty="0" smtClean="0">
+                <a:latin typeface="Courier New" panose="02070309020205020404" pitchFamily="49" charset="0"/>
+                <a:cs typeface="Courier New" panose="02070309020205020404" pitchFamily="49" charset="0"/>
+              </a:rPr>
+              <a:t>NPM</a:t>
+            </a:r>
+            <a:endParaRPr lang="en-GB" dirty="0">
+              <a:latin typeface="Courier New" panose="02070309020205020404" pitchFamily="49" charset="0"/>
+              <a:cs typeface="Courier New" panose="02070309020205020404" pitchFamily="49" charset="0"/>
+            </a:endParaRPr>
+          </a:p>
+        </p:txBody>
+      </p:sp>
+      <p:sp>
+        <p:nvSpPr>
+          <p:cNvPr id="5" name="Content Placeholder 4"/>
+          <p:cNvSpPr>
+            <a:spLocks noGrp="1"/>
+          </p:cNvSpPr>
+          <p:nvPr>
+            <p:ph idx="1"/>
+          </p:nvPr>
+        </p:nvSpPr>
+        <p:spPr/>
+        <p:txBody>
+          <a:bodyPr/>
+          <a:lstStyle/>
+          <a:p>
+            <a:r>
+              <a:rPr lang="sr-Latn-RS" dirty="0" smtClean="0"/>
+              <a:t>Default package manager za Node.js</a:t>
+            </a:r>
+          </a:p>
+          <a:p>
+            <a:r>
+              <a:rPr lang="sr-Latn-RS" dirty="0" smtClean="0"/>
+              <a:t>Instalira se automatski prilikom instalacije Node.js (od Node.js verzije 0.6.3)</a:t>
+            </a:r>
+            <a:endParaRPr lang="sr-Latn-RS" dirty="0"/>
+          </a:p>
+          <a:p>
+            <a:r>
+              <a:rPr lang="sr-Latn-RS" dirty="0" smtClean="0"/>
+              <a:t>Alat koji se koristi iz komandne linije</a:t>
+            </a:r>
+            <a:endParaRPr lang="sr-Latn-RS" dirty="0"/>
+          </a:p>
+          <a:p>
+            <a:r>
+              <a:rPr lang="sr-Latn-RS" dirty="0" smtClean="0"/>
+              <a:t>Automtski se integriše </a:t>
+            </a:r>
+            <a:r>
+              <a:rPr lang="sr-Latn-RS" dirty="0"/>
+              <a:t>sa NPM repozitorijumom https://www.npmjs.com</a:t>
+            </a:r>
+            <a:r>
+              <a:rPr lang="sr-Latn-RS" dirty="0" smtClean="0"/>
+              <a:t>/</a:t>
+            </a:r>
+          </a:p>
+          <a:p>
+            <a:endParaRPr lang="sr-Latn-RS" dirty="0" smtClean="0"/>
+          </a:p>
+        </p:txBody>
+      </p:sp>
+    </p:spTree>
+    <p:extLst>
+      <p:ext uri="{BB962C8B-B14F-4D97-AF65-F5344CB8AC3E}">
+        <p14:creationId xmlns:p14="http://schemas.microsoft.com/office/powerpoint/2010/main" val="1174119875"/>
+      </p:ext>
+    </p:extLst>
+  </p:cSld>
+  <p:clrMapOvr>
+    <a:masterClrMapping/>
+  </p:clrMapOvr>
+  <p:timing>
+    <p:tnLst>
+      <p:par>
+        <p:cTn id="1" dur="indefinite" restart="never" nodeType="tmRoot"/>
+      </p:par>
+    </p:tnLst>
+  </p:timing>
+</p:sld>
+</file>
+
+<file path=ppt/slides/slide4.xml><?xml version="1.0" encoding="utf-8"?>
+<p:sld xmlns:a="http://schemas.openxmlformats.org/drawingml/2006/main" xmlns:r="http://schemas.openxmlformats.org/officeDocument/2006/relationships" xmlns:p="http://schemas.openxmlformats.org/presentationml/2006/main">
+  <p:cSld>
+    <p:spTree>
+      <p:nvGrpSpPr>
+        <p:cNvPr id="1" name=""/>
+        <p:cNvGrpSpPr/>
+        <p:nvPr/>
+      </p:nvGrpSpPr>
+      <p:grpSpPr>
+        <a:xfrm>
+          <a:off x="0" y="0"/>
+          <a:ext cx="0" cy="0"/>
+          <a:chOff x="0" y="0"/>
+          <a:chExt cx="0" cy="0"/>
+        </a:xfrm>
+      </p:grpSpPr>
+      <p:sp>
+        <p:nvSpPr>
+          <p:cNvPr id="2" name="Title 1"/>
+          <p:cNvSpPr>
+            <a:spLocks noGrp="1"/>
+          </p:cNvSpPr>
+          <p:nvPr>
+            <p:ph type="title"/>
+          </p:nvPr>
+        </p:nvSpPr>
+        <p:spPr/>
+        <p:txBody>
+          <a:bodyPr>
+            <a:normAutofit/>
+          </a:bodyPr>
+          <a:lstStyle/>
+          <a:p>
+            <a:r>
+              <a:rPr lang="sr-Latn-RS" dirty="0" smtClean="0">
+                <a:latin typeface="Courier New" panose="02070309020205020404" pitchFamily="49" charset="0"/>
+                <a:cs typeface="Courier New" panose="02070309020205020404" pitchFamily="49" charset="0"/>
+              </a:rPr>
+              <a:t>package.json</a:t>
+            </a:r>
+            <a:endParaRPr lang="en-GB" dirty="0"/>
+          </a:p>
+        </p:txBody>
+      </p:sp>
+      <p:sp>
+        <p:nvSpPr>
+          <p:cNvPr id="3" name="Content Placeholder 2"/>
+          <p:cNvSpPr>
+            <a:spLocks noGrp="1"/>
+          </p:cNvSpPr>
+          <p:nvPr>
+            <p:ph idx="1"/>
+          </p:nvPr>
+        </p:nvSpPr>
+        <p:spPr/>
+        <p:txBody>
+          <a:bodyPr>
+            <a:normAutofit fontScale="62500" lnSpcReduction="20000"/>
+          </a:bodyPr>
+          <a:lstStyle/>
+          <a:p>
+            <a:pPr marL="0" indent="0">
+              <a:buNone/>
+            </a:pPr>
+            <a:r>
+              <a:rPr lang="en-GB" dirty="0" smtClean="0">
+                <a:latin typeface="Courier New" panose="02070309020205020404" pitchFamily="49" charset="0"/>
+                <a:cs typeface="Courier New" panose="02070309020205020404" pitchFamily="49" charset="0"/>
+              </a:rPr>
+              <a:t>{</a:t>
+            </a:r>
+            <a:endParaRPr lang="en-GB" dirty="0">
+              <a:latin typeface="Courier New" panose="02070309020205020404" pitchFamily="49" charset="0"/>
+              <a:cs typeface="Courier New" panose="02070309020205020404" pitchFamily="49" charset="0"/>
+            </a:endParaRPr>
+          </a:p>
+          <a:p>
+            <a:pPr marL="0" indent="0">
+              <a:buNone/>
+            </a:pPr>
+            <a:r>
+              <a:rPr lang="en-GB" dirty="0">
+                <a:latin typeface="Courier New" panose="02070309020205020404" pitchFamily="49" charset="0"/>
+                <a:cs typeface="Courier New" panose="02070309020205020404" pitchFamily="49" charset="0"/>
+              </a:rPr>
+              <a:t>  "name": "</a:t>
+            </a:r>
+            <a:r>
+              <a:rPr lang="sr-Latn-RS" dirty="0" smtClean="0">
+                <a:latin typeface="Courier New" panose="02070309020205020404" pitchFamily="49" charset="0"/>
+                <a:cs typeface="Courier New" panose="02070309020205020404" pitchFamily="49" charset="0"/>
+              </a:rPr>
+              <a:t>Blog </a:t>
+            </a:r>
+            <a:r>
+              <a:rPr lang="sr-Latn-RS" dirty="0">
+                <a:latin typeface="Courier New" panose="02070309020205020404" pitchFamily="49" charset="0"/>
+                <a:cs typeface="Courier New" panose="02070309020205020404" pitchFamily="49" charset="0"/>
+              </a:rPr>
+              <a:t>b</a:t>
+            </a:r>
+            <a:r>
+              <a:rPr lang="en-GB" dirty="0" err="1" smtClean="0">
+                <a:latin typeface="Courier New" panose="02070309020205020404" pitchFamily="49" charset="0"/>
+                <a:cs typeface="Courier New" panose="02070309020205020404" pitchFamily="49" charset="0"/>
+              </a:rPr>
+              <a:t>ack</a:t>
+            </a:r>
+            <a:r>
+              <a:rPr lang="sr-Latn-RS" dirty="0" smtClean="0">
+                <a:latin typeface="Courier New" panose="02070309020205020404" pitchFamily="49" charset="0"/>
+                <a:cs typeface="Courier New" panose="02070309020205020404" pitchFamily="49" charset="0"/>
+              </a:rPr>
+              <a:t> </a:t>
+            </a:r>
+            <a:r>
+              <a:rPr lang="en-GB" dirty="0" smtClean="0">
+                <a:latin typeface="Courier New" panose="02070309020205020404" pitchFamily="49" charset="0"/>
+                <a:cs typeface="Courier New" panose="02070309020205020404" pitchFamily="49" charset="0"/>
+              </a:rPr>
+              <a:t>end</a:t>
+            </a:r>
+            <a:r>
+              <a:rPr lang="en-GB" dirty="0">
+                <a:latin typeface="Courier New" panose="02070309020205020404" pitchFamily="49" charset="0"/>
+                <a:cs typeface="Courier New" panose="02070309020205020404" pitchFamily="49" charset="0"/>
+              </a:rPr>
+              <a:t>",</a:t>
+            </a:r>
+          </a:p>
+          <a:p>
+            <a:pPr marL="0" indent="0">
+              <a:buNone/>
+            </a:pPr>
+            <a:r>
+              <a:rPr lang="en-GB" dirty="0">
+                <a:latin typeface="Courier New" panose="02070309020205020404" pitchFamily="49" charset="0"/>
+                <a:cs typeface="Courier New" panose="02070309020205020404" pitchFamily="49" charset="0"/>
+              </a:rPr>
+              <a:t>  "version": "0.1.1",</a:t>
+            </a:r>
+          </a:p>
+          <a:p>
+            <a:pPr marL="0" indent="0">
+              <a:buNone/>
+            </a:pPr>
+            <a:r>
+              <a:rPr lang="en-GB" dirty="0">
+                <a:latin typeface="Courier New" panose="02070309020205020404" pitchFamily="49" charset="0"/>
+                <a:cs typeface="Courier New" panose="02070309020205020404" pitchFamily="49" charset="0"/>
+              </a:rPr>
+              <a:t>  "description": "Primer REST back end </a:t>
+            </a:r>
+            <a:r>
+              <a:rPr lang="en-GB" dirty="0" err="1">
+                <a:latin typeface="Courier New" panose="02070309020205020404" pitchFamily="49" charset="0"/>
+                <a:cs typeface="Courier New" panose="02070309020205020404" pitchFamily="49" charset="0"/>
+              </a:rPr>
+              <a:t>aplikacije</a:t>
+            </a:r>
+            <a:r>
+              <a:rPr lang="en-GB" dirty="0">
+                <a:latin typeface="Courier New" panose="02070309020205020404" pitchFamily="49" charset="0"/>
+                <a:cs typeface="Courier New" panose="02070309020205020404" pitchFamily="49" charset="0"/>
+              </a:rPr>
+              <a:t>. Node, Express, MongoDB, Mongoose.",</a:t>
+            </a:r>
+          </a:p>
+          <a:p>
+            <a:pPr marL="0" indent="0">
+              <a:buNone/>
+            </a:pPr>
+            <a:r>
+              <a:rPr lang="en-GB" dirty="0">
+                <a:latin typeface="Courier New" panose="02070309020205020404" pitchFamily="49" charset="0"/>
+                <a:cs typeface="Courier New" panose="02070309020205020404" pitchFamily="49" charset="0"/>
+              </a:rPr>
+              <a:t>  "author": "Milan </a:t>
+            </a:r>
+            <a:r>
+              <a:rPr lang="en-GB" dirty="0" err="1">
+                <a:latin typeface="Courier New" panose="02070309020205020404" pitchFamily="49" charset="0"/>
+                <a:cs typeface="Courier New" panose="02070309020205020404" pitchFamily="49" charset="0"/>
+              </a:rPr>
+              <a:t>Segedinac</a:t>
+            </a:r>
+            <a:r>
+              <a:rPr lang="en-GB" dirty="0">
+                <a:latin typeface="Courier New" panose="02070309020205020404" pitchFamily="49" charset="0"/>
+                <a:cs typeface="Courier New" panose="02070309020205020404" pitchFamily="49" charset="0"/>
+              </a:rPr>
+              <a:t> &lt;milan.segedinac@gmail.com&gt;",</a:t>
+            </a:r>
+          </a:p>
+          <a:p>
+            <a:pPr marL="0" indent="0">
+              <a:buNone/>
+            </a:pPr>
+            <a:r>
+              <a:rPr lang="en-GB" dirty="0">
+                <a:latin typeface="Courier New" panose="02070309020205020404" pitchFamily="49" charset="0"/>
+                <a:cs typeface="Courier New" panose="02070309020205020404" pitchFamily="49" charset="0"/>
+              </a:rPr>
+              <a:t>  "dependencies": {</a:t>
+            </a:r>
+          </a:p>
+          <a:p>
+            <a:pPr marL="0" indent="0">
+              <a:buNone/>
+            </a:pPr>
+            <a:r>
+              <a:rPr lang="en-GB" dirty="0">
+                <a:latin typeface="Courier New" panose="02070309020205020404" pitchFamily="49" charset="0"/>
+                <a:cs typeface="Courier New" panose="02070309020205020404" pitchFamily="49" charset="0"/>
+              </a:rPr>
+              <a:t>    "body-parser": "^1.14.2",</a:t>
+            </a:r>
+          </a:p>
+          <a:p>
+            <a:pPr marL="0" indent="0">
+              <a:buNone/>
+            </a:pPr>
+            <a:r>
+              <a:rPr lang="en-GB" dirty="0">
+                <a:latin typeface="Courier New" panose="02070309020205020404" pitchFamily="49" charset="0"/>
+                <a:cs typeface="Courier New" panose="02070309020205020404" pitchFamily="49" charset="0"/>
+              </a:rPr>
+              <a:t>    "express": "^4.13.4",</a:t>
+            </a:r>
+          </a:p>
+          <a:p>
+            <a:pPr marL="0" indent="0">
+              <a:buNone/>
+            </a:pPr>
+            <a:r>
+              <a:rPr lang="en-GB" dirty="0">
+                <a:latin typeface="Courier New" panose="02070309020205020404" pitchFamily="49" charset="0"/>
+                <a:cs typeface="Courier New" panose="02070309020205020404" pitchFamily="49" charset="0"/>
+              </a:rPr>
+              <a:t>    "mongoose": "^4.3.7"</a:t>
+            </a:r>
+          </a:p>
+          <a:p>
+            <a:pPr marL="0" indent="0">
+              <a:buNone/>
+            </a:pPr>
+            <a:r>
+              <a:rPr lang="en-GB" dirty="0">
+                <a:latin typeface="Courier New" panose="02070309020205020404" pitchFamily="49" charset="0"/>
+                <a:cs typeface="Courier New" panose="02070309020205020404" pitchFamily="49" charset="0"/>
+              </a:rPr>
+              <a:t>  },</a:t>
+            </a:r>
+          </a:p>
+          <a:p>
+            <a:pPr marL="0" indent="0">
+              <a:buNone/>
+            </a:pPr>
+            <a:r>
+              <a:rPr lang="en-GB" dirty="0">
+                <a:latin typeface="Courier New" panose="02070309020205020404" pitchFamily="49" charset="0"/>
+                <a:cs typeface="Courier New" panose="02070309020205020404" pitchFamily="49" charset="0"/>
+              </a:rPr>
+              <a:t>  "</a:t>
+            </a:r>
+            <a:r>
+              <a:rPr lang="en-GB" dirty="0" err="1">
+                <a:latin typeface="Courier New" panose="02070309020205020404" pitchFamily="49" charset="0"/>
+                <a:cs typeface="Courier New" panose="02070309020205020404" pitchFamily="49" charset="0"/>
+              </a:rPr>
+              <a:t>devDependencies</a:t>
+            </a:r>
+            <a:r>
+              <a:rPr lang="en-GB" dirty="0">
+                <a:latin typeface="Courier New" panose="02070309020205020404" pitchFamily="49" charset="0"/>
+                <a:cs typeface="Courier New" panose="02070309020205020404" pitchFamily="49" charset="0"/>
+              </a:rPr>
+              <a:t>": {},</a:t>
+            </a:r>
+          </a:p>
+          <a:p>
+            <a:pPr marL="0" indent="0">
+              <a:buNone/>
+            </a:pPr>
+            <a:r>
+              <a:rPr lang="en-GB" dirty="0">
+                <a:latin typeface="Courier New" panose="02070309020205020404" pitchFamily="49" charset="0"/>
+                <a:cs typeface="Courier New" panose="02070309020205020404" pitchFamily="49" charset="0"/>
+              </a:rPr>
+              <a:t>  "license": "MIT"</a:t>
+            </a:r>
+          </a:p>
+          <a:p>
+            <a:pPr marL="0" indent="0">
+              <a:buNone/>
+            </a:pPr>
+            <a:r>
+              <a:rPr lang="en-GB" dirty="0">
+                <a:latin typeface="Courier New" panose="02070309020205020404" pitchFamily="49" charset="0"/>
+                <a:cs typeface="Courier New" panose="02070309020205020404" pitchFamily="49" charset="0"/>
+              </a:rPr>
+              <a:t>}</a:t>
+            </a:r>
+          </a:p>
+          <a:p>
+            <a:pPr marL="0" indent="0">
+              <a:buNone/>
+            </a:pPr>
+            <a:endParaRPr lang="en-GB" dirty="0">
+              <a:latin typeface="Courier New" panose="02070309020205020404" pitchFamily="49" charset="0"/>
+              <a:cs typeface="Courier New" panose="02070309020205020404" pitchFamily="49" charset="0"/>
+            </a:endParaRPr>
+          </a:p>
+        </p:txBody>
+      </p:sp>
+    </p:spTree>
+    <p:extLst>
+      <p:ext uri="{BB962C8B-B14F-4D97-AF65-F5344CB8AC3E}">
+        <p14:creationId xmlns:p14="http://schemas.microsoft.com/office/powerpoint/2010/main" val="3373755683"/>
+      </p:ext>
+    </p:extLst>
+  </p:cSld>
+  <p:clrMapOvr>
+    <a:masterClrMapping/>
+  </p:clrMapOvr>
+  <p:timing>
+    <p:tnLst>
+      <p:par>
+        <p:cTn id="1" dur="indefinite" restart="never" nodeType="tmRoot"/>
+      </p:par>
+    </p:tnLst>
+  </p:timing>
+</p:sld>
+</file>
+
+<file path=ppt/slides/slide5.xml><?xml version="1.0" encoding="utf-8"?>
+<p:sld xmlns:a="http://schemas.openxmlformats.org/drawingml/2006/main" xmlns:r="http://schemas.openxmlformats.org/officeDocument/2006/relationships" xmlns:p="http://schemas.openxmlformats.org/presentationml/2006/main">
+  <p:cSld>
+    <p:spTree>
+      <p:nvGrpSpPr>
+        <p:cNvPr id="1" name=""/>
+        <p:cNvGrpSpPr/>
+        <p:nvPr/>
+      </p:nvGrpSpPr>
+      <p:grpSpPr>
+        <a:xfrm>
+          <a:off x="0" y="0"/>
+          <a:ext cx="0" cy="0"/>
+          <a:chOff x="0" y="0"/>
+          <a:chExt cx="0" cy="0"/>
+        </a:xfrm>
+      </p:grpSpPr>
+      <p:sp>
+        <p:nvSpPr>
+          <p:cNvPr id="2" name="Title 1"/>
+          <p:cNvSpPr>
+            <a:spLocks noGrp="1"/>
+          </p:cNvSpPr>
+          <p:nvPr>
+            <p:ph type="title"/>
+          </p:nvPr>
+        </p:nvSpPr>
+        <p:spPr/>
+        <p:txBody>
+          <a:bodyPr>
+            <a:normAutofit/>
+          </a:bodyPr>
+          <a:lstStyle/>
+          <a:p>
+            <a:r>
+              <a:rPr lang="sr-Latn-RS" dirty="0" smtClean="0"/>
+              <a:t>Instaliranje paketa</a:t>
+            </a:r>
+            <a:endParaRPr lang="en-GB" dirty="0"/>
+          </a:p>
+        </p:txBody>
+      </p:sp>
+      <p:sp>
+        <p:nvSpPr>
+          <p:cNvPr id="3" name="Content Placeholder 2"/>
+          <p:cNvSpPr>
+            <a:spLocks noGrp="1"/>
+          </p:cNvSpPr>
+          <p:nvPr>
+            <p:ph idx="1"/>
+          </p:nvPr>
+        </p:nvSpPr>
+        <p:spPr/>
+        <p:txBody>
+          <a:bodyPr>
+            <a:normAutofit lnSpcReduction="10000"/>
+          </a:bodyPr>
+          <a:lstStyle/>
+          <a:p>
+            <a:pPr marL="0" indent="0">
+              <a:buNone/>
+            </a:pPr>
+            <a:r>
+              <a:rPr lang="en-GB" dirty="0" err="1">
+                <a:latin typeface="Courier New" panose="02070309020205020404" pitchFamily="49" charset="0"/>
+                <a:cs typeface="Courier New" panose="02070309020205020404" pitchFamily="49" charset="0"/>
+              </a:rPr>
+              <a:t>npm</a:t>
+            </a:r>
+            <a:r>
+              <a:rPr lang="en-GB" dirty="0">
+                <a:latin typeface="Courier New" panose="02070309020205020404" pitchFamily="49" charset="0"/>
+                <a:cs typeface="Courier New" panose="02070309020205020404" pitchFamily="49" charset="0"/>
+              </a:rPr>
+              <a:t> install </a:t>
+            </a:r>
+            <a:r>
+              <a:rPr lang="en-GB" dirty="0" smtClean="0">
+                <a:latin typeface="Courier New" panose="02070309020205020404" pitchFamily="49" charset="0"/>
+                <a:cs typeface="Courier New" panose="02070309020205020404" pitchFamily="49" charset="0"/>
+              </a:rPr>
+              <a:t>underscore</a:t>
+            </a:r>
+            <a:endParaRPr lang="sr-Latn-RS" dirty="0" smtClean="0">
+              <a:latin typeface="Courier New" panose="02070309020205020404" pitchFamily="49" charset="0"/>
+              <a:cs typeface="Courier New" panose="02070309020205020404" pitchFamily="49" charset="0"/>
+            </a:endParaRPr>
+          </a:p>
+          <a:p>
+            <a:pPr marL="0" indent="0">
+              <a:buNone/>
+            </a:pPr>
+            <a:endParaRPr lang="sr-Latn-RS" dirty="0" smtClean="0">
+              <a:latin typeface="Courier New" panose="02070309020205020404" pitchFamily="49" charset="0"/>
+              <a:cs typeface="Courier New" panose="02070309020205020404" pitchFamily="49" charset="0"/>
+            </a:endParaRPr>
+          </a:p>
+          <a:p>
+            <a:r>
+              <a:rPr lang="sr-Latn-RS" dirty="0" smtClean="0">
+                <a:cs typeface="Courier New" panose="02070309020205020404" pitchFamily="49" charset="0"/>
+              </a:rPr>
+              <a:t>Paket je download-ovan u </a:t>
+            </a:r>
+            <a:r>
+              <a:rPr lang="sr-Latn-RS" dirty="0" smtClean="0">
+                <a:latin typeface="Courier New" panose="02070309020205020404" pitchFamily="49" charset="0"/>
+                <a:cs typeface="Courier New" panose="02070309020205020404" pitchFamily="49" charset="0"/>
+              </a:rPr>
+              <a:t>node_modules</a:t>
+            </a:r>
+            <a:r>
+              <a:rPr lang="sr-Latn-RS" dirty="0" smtClean="0">
+                <a:cs typeface="Courier New" panose="02070309020205020404" pitchFamily="49" charset="0"/>
+              </a:rPr>
+              <a:t> folder</a:t>
+            </a:r>
+          </a:p>
+          <a:p>
+            <a:r>
+              <a:rPr lang="sr-Latn-RS" dirty="0" smtClean="0">
+                <a:cs typeface="Courier New" panose="02070309020205020404" pitchFamily="49" charset="0"/>
+              </a:rPr>
+              <a:t>Dalje možemo da ga koristimo u kodu:</a:t>
+            </a:r>
+          </a:p>
+          <a:p>
+            <a:pPr marL="0" indent="0">
+              <a:buNone/>
+            </a:pPr>
+            <a:endParaRPr lang="sr-Latn-RS" sz="2800" dirty="0" smtClean="0">
+              <a:latin typeface="Courier New" panose="02070309020205020404" pitchFamily="49" charset="0"/>
+              <a:cs typeface="Courier New" panose="02070309020205020404" pitchFamily="49" charset="0"/>
+            </a:endParaRPr>
+          </a:p>
+          <a:p>
+            <a:pPr marL="0" indent="0">
+              <a:buNone/>
+            </a:pPr>
+            <a:r>
+              <a:rPr lang="en-GB" sz="2800" dirty="0" smtClean="0">
+                <a:latin typeface="Courier New" panose="02070309020205020404" pitchFamily="49" charset="0"/>
+                <a:cs typeface="Courier New" panose="02070309020205020404" pitchFamily="49" charset="0"/>
+              </a:rPr>
+              <a:t>// </a:t>
+            </a:r>
+            <a:r>
+              <a:rPr lang="en-GB" sz="2800" dirty="0" err="1">
+                <a:latin typeface="Courier New" panose="02070309020205020404" pitchFamily="49" charset="0"/>
+                <a:cs typeface="Courier New" panose="02070309020205020404" pitchFamily="49" charset="0"/>
+              </a:rPr>
+              <a:t>npm</a:t>
+            </a:r>
+            <a:r>
+              <a:rPr lang="en-GB" sz="2800" dirty="0">
+                <a:latin typeface="Courier New" panose="02070309020205020404" pitchFamily="49" charset="0"/>
+                <a:cs typeface="Courier New" panose="02070309020205020404" pitchFamily="49" charset="0"/>
+              </a:rPr>
+              <a:t>/install/app.js</a:t>
+            </a:r>
+          </a:p>
+          <a:p>
+            <a:pPr marL="0" indent="0">
+              <a:buNone/>
+            </a:pPr>
+            <a:r>
+              <a:rPr lang="en-GB" sz="2800" dirty="0" err="1">
+                <a:latin typeface="Courier New" panose="02070309020205020404" pitchFamily="49" charset="0"/>
+                <a:cs typeface="Courier New" panose="02070309020205020404" pitchFamily="49" charset="0"/>
+              </a:rPr>
+              <a:t>var</a:t>
+            </a:r>
+            <a:r>
+              <a:rPr lang="en-GB" sz="2800" dirty="0">
+                <a:latin typeface="Courier New" panose="02070309020205020404" pitchFamily="49" charset="0"/>
+                <a:cs typeface="Courier New" panose="02070309020205020404" pitchFamily="49" charset="0"/>
+              </a:rPr>
+              <a:t> _ = require('underscore');</a:t>
+            </a:r>
+          </a:p>
+          <a:p>
+            <a:pPr marL="0" indent="0">
+              <a:buNone/>
+            </a:pPr>
+            <a:r>
+              <a:rPr lang="en-GB" sz="2800" dirty="0">
+                <a:latin typeface="Courier New" panose="02070309020205020404" pitchFamily="49" charset="0"/>
+                <a:cs typeface="Courier New" panose="02070309020205020404" pitchFamily="49" charset="0"/>
+              </a:rPr>
+              <a:t>console.log(_.min([3, 1, 2])); // 1</a:t>
+            </a:r>
+          </a:p>
+        </p:txBody>
+      </p:sp>
+    </p:spTree>
+    <p:extLst>
+      <p:ext uri="{BB962C8B-B14F-4D97-AF65-F5344CB8AC3E}">
+        <p14:creationId xmlns:p14="http://schemas.microsoft.com/office/powerpoint/2010/main" val="3120479006"/>
+      </p:ext>
+    </p:extLst>
+  </p:cSld>
+  <p:clrMapOvr>
+    <a:masterClrMapping/>
+  </p:clrMapOvr>
+  <p:timing>
+    <p:tnLst>
+      <p:par>
+        <p:cTn id="1" dur="indefinite" restart="never" nodeType="tmRoot"/>
+      </p:par>
+    </p:tnLst>
+  </p:timing>
+</p:sld>
+</file>
+
+<file path=ppt/slides/slide6.xml><?xml version="1.0" encoding="utf-8"?>
+<p:sld xmlns:a="http://schemas.openxmlformats.org/drawingml/2006/main" xmlns:r="http://schemas.openxmlformats.org/officeDocument/2006/relationships" xmlns:p="http://schemas.openxmlformats.org/presentationml/2006/main">
+  <p:cSld>
+    <p:spTree>
+      <p:nvGrpSpPr>
+        <p:cNvPr id="1" name=""/>
+        <p:cNvGrpSpPr/>
+        <p:nvPr/>
+      </p:nvGrpSpPr>
+      <p:grpSpPr>
+        <a:xfrm>
+          <a:off x="0" y="0"/>
+          <a:ext cx="0" cy="0"/>
+          <a:chOff x="0" y="0"/>
+          <a:chExt cx="0" cy="0"/>
+        </a:xfrm>
+      </p:grpSpPr>
+      <p:sp>
+        <p:nvSpPr>
+          <p:cNvPr id="2" name="Title 1"/>
+          <p:cNvSpPr>
+            <a:spLocks noGrp="1"/>
+          </p:cNvSpPr>
+          <p:nvPr>
+            <p:ph type="title"/>
+          </p:nvPr>
+        </p:nvSpPr>
+        <p:spPr/>
+        <p:txBody>
+          <a:bodyPr/>
+          <a:lstStyle/>
+          <a:p>
+            <a:r>
+              <a:rPr lang="sr-Latn-RS" dirty="0" smtClean="0"/>
+              <a:t>Čuvanje zavisnosti</a:t>
+            </a:r>
+            <a:endParaRPr lang="en-GB" dirty="0"/>
+          </a:p>
+        </p:txBody>
+      </p:sp>
+      <p:sp>
+        <p:nvSpPr>
+          <p:cNvPr id="3" name="Content Placeholder 2"/>
+          <p:cNvSpPr>
+            <a:spLocks noGrp="1"/>
+          </p:cNvSpPr>
+          <p:nvPr>
+            <p:ph idx="1"/>
+          </p:nvPr>
+        </p:nvSpPr>
+        <p:spPr/>
+        <p:txBody>
+          <a:bodyPr>
+            <a:normAutofit lnSpcReduction="10000"/>
+          </a:bodyPr>
+          <a:lstStyle/>
+          <a:p>
+            <a:pPr marL="0" indent="0">
+              <a:buNone/>
+            </a:pPr>
+            <a:r>
+              <a:rPr lang="en-GB" dirty="0" err="1">
+                <a:latin typeface="Courier New" panose="02070309020205020404" pitchFamily="49" charset="0"/>
+                <a:cs typeface="Courier New" panose="02070309020205020404" pitchFamily="49" charset="0"/>
+              </a:rPr>
+              <a:t>npm</a:t>
+            </a:r>
+            <a:r>
+              <a:rPr lang="en-GB" dirty="0">
+                <a:latin typeface="Courier New" panose="02070309020205020404" pitchFamily="49" charset="0"/>
+                <a:cs typeface="Courier New" panose="02070309020205020404" pitchFamily="49" charset="0"/>
+              </a:rPr>
+              <a:t> install underscore </a:t>
+            </a:r>
+            <a:r>
+              <a:rPr lang="en-GB" b="1" dirty="0" smtClean="0">
+                <a:latin typeface="Courier New" panose="02070309020205020404" pitchFamily="49" charset="0"/>
+                <a:cs typeface="Courier New" panose="02070309020205020404" pitchFamily="49" charset="0"/>
+              </a:rPr>
+              <a:t>--save</a:t>
+            </a:r>
+            <a:endParaRPr lang="sr-Latn-RS" b="1" dirty="0" smtClean="0">
+              <a:latin typeface="Courier New" panose="02070309020205020404" pitchFamily="49" charset="0"/>
+              <a:cs typeface="Courier New" panose="02070309020205020404" pitchFamily="49" charset="0"/>
+            </a:endParaRPr>
+          </a:p>
+          <a:p>
+            <a:pPr marL="0" indent="0">
+              <a:buNone/>
+            </a:pPr>
+            <a:endParaRPr lang="sr-Latn-RS" b="1" dirty="0">
+              <a:latin typeface="Courier New" panose="02070309020205020404" pitchFamily="49" charset="0"/>
+              <a:cs typeface="Courier New" panose="02070309020205020404" pitchFamily="49" charset="0"/>
+            </a:endParaRPr>
+          </a:p>
+          <a:p>
+            <a:pPr marL="0" indent="0">
+              <a:buNone/>
+            </a:pPr>
+            <a:r>
+              <a:rPr lang="sr-Latn-RS" b="1" dirty="0" smtClean="0">
+                <a:latin typeface="Courier New" panose="02070309020205020404" pitchFamily="49" charset="0"/>
+                <a:cs typeface="Courier New" panose="02070309020205020404" pitchFamily="49" charset="0"/>
+              </a:rPr>
+              <a:t>package.json</a:t>
+            </a:r>
+          </a:p>
+          <a:p>
+            <a:pPr marL="0" indent="0">
+              <a:buNone/>
+            </a:pPr>
+            <a:r>
+              <a:rPr lang="sr-Latn-RS" dirty="0" smtClean="0">
+                <a:latin typeface="Courier New" panose="02070309020205020404" pitchFamily="49" charset="0"/>
+                <a:cs typeface="Courier New" panose="02070309020205020404" pitchFamily="49" charset="0"/>
+              </a:rPr>
+              <a:t>...</a:t>
+            </a:r>
+          </a:p>
+          <a:p>
+            <a:pPr marL="0" indent="0">
+              <a:buNone/>
+            </a:pPr>
+            <a:r>
+              <a:rPr lang="en-GB" dirty="0">
+                <a:latin typeface="Courier New" panose="02070309020205020404" pitchFamily="49" charset="0"/>
+                <a:cs typeface="Courier New" panose="02070309020205020404" pitchFamily="49" charset="0"/>
+              </a:rPr>
+              <a:t>"dependencies": {</a:t>
+            </a:r>
+          </a:p>
+          <a:p>
+            <a:pPr marL="0" indent="0">
+              <a:buNone/>
+            </a:pPr>
+            <a:r>
+              <a:rPr lang="en-GB" dirty="0">
+                <a:latin typeface="Courier New" panose="02070309020205020404" pitchFamily="49" charset="0"/>
+                <a:cs typeface="Courier New" panose="02070309020205020404" pitchFamily="49" charset="0"/>
+              </a:rPr>
+              <a:t>    "underscore": "^1.8.3"</a:t>
+            </a:r>
+          </a:p>
+          <a:p>
+            <a:pPr marL="0" indent="0">
+              <a:buNone/>
+            </a:pPr>
+            <a:r>
+              <a:rPr lang="en-GB" dirty="0">
+                <a:latin typeface="Courier New" panose="02070309020205020404" pitchFamily="49" charset="0"/>
+                <a:cs typeface="Courier New" panose="02070309020205020404" pitchFamily="49" charset="0"/>
+              </a:rPr>
+              <a:t>  </a:t>
+            </a:r>
+            <a:r>
+              <a:rPr lang="en-GB" dirty="0" smtClean="0">
+                <a:latin typeface="Courier New" panose="02070309020205020404" pitchFamily="49" charset="0"/>
+                <a:cs typeface="Courier New" panose="02070309020205020404" pitchFamily="49" charset="0"/>
+              </a:rPr>
+              <a:t>}</a:t>
+            </a:r>
+            <a:endParaRPr lang="sr-Latn-RS" dirty="0" smtClean="0">
+              <a:latin typeface="Courier New" panose="02070309020205020404" pitchFamily="49" charset="0"/>
+              <a:cs typeface="Courier New" panose="02070309020205020404" pitchFamily="49" charset="0"/>
+            </a:endParaRPr>
+          </a:p>
+          <a:p>
+            <a:pPr marL="0" indent="0">
+              <a:buNone/>
+            </a:pPr>
+            <a:r>
+              <a:rPr lang="sr-Latn-RS" dirty="0" smtClean="0">
+                <a:latin typeface="Courier New" panose="02070309020205020404" pitchFamily="49" charset="0"/>
+                <a:cs typeface="Courier New" panose="02070309020205020404" pitchFamily="49" charset="0"/>
+              </a:rPr>
+              <a:t>...</a:t>
+            </a:r>
+            <a:endParaRPr lang="en-GB" dirty="0">
+              <a:latin typeface="Courier New" panose="02070309020205020404" pitchFamily="49" charset="0"/>
+              <a:cs typeface="Courier New" panose="02070309020205020404" pitchFamily="49" charset="0"/>
+            </a:endParaRPr>
+          </a:p>
+        </p:txBody>
+      </p:sp>
+    </p:spTree>
+    <p:extLst>
+      <p:ext uri="{BB962C8B-B14F-4D97-AF65-F5344CB8AC3E}">
+        <p14:creationId xmlns:p14="http://schemas.microsoft.com/office/powerpoint/2010/main" val="3163093497"/>
+      </p:ext>
+    </p:extLst>
+  </p:cSld>
+  <p:clrMapOvr>
+    <a:masterClrMapping/>
+  </p:clrMapOvr>
+  <p:timing>
+    <p:tnLst>
+      <p:par>
+        <p:cTn id="1" dur="indefinite" restart="never" nodeType="tmRoot"/>
+      </p:par>
+    </p:tnLst>
+  </p:timing>
+</p:sld>
+</file>
+
+<file path=ppt/slides/slide7.xml><?xml version="1.0" encoding="utf-8"?>
+<p:sld xmlns:a="http://schemas.openxmlformats.org/drawingml/2006/main" xmlns:r="http://schemas.openxmlformats.org/officeDocument/2006/relationships" xmlns:p="http://schemas.openxmlformats.org/presentationml/2006/main">
+  <p:cSld>
+    <p:spTree>
+      <p:nvGrpSpPr>
+        <p:cNvPr id="1" name=""/>
+        <p:cNvGrpSpPr/>
+        <p:nvPr/>
+      </p:nvGrpSpPr>
+      <p:grpSpPr>
+        <a:xfrm>
+          <a:off x="0" y="0"/>
+          <a:ext cx="0" cy="0"/>
+          <a:chOff x="0" y="0"/>
+          <a:chExt cx="0" cy="0"/>
+        </a:xfrm>
+      </p:grpSpPr>
+      <p:sp>
+        <p:nvSpPr>
+          <p:cNvPr id="2" name="Title 1"/>
+          <p:cNvSpPr>
+            <a:spLocks noGrp="1"/>
+          </p:cNvSpPr>
+          <p:nvPr>
+            <p:ph type="title"/>
+          </p:nvPr>
+        </p:nvSpPr>
+        <p:spPr/>
+        <p:txBody>
+          <a:bodyPr/>
+          <a:lstStyle/>
+          <a:p>
+            <a:r>
+              <a:rPr lang="sr-Latn-RS" dirty="0" smtClean="0"/>
+              <a:t>Čuvanje zavisnosti</a:t>
+            </a:r>
+            <a:endParaRPr lang="en-GB" dirty="0"/>
+          </a:p>
+        </p:txBody>
+      </p:sp>
+      <p:sp>
+        <p:nvSpPr>
+          <p:cNvPr id="3" name="Content Placeholder 2"/>
+          <p:cNvSpPr>
+            <a:spLocks noGrp="1"/>
+          </p:cNvSpPr>
+          <p:nvPr>
+            <p:ph idx="1"/>
+          </p:nvPr>
+        </p:nvSpPr>
+        <p:spPr/>
+        <p:txBody>
+          <a:bodyPr>
+            <a:normAutofit/>
+          </a:bodyPr>
+          <a:lstStyle/>
+          <a:p>
+            <a:r>
+              <a:rPr lang="sr-Latn-RS" dirty="0">
+                <a:cs typeface="Courier New" panose="02070309020205020404" pitchFamily="49" charset="0"/>
+              </a:rPr>
+              <a:t>Jednostavno upravljanje zavisnostima na nivou </a:t>
+            </a:r>
+            <a:r>
+              <a:rPr lang="sr-Latn-RS" dirty="0" smtClean="0">
+                <a:cs typeface="Courier New" panose="02070309020205020404" pitchFamily="49" charset="0"/>
+              </a:rPr>
+              <a:t>projekta</a:t>
+            </a:r>
+            <a:endParaRPr lang="sr-Latn-RS" dirty="0" smtClean="0">
+              <a:latin typeface="Courier New" panose="02070309020205020404" pitchFamily="49" charset="0"/>
+              <a:cs typeface="Courier New" panose="02070309020205020404" pitchFamily="49" charset="0"/>
+            </a:endParaRPr>
+          </a:p>
+          <a:p>
+            <a:r>
+              <a:rPr lang="sr-Latn-RS" dirty="0" smtClean="0">
+                <a:cs typeface="Courier New" panose="02070309020205020404" pitchFamily="49" charset="0"/>
+              </a:rPr>
+              <a:t>Kada su zavisnosti zadate u </a:t>
+            </a:r>
+            <a:r>
+              <a:rPr lang="sr-Latn-RS" dirty="0" smtClean="0">
+                <a:latin typeface="Courier New" panose="02070309020205020404" pitchFamily="49" charset="0"/>
+                <a:cs typeface="Courier New" panose="02070309020205020404" pitchFamily="49" charset="0"/>
+              </a:rPr>
+              <a:t>dependencies</a:t>
+            </a:r>
+            <a:r>
+              <a:rPr lang="sr-Latn-RS" dirty="0" smtClean="0">
+                <a:cs typeface="Courier New" panose="02070309020205020404" pitchFamily="49" charset="0"/>
+              </a:rPr>
+              <a:t> u </a:t>
+            </a:r>
+            <a:r>
+              <a:rPr lang="sr-Latn-RS" dirty="0" smtClean="0">
+                <a:latin typeface="Courier New" panose="02070309020205020404" pitchFamily="49" charset="0"/>
+                <a:cs typeface="Courier New" panose="02070309020205020404" pitchFamily="49" charset="0"/>
+              </a:rPr>
+              <a:t>package.json</a:t>
+            </a:r>
+            <a:r>
+              <a:rPr lang="sr-Latn-RS" dirty="0" smtClean="0">
+                <a:cs typeface="Courier New" panose="02070309020205020404" pitchFamily="49" charset="0"/>
+              </a:rPr>
+              <a:t>, jednostavno je instalirati (ili osvežiti) sve zavisnosti u projektu</a:t>
+            </a:r>
+          </a:p>
+          <a:p>
+            <a:r>
+              <a:rPr lang="sr-Latn-RS" dirty="0">
+                <a:latin typeface="Courier New" panose="02070309020205020404" pitchFamily="49" charset="0"/>
+                <a:cs typeface="Courier New" panose="02070309020205020404" pitchFamily="49" charset="0"/>
+              </a:rPr>
+              <a:t>n</a:t>
+            </a:r>
+            <a:r>
+              <a:rPr lang="sr-Latn-RS" dirty="0" smtClean="0">
+                <a:latin typeface="Courier New" panose="02070309020205020404" pitchFamily="49" charset="0"/>
+                <a:cs typeface="Courier New" panose="02070309020205020404" pitchFamily="49" charset="0"/>
+              </a:rPr>
+              <a:t>pm install</a:t>
+            </a:r>
+            <a:endParaRPr lang="sr-Latn-RS" dirty="0">
+              <a:cs typeface="Courier New" panose="02070309020205020404" pitchFamily="49" charset="0"/>
+            </a:endParaRPr>
+          </a:p>
+        </p:txBody>
+      </p:sp>
+    </p:spTree>
+    <p:extLst>
+      <p:ext uri="{BB962C8B-B14F-4D97-AF65-F5344CB8AC3E}">
+        <p14:creationId xmlns:p14="http://schemas.microsoft.com/office/powerpoint/2010/main" val="4092992098"/>
+      </p:ext>
+    </p:extLst>
+  </p:cSld>
+  <p:clrMapOvr>
+    <a:masterClrMapping/>
+  </p:clrMapOvr>
+  <p:timing>
+    <p:tnLst>
+      <p:par>
+        <p:cTn id="1" dur="indefinite" restart="never" nodeType="tmRoot"/>
+      </p:par>
+    </p:tnLst>
+  </p:timing>
+</p:sld>
+</file>
+
+<file path=ppt/slides/slide8.xml><?xml version="1.0" encoding="utf-8"?>
+<p:sld xmlns:a="http://schemas.openxmlformats.org/drawingml/2006/main" xmlns:r="http://schemas.openxmlformats.org/officeDocument/2006/relationships" xmlns:p="http://schemas.openxmlformats.org/presentationml/2006/main">
+  <p:cSld>
+    <p:spTree>
+      <p:nvGrpSpPr>
+        <p:cNvPr id="1" name=""/>
+        <p:cNvGrpSpPr/>
+        <p:nvPr/>
+      </p:nvGrpSpPr>
+      <p:grpSpPr>
+        <a:xfrm>
+          <a:off x="0" y="0"/>
+          <a:ext cx="0" cy="0"/>
+          <a:chOff x="0" y="0"/>
+          <a:chExt cx="0" cy="0"/>
+        </a:xfrm>
+      </p:grpSpPr>
+      <p:sp>
+        <p:nvSpPr>
+          <p:cNvPr id="2" name="Title 1"/>
+          <p:cNvSpPr>
+            <a:spLocks noGrp="1"/>
+          </p:cNvSpPr>
+          <p:nvPr>
+            <p:ph type="title"/>
+          </p:nvPr>
+        </p:nvSpPr>
+        <p:spPr/>
+        <p:txBody>
+          <a:bodyPr/>
+          <a:lstStyle/>
+          <a:p>
+            <a:r>
+              <a:rPr lang="sr-Latn-RS" dirty="0" smtClean="0"/>
+              <a:t>Prikaz zavisnosti</a:t>
+            </a:r>
+            <a:endParaRPr lang="en-GB" dirty="0"/>
+          </a:p>
+        </p:txBody>
+      </p:sp>
+      <p:sp>
+        <p:nvSpPr>
+          <p:cNvPr id="3" name="Content Placeholder 2"/>
+          <p:cNvSpPr>
+            <a:spLocks noGrp="1"/>
+          </p:cNvSpPr>
+          <p:nvPr>
+            <p:ph idx="1"/>
+          </p:nvPr>
+        </p:nvSpPr>
+        <p:spPr/>
+        <p:txBody>
+          <a:bodyPr/>
+          <a:lstStyle/>
+          <a:p>
+            <a:pPr marL="0" indent="0">
+              <a:buNone/>
+            </a:pPr>
+            <a:r>
+              <a:rPr lang="sr-Latn-RS" dirty="0">
+                <a:latin typeface="Courier New" panose="02070309020205020404" pitchFamily="49" charset="0"/>
+                <a:cs typeface="Courier New" panose="02070309020205020404" pitchFamily="49" charset="0"/>
+              </a:rPr>
+              <a:t>$ npm ls</a:t>
+            </a:r>
+          </a:p>
+          <a:p>
+            <a:pPr marL="0" indent="0">
+              <a:buNone/>
+            </a:pPr>
+            <a:r>
+              <a:rPr lang="sr-Latn-RS" dirty="0">
+                <a:latin typeface="Courier New" panose="02070309020205020404" pitchFamily="49" charset="0"/>
+                <a:cs typeface="Courier New" panose="02070309020205020404" pitchFamily="49" charset="0"/>
+              </a:rPr>
+              <a:t>proba@1.0.0 d:\</a:t>
+            </a:r>
+            <a:r>
+              <a:rPr lang="sr-Latn-RS" dirty="0" smtClean="0">
+                <a:latin typeface="Courier New" panose="02070309020205020404" pitchFamily="49" charset="0"/>
+                <a:cs typeface="Courier New" panose="02070309020205020404" pitchFamily="49" charset="0"/>
+              </a:rPr>
+              <a:t>nastava\2015-2016\letnjiSemestar\XMLiWebServisi\materijali\BackEnd\proba</a:t>
+            </a:r>
+            <a:endParaRPr lang="sr-Latn-RS" dirty="0">
+              <a:latin typeface="Courier New" panose="02070309020205020404" pitchFamily="49" charset="0"/>
+              <a:cs typeface="Courier New" panose="02070309020205020404" pitchFamily="49" charset="0"/>
+            </a:endParaRPr>
+          </a:p>
+          <a:p>
+            <a:pPr marL="0" indent="0">
+              <a:buNone/>
+            </a:pPr>
+            <a:r>
+              <a:rPr lang="sr-Latn-RS" b="1" dirty="0">
+                <a:latin typeface="Courier New" panose="02070309020205020404" pitchFamily="49" charset="0"/>
+                <a:cs typeface="Courier New" panose="02070309020205020404" pitchFamily="49" charset="0"/>
+              </a:rPr>
+              <a:t>└── </a:t>
+            </a:r>
+            <a:r>
+              <a:rPr lang="sr-Latn-RS" b="1" dirty="0" smtClean="0">
+                <a:latin typeface="Courier New" panose="02070309020205020404" pitchFamily="49" charset="0"/>
+                <a:cs typeface="Courier New" panose="02070309020205020404" pitchFamily="49" charset="0"/>
+              </a:rPr>
+              <a:t>underscore@1.8.3</a:t>
+            </a:r>
+          </a:p>
+          <a:p>
+            <a:r>
+              <a:rPr lang="sr-Latn-RS" dirty="0" smtClean="0">
+                <a:latin typeface="+mj-lt"/>
+                <a:cs typeface="Courier New" panose="02070309020205020404" pitchFamily="49" charset="0"/>
+              </a:rPr>
+              <a:t>Npm automatski rešava probleme ugnježdenih zavisnosti</a:t>
+            </a:r>
+            <a:endParaRPr lang="en-GB" dirty="0">
+              <a:latin typeface="+mj-lt"/>
+              <a:cs typeface="Courier New" panose="02070309020205020404" pitchFamily="49" charset="0"/>
+            </a:endParaRPr>
+          </a:p>
+        </p:txBody>
+      </p:sp>
+    </p:spTree>
+    <p:extLst>
+      <p:ext uri="{BB962C8B-B14F-4D97-AF65-F5344CB8AC3E}">
+        <p14:creationId xmlns:p14="http://schemas.microsoft.com/office/powerpoint/2010/main" val="850142870"/>
+      </p:ext>
+    </p:extLst>
+  </p:cSld>
+  <p:clrMapOvr>
+    <a:masterClrMapping/>
+  </p:clrMapOvr>
+  <p:timing>
+    <p:tnLst>
+      <p:par>
+        <p:cTn id="1" dur="indefinite" restart="never" nodeType="tmRoot"/>
+      </p:par>
+    </p:tnLst>
+  </p:timing>
+</p:sld>
+</file>
+
+<file path=ppt/slides/slide9.xml><?xml version="1.0" encoding="utf-8"?>
+<p:sld xmlns:a="http://schemas.openxmlformats.org/drawingml/2006/main" xmlns:r="http://schemas.openxmlformats.org/officeDocument/2006/relationships" xmlns:p="http://schemas.openxmlformats.org/presentationml/2006/main">
+  <p:cSld>
+    <p:spTree>
+      <p:nvGrpSpPr>
+        <p:cNvPr id="1" name=""/>
+        <p:cNvGrpSpPr/>
+        <p:nvPr/>
+      </p:nvGrpSpPr>
+      <p:grpSpPr>
+        <a:xfrm>
+          <a:off x="0" y="0"/>
+          <a:ext cx="0" cy="0"/>
+          <a:chOff x="0" y="0"/>
+          <a:chExt cx="0" cy="0"/>
+        </a:xfrm>
+      </p:grpSpPr>
+      <p:sp>
+        <p:nvSpPr>
+          <p:cNvPr id="2" name="Title 1"/>
+          <p:cNvSpPr>
+            <a:spLocks noGrp="1"/>
+          </p:cNvSpPr>
+          <p:nvPr>
+            <p:ph type="title"/>
+          </p:nvPr>
+        </p:nvSpPr>
+        <p:spPr/>
+        <p:txBody>
+          <a:bodyPr/>
+          <a:lstStyle/>
+          <a:p>
+            <a:r>
+              <a:rPr lang="sr-Latn-RS" dirty="0" smtClean="0"/>
+              <a:t>Uklanjanje zavisnosti</a:t>
+            </a:r>
+            <a:endParaRPr lang="en-GB" dirty="0"/>
+          </a:p>
+        </p:txBody>
+      </p:sp>
+      <p:sp>
+        <p:nvSpPr>
+          <p:cNvPr id="3" name="Content Placeholder 2"/>
+          <p:cNvSpPr>
+            <a:spLocks noGrp="1"/>
+          </p:cNvSpPr>
+          <p:nvPr>
+            <p:ph idx="1"/>
+          </p:nvPr>
+        </p:nvSpPr>
+        <p:spPr/>
+        <p:txBody>
+          <a:bodyPr/>
+          <a:lstStyle/>
+          <a:p>
+            <a:pPr marL="0" indent="0">
+              <a:buNone/>
+            </a:pPr>
+            <a:r>
+              <a:rPr lang="en-GB" dirty="0" err="1">
+                <a:latin typeface="Courier New" panose="02070309020205020404" pitchFamily="49" charset="0"/>
+                <a:cs typeface="Courier New" panose="02070309020205020404" pitchFamily="49" charset="0"/>
+              </a:rPr>
+              <a:t>npm</a:t>
+            </a:r>
+            <a:r>
+              <a:rPr lang="en-GB" dirty="0">
+                <a:latin typeface="Courier New" panose="02070309020205020404" pitchFamily="49" charset="0"/>
+                <a:cs typeface="Courier New" panose="02070309020205020404" pitchFamily="49" charset="0"/>
+              </a:rPr>
+              <a:t> </a:t>
+            </a:r>
+            <a:r>
+              <a:rPr lang="en-GB" dirty="0" err="1">
+                <a:latin typeface="Courier New" panose="02070309020205020404" pitchFamily="49" charset="0"/>
+                <a:cs typeface="Courier New" panose="02070309020205020404" pitchFamily="49" charset="0"/>
+              </a:rPr>
+              <a:t>rm</a:t>
+            </a:r>
+            <a:r>
+              <a:rPr lang="en-GB" dirty="0">
+                <a:latin typeface="Courier New" panose="02070309020205020404" pitchFamily="49" charset="0"/>
+                <a:cs typeface="Courier New" panose="02070309020205020404" pitchFamily="49" charset="0"/>
+              </a:rPr>
+              <a:t> underscore --save</a:t>
+            </a:r>
+          </a:p>
+        </p:txBody>
+      </p:sp>
+    </p:spTree>
+    <p:extLst>
+      <p:ext uri="{BB962C8B-B14F-4D97-AF65-F5344CB8AC3E}">
+        <p14:creationId xmlns:p14="http://schemas.microsoft.com/office/powerpoint/2010/main" val="4110590923"/>
       </p:ext>
     </p:extLst>
   </p:cSld>

--- a/02_REST_servisi/BackEnd_02_REST_servisi.pptx
+++ b/02_REST_servisi/BackEnd_02_REST_servisi.pptx
@@ -32,6 +32,20 @@
     <p:sldId id="282" r:id="rId26"/>
     <p:sldId id="283" r:id="rId27"/>
     <p:sldId id="284" r:id="rId28"/>
+    <p:sldId id="285" r:id="rId29"/>
+    <p:sldId id="286" r:id="rId30"/>
+    <p:sldId id="287" r:id="rId31"/>
+    <p:sldId id="288" r:id="rId32"/>
+    <p:sldId id="289" r:id="rId33"/>
+    <p:sldId id="290" r:id="rId34"/>
+    <p:sldId id="291" r:id="rId35"/>
+    <p:sldId id="292" r:id="rId36"/>
+    <p:sldId id="293" r:id="rId37"/>
+    <p:sldId id="294" r:id="rId38"/>
+    <p:sldId id="295" r:id="rId39"/>
+    <p:sldId id="296" r:id="rId40"/>
+    <p:sldId id="297" r:id="rId41"/>
+    <p:sldId id="298" r:id="rId42"/>
   </p:sldIdLst>
   <p:sldSz cx="9144000" cy="6858000" type="screen4x3"/>
   <p:notesSz cx="6858000" cy="9144000"/>
@@ -315,7 +329,7 @@
             <a:fld id="{1D8BD707-D9CF-40AE-B4C6-C98DA3205C09}" type="datetimeFigureOut">
               <a:rPr lang="en-US" smtClean="0"/>
               <a:pPr/>
-              <a:t>4/3/2016</a:t>
+              <a:t>4/6/2016</a:t>
             </a:fld>
             <a:endParaRPr lang="en-US"/>
           </a:p>
@@ -482,7 +496,7 @@
             <a:fld id="{1D8BD707-D9CF-40AE-B4C6-C98DA3205C09}" type="datetimeFigureOut">
               <a:rPr lang="en-US" smtClean="0"/>
               <a:pPr/>
-              <a:t>4/3/2016</a:t>
+              <a:t>4/6/2016</a:t>
             </a:fld>
             <a:endParaRPr lang="en-US"/>
           </a:p>
@@ -659,7 +673,7 @@
             <a:fld id="{1D8BD707-D9CF-40AE-B4C6-C98DA3205C09}" type="datetimeFigureOut">
               <a:rPr lang="en-US" smtClean="0"/>
               <a:pPr/>
-              <a:t>4/3/2016</a:t>
+              <a:t>4/6/2016</a:t>
             </a:fld>
             <a:endParaRPr lang="en-US"/>
           </a:p>
@@ -826,7 +840,7 @@
             <a:fld id="{1D8BD707-D9CF-40AE-B4C6-C98DA3205C09}" type="datetimeFigureOut">
               <a:rPr lang="en-US" smtClean="0"/>
               <a:pPr/>
-              <a:t>4/3/2016</a:t>
+              <a:t>4/6/2016</a:t>
             </a:fld>
             <a:endParaRPr lang="en-US"/>
           </a:p>
@@ -1069,7 +1083,7 @@
             <a:fld id="{1D8BD707-D9CF-40AE-B4C6-C98DA3205C09}" type="datetimeFigureOut">
               <a:rPr lang="en-US" smtClean="0"/>
               <a:pPr/>
-              <a:t>4/3/2016</a:t>
+              <a:t>4/6/2016</a:t>
             </a:fld>
             <a:endParaRPr lang="en-US"/>
           </a:p>
@@ -1354,7 +1368,7 @@
             <a:fld id="{1D8BD707-D9CF-40AE-B4C6-C98DA3205C09}" type="datetimeFigureOut">
               <a:rPr lang="en-US" smtClean="0"/>
               <a:pPr/>
-              <a:t>4/3/2016</a:t>
+              <a:t>4/6/2016</a:t>
             </a:fld>
             <a:endParaRPr lang="en-US"/>
           </a:p>
@@ -1773,7 +1787,7 @@
             <a:fld id="{1D8BD707-D9CF-40AE-B4C6-C98DA3205C09}" type="datetimeFigureOut">
               <a:rPr lang="en-US" smtClean="0"/>
               <a:pPr/>
-              <a:t>4/3/2016</a:t>
+              <a:t>4/6/2016</a:t>
             </a:fld>
             <a:endParaRPr lang="en-US"/>
           </a:p>
@@ -1888,7 +1902,7 @@
             <a:fld id="{1D8BD707-D9CF-40AE-B4C6-C98DA3205C09}" type="datetimeFigureOut">
               <a:rPr lang="en-US" smtClean="0"/>
               <a:pPr/>
-              <a:t>4/3/2016</a:t>
+              <a:t>4/6/2016</a:t>
             </a:fld>
             <a:endParaRPr lang="en-US"/>
           </a:p>
@@ -1980,7 +1994,7 @@
             <a:fld id="{1D8BD707-D9CF-40AE-B4C6-C98DA3205C09}" type="datetimeFigureOut">
               <a:rPr lang="en-US" smtClean="0"/>
               <a:pPr/>
-              <a:t>4/3/2016</a:t>
+              <a:t>4/6/2016</a:t>
             </a:fld>
             <a:endParaRPr lang="en-US"/>
           </a:p>
@@ -2254,7 +2268,7 @@
             <a:fld id="{1D8BD707-D9CF-40AE-B4C6-C98DA3205C09}" type="datetimeFigureOut">
               <a:rPr lang="en-US" smtClean="0"/>
               <a:pPr/>
-              <a:t>4/3/2016</a:t>
+              <a:t>4/6/2016</a:t>
             </a:fld>
             <a:endParaRPr lang="en-US"/>
           </a:p>
@@ -2504,7 +2518,7 @@
             <a:fld id="{1D8BD707-D9CF-40AE-B4C6-C98DA3205C09}" type="datetimeFigureOut">
               <a:rPr lang="en-US" smtClean="0"/>
               <a:pPr/>
-              <a:t>4/3/2016</a:t>
+              <a:t>4/6/2016</a:t>
             </a:fld>
             <a:endParaRPr lang="en-US"/>
           </a:p>
@@ -2714,7 +2728,7 @@
             <a:fld id="{1D8BD707-D9CF-40AE-B4C6-C98DA3205C09}" type="datetimeFigureOut">
               <a:rPr lang="en-US" smtClean="0"/>
               <a:pPr/>
-              <a:t>4/3/2016</a:t>
+              <a:t>4/6/2016</a:t>
             </a:fld>
             <a:endParaRPr lang="en-US"/>
           </a:p>
@@ -6930,7 +6944,11 @@
           <a:p>
             <a:r>
               <a:rPr lang="sr-Latn-RS" dirty="0" smtClean="0"/>
-              <a:t>Items primer</a:t>
+              <a:t>Items </a:t>
+            </a:r>
+            <a:r>
+              <a:rPr lang="sr-Latn-RS" dirty="0" smtClean="0"/>
+              <a:t>primer – REST API</a:t>
             </a:r>
             <a:endParaRPr lang="en-GB" dirty="0"/>
           </a:p>
@@ -8521,17 +8539,774 @@
               </a:rPr>
               <a:t> implemented"}</a:t>
             </a:r>
+          </a:p>
+        </p:txBody>
+      </p:sp>
+    </p:spTree>
+    <p:extLst>
+      <p:ext uri="{BB962C8B-B14F-4D97-AF65-F5344CB8AC3E}">
+        <p14:creationId xmlns:p14="http://schemas.microsoft.com/office/powerpoint/2010/main" val="2445681853"/>
+      </p:ext>
+    </p:extLst>
+  </p:cSld>
+  <p:clrMapOvr>
+    <a:masterClrMapping/>
+  </p:clrMapOvr>
+  <p:timing>
+    <p:tnLst>
+      <p:par>
+        <p:cTn id="1" dur="indefinite" restart="never" nodeType="tmRoot"/>
+      </p:par>
+    </p:tnLst>
+  </p:timing>
+</p:sld>
+</file>
+
+<file path=ppt/slides/slide28.xml><?xml version="1.0" encoding="utf-8"?>
+<p:sld xmlns:a="http://schemas.openxmlformats.org/drawingml/2006/main" xmlns:r="http://schemas.openxmlformats.org/officeDocument/2006/relationships" xmlns:p="http://schemas.openxmlformats.org/presentationml/2006/main">
+  <p:cSld>
+    <p:spTree>
+      <p:nvGrpSpPr>
+        <p:cNvPr id="1" name=""/>
+        <p:cNvGrpSpPr/>
+        <p:nvPr/>
+      </p:nvGrpSpPr>
+      <p:grpSpPr>
+        <a:xfrm>
+          <a:off x="0" y="0"/>
+          <a:ext cx="0" cy="0"/>
+          <a:chOff x="0" y="0"/>
+          <a:chExt cx="0" cy="0"/>
+        </a:xfrm>
+      </p:grpSpPr>
+      <p:sp>
+        <p:nvSpPr>
+          <p:cNvPr id="2" name="Title 1"/>
+          <p:cNvSpPr>
+            <a:spLocks noGrp="1"/>
+          </p:cNvSpPr>
+          <p:nvPr>
+            <p:ph type="title"/>
+          </p:nvPr>
+        </p:nvSpPr>
+        <p:spPr/>
+        <p:txBody>
+          <a:bodyPr/>
+          <a:lstStyle/>
+          <a:p>
+            <a:r>
+              <a:rPr lang="sr-Latn-RS" dirty="0" smtClean="0"/>
+              <a:t>Perzistencija dokumenata</a:t>
+            </a:r>
+            <a:endParaRPr lang="en-GB" dirty="0"/>
+          </a:p>
+        </p:txBody>
+      </p:sp>
+      <p:sp>
+        <p:nvSpPr>
+          <p:cNvPr id="3" name="Content Placeholder 2"/>
+          <p:cNvSpPr>
+            <a:spLocks noGrp="1"/>
+          </p:cNvSpPr>
+          <p:nvPr>
+            <p:ph idx="1"/>
+          </p:nvPr>
+        </p:nvSpPr>
+        <p:spPr/>
+        <p:txBody>
+          <a:bodyPr>
+            <a:normAutofit fontScale="55000" lnSpcReduction="20000"/>
+          </a:bodyPr>
+          <a:lstStyle/>
+          <a:p>
+            <a:r>
+              <a:rPr lang="sr-Latn-RS" dirty="0" smtClean="0"/>
+              <a:t>Dokument: samostalan (i kompletan) skup informacija koje opisuju jedan entitet</a:t>
+            </a:r>
+          </a:p>
+          <a:p>
+            <a:pPr marL="0" indent="0">
+              <a:buNone/>
+            </a:pPr>
+            <a:r>
+              <a:rPr lang="en-GB" dirty="0">
+                <a:latin typeface="Courier New" panose="02070309020205020404" pitchFamily="49" charset="0"/>
+                <a:cs typeface="Courier New" panose="02070309020205020404" pitchFamily="49" charset="0"/>
+              </a:rPr>
+              <a:t>{</a:t>
+            </a:r>
+          </a:p>
+          <a:p>
+            <a:pPr marL="0" indent="0">
+              <a:buNone/>
+            </a:pPr>
+            <a:r>
+              <a:rPr lang="sr-Latn-RS" dirty="0" smtClean="0">
+                <a:latin typeface="Courier New" panose="02070309020205020404" pitchFamily="49" charset="0"/>
+                <a:cs typeface="Courier New" panose="02070309020205020404" pitchFamily="49" charset="0"/>
+              </a:rPr>
+              <a:t>  </a:t>
+            </a:r>
+            <a:r>
+              <a:rPr lang="en-GB" dirty="0" smtClean="0">
+                <a:latin typeface="Courier New" panose="02070309020205020404" pitchFamily="49" charset="0"/>
+                <a:cs typeface="Courier New" panose="02070309020205020404" pitchFamily="49" charset="0"/>
+              </a:rPr>
+              <a:t>"</a:t>
+            </a:r>
+            <a:r>
+              <a:rPr lang="en-GB" dirty="0" err="1">
+                <a:latin typeface="Courier New" panose="02070309020205020404" pitchFamily="49" charset="0"/>
+                <a:cs typeface="Courier New" panose="02070309020205020404" pitchFamily="49" charset="0"/>
+              </a:rPr>
+              <a:t>firstName</a:t>
+            </a:r>
+            <a:r>
+              <a:rPr lang="en-GB" dirty="0">
+                <a:latin typeface="Courier New" panose="02070309020205020404" pitchFamily="49" charset="0"/>
+                <a:cs typeface="Courier New" panose="02070309020205020404" pitchFamily="49" charset="0"/>
+              </a:rPr>
+              <a:t>": </a:t>
+            </a:r>
+            <a:r>
+              <a:rPr lang="en-GB" dirty="0">
+                <a:latin typeface="Courier New" panose="02070309020205020404" pitchFamily="49" charset="0"/>
+                <a:cs typeface="Courier New" panose="02070309020205020404" pitchFamily="49" charset="0"/>
+              </a:rPr>
+              <a:t>"</a:t>
+            </a:r>
+            <a:r>
+              <a:rPr lang="sr-Latn-RS" dirty="0" smtClean="0">
+                <a:latin typeface="Courier New" panose="02070309020205020404" pitchFamily="49" charset="0"/>
+                <a:cs typeface="Courier New" panose="02070309020205020404" pitchFamily="49" charset="0"/>
+              </a:rPr>
+              <a:t>Pera</a:t>
+            </a:r>
+            <a:r>
+              <a:rPr lang="en-GB" dirty="0" smtClean="0">
+                <a:latin typeface="Courier New" panose="02070309020205020404" pitchFamily="49" charset="0"/>
+                <a:cs typeface="Courier New" panose="02070309020205020404" pitchFamily="49" charset="0"/>
+              </a:rPr>
+              <a:t>",</a:t>
+            </a:r>
             <a:endParaRPr lang="en-GB" dirty="0">
               <a:latin typeface="Courier New" panose="02070309020205020404" pitchFamily="49" charset="0"/>
               <a:cs typeface="Courier New" panose="02070309020205020404" pitchFamily="49" charset="0"/>
             </a:endParaRPr>
           </a:p>
+          <a:p>
+            <a:pPr marL="0" indent="0">
+              <a:buNone/>
+            </a:pPr>
+            <a:r>
+              <a:rPr lang="sr-Latn-RS" dirty="0" smtClean="0">
+                <a:latin typeface="Courier New" panose="02070309020205020404" pitchFamily="49" charset="0"/>
+                <a:cs typeface="Courier New" panose="02070309020205020404" pitchFamily="49" charset="0"/>
+              </a:rPr>
+              <a:t>  </a:t>
+            </a:r>
+            <a:r>
+              <a:rPr lang="en-GB" dirty="0" smtClean="0">
+                <a:latin typeface="Courier New" panose="02070309020205020404" pitchFamily="49" charset="0"/>
+                <a:cs typeface="Courier New" panose="02070309020205020404" pitchFamily="49" charset="0"/>
+              </a:rPr>
+              <a:t>"</a:t>
+            </a:r>
+            <a:r>
+              <a:rPr lang="en-GB" dirty="0" err="1">
+                <a:latin typeface="Courier New" panose="02070309020205020404" pitchFamily="49" charset="0"/>
+                <a:cs typeface="Courier New" panose="02070309020205020404" pitchFamily="49" charset="0"/>
+              </a:rPr>
+              <a:t>lastName</a:t>
+            </a:r>
+            <a:r>
+              <a:rPr lang="en-GB" dirty="0">
+                <a:latin typeface="Courier New" panose="02070309020205020404" pitchFamily="49" charset="0"/>
+                <a:cs typeface="Courier New" panose="02070309020205020404" pitchFamily="49" charset="0"/>
+              </a:rPr>
+              <a:t>": </a:t>
+            </a:r>
+            <a:r>
+              <a:rPr lang="en-GB" dirty="0" smtClean="0">
+                <a:latin typeface="Courier New" panose="02070309020205020404" pitchFamily="49" charset="0"/>
+                <a:cs typeface="Courier New" panose="02070309020205020404" pitchFamily="49" charset="0"/>
+              </a:rPr>
+              <a:t>"</a:t>
+            </a:r>
+            <a:r>
+              <a:rPr lang="sr-Latn-RS" dirty="0" smtClean="0">
+                <a:latin typeface="Courier New" panose="02070309020205020404" pitchFamily="49" charset="0"/>
+                <a:cs typeface="Courier New" panose="02070309020205020404" pitchFamily="49" charset="0"/>
+              </a:rPr>
+              <a:t>Peric</a:t>
+            </a:r>
+            <a:r>
+              <a:rPr lang="en-GB" dirty="0" smtClean="0">
+                <a:latin typeface="Courier New" panose="02070309020205020404" pitchFamily="49" charset="0"/>
+                <a:cs typeface="Courier New" panose="02070309020205020404" pitchFamily="49" charset="0"/>
+              </a:rPr>
+              <a:t>",</a:t>
+            </a:r>
+            <a:endParaRPr lang="en-GB" dirty="0">
+              <a:latin typeface="Courier New" panose="02070309020205020404" pitchFamily="49" charset="0"/>
+              <a:cs typeface="Courier New" panose="02070309020205020404" pitchFamily="49" charset="0"/>
+            </a:endParaRPr>
+          </a:p>
+          <a:p>
+            <a:pPr marL="0" indent="0">
+              <a:buNone/>
+            </a:pPr>
+            <a:r>
+              <a:rPr lang="sr-Latn-RS" dirty="0" smtClean="0">
+                <a:latin typeface="Courier New" panose="02070309020205020404" pitchFamily="49" charset="0"/>
+                <a:cs typeface="Courier New" panose="02070309020205020404" pitchFamily="49" charset="0"/>
+              </a:rPr>
+              <a:t>  </a:t>
+            </a:r>
+            <a:r>
+              <a:rPr lang="en-GB" dirty="0" smtClean="0">
+                <a:latin typeface="Courier New" panose="02070309020205020404" pitchFamily="49" charset="0"/>
+                <a:cs typeface="Courier New" panose="02070309020205020404" pitchFamily="49" charset="0"/>
+              </a:rPr>
+              <a:t>"</a:t>
+            </a:r>
+            <a:r>
+              <a:rPr lang="en-GB" dirty="0" err="1">
+                <a:latin typeface="Courier New" panose="02070309020205020404" pitchFamily="49" charset="0"/>
+                <a:cs typeface="Courier New" panose="02070309020205020404" pitchFamily="49" charset="0"/>
+              </a:rPr>
+              <a:t>isAlive</a:t>
+            </a:r>
+            <a:r>
+              <a:rPr lang="en-GB" dirty="0">
+                <a:latin typeface="Courier New" panose="02070309020205020404" pitchFamily="49" charset="0"/>
+                <a:cs typeface="Courier New" panose="02070309020205020404" pitchFamily="49" charset="0"/>
+              </a:rPr>
+              <a:t>": true,</a:t>
+            </a:r>
+          </a:p>
+          <a:p>
+            <a:pPr marL="0" indent="0">
+              <a:buNone/>
+            </a:pPr>
+            <a:r>
+              <a:rPr lang="sr-Latn-RS" dirty="0" smtClean="0">
+                <a:latin typeface="Courier New" panose="02070309020205020404" pitchFamily="49" charset="0"/>
+                <a:cs typeface="Courier New" panose="02070309020205020404" pitchFamily="49" charset="0"/>
+              </a:rPr>
+              <a:t>  </a:t>
+            </a:r>
+            <a:r>
+              <a:rPr lang="en-GB" dirty="0" smtClean="0">
+                <a:latin typeface="Courier New" panose="02070309020205020404" pitchFamily="49" charset="0"/>
+                <a:cs typeface="Courier New" panose="02070309020205020404" pitchFamily="49" charset="0"/>
+              </a:rPr>
+              <a:t>"</a:t>
+            </a:r>
+            <a:r>
+              <a:rPr lang="en-GB" dirty="0">
+                <a:latin typeface="Courier New" panose="02070309020205020404" pitchFamily="49" charset="0"/>
+                <a:cs typeface="Courier New" panose="02070309020205020404" pitchFamily="49" charset="0"/>
+              </a:rPr>
+              <a:t>age": </a:t>
+            </a:r>
+            <a:r>
+              <a:rPr lang="sr-Latn-RS" dirty="0" smtClean="0">
+                <a:latin typeface="Courier New" panose="02070309020205020404" pitchFamily="49" charset="0"/>
+                <a:cs typeface="Courier New" panose="02070309020205020404" pitchFamily="49" charset="0"/>
+              </a:rPr>
+              <a:t>35</a:t>
+            </a:r>
+            <a:r>
+              <a:rPr lang="en-GB" dirty="0" smtClean="0">
+                <a:latin typeface="Courier New" panose="02070309020205020404" pitchFamily="49" charset="0"/>
+                <a:cs typeface="Courier New" panose="02070309020205020404" pitchFamily="49" charset="0"/>
+              </a:rPr>
+              <a:t>,</a:t>
+            </a:r>
+            <a:endParaRPr lang="en-GB" dirty="0">
+              <a:latin typeface="Courier New" panose="02070309020205020404" pitchFamily="49" charset="0"/>
+              <a:cs typeface="Courier New" panose="02070309020205020404" pitchFamily="49" charset="0"/>
+            </a:endParaRPr>
+          </a:p>
+          <a:p>
+            <a:pPr marL="0" indent="0">
+              <a:buNone/>
+            </a:pPr>
+            <a:r>
+              <a:rPr lang="sr-Latn-RS" dirty="0" smtClean="0">
+                <a:latin typeface="Courier New" panose="02070309020205020404" pitchFamily="49" charset="0"/>
+                <a:cs typeface="Courier New" panose="02070309020205020404" pitchFamily="49" charset="0"/>
+              </a:rPr>
+              <a:t>  </a:t>
+            </a:r>
+            <a:r>
+              <a:rPr lang="en-GB" dirty="0" smtClean="0">
+                <a:latin typeface="Courier New" panose="02070309020205020404" pitchFamily="49" charset="0"/>
+                <a:cs typeface="Courier New" panose="02070309020205020404" pitchFamily="49" charset="0"/>
+              </a:rPr>
+              <a:t>"</a:t>
+            </a:r>
+            <a:r>
+              <a:rPr lang="en-GB" dirty="0" err="1">
+                <a:latin typeface="Courier New" panose="02070309020205020404" pitchFamily="49" charset="0"/>
+                <a:cs typeface="Courier New" panose="02070309020205020404" pitchFamily="49" charset="0"/>
+              </a:rPr>
+              <a:t>height_cm</a:t>
+            </a:r>
+            <a:r>
+              <a:rPr lang="en-GB" dirty="0">
+                <a:latin typeface="Courier New" panose="02070309020205020404" pitchFamily="49" charset="0"/>
+                <a:cs typeface="Courier New" panose="02070309020205020404" pitchFamily="49" charset="0"/>
+              </a:rPr>
+              <a:t>": </a:t>
+            </a:r>
+            <a:r>
+              <a:rPr lang="sr-Latn-RS" dirty="0" smtClean="0">
+                <a:latin typeface="Courier New" panose="02070309020205020404" pitchFamily="49" charset="0"/>
+                <a:cs typeface="Courier New" panose="02070309020205020404" pitchFamily="49" charset="0"/>
+              </a:rPr>
+              <a:t>181</a:t>
+            </a:r>
+            <a:r>
+              <a:rPr lang="en-GB" dirty="0" smtClean="0">
+                <a:latin typeface="Courier New" panose="02070309020205020404" pitchFamily="49" charset="0"/>
+                <a:cs typeface="Courier New" panose="02070309020205020404" pitchFamily="49" charset="0"/>
+              </a:rPr>
+              <a:t>,</a:t>
+            </a:r>
+            <a:endParaRPr lang="sr-Latn-RS" dirty="0" smtClean="0">
+              <a:latin typeface="Courier New" panose="02070309020205020404" pitchFamily="49" charset="0"/>
+              <a:cs typeface="Courier New" panose="02070309020205020404" pitchFamily="49" charset="0"/>
+            </a:endParaRPr>
+          </a:p>
+          <a:p>
+            <a:pPr marL="0" indent="0">
+              <a:buNone/>
+            </a:pPr>
+            <a:r>
+              <a:rPr lang="sr-Latn-RS" dirty="0" smtClean="0">
+                <a:latin typeface="Courier New" panose="02070309020205020404" pitchFamily="49" charset="0"/>
+                <a:cs typeface="Courier New" panose="02070309020205020404" pitchFamily="49" charset="0"/>
+              </a:rPr>
+              <a:t>  </a:t>
+            </a:r>
+            <a:r>
+              <a:rPr lang="en-GB" dirty="0" smtClean="0">
+                <a:latin typeface="Courier New" panose="02070309020205020404" pitchFamily="49" charset="0"/>
+                <a:cs typeface="Courier New" panose="02070309020205020404" pitchFamily="49" charset="0"/>
+              </a:rPr>
+              <a:t>"</a:t>
+            </a:r>
+            <a:r>
+              <a:rPr lang="en-GB" dirty="0">
+                <a:latin typeface="Courier New" panose="02070309020205020404" pitchFamily="49" charset="0"/>
+                <a:cs typeface="Courier New" panose="02070309020205020404" pitchFamily="49" charset="0"/>
+              </a:rPr>
+              <a:t>address": {</a:t>
+            </a:r>
+          </a:p>
+          <a:p>
+            <a:pPr marL="0" indent="0">
+              <a:buNone/>
+            </a:pPr>
+            <a:r>
+              <a:rPr lang="sr-Latn-RS" dirty="0" smtClean="0">
+                <a:latin typeface="Courier New" panose="02070309020205020404" pitchFamily="49" charset="0"/>
+                <a:cs typeface="Courier New" panose="02070309020205020404" pitchFamily="49" charset="0"/>
+              </a:rPr>
+              <a:t>    </a:t>
+            </a:r>
+            <a:r>
+              <a:rPr lang="en-GB" dirty="0" smtClean="0">
+                <a:latin typeface="Courier New" panose="02070309020205020404" pitchFamily="49" charset="0"/>
+                <a:cs typeface="Courier New" panose="02070309020205020404" pitchFamily="49" charset="0"/>
+              </a:rPr>
+              <a:t>"</a:t>
+            </a:r>
+            <a:r>
+              <a:rPr lang="en-GB" dirty="0" err="1">
+                <a:latin typeface="Courier New" panose="02070309020205020404" pitchFamily="49" charset="0"/>
+                <a:cs typeface="Courier New" panose="02070309020205020404" pitchFamily="49" charset="0"/>
+              </a:rPr>
+              <a:t>streetAddress</a:t>
+            </a:r>
+            <a:r>
+              <a:rPr lang="en-GB" dirty="0">
+                <a:latin typeface="Courier New" panose="02070309020205020404" pitchFamily="49" charset="0"/>
+                <a:cs typeface="Courier New" panose="02070309020205020404" pitchFamily="49" charset="0"/>
+              </a:rPr>
+              <a:t>": </a:t>
+            </a:r>
+            <a:r>
+              <a:rPr lang="en-GB" dirty="0" smtClean="0">
+                <a:latin typeface="Courier New" panose="02070309020205020404" pitchFamily="49" charset="0"/>
+                <a:cs typeface="Courier New" panose="02070309020205020404" pitchFamily="49" charset="0"/>
+              </a:rPr>
+              <a:t>"</a:t>
+            </a:r>
+            <a:r>
+              <a:rPr lang="sr-Latn-RS" dirty="0" smtClean="0">
+                <a:latin typeface="Courier New" panose="02070309020205020404" pitchFamily="49" charset="0"/>
+                <a:cs typeface="Courier New" panose="02070309020205020404" pitchFamily="49" charset="0"/>
+              </a:rPr>
+              <a:t>Fruskogorska 25</a:t>
+            </a:r>
+            <a:r>
+              <a:rPr lang="en-GB" dirty="0" smtClean="0">
+                <a:latin typeface="Courier New" panose="02070309020205020404" pitchFamily="49" charset="0"/>
+                <a:cs typeface="Courier New" panose="02070309020205020404" pitchFamily="49" charset="0"/>
+              </a:rPr>
+              <a:t>",</a:t>
+            </a:r>
+            <a:endParaRPr lang="en-GB" dirty="0">
+              <a:latin typeface="Courier New" panose="02070309020205020404" pitchFamily="49" charset="0"/>
+              <a:cs typeface="Courier New" panose="02070309020205020404" pitchFamily="49" charset="0"/>
+            </a:endParaRPr>
+          </a:p>
+          <a:p>
+            <a:pPr marL="0" indent="0">
+              <a:buNone/>
+            </a:pPr>
+            <a:r>
+              <a:rPr lang="sr-Latn-RS" dirty="0" smtClean="0">
+                <a:latin typeface="Courier New" panose="02070309020205020404" pitchFamily="49" charset="0"/>
+                <a:cs typeface="Courier New" panose="02070309020205020404" pitchFamily="49" charset="0"/>
+              </a:rPr>
+              <a:t>    </a:t>
+            </a:r>
+            <a:r>
+              <a:rPr lang="en-GB" dirty="0" smtClean="0">
+                <a:latin typeface="Courier New" panose="02070309020205020404" pitchFamily="49" charset="0"/>
+                <a:cs typeface="Courier New" panose="02070309020205020404" pitchFamily="49" charset="0"/>
+              </a:rPr>
+              <a:t>"</a:t>
+            </a:r>
+            <a:r>
+              <a:rPr lang="en-GB" dirty="0">
+                <a:latin typeface="Courier New" panose="02070309020205020404" pitchFamily="49" charset="0"/>
+                <a:cs typeface="Courier New" panose="02070309020205020404" pitchFamily="49" charset="0"/>
+              </a:rPr>
+              <a:t>city": </a:t>
+            </a:r>
+            <a:r>
+              <a:rPr lang="en-GB" dirty="0" smtClean="0">
+                <a:latin typeface="Courier New" panose="02070309020205020404" pitchFamily="49" charset="0"/>
+                <a:cs typeface="Courier New" panose="02070309020205020404" pitchFamily="49" charset="0"/>
+              </a:rPr>
+              <a:t>"</a:t>
+            </a:r>
+            <a:r>
+              <a:rPr lang="sr-Latn-RS" dirty="0" smtClean="0">
+                <a:latin typeface="Courier New" panose="02070309020205020404" pitchFamily="49" charset="0"/>
+                <a:cs typeface="Courier New" panose="02070309020205020404" pitchFamily="49" charset="0"/>
+              </a:rPr>
+              <a:t>Novi Sad</a:t>
+            </a:r>
+            <a:r>
+              <a:rPr lang="en-GB" dirty="0" smtClean="0">
+                <a:latin typeface="Courier New" panose="02070309020205020404" pitchFamily="49" charset="0"/>
+                <a:cs typeface="Courier New" panose="02070309020205020404" pitchFamily="49" charset="0"/>
+              </a:rPr>
+              <a:t>",</a:t>
+            </a:r>
+            <a:endParaRPr lang="en-GB" dirty="0">
+              <a:latin typeface="Courier New" panose="02070309020205020404" pitchFamily="49" charset="0"/>
+              <a:cs typeface="Courier New" panose="02070309020205020404" pitchFamily="49" charset="0"/>
+            </a:endParaRPr>
+          </a:p>
+          <a:p>
+            <a:pPr marL="0" indent="0">
+              <a:buNone/>
+            </a:pPr>
+            <a:r>
+              <a:rPr lang="sr-Latn-RS" dirty="0" smtClean="0">
+                <a:latin typeface="Courier New" panose="02070309020205020404" pitchFamily="49" charset="0"/>
+                <a:cs typeface="Courier New" panose="02070309020205020404" pitchFamily="49" charset="0"/>
+              </a:rPr>
+              <a:t>    </a:t>
+            </a:r>
+            <a:r>
+              <a:rPr lang="en-GB" dirty="0" smtClean="0">
+                <a:latin typeface="Courier New" panose="02070309020205020404" pitchFamily="49" charset="0"/>
+                <a:cs typeface="Courier New" panose="02070309020205020404" pitchFamily="49" charset="0"/>
+              </a:rPr>
+              <a:t>"</a:t>
+            </a:r>
+            <a:r>
+              <a:rPr lang="sr-Latn-RS" dirty="0" smtClean="0">
+                <a:latin typeface="Courier New" panose="02070309020205020404" pitchFamily="49" charset="0"/>
+                <a:cs typeface="Courier New" panose="02070309020205020404" pitchFamily="49" charset="0"/>
+              </a:rPr>
+              <a:t>country</a:t>
+            </a:r>
+            <a:r>
+              <a:rPr lang="en-GB" dirty="0" smtClean="0">
+                <a:latin typeface="Courier New" panose="02070309020205020404" pitchFamily="49" charset="0"/>
+                <a:cs typeface="Courier New" panose="02070309020205020404" pitchFamily="49" charset="0"/>
+              </a:rPr>
+              <a:t>": "</a:t>
+            </a:r>
+            <a:r>
+              <a:rPr lang="sr-Latn-RS" dirty="0" smtClean="0">
+                <a:latin typeface="Courier New" panose="02070309020205020404" pitchFamily="49" charset="0"/>
+                <a:cs typeface="Courier New" panose="02070309020205020404" pitchFamily="49" charset="0"/>
+              </a:rPr>
+              <a:t>Srbija</a:t>
+            </a:r>
+            <a:r>
+              <a:rPr lang="en-GB" dirty="0" smtClean="0">
+                <a:latin typeface="Courier New" panose="02070309020205020404" pitchFamily="49" charset="0"/>
+                <a:cs typeface="Courier New" panose="02070309020205020404" pitchFamily="49" charset="0"/>
+              </a:rPr>
+              <a:t>",</a:t>
+            </a:r>
+            <a:endParaRPr lang="en-GB" dirty="0">
+              <a:latin typeface="Courier New" panose="02070309020205020404" pitchFamily="49" charset="0"/>
+              <a:cs typeface="Courier New" panose="02070309020205020404" pitchFamily="49" charset="0"/>
+            </a:endParaRPr>
+          </a:p>
+          <a:p>
+            <a:pPr marL="0" indent="0">
+              <a:buNone/>
+            </a:pPr>
+            <a:r>
+              <a:rPr lang="sr-Latn-RS" dirty="0" smtClean="0">
+                <a:latin typeface="Courier New" panose="02070309020205020404" pitchFamily="49" charset="0"/>
+                <a:cs typeface="Courier New" panose="02070309020205020404" pitchFamily="49" charset="0"/>
+              </a:rPr>
+              <a:t>  </a:t>
+            </a:r>
+            <a:r>
+              <a:rPr lang="en-GB" dirty="0" smtClean="0">
+                <a:latin typeface="Courier New" panose="02070309020205020404" pitchFamily="49" charset="0"/>
+                <a:cs typeface="Courier New" panose="02070309020205020404" pitchFamily="49" charset="0"/>
+              </a:rPr>
+              <a:t>}</a:t>
+            </a:r>
+            <a:endParaRPr lang="en-GB" dirty="0">
+              <a:latin typeface="Courier New" panose="02070309020205020404" pitchFamily="49" charset="0"/>
+              <a:cs typeface="Courier New" panose="02070309020205020404" pitchFamily="49" charset="0"/>
+            </a:endParaRPr>
+          </a:p>
+          <a:p>
+            <a:pPr marL="0" indent="0">
+              <a:buNone/>
+            </a:pPr>
+            <a:r>
+              <a:rPr lang="en-GB" dirty="0" smtClean="0">
+                <a:latin typeface="Courier New" panose="02070309020205020404" pitchFamily="49" charset="0"/>
+                <a:cs typeface="Courier New" panose="02070309020205020404" pitchFamily="49" charset="0"/>
+              </a:rPr>
+              <a:t>}</a:t>
+            </a:r>
+            <a:endParaRPr lang="sr-Latn-RS" dirty="0" smtClean="0">
+              <a:latin typeface="Courier New" panose="02070309020205020404" pitchFamily="49" charset="0"/>
+              <a:cs typeface="Courier New" panose="02070309020205020404" pitchFamily="49" charset="0"/>
+            </a:endParaRPr>
+          </a:p>
+          <a:p>
+            <a:pPr marL="0" indent="0">
+              <a:buNone/>
+            </a:pPr>
+            <a:endParaRPr lang="sr-Latn-RS" dirty="0">
+              <a:latin typeface="Courier New" panose="02070309020205020404" pitchFamily="49" charset="0"/>
+              <a:cs typeface="Courier New" panose="02070309020205020404" pitchFamily="49" charset="0"/>
+            </a:endParaRPr>
+          </a:p>
+          <a:p>
+            <a:r>
+              <a:rPr lang="sr-Latn-RS" dirty="0" smtClean="0">
+                <a:cs typeface="Courier New" panose="02070309020205020404" pitchFamily="49" charset="0"/>
+              </a:rPr>
+              <a:t>U relacionoj bazi ove informacije nalazile bi se u više tabela (</a:t>
+            </a:r>
+            <a:r>
+              <a:rPr lang="sr-Latn-RS" dirty="0" smtClean="0">
+                <a:latin typeface="Courier New" panose="02070309020205020404" pitchFamily="49" charset="0"/>
+                <a:cs typeface="Courier New" panose="02070309020205020404" pitchFamily="49" charset="0"/>
+              </a:rPr>
+              <a:t>Osoba</a:t>
+            </a:r>
+            <a:r>
+              <a:rPr lang="sr-Latn-RS" dirty="0" smtClean="0">
+                <a:cs typeface="Courier New" panose="02070309020205020404" pitchFamily="49" charset="0"/>
+              </a:rPr>
+              <a:t>,</a:t>
+            </a:r>
+            <a:r>
+              <a:rPr lang="sr-Latn-RS" dirty="0" smtClean="0">
+                <a:latin typeface="Courier New" panose="02070309020205020404" pitchFamily="49" charset="0"/>
+                <a:cs typeface="Courier New" panose="02070309020205020404" pitchFamily="49" charset="0"/>
+              </a:rPr>
+              <a:t> Adresa</a:t>
+            </a:r>
+            <a:r>
+              <a:rPr lang="sr-Latn-RS" sz="3300" dirty="0">
+                <a:cs typeface="Courier New" panose="02070309020205020404" pitchFamily="49" charset="0"/>
+              </a:rPr>
+              <a:t>, </a:t>
+            </a:r>
+            <a:r>
+              <a:rPr lang="sr-Latn-RS" dirty="0" smtClean="0">
+                <a:latin typeface="Courier New" panose="02070309020205020404" pitchFamily="49" charset="0"/>
+                <a:cs typeface="Courier New" panose="02070309020205020404" pitchFamily="49" charset="0"/>
+              </a:rPr>
+              <a:t>Grad</a:t>
+            </a:r>
+            <a:r>
+              <a:rPr lang="sr-Latn-RS" sz="3300" dirty="0">
+                <a:cs typeface="Courier New" panose="02070309020205020404" pitchFamily="49" charset="0"/>
+              </a:rPr>
+              <a:t>, </a:t>
+            </a:r>
+            <a:r>
+              <a:rPr lang="sr-Latn-RS" dirty="0" smtClean="0">
+                <a:latin typeface="Courier New" panose="02070309020205020404" pitchFamily="49" charset="0"/>
+                <a:cs typeface="Courier New" panose="02070309020205020404" pitchFamily="49" charset="0"/>
+              </a:rPr>
+              <a:t>Država</a:t>
+            </a:r>
+            <a:r>
+              <a:rPr lang="sr-Latn-RS" sz="3300" dirty="0">
+                <a:cs typeface="Courier New" panose="02070309020205020404" pitchFamily="49" charset="0"/>
+              </a:rPr>
+              <a:t>)</a:t>
+            </a:r>
+            <a:endParaRPr lang="en-GB" sz="3300" dirty="0">
+              <a:cs typeface="Courier New" panose="02070309020205020404" pitchFamily="49" charset="0"/>
+            </a:endParaRPr>
+          </a:p>
         </p:txBody>
       </p:sp>
     </p:spTree>
     <p:extLst>
       <p:ext uri="{BB962C8B-B14F-4D97-AF65-F5344CB8AC3E}">
-        <p14:creationId xmlns:p14="http://schemas.microsoft.com/office/powerpoint/2010/main" val="2445681853"/>
+        <p14:creationId xmlns:p14="http://schemas.microsoft.com/office/powerpoint/2010/main" val="459189129"/>
+      </p:ext>
+    </p:extLst>
+  </p:cSld>
+  <p:clrMapOvr>
+    <a:masterClrMapping/>
+  </p:clrMapOvr>
+  <p:timing>
+    <p:tnLst>
+      <p:par>
+        <p:cTn id="1" dur="indefinite" restart="never" nodeType="tmRoot"/>
+      </p:par>
+    </p:tnLst>
+  </p:timing>
+</p:sld>
+</file>
+
+<file path=ppt/slides/slide29.xml><?xml version="1.0" encoding="utf-8"?>
+<p:sld xmlns:a="http://schemas.openxmlformats.org/drawingml/2006/main" xmlns:r="http://schemas.openxmlformats.org/officeDocument/2006/relationships" xmlns:p="http://schemas.openxmlformats.org/presentationml/2006/main">
+  <p:cSld>
+    <p:spTree>
+      <p:nvGrpSpPr>
+        <p:cNvPr id="1" name=""/>
+        <p:cNvGrpSpPr/>
+        <p:nvPr/>
+      </p:nvGrpSpPr>
+      <p:grpSpPr>
+        <a:xfrm>
+          <a:off x="0" y="0"/>
+          <a:ext cx="0" cy="0"/>
+          <a:chOff x="0" y="0"/>
+          <a:chExt cx="0" cy="0"/>
+        </a:xfrm>
+      </p:grpSpPr>
+      <p:sp>
+        <p:nvSpPr>
+          <p:cNvPr id="2" name="Title 1"/>
+          <p:cNvSpPr>
+            <a:spLocks noGrp="1"/>
+          </p:cNvSpPr>
+          <p:nvPr>
+            <p:ph type="title"/>
+          </p:nvPr>
+        </p:nvSpPr>
+        <p:spPr/>
+        <p:txBody>
+          <a:bodyPr/>
+          <a:lstStyle/>
+          <a:p>
+            <a:r>
+              <a:rPr lang="sr-Latn-RS" dirty="0"/>
+              <a:t>Perzistencija dokumenata</a:t>
+            </a:r>
+            <a:endParaRPr lang="en-GB" dirty="0"/>
+          </a:p>
+        </p:txBody>
+      </p:sp>
+      <p:sp>
+        <p:nvSpPr>
+          <p:cNvPr id="3" name="Content Placeholder 2"/>
+          <p:cNvSpPr>
+            <a:spLocks noGrp="1"/>
+          </p:cNvSpPr>
+          <p:nvPr>
+            <p:ph idx="1"/>
+          </p:nvPr>
+        </p:nvSpPr>
+        <p:spPr/>
+        <p:txBody>
+          <a:bodyPr/>
+          <a:lstStyle/>
+          <a:p>
+            <a:r>
+              <a:rPr lang="sr-Latn-RS" dirty="0" smtClean="0"/>
+              <a:t>Pros:</a:t>
+            </a:r>
+          </a:p>
+          <a:p>
+            <a:pPr lvl="1"/>
+            <a:r>
+              <a:rPr lang="sr-Latn-RS" dirty="0" smtClean="0"/>
+              <a:t>Skalabilnost</a:t>
+            </a:r>
+          </a:p>
+          <a:p>
+            <a:pPr lvl="1"/>
+            <a:r>
+              <a:rPr lang="sr-Latn-RS" b="1" dirty="0" smtClean="0"/>
+              <a:t>Jednostavan razvoj</a:t>
+            </a:r>
+          </a:p>
+          <a:p>
+            <a:r>
+              <a:rPr lang="sr-Latn-RS" dirty="0" smtClean="0"/>
+              <a:t>Cons:</a:t>
+            </a:r>
+          </a:p>
+          <a:p>
+            <a:pPr lvl="1"/>
+            <a:r>
+              <a:rPr lang="sr-Latn-RS" dirty="0" smtClean="0"/>
+              <a:t>Podaci su često </a:t>
+            </a:r>
+            <a:r>
+              <a:rPr lang="sr-Latn-RS" i="1" dirty="0" smtClean="0"/>
+              <a:t>po svojoj prirodi</a:t>
+            </a:r>
+            <a:r>
+              <a:rPr lang="sr-Latn-RS" dirty="0" smtClean="0"/>
+              <a:t> relacioni</a:t>
+            </a:r>
+          </a:p>
+          <a:p>
+            <a:pPr lvl="2"/>
+            <a:r>
+              <a:rPr lang="sr-Latn-RS" dirty="0" smtClean="0"/>
+              <a:t>Imamo potrebu za kompleksnim upitima ili za složenom analitikom podataka</a:t>
+            </a:r>
+          </a:p>
+        </p:txBody>
+      </p:sp>
+    </p:spTree>
+    <p:extLst>
+      <p:ext uri="{BB962C8B-B14F-4D97-AF65-F5344CB8AC3E}">
+        <p14:creationId xmlns:p14="http://schemas.microsoft.com/office/powerpoint/2010/main" val="1144700291"/>
       </p:ext>
     </p:extLst>
   </p:cSld>
@@ -8677,6 +9452,2986 @@
 </p:sld>
 </file>
 
+<file path=ppt/slides/slide30.xml><?xml version="1.0" encoding="utf-8"?>
+<p:sld xmlns:a="http://schemas.openxmlformats.org/drawingml/2006/main" xmlns:r="http://schemas.openxmlformats.org/officeDocument/2006/relationships" xmlns:p="http://schemas.openxmlformats.org/presentationml/2006/main">
+  <p:cSld>
+    <p:spTree>
+      <p:nvGrpSpPr>
+        <p:cNvPr id="1" name=""/>
+        <p:cNvGrpSpPr/>
+        <p:nvPr/>
+      </p:nvGrpSpPr>
+      <p:grpSpPr>
+        <a:xfrm>
+          <a:off x="0" y="0"/>
+          <a:ext cx="0" cy="0"/>
+          <a:chOff x="0" y="0"/>
+          <a:chExt cx="0" cy="0"/>
+        </a:xfrm>
+      </p:grpSpPr>
+      <p:sp>
+        <p:nvSpPr>
+          <p:cNvPr id="2" name="Title 1"/>
+          <p:cNvSpPr>
+            <a:spLocks noGrp="1"/>
+          </p:cNvSpPr>
+          <p:nvPr>
+            <p:ph type="title"/>
+          </p:nvPr>
+        </p:nvSpPr>
+        <p:spPr/>
+        <p:txBody>
+          <a:bodyPr/>
+          <a:lstStyle/>
+          <a:p>
+            <a:r>
+              <a:rPr lang="sr-Latn-RS" dirty="0" smtClean="0"/>
+              <a:t>Jednostavan razvoj</a:t>
+            </a:r>
+            <a:endParaRPr lang="en-GB" dirty="0"/>
+          </a:p>
+        </p:txBody>
+      </p:sp>
+      <p:sp>
+        <p:nvSpPr>
+          <p:cNvPr id="3" name="Content Placeholder 2"/>
+          <p:cNvSpPr>
+            <a:spLocks noGrp="1"/>
+          </p:cNvSpPr>
+          <p:nvPr>
+            <p:ph idx="1"/>
+          </p:nvPr>
+        </p:nvSpPr>
+        <p:spPr/>
+        <p:txBody>
+          <a:bodyPr>
+            <a:normAutofit fontScale="85000" lnSpcReduction="20000"/>
+          </a:bodyPr>
+          <a:lstStyle/>
+          <a:p>
+            <a:r>
+              <a:rPr lang="sr-Latn-RS" dirty="0" smtClean="0"/>
+              <a:t>U relacionoj bazi podaci se čuvaju u tabela</a:t>
+            </a:r>
+          </a:p>
+          <a:p>
+            <a:pPr lvl="1"/>
+            <a:r>
+              <a:rPr lang="sr-Latn-RS" dirty="0" smtClean="0"/>
+              <a:t>Kada nam trebaju podaci u sloju sa poslovnom logikom, moramo da prevedemo „tabele“ u „objekte“ (i obrnuto). („</a:t>
+            </a:r>
+            <a:r>
+              <a:rPr lang="en-GB" i="1" dirty="0"/>
+              <a:t> Object-relational mapping is the Vietnam of computer science.</a:t>
+            </a:r>
+            <a:r>
+              <a:rPr lang="sr-Latn-RS" dirty="0" smtClean="0"/>
+              <a:t>“ - </a:t>
+            </a:r>
+            <a:r>
+              <a:rPr lang="en-GB" dirty="0"/>
+              <a:t>Ted </a:t>
+            </a:r>
+            <a:r>
+              <a:rPr lang="en-GB" dirty="0" err="1"/>
+              <a:t>Neward</a:t>
+            </a:r>
+            <a:r>
+              <a:rPr lang="sr-Latn-RS" dirty="0" smtClean="0"/>
+              <a:t>)</a:t>
+            </a:r>
+          </a:p>
+          <a:p>
+            <a:pPr lvl="1"/>
+            <a:r>
+              <a:rPr lang="sr-Latn-RS" dirty="0" smtClean="0"/>
+              <a:t>Ako koristimo dokument orjentisanu bazu, ORM možemo potpuno da izbegnemo</a:t>
+            </a:r>
+          </a:p>
+          <a:p>
+            <a:r>
+              <a:rPr lang="sr-Latn-RS" dirty="0" smtClean="0"/>
+              <a:t>Polimorfna shema nam omogućuje da imamo jednostavne izmene (na primer, novo polje u dokumentu) bez potrebe da se se pri svakoj izmeni menja shema baze</a:t>
+            </a:r>
+          </a:p>
+          <a:p>
+            <a:r>
+              <a:rPr lang="sr-Latn-RS" dirty="0" smtClean="0"/>
+              <a:t>Zbog jednostavnog razvoja (i radi ilustracije) u primerima ćemo koristiti dokument bazu</a:t>
+            </a:r>
+          </a:p>
+          <a:p>
+            <a:pPr lvl="1"/>
+            <a:endParaRPr lang="sr-Latn-RS" dirty="0" smtClean="0"/>
+          </a:p>
+          <a:p>
+            <a:pPr lvl="1"/>
+            <a:endParaRPr lang="sr-Latn-RS" dirty="0" smtClean="0"/>
+          </a:p>
+        </p:txBody>
+      </p:sp>
+    </p:spTree>
+    <p:extLst>
+      <p:ext uri="{BB962C8B-B14F-4D97-AF65-F5344CB8AC3E}">
+        <p14:creationId xmlns:p14="http://schemas.microsoft.com/office/powerpoint/2010/main" val="265549671"/>
+      </p:ext>
+    </p:extLst>
+  </p:cSld>
+  <p:clrMapOvr>
+    <a:masterClrMapping/>
+  </p:clrMapOvr>
+  <p:timing>
+    <p:tnLst>
+      <p:par>
+        <p:cTn id="1" dur="indefinite" restart="never" nodeType="tmRoot"/>
+      </p:par>
+    </p:tnLst>
+  </p:timing>
+</p:sld>
+</file>
+
+<file path=ppt/slides/slide31.xml><?xml version="1.0" encoding="utf-8"?>
+<p:sld xmlns:a="http://schemas.openxmlformats.org/drawingml/2006/main" xmlns:r="http://schemas.openxmlformats.org/officeDocument/2006/relationships" xmlns:p="http://schemas.openxmlformats.org/presentationml/2006/main">
+  <p:cSld>
+    <p:spTree>
+      <p:nvGrpSpPr>
+        <p:cNvPr id="1" name=""/>
+        <p:cNvGrpSpPr/>
+        <p:nvPr/>
+      </p:nvGrpSpPr>
+      <p:grpSpPr>
+        <a:xfrm>
+          <a:off x="0" y="0"/>
+          <a:ext cx="0" cy="0"/>
+          <a:chOff x="0" y="0"/>
+          <a:chExt cx="0" cy="0"/>
+        </a:xfrm>
+      </p:grpSpPr>
+      <p:sp>
+        <p:nvSpPr>
+          <p:cNvPr id="2" name="Title 1"/>
+          <p:cNvSpPr>
+            <a:spLocks noGrp="1"/>
+          </p:cNvSpPr>
+          <p:nvPr>
+            <p:ph type="title"/>
+          </p:nvPr>
+        </p:nvSpPr>
+        <p:spPr/>
+        <p:txBody>
+          <a:bodyPr/>
+          <a:lstStyle/>
+          <a:p>
+            <a:r>
+              <a:rPr lang="sr-Latn-RS" dirty="0" smtClean="0"/>
+              <a:t>MongoDB</a:t>
+            </a:r>
+            <a:endParaRPr lang="en-GB" dirty="0"/>
+          </a:p>
+        </p:txBody>
+      </p:sp>
+      <p:sp>
+        <p:nvSpPr>
+          <p:cNvPr id="3" name="Content Placeholder 2"/>
+          <p:cNvSpPr>
+            <a:spLocks noGrp="1"/>
+          </p:cNvSpPr>
+          <p:nvPr>
+            <p:ph idx="1"/>
+          </p:nvPr>
+        </p:nvSpPr>
+        <p:spPr/>
+        <p:txBody>
+          <a:bodyPr>
+            <a:normAutofit fontScale="92500" lnSpcReduction="20000"/>
+          </a:bodyPr>
+          <a:lstStyle/>
+          <a:p>
+            <a:r>
+              <a:rPr lang="sr-Latn-RS" dirty="0" smtClean="0"/>
+              <a:t>Kros-platformska dokument orjentisana baza podataka</a:t>
+            </a:r>
+          </a:p>
+          <a:p>
+            <a:r>
+              <a:rPr lang="sr-Latn-RS" dirty="0" smtClean="0"/>
+              <a:t>Dokumenti su u BSON formatu</a:t>
+            </a:r>
+          </a:p>
+          <a:p>
+            <a:pPr lvl="1"/>
+            <a:r>
+              <a:rPr lang="sr-Latn-RS" dirty="0" smtClean="0"/>
+              <a:t>Binarna reprezentacija jednostavnih struktura podataka i asocijativnih listi </a:t>
+            </a:r>
+          </a:p>
+          <a:p>
+            <a:pPr lvl="1"/>
+            <a:r>
+              <a:rPr lang="sr-Latn-RS" dirty="0" smtClean="0"/>
+              <a:t>JSON-like (BSON – </a:t>
+            </a:r>
+            <a:r>
+              <a:rPr lang="sr-Latn-RS" b="1" dirty="0" smtClean="0"/>
+              <a:t>B</a:t>
+            </a:r>
+            <a:r>
+              <a:rPr lang="sr-Latn-RS" dirty="0" smtClean="0"/>
+              <a:t>inary J</a:t>
+            </a:r>
+            <a:r>
+              <a:rPr lang="sr-Latn-RS" b="1" dirty="0" smtClean="0"/>
+              <a:t>SON</a:t>
+            </a:r>
+            <a:r>
+              <a:rPr lang="sr-Latn-RS" dirty="0" smtClean="0"/>
+              <a:t>)</a:t>
+            </a:r>
+          </a:p>
+          <a:p>
+            <a:r>
+              <a:rPr lang="sr-Latn-RS" dirty="0" smtClean="0"/>
+              <a:t>Najpopularniji NoSQL DBMS, od jula 2015. četvrta po popularnosti DBMS </a:t>
+            </a:r>
+            <a:r>
+              <a:rPr lang="sr-Latn-RS" dirty="0"/>
+              <a:t>(</a:t>
+            </a:r>
+            <a:r>
+              <a:rPr lang="sr-Latn-RS" dirty="0" smtClean="0"/>
+              <a:t>posle Oracle</a:t>
+            </a:r>
+            <a:r>
+              <a:rPr lang="sr-Latn-RS" dirty="0"/>
+              <a:t>, </a:t>
+            </a:r>
+            <a:r>
+              <a:rPr lang="sr-Latn-RS" dirty="0" smtClean="0"/>
+              <a:t>MySQL </a:t>
+            </a:r>
+            <a:r>
+              <a:rPr lang="sr-Latn-RS" dirty="0"/>
+              <a:t>i Microsoft SQL Server</a:t>
+            </a:r>
+            <a:r>
+              <a:rPr lang="sr-Latn-RS" dirty="0" smtClean="0"/>
+              <a:t>)</a:t>
+            </a:r>
+          </a:p>
+          <a:p>
+            <a:r>
+              <a:rPr lang="sr-Latn-RS" dirty="0" smtClean="0"/>
+              <a:t>Odlična podrška u Node.js aplikacijama (deo MEAN stack-a)</a:t>
+            </a:r>
+            <a:endParaRPr lang="en-GB" dirty="0"/>
+          </a:p>
+        </p:txBody>
+      </p:sp>
+    </p:spTree>
+    <p:extLst>
+      <p:ext uri="{BB962C8B-B14F-4D97-AF65-F5344CB8AC3E}">
+        <p14:creationId xmlns:p14="http://schemas.microsoft.com/office/powerpoint/2010/main" val="418418431"/>
+      </p:ext>
+    </p:extLst>
+  </p:cSld>
+  <p:clrMapOvr>
+    <a:masterClrMapping/>
+  </p:clrMapOvr>
+  <p:timing>
+    <p:tnLst>
+      <p:par>
+        <p:cTn id="1" dur="indefinite" restart="never" nodeType="tmRoot"/>
+      </p:par>
+    </p:tnLst>
+  </p:timing>
+</p:sld>
+</file>
+
+<file path=ppt/slides/slide32.xml><?xml version="1.0" encoding="utf-8"?>
+<p:sld xmlns:a="http://schemas.openxmlformats.org/drawingml/2006/main" xmlns:r="http://schemas.openxmlformats.org/officeDocument/2006/relationships" xmlns:p="http://schemas.openxmlformats.org/presentationml/2006/main">
+  <p:cSld>
+    <p:spTree>
+      <p:nvGrpSpPr>
+        <p:cNvPr id="1" name=""/>
+        <p:cNvGrpSpPr/>
+        <p:nvPr/>
+      </p:nvGrpSpPr>
+      <p:grpSpPr>
+        <a:xfrm>
+          <a:off x="0" y="0"/>
+          <a:ext cx="0" cy="0"/>
+          <a:chOff x="0" y="0"/>
+          <a:chExt cx="0" cy="0"/>
+        </a:xfrm>
+      </p:grpSpPr>
+      <p:sp>
+        <p:nvSpPr>
+          <p:cNvPr id="2" name="Title 1"/>
+          <p:cNvSpPr>
+            <a:spLocks noGrp="1"/>
+          </p:cNvSpPr>
+          <p:nvPr>
+            <p:ph type="title"/>
+          </p:nvPr>
+        </p:nvSpPr>
+        <p:spPr/>
+        <p:txBody>
+          <a:bodyPr/>
+          <a:lstStyle/>
+          <a:p>
+            <a:r>
+              <a:rPr lang="sr-Latn-RS" dirty="0" smtClean="0"/>
+              <a:t>MongoDB</a:t>
+            </a:r>
+            <a:endParaRPr lang="en-GB" dirty="0"/>
+          </a:p>
+        </p:txBody>
+      </p:sp>
+      <p:pic>
+        <p:nvPicPr>
+          <p:cNvPr id="1027" name="Picture 3"/>
+          <p:cNvPicPr>
+            <a:picLocks noChangeAspect="1" noChangeArrowheads="1"/>
+          </p:cNvPicPr>
+          <p:nvPr/>
+        </p:nvPicPr>
+        <p:blipFill>
+          <a:blip r:embed="rId2">
+            <a:extLst>
+              <a:ext uri="{28A0092B-C50C-407E-A947-70E740481C1C}">
+                <a14:useLocalDpi xmlns:a14="http://schemas.microsoft.com/office/drawing/2010/main" val="0"/>
+              </a:ext>
+            </a:extLst>
+          </a:blip>
+          <a:srcRect/>
+          <a:stretch>
+            <a:fillRect/>
+          </a:stretch>
+        </p:blipFill>
+        <p:spPr bwMode="auto">
+          <a:xfrm>
+            <a:off x="5832030" y="1676400"/>
+            <a:ext cx="2930970" cy="4619625"/>
+          </a:xfrm>
+          <a:prstGeom prst="rect">
+            <a:avLst/>
+          </a:prstGeom>
+          <a:noFill/>
+          <a:ln>
+            <a:noFill/>
+          </a:ln>
+          <a:extLst>
+            <a:ext uri="{909E8E84-426E-40DD-AFC4-6F175D3DCCD1}">
+              <a14:hiddenFill xmlns:a14="http://schemas.microsoft.com/office/drawing/2010/main">
+                <a:solidFill>
+                  <a:schemeClr val="accent1"/>
+                </a:solidFill>
+              </a14:hiddenFill>
+            </a:ext>
+            <a:ext uri="{91240B29-F687-4F45-9708-019B960494DF}">
+              <a14:hiddenLine xmlns:a14="http://schemas.microsoft.com/office/drawing/2010/main" w="9525">
+                <a:solidFill>
+                  <a:schemeClr val="tx1"/>
+                </a:solidFill>
+                <a:miter lim="800000"/>
+                <a:headEnd/>
+                <a:tailEnd/>
+              </a14:hiddenLine>
+            </a:ext>
+          </a:extLst>
+        </p:spPr>
+      </p:pic>
+      <p:sp>
+        <p:nvSpPr>
+          <p:cNvPr id="4" name="TextBox 3"/>
+          <p:cNvSpPr txBox="1"/>
+          <p:nvPr/>
+        </p:nvSpPr>
+        <p:spPr>
+          <a:xfrm>
+            <a:off x="304800" y="1752600"/>
+            <a:ext cx="5325454" cy="2677656"/>
+          </a:xfrm>
+          <a:prstGeom prst="rect">
+            <a:avLst/>
+          </a:prstGeom>
+          <a:noFill/>
+        </p:spPr>
+        <p:txBody>
+          <a:bodyPr wrap="square" rtlCol="0">
+            <a:spAutoFit/>
+          </a:bodyPr>
+          <a:lstStyle/>
+          <a:p>
+            <a:pPr marL="285750" indent="-285750">
+              <a:buFont typeface="Arial" panose="020B0604020202020204" pitchFamily="34" charset="0"/>
+              <a:buChar char="•"/>
+            </a:pPr>
+            <a:r>
+              <a:rPr lang="sr-Latn-RS" sz="2400" dirty="0" smtClean="0"/>
+              <a:t>Svaka MongoDB instanca može da ima više baza podataka. </a:t>
+            </a:r>
+          </a:p>
+          <a:p>
+            <a:pPr marL="285750" indent="-285750">
+              <a:buFont typeface="Arial" panose="020B0604020202020204" pitchFamily="34" charset="0"/>
+              <a:buChar char="•"/>
+            </a:pPr>
+            <a:r>
+              <a:rPr lang="sr-Latn-RS" sz="2400" dirty="0" smtClean="0"/>
+              <a:t>Svaka baza podataka može da ima ima više kolekcija</a:t>
+            </a:r>
+          </a:p>
+          <a:p>
+            <a:pPr marL="285750" indent="-285750">
+              <a:buFont typeface="Arial" panose="020B0604020202020204" pitchFamily="34" charset="0"/>
+              <a:buChar char="•"/>
+            </a:pPr>
+            <a:r>
+              <a:rPr lang="sr-Latn-RS" sz="2400" dirty="0" smtClean="0"/>
+              <a:t>Svaka kolekcija može da ima više dokumenata</a:t>
+            </a:r>
+          </a:p>
+          <a:p>
+            <a:pPr marL="285750" indent="-285750">
+              <a:buFont typeface="Arial" panose="020B0604020202020204" pitchFamily="34" charset="0"/>
+              <a:buChar char="•"/>
+            </a:pPr>
+            <a:r>
+              <a:rPr lang="sr-Latn-RS" sz="2400" dirty="0" smtClean="0"/>
+              <a:t>Svaki dokument može da ima više polja</a:t>
+            </a:r>
+            <a:endParaRPr lang="en-GB" sz="2400" dirty="0"/>
+          </a:p>
+        </p:txBody>
+      </p:sp>
+    </p:spTree>
+    <p:extLst>
+      <p:ext uri="{BB962C8B-B14F-4D97-AF65-F5344CB8AC3E}">
+        <p14:creationId xmlns:p14="http://schemas.microsoft.com/office/powerpoint/2010/main" val="3479320507"/>
+      </p:ext>
+    </p:extLst>
+  </p:cSld>
+  <p:clrMapOvr>
+    <a:masterClrMapping/>
+  </p:clrMapOvr>
+  <p:timing>
+    <p:tnLst>
+      <p:par>
+        <p:cTn id="1" dur="indefinite" restart="never" nodeType="tmRoot"/>
+      </p:par>
+    </p:tnLst>
+  </p:timing>
+</p:sld>
+</file>
+
+<file path=ppt/slides/slide33.xml><?xml version="1.0" encoding="utf-8"?>
+<p:sld xmlns:a="http://schemas.openxmlformats.org/drawingml/2006/main" xmlns:r="http://schemas.openxmlformats.org/officeDocument/2006/relationships" xmlns:p="http://schemas.openxmlformats.org/presentationml/2006/main">
+  <p:cSld>
+    <p:spTree>
+      <p:nvGrpSpPr>
+        <p:cNvPr id="1" name=""/>
+        <p:cNvGrpSpPr/>
+        <p:nvPr/>
+      </p:nvGrpSpPr>
+      <p:grpSpPr>
+        <a:xfrm>
+          <a:off x="0" y="0"/>
+          <a:ext cx="0" cy="0"/>
+          <a:chOff x="0" y="0"/>
+          <a:chExt cx="0" cy="0"/>
+        </a:xfrm>
+      </p:grpSpPr>
+      <p:sp>
+        <p:nvSpPr>
+          <p:cNvPr id="2" name="Title 1"/>
+          <p:cNvSpPr>
+            <a:spLocks noGrp="1"/>
+          </p:cNvSpPr>
+          <p:nvPr>
+            <p:ph type="title"/>
+          </p:nvPr>
+        </p:nvSpPr>
+        <p:spPr/>
+        <p:txBody>
+          <a:bodyPr/>
+          <a:lstStyle/>
+          <a:p>
+            <a:r>
+              <a:rPr lang="sr-Latn-RS" dirty="0" smtClean="0"/>
+              <a:t>MongoDB</a:t>
+            </a:r>
+            <a:endParaRPr lang="en-GB" dirty="0"/>
+          </a:p>
+        </p:txBody>
+      </p:sp>
+      <p:sp>
+        <p:nvSpPr>
+          <p:cNvPr id="3" name="Content Placeholder 2"/>
+          <p:cNvSpPr>
+            <a:spLocks noGrp="1"/>
+          </p:cNvSpPr>
+          <p:nvPr>
+            <p:ph idx="1"/>
+          </p:nvPr>
+        </p:nvSpPr>
+        <p:spPr/>
+        <p:txBody>
+          <a:bodyPr>
+            <a:normAutofit fontScale="92500" lnSpcReduction="20000"/>
+          </a:bodyPr>
+          <a:lstStyle/>
+          <a:p>
+            <a:r>
+              <a:rPr lang="sr-Latn-RS" dirty="0" smtClean="0"/>
+              <a:t>Dokument: JSON dokument + par korisnih funkcionalnosti (na primer podrška za Date format)</a:t>
+            </a:r>
+          </a:p>
+          <a:p>
+            <a:r>
+              <a:rPr lang="sr-Latn-RS" dirty="0" smtClean="0"/>
+              <a:t>Kolekcija: kolekcija JSON dokumenata</a:t>
+            </a:r>
+          </a:p>
+          <a:p>
+            <a:pPr lvl="1"/>
+            <a:r>
+              <a:rPr lang="sr-Latn-RS" dirty="0" smtClean="0"/>
+              <a:t>Smeštanje dokumenata u istu kolekciju ne nameće shemu koju dokumenti moraju da zadovolje</a:t>
+            </a:r>
+          </a:p>
+          <a:p>
+            <a:pPr lvl="1"/>
+            <a:r>
+              <a:rPr lang="sr-Latn-RS" dirty="0" smtClean="0"/>
+              <a:t>Odsustvo sheme omogućuje da se jednostavno prave izmene u formatu dokumenata</a:t>
+            </a:r>
+          </a:p>
+          <a:p>
+            <a:pPr lvl="2"/>
+            <a:r>
+              <a:rPr lang="sr-Latn-RS" dirty="0" smtClean="0"/>
+              <a:t>Nedisciplinovanost u korišćenju ove osobine može da izazove velike probleme</a:t>
+            </a:r>
+          </a:p>
+          <a:p>
+            <a:r>
+              <a:rPr lang="sr-Latn-RS" dirty="0" smtClean="0"/>
+              <a:t>Baza podataka je skup kolekcija</a:t>
+            </a:r>
+            <a:endParaRPr lang="en-GB" dirty="0"/>
+          </a:p>
+        </p:txBody>
+      </p:sp>
+    </p:spTree>
+    <p:extLst>
+      <p:ext uri="{BB962C8B-B14F-4D97-AF65-F5344CB8AC3E}">
+        <p14:creationId xmlns:p14="http://schemas.microsoft.com/office/powerpoint/2010/main" val="3034293236"/>
+      </p:ext>
+    </p:extLst>
+  </p:cSld>
+  <p:clrMapOvr>
+    <a:masterClrMapping/>
+  </p:clrMapOvr>
+  <p:timing>
+    <p:tnLst>
+      <p:par>
+        <p:cTn id="1" dur="indefinite" restart="never" nodeType="tmRoot"/>
+      </p:par>
+    </p:tnLst>
+  </p:timing>
+</p:sld>
+</file>
+
+<file path=ppt/slides/slide34.xml><?xml version="1.0" encoding="utf-8"?>
+<p:sld xmlns:a="http://schemas.openxmlformats.org/drawingml/2006/main" xmlns:r="http://schemas.openxmlformats.org/officeDocument/2006/relationships" xmlns:p="http://schemas.openxmlformats.org/presentationml/2006/main">
+  <p:cSld>
+    <p:spTree>
+      <p:nvGrpSpPr>
+        <p:cNvPr id="1" name=""/>
+        <p:cNvGrpSpPr/>
+        <p:nvPr/>
+      </p:nvGrpSpPr>
+      <p:grpSpPr>
+        <a:xfrm>
+          <a:off x="0" y="0"/>
+          <a:ext cx="0" cy="0"/>
+          <a:chOff x="0" y="0"/>
+          <a:chExt cx="0" cy="0"/>
+        </a:xfrm>
+      </p:grpSpPr>
+      <p:sp>
+        <p:nvSpPr>
+          <p:cNvPr id="2" name="Title 1"/>
+          <p:cNvSpPr>
+            <a:spLocks noGrp="1"/>
+          </p:cNvSpPr>
+          <p:nvPr>
+            <p:ph type="title"/>
+          </p:nvPr>
+        </p:nvSpPr>
+        <p:spPr/>
+        <p:txBody>
+          <a:bodyPr/>
+          <a:lstStyle/>
+          <a:p>
+            <a:r>
+              <a:rPr lang="sr-Latn-RS" dirty="0" smtClean="0"/>
+              <a:t>MongoDB identitet dokumenta</a:t>
+            </a:r>
+            <a:endParaRPr lang="en-GB" dirty="0"/>
+          </a:p>
+        </p:txBody>
+      </p:sp>
+      <p:sp>
+        <p:nvSpPr>
+          <p:cNvPr id="3" name="Content Placeholder 2"/>
+          <p:cNvSpPr>
+            <a:spLocks noGrp="1"/>
+          </p:cNvSpPr>
+          <p:nvPr>
+            <p:ph idx="1"/>
+          </p:nvPr>
+        </p:nvSpPr>
+        <p:spPr/>
+        <p:txBody>
+          <a:bodyPr>
+            <a:normAutofit fontScale="92500" lnSpcReduction="20000"/>
+          </a:bodyPr>
+          <a:lstStyle/>
+          <a:p>
+            <a:r>
+              <a:rPr lang="sr-Latn-RS" sz="2800" dirty="0" smtClean="0"/>
+              <a:t>Svaki dokument u kolekciji mora da ima vrednost za </a:t>
+            </a:r>
+            <a:r>
+              <a:rPr lang="sr-Latn-RS" sz="2800" dirty="0" smtClean="0">
+                <a:latin typeface="Courier New" panose="02070309020205020404" pitchFamily="49" charset="0"/>
+                <a:cs typeface="Courier New" panose="02070309020205020404" pitchFamily="49" charset="0"/>
+              </a:rPr>
+              <a:t>_id</a:t>
+            </a:r>
+            <a:r>
+              <a:rPr lang="sr-Latn-RS" sz="2800" dirty="0" smtClean="0"/>
+              <a:t> polje</a:t>
+            </a:r>
+          </a:p>
+          <a:p>
+            <a:r>
+              <a:rPr lang="sr-Latn-RS" sz="2800" dirty="0" smtClean="0"/>
+              <a:t>Mora da bude jedinstvena na nivou kolekcije</a:t>
+            </a:r>
+          </a:p>
+          <a:p>
+            <a:r>
+              <a:rPr lang="sr-Latn-RS" sz="2800" dirty="0" smtClean="0"/>
+              <a:t>Ukoliko se ne postavi vrednost za </a:t>
+            </a:r>
+            <a:r>
+              <a:rPr lang="sr-Latn-RS" sz="2800" dirty="0" smtClean="0">
+                <a:latin typeface="Courier New" panose="02070309020205020404" pitchFamily="49" charset="0"/>
+                <a:cs typeface="Courier New" panose="02070309020205020404" pitchFamily="49" charset="0"/>
+              </a:rPr>
+              <a:t>_id</a:t>
+            </a:r>
+            <a:r>
+              <a:rPr lang="sr-Latn-RS" sz="2800" dirty="0" smtClean="0"/>
+              <a:t>, MongoDB postavlja automatski generisani </a:t>
+            </a:r>
+            <a:r>
+              <a:rPr lang="sr-Latn-RS" sz="2800" dirty="0" smtClean="0">
+                <a:latin typeface="Courier New" panose="02070309020205020404" pitchFamily="49" charset="0"/>
+                <a:cs typeface="Courier New" panose="02070309020205020404" pitchFamily="49" charset="0"/>
+              </a:rPr>
+              <a:t>ObjectID</a:t>
+            </a:r>
+          </a:p>
+          <a:p>
+            <a:pPr lvl="1"/>
+            <a:r>
+              <a:rPr lang="sr-Latn-RS" sz="2400" dirty="0" smtClean="0"/>
+              <a:t>Heksadecimalni 24-cifreni broj</a:t>
+            </a:r>
+          </a:p>
+          <a:p>
+            <a:pPr lvl="1"/>
+            <a:r>
+              <a:rPr lang="en-GB" sz="2000" dirty="0" smtClean="0"/>
+              <a:t>539ed1d9f7da431c00026e1</a:t>
+            </a:r>
+            <a:r>
+              <a:rPr lang="sr-Latn-RS" sz="2000" dirty="0" smtClean="0"/>
+              <a:t>8</a:t>
+            </a:r>
+            <a:endParaRPr lang="sr-Latn-RS" sz="2400" dirty="0" smtClean="0"/>
+          </a:p>
+          <a:p>
+            <a:pPr lvl="1"/>
+            <a:endParaRPr lang="sr-Latn-RS" sz="2400" dirty="0"/>
+          </a:p>
+          <a:p>
+            <a:pPr lvl="1"/>
+            <a:endParaRPr lang="sr-Latn-RS" sz="2400" dirty="0" smtClean="0"/>
+          </a:p>
+          <a:p>
+            <a:r>
+              <a:rPr lang="sr-Latn-RS" sz="3000" dirty="0" smtClean="0"/>
+              <a:t>Zašt ne autoinkrement?</a:t>
+            </a:r>
+          </a:p>
+          <a:p>
+            <a:pPr lvl="1"/>
+            <a:r>
+              <a:rPr lang="sr-Latn-RS" sz="2600" dirty="0" smtClean="0"/>
+              <a:t>Teško je koristiti autoinkrement u distribuiranim sistemima (kako da znamo koja bila prošla vrednost ako je baza distribuirana?)</a:t>
+            </a:r>
+            <a:endParaRPr lang="en-GB" sz="2600" dirty="0"/>
+          </a:p>
+        </p:txBody>
+      </p:sp>
+      <p:pic>
+        <p:nvPicPr>
+          <p:cNvPr id="2050" name="Picture 2"/>
+          <p:cNvPicPr>
+            <a:picLocks noChangeAspect="1" noChangeArrowheads="1"/>
+          </p:cNvPicPr>
+          <p:nvPr/>
+        </p:nvPicPr>
+        <p:blipFill>
+          <a:blip r:embed="rId2">
+            <a:extLst>
+              <a:ext uri="{28A0092B-C50C-407E-A947-70E740481C1C}">
+                <a14:useLocalDpi xmlns:a14="http://schemas.microsoft.com/office/drawing/2010/main" val="0"/>
+              </a:ext>
+            </a:extLst>
+          </a:blip>
+          <a:srcRect/>
+          <a:stretch>
+            <a:fillRect/>
+          </a:stretch>
+        </p:blipFill>
+        <p:spPr bwMode="auto">
+          <a:xfrm>
+            <a:off x="763603" y="4038600"/>
+            <a:ext cx="7694597" cy="676679"/>
+          </a:xfrm>
+          <a:prstGeom prst="rect">
+            <a:avLst/>
+          </a:prstGeom>
+          <a:noFill/>
+          <a:ln>
+            <a:noFill/>
+          </a:ln>
+          <a:extLst>
+            <a:ext uri="{909E8E84-426E-40DD-AFC4-6F175D3DCCD1}">
+              <a14:hiddenFill xmlns:a14="http://schemas.microsoft.com/office/drawing/2010/main">
+                <a:solidFill>
+                  <a:schemeClr val="accent1"/>
+                </a:solidFill>
+              </a14:hiddenFill>
+            </a:ext>
+            <a:ext uri="{91240B29-F687-4F45-9708-019B960494DF}">
+              <a14:hiddenLine xmlns:a14="http://schemas.microsoft.com/office/drawing/2010/main" w="9525">
+                <a:solidFill>
+                  <a:schemeClr val="tx1"/>
+                </a:solidFill>
+                <a:miter lim="800000"/>
+                <a:headEnd/>
+                <a:tailEnd/>
+              </a14:hiddenLine>
+            </a:ext>
+          </a:extLst>
+        </p:spPr>
+      </p:pic>
+    </p:spTree>
+    <p:extLst>
+      <p:ext uri="{BB962C8B-B14F-4D97-AF65-F5344CB8AC3E}">
+        <p14:creationId xmlns:p14="http://schemas.microsoft.com/office/powerpoint/2010/main" val="1879179549"/>
+      </p:ext>
+    </p:extLst>
+  </p:cSld>
+  <p:clrMapOvr>
+    <a:masterClrMapping/>
+  </p:clrMapOvr>
+  <p:timing>
+    <p:tnLst>
+      <p:par>
+        <p:cTn id="1" dur="indefinite" restart="never" nodeType="tmRoot"/>
+      </p:par>
+    </p:tnLst>
+  </p:timing>
+</p:sld>
+</file>
+
+<file path=ppt/slides/slide35.xml><?xml version="1.0" encoding="utf-8"?>
+<p:sld xmlns:a="http://schemas.openxmlformats.org/drawingml/2006/main" xmlns:r="http://schemas.openxmlformats.org/officeDocument/2006/relationships" xmlns:p="http://schemas.openxmlformats.org/presentationml/2006/main">
+  <p:cSld>
+    <p:spTree>
+      <p:nvGrpSpPr>
+        <p:cNvPr id="1" name=""/>
+        <p:cNvGrpSpPr/>
+        <p:nvPr/>
+      </p:nvGrpSpPr>
+      <p:grpSpPr>
+        <a:xfrm>
+          <a:off x="0" y="0"/>
+          <a:ext cx="0" cy="0"/>
+          <a:chOff x="0" y="0"/>
+          <a:chExt cx="0" cy="0"/>
+        </a:xfrm>
+      </p:grpSpPr>
+      <p:sp>
+        <p:nvSpPr>
+          <p:cNvPr id="2" name="Title 1"/>
+          <p:cNvSpPr>
+            <a:spLocks noGrp="1"/>
+          </p:cNvSpPr>
+          <p:nvPr>
+            <p:ph type="title"/>
+          </p:nvPr>
+        </p:nvSpPr>
+        <p:spPr/>
+        <p:txBody>
+          <a:bodyPr/>
+          <a:lstStyle/>
+          <a:p>
+            <a:r>
+              <a:rPr lang="sr-Latn-RS" dirty="0" smtClean="0"/>
+              <a:t>MongoDB u Node.js aplikacijama</a:t>
+            </a:r>
+            <a:endParaRPr lang="en-GB" dirty="0"/>
+          </a:p>
+        </p:txBody>
+      </p:sp>
+      <p:sp>
+        <p:nvSpPr>
+          <p:cNvPr id="3" name="Content Placeholder 2"/>
+          <p:cNvSpPr>
+            <a:spLocks noGrp="1"/>
+          </p:cNvSpPr>
+          <p:nvPr>
+            <p:ph idx="1"/>
+          </p:nvPr>
+        </p:nvSpPr>
+        <p:spPr>
+          <a:xfrm>
+            <a:off x="457200" y="1219200"/>
+            <a:ext cx="8229600" cy="381000"/>
+          </a:xfrm>
+        </p:spPr>
+        <p:txBody>
+          <a:bodyPr>
+            <a:normAutofit fontScale="92500" lnSpcReduction="20000"/>
+          </a:bodyPr>
+          <a:lstStyle/>
+          <a:p>
+            <a:r>
+              <a:rPr lang="sr-Latn-RS" sz="2400" dirty="0">
+                <a:latin typeface="Courier New" panose="02070309020205020404" pitchFamily="49" charset="0"/>
+                <a:cs typeface="Courier New" panose="02070309020205020404" pitchFamily="49" charset="0"/>
+              </a:rPr>
+              <a:t>m</a:t>
+            </a:r>
+            <a:r>
+              <a:rPr lang="sr-Latn-RS" sz="2400" dirty="0" smtClean="0">
+                <a:latin typeface="Courier New" panose="02070309020205020404" pitchFamily="49" charset="0"/>
+                <a:cs typeface="Courier New" panose="02070309020205020404" pitchFamily="49" charset="0"/>
+              </a:rPr>
+              <a:t>ongodb</a:t>
+            </a:r>
+            <a:r>
+              <a:rPr lang="sr-Latn-RS" sz="2400" dirty="0" smtClean="0"/>
+              <a:t> paket (</a:t>
+            </a:r>
+            <a:r>
+              <a:rPr lang="en-GB" sz="2400" dirty="0" err="1">
+                <a:latin typeface="Courier New" panose="02070309020205020404" pitchFamily="49" charset="0"/>
+                <a:cs typeface="Courier New" panose="02070309020205020404" pitchFamily="49" charset="0"/>
+              </a:rPr>
+              <a:t>npm</a:t>
+            </a:r>
+            <a:r>
+              <a:rPr lang="en-GB" sz="2400" dirty="0">
+                <a:latin typeface="Courier New" panose="02070309020205020404" pitchFamily="49" charset="0"/>
+                <a:cs typeface="Courier New" panose="02070309020205020404" pitchFamily="49" charset="0"/>
+              </a:rPr>
+              <a:t> install </a:t>
+            </a:r>
+            <a:r>
+              <a:rPr lang="en-GB" sz="2400" dirty="0" err="1">
+                <a:latin typeface="Courier New" panose="02070309020205020404" pitchFamily="49" charset="0"/>
+                <a:cs typeface="Courier New" panose="02070309020205020404" pitchFamily="49" charset="0"/>
+              </a:rPr>
+              <a:t>mongodb</a:t>
+            </a:r>
+            <a:r>
+              <a:rPr lang="sr-Latn-RS" sz="2400" dirty="0" smtClean="0"/>
+              <a:t>)</a:t>
+            </a:r>
+          </a:p>
+        </p:txBody>
+      </p:sp>
+      <p:sp>
+        <p:nvSpPr>
+          <p:cNvPr id="4" name="Rectangle 3"/>
+          <p:cNvSpPr/>
+          <p:nvPr/>
+        </p:nvSpPr>
+        <p:spPr>
+          <a:xfrm>
+            <a:off x="0" y="1676400"/>
+            <a:ext cx="4572000" cy="4154984"/>
+          </a:xfrm>
+          <a:prstGeom prst="rect">
+            <a:avLst/>
+          </a:prstGeom>
+        </p:spPr>
+        <p:txBody>
+          <a:bodyPr>
+            <a:spAutoFit/>
+          </a:bodyPr>
+          <a:lstStyle/>
+          <a:p>
+            <a:r>
+              <a:rPr lang="en-GB" sz="1600" b="1" dirty="0" err="1">
+                <a:latin typeface="Courier New" panose="02070309020205020404" pitchFamily="49" charset="0"/>
+                <a:cs typeface="Courier New" panose="02070309020205020404" pitchFamily="49" charset="0"/>
+              </a:rPr>
+              <a:t>var</a:t>
+            </a:r>
+            <a:r>
+              <a:rPr lang="en-GB" sz="1600" b="1" dirty="0">
+                <a:latin typeface="Courier New" panose="02070309020205020404" pitchFamily="49" charset="0"/>
+                <a:cs typeface="Courier New" panose="02070309020205020404" pitchFamily="49" charset="0"/>
+              </a:rPr>
+              <a:t> </a:t>
+            </a:r>
+            <a:r>
+              <a:rPr lang="en-GB" sz="1600" b="1" dirty="0" err="1">
+                <a:latin typeface="Courier New" panose="02070309020205020404" pitchFamily="49" charset="0"/>
+                <a:cs typeface="Courier New" panose="02070309020205020404" pitchFamily="49" charset="0"/>
+              </a:rPr>
+              <a:t>MongoClient</a:t>
+            </a:r>
+            <a:r>
+              <a:rPr lang="en-GB" sz="1600" b="1" dirty="0">
+                <a:latin typeface="Courier New" panose="02070309020205020404" pitchFamily="49" charset="0"/>
+                <a:cs typeface="Courier New" panose="02070309020205020404" pitchFamily="49" charset="0"/>
+              </a:rPr>
+              <a:t> = require('</a:t>
+            </a:r>
+            <a:r>
+              <a:rPr lang="en-GB" sz="1600" b="1" dirty="0" err="1">
+                <a:latin typeface="Courier New" panose="02070309020205020404" pitchFamily="49" charset="0"/>
+                <a:cs typeface="Courier New" panose="02070309020205020404" pitchFamily="49" charset="0"/>
+              </a:rPr>
+              <a:t>mongodb</a:t>
+            </a:r>
+            <a:r>
+              <a:rPr lang="en-GB" sz="1600" b="1" dirty="0">
+                <a:latin typeface="Courier New" panose="02070309020205020404" pitchFamily="49" charset="0"/>
+                <a:cs typeface="Courier New" panose="02070309020205020404" pitchFamily="49" charset="0"/>
+              </a:rPr>
+              <a:t>').</a:t>
+            </a:r>
+            <a:r>
+              <a:rPr lang="en-GB" sz="1600" b="1" dirty="0" err="1">
+                <a:latin typeface="Courier New" panose="02070309020205020404" pitchFamily="49" charset="0"/>
+                <a:cs typeface="Courier New" panose="02070309020205020404" pitchFamily="49" charset="0"/>
+              </a:rPr>
+              <a:t>MongoClient</a:t>
+            </a:r>
+            <a:r>
+              <a:rPr lang="en-GB" sz="1600" b="1" dirty="0">
+                <a:latin typeface="Courier New" panose="02070309020205020404" pitchFamily="49" charset="0"/>
+                <a:cs typeface="Courier New" panose="02070309020205020404" pitchFamily="49" charset="0"/>
+              </a:rPr>
+              <a:t>;</a:t>
+            </a:r>
+          </a:p>
+          <a:p>
+            <a:r>
+              <a:rPr lang="en-GB" sz="1600" dirty="0" err="1">
+                <a:latin typeface="Courier New" panose="02070309020205020404" pitchFamily="49" charset="0"/>
+                <a:cs typeface="Courier New" panose="02070309020205020404" pitchFamily="49" charset="0"/>
+              </a:rPr>
+              <a:t>var</a:t>
+            </a:r>
+            <a:r>
+              <a:rPr lang="en-GB" sz="1600" dirty="0">
+                <a:latin typeface="Courier New" panose="02070309020205020404" pitchFamily="49" charset="0"/>
+                <a:cs typeface="Courier New" panose="02070309020205020404" pitchFamily="49" charset="0"/>
+              </a:rPr>
+              <a:t> </a:t>
+            </a:r>
+            <a:r>
+              <a:rPr lang="en-GB" sz="1600" dirty="0" err="1">
+                <a:latin typeface="Courier New" panose="02070309020205020404" pitchFamily="49" charset="0"/>
+                <a:cs typeface="Courier New" panose="02070309020205020404" pitchFamily="49" charset="0"/>
+              </a:rPr>
+              <a:t>demoPerson</a:t>
+            </a:r>
+            <a:r>
+              <a:rPr lang="en-GB" sz="1600" dirty="0">
+                <a:latin typeface="Courier New" panose="02070309020205020404" pitchFamily="49" charset="0"/>
+                <a:cs typeface="Courier New" panose="02070309020205020404" pitchFamily="49" charset="0"/>
+              </a:rPr>
+              <a:t> = {</a:t>
+            </a:r>
+          </a:p>
+          <a:p>
+            <a:r>
+              <a:rPr lang="en-GB" sz="1600" dirty="0">
+                <a:latin typeface="Courier New" panose="02070309020205020404" pitchFamily="49" charset="0"/>
+                <a:cs typeface="Courier New" panose="02070309020205020404" pitchFamily="49" charset="0"/>
+              </a:rPr>
+              <a:t>  name: '</a:t>
+            </a:r>
+            <a:r>
+              <a:rPr lang="en-GB" sz="1600" dirty="0" err="1">
+                <a:latin typeface="Courier New" panose="02070309020205020404" pitchFamily="49" charset="0"/>
+                <a:cs typeface="Courier New" panose="02070309020205020404" pitchFamily="49" charset="0"/>
+              </a:rPr>
+              <a:t>Pera</a:t>
+            </a:r>
+            <a:r>
+              <a:rPr lang="en-GB" sz="1600" dirty="0">
+                <a:latin typeface="Courier New" panose="02070309020205020404" pitchFamily="49" charset="0"/>
+                <a:cs typeface="Courier New" panose="02070309020205020404" pitchFamily="49" charset="0"/>
+              </a:rPr>
+              <a:t>',</a:t>
+            </a:r>
+          </a:p>
+          <a:p>
+            <a:r>
+              <a:rPr lang="en-GB" sz="1600" dirty="0">
+                <a:latin typeface="Courier New" panose="02070309020205020404" pitchFamily="49" charset="0"/>
+                <a:cs typeface="Courier New" panose="02070309020205020404" pitchFamily="49" charset="0"/>
+              </a:rPr>
+              <a:t>  </a:t>
+            </a:r>
+            <a:r>
+              <a:rPr lang="en-GB" sz="1600" dirty="0" err="1">
+                <a:latin typeface="Courier New" panose="02070309020205020404" pitchFamily="49" charset="0"/>
+                <a:cs typeface="Courier New" panose="02070309020205020404" pitchFamily="49" charset="0"/>
+              </a:rPr>
+              <a:t>lastName</a:t>
+            </a:r>
+            <a:r>
+              <a:rPr lang="en-GB" sz="1600" dirty="0">
+                <a:latin typeface="Courier New" panose="02070309020205020404" pitchFamily="49" charset="0"/>
+                <a:cs typeface="Courier New" panose="02070309020205020404" pitchFamily="49" charset="0"/>
+              </a:rPr>
+              <a:t>: '</a:t>
+            </a:r>
+            <a:r>
+              <a:rPr lang="en-GB" sz="1600" dirty="0" err="1">
+                <a:latin typeface="Courier New" panose="02070309020205020404" pitchFamily="49" charset="0"/>
+                <a:cs typeface="Courier New" panose="02070309020205020404" pitchFamily="49" charset="0"/>
+              </a:rPr>
+              <a:t>Peric</a:t>
+            </a:r>
+            <a:r>
+              <a:rPr lang="en-GB" sz="1600" dirty="0">
+                <a:latin typeface="Courier New" panose="02070309020205020404" pitchFamily="49" charset="0"/>
+                <a:cs typeface="Courier New" panose="02070309020205020404" pitchFamily="49" charset="0"/>
+              </a:rPr>
+              <a:t>'</a:t>
+            </a:r>
+          </a:p>
+          <a:p>
+            <a:r>
+              <a:rPr lang="en-GB" sz="1600" dirty="0">
+                <a:latin typeface="Courier New" panose="02070309020205020404" pitchFamily="49" charset="0"/>
+                <a:cs typeface="Courier New" panose="02070309020205020404" pitchFamily="49" charset="0"/>
+              </a:rPr>
+              <a:t>};</a:t>
+            </a:r>
+          </a:p>
+          <a:p>
+            <a:r>
+              <a:rPr lang="en-GB" sz="1600" dirty="0" err="1">
+                <a:latin typeface="Courier New" panose="02070309020205020404" pitchFamily="49" charset="0"/>
+                <a:cs typeface="Courier New" panose="02070309020205020404" pitchFamily="49" charset="0"/>
+              </a:rPr>
+              <a:t>var</a:t>
+            </a:r>
+            <a:r>
+              <a:rPr lang="en-GB" sz="1600" dirty="0">
+                <a:latin typeface="Courier New" panose="02070309020205020404" pitchFamily="49" charset="0"/>
+                <a:cs typeface="Courier New" panose="02070309020205020404" pitchFamily="49" charset="0"/>
+              </a:rPr>
+              <a:t> </a:t>
+            </a:r>
+            <a:r>
+              <a:rPr lang="en-GB" sz="1600" dirty="0" err="1">
+                <a:latin typeface="Courier New" panose="02070309020205020404" pitchFamily="49" charset="0"/>
+                <a:cs typeface="Courier New" panose="02070309020205020404" pitchFamily="49" charset="0"/>
+              </a:rPr>
+              <a:t>findKey</a:t>
+            </a:r>
+            <a:r>
+              <a:rPr lang="en-GB" sz="1600" dirty="0">
+                <a:latin typeface="Courier New" panose="02070309020205020404" pitchFamily="49" charset="0"/>
+                <a:cs typeface="Courier New" panose="02070309020205020404" pitchFamily="49" charset="0"/>
+              </a:rPr>
+              <a:t> = {</a:t>
+            </a:r>
+          </a:p>
+          <a:p>
+            <a:r>
+              <a:rPr lang="en-GB" sz="1600" dirty="0">
+                <a:latin typeface="Courier New" panose="02070309020205020404" pitchFamily="49" charset="0"/>
+                <a:cs typeface="Courier New" panose="02070309020205020404" pitchFamily="49" charset="0"/>
+              </a:rPr>
+              <a:t>  name: '</a:t>
+            </a:r>
+            <a:r>
+              <a:rPr lang="en-GB" sz="1600" dirty="0" err="1">
+                <a:latin typeface="Courier New" panose="02070309020205020404" pitchFamily="49" charset="0"/>
+                <a:cs typeface="Courier New" panose="02070309020205020404" pitchFamily="49" charset="0"/>
+              </a:rPr>
+              <a:t>Pera</a:t>
+            </a:r>
+            <a:r>
+              <a:rPr lang="en-GB" sz="1600" dirty="0">
+                <a:latin typeface="Courier New" panose="02070309020205020404" pitchFamily="49" charset="0"/>
+                <a:cs typeface="Courier New" panose="02070309020205020404" pitchFamily="49" charset="0"/>
+              </a:rPr>
+              <a:t>'</a:t>
+            </a:r>
+          </a:p>
+          <a:p>
+            <a:r>
+              <a:rPr lang="en-GB" sz="1600" dirty="0">
+                <a:latin typeface="Courier New" panose="02070309020205020404" pitchFamily="49" charset="0"/>
+                <a:cs typeface="Courier New" panose="02070309020205020404" pitchFamily="49" charset="0"/>
+              </a:rPr>
+              <a:t>};</a:t>
+            </a:r>
+          </a:p>
+          <a:p>
+            <a:r>
+              <a:rPr lang="en-GB" sz="1600" b="1" dirty="0" err="1">
+                <a:latin typeface="Courier New" panose="02070309020205020404" pitchFamily="49" charset="0"/>
+                <a:cs typeface="Courier New" panose="02070309020205020404" pitchFamily="49" charset="0"/>
+              </a:rPr>
+              <a:t>MongoClient.connect</a:t>
+            </a:r>
+            <a:r>
+              <a:rPr lang="en-GB" sz="1600" dirty="0">
+                <a:latin typeface="Courier New" panose="02070309020205020404" pitchFamily="49" charset="0"/>
+                <a:cs typeface="Courier New" panose="02070309020205020404" pitchFamily="49" charset="0"/>
+              </a:rPr>
+              <a:t>('</a:t>
+            </a:r>
+            <a:r>
+              <a:rPr lang="en-GB" sz="1600" dirty="0" err="1">
+                <a:latin typeface="Courier New" panose="02070309020205020404" pitchFamily="49" charset="0"/>
+                <a:cs typeface="Courier New" panose="02070309020205020404" pitchFamily="49" charset="0"/>
+              </a:rPr>
+              <a:t>mongodb</a:t>
+            </a:r>
+            <a:r>
+              <a:rPr lang="en-GB" sz="1600" dirty="0">
+                <a:latin typeface="Courier New" panose="02070309020205020404" pitchFamily="49" charset="0"/>
+                <a:cs typeface="Courier New" panose="02070309020205020404" pitchFamily="49" charset="0"/>
+              </a:rPr>
+              <a:t>://127.0.0.1:27017/demo', function(err, </a:t>
+            </a:r>
+            <a:r>
+              <a:rPr lang="en-GB" sz="1600" dirty="0" err="1">
+                <a:latin typeface="Courier New" panose="02070309020205020404" pitchFamily="49" charset="0"/>
+                <a:cs typeface="Courier New" panose="02070309020205020404" pitchFamily="49" charset="0"/>
+              </a:rPr>
+              <a:t>db</a:t>
+            </a:r>
+            <a:r>
+              <a:rPr lang="en-GB" sz="1600" dirty="0">
+                <a:latin typeface="Courier New" panose="02070309020205020404" pitchFamily="49" charset="0"/>
+                <a:cs typeface="Courier New" panose="02070309020205020404" pitchFamily="49" charset="0"/>
+              </a:rPr>
+              <a:t>) {</a:t>
+            </a:r>
+          </a:p>
+          <a:p>
+            <a:r>
+              <a:rPr lang="en-GB" sz="1600" dirty="0">
+                <a:latin typeface="Courier New" panose="02070309020205020404" pitchFamily="49" charset="0"/>
+                <a:cs typeface="Courier New" panose="02070309020205020404" pitchFamily="49" charset="0"/>
+              </a:rPr>
+              <a:t>  if (err) throw err;</a:t>
+            </a:r>
+          </a:p>
+          <a:p>
+            <a:r>
+              <a:rPr lang="en-GB" sz="1600" dirty="0">
+                <a:latin typeface="Courier New" panose="02070309020205020404" pitchFamily="49" charset="0"/>
+                <a:cs typeface="Courier New" panose="02070309020205020404" pitchFamily="49" charset="0"/>
+              </a:rPr>
+              <a:t>  </a:t>
+            </a:r>
+            <a:r>
+              <a:rPr lang="en-GB" sz="1600" dirty="0" err="1">
+                <a:latin typeface="Courier New" panose="02070309020205020404" pitchFamily="49" charset="0"/>
+                <a:cs typeface="Courier New" panose="02070309020205020404" pitchFamily="49" charset="0"/>
+              </a:rPr>
+              <a:t>var</a:t>
+            </a:r>
+            <a:r>
+              <a:rPr lang="en-GB" sz="1600" dirty="0">
+                <a:latin typeface="Courier New" panose="02070309020205020404" pitchFamily="49" charset="0"/>
+                <a:cs typeface="Courier New" panose="02070309020205020404" pitchFamily="49" charset="0"/>
+              </a:rPr>
+              <a:t> collection = </a:t>
+            </a:r>
+            <a:r>
+              <a:rPr lang="en-GB" sz="1600" b="1" dirty="0" err="1">
+                <a:latin typeface="Courier New" panose="02070309020205020404" pitchFamily="49" charset="0"/>
+                <a:cs typeface="Courier New" panose="02070309020205020404" pitchFamily="49" charset="0"/>
+              </a:rPr>
+              <a:t>db.collection</a:t>
+            </a:r>
+            <a:r>
+              <a:rPr lang="en-GB" sz="1600" b="1" dirty="0">
+                <a:latin typeface="Courier New" panose="02070309020205020404" pitchFamily="49" charset="0"/>
+                <a:cs typeface="Courier New" panose="02070309020205020404" pitchFamily="49" charset="0"/>
+              </a:rPr>
+              <a:t>('people');</a:t>
+            </a:r>
+          </a:p>
+          <a:p>
+            <a:r>
+              <a:rPr lang="en-GB" sz="1600" dirty="0">
+                <a:latin typeface="Courier New" panose="02070309020205020404" pitchFamily="49" charset="0"/>
+                <a:cs typeface="Courier New" panose="02070309020205020404" pitchFamily="49" charset="0"/>
+              </a:rPr>
+              <a:t>  </a:t>
+            </a:r>
+          </a:p>
+        </p:txBody>
+      </p:sp>
+      <p:sp>
+        <p:nvSpPr>
+          <p:cNvPr id="5" name="Rectangle 4"/>
+          <p:cNvSpPr/>
+          <p:nvPr/>
+        </p:nvSpPr>
+        <p:spPr>
+          <a:xfrm>
+            <a:off x="4495800" y="1676400"/>
+            <a:ext cx="4572000" cy="5016758"/>
+          </a:xfrm>
+          <a:prstGeom prst="rect">
+            <a:avLst/>
+          </a:prstGeom>
+        </p:spPr>
+        <p:txBody>
+          <a:bodyPr>
+            <a:spAutoFit/>
+          </a:bodyPr>
+          <a:lstStyle/>
+          <a:p>
+            <a:r>
+              <a:rPr lang="en-GB" sz="1600" b="1" dirty="0" err="1">
+                <a:latin typeface="Courier New" panose="02070309020205020404" pitchFamily="49" charset="0"/>
+                <a:cs typeface="Courier New" panose="02070309020205020404" pitchFamily="49" charset="0"/>
+              </a:rPr>
+              <a:t>collection.insert</a:t>
+            </a:r>
+            <a:r>
+              <a:rPr lang="en-GB" sz="1600" dirty="0">
+                <a:latin typeface="Courier New" panose="02070309020205020404" pitchFamily="49" charset="0"/>
+                <a:cs typeface="Courier New" panose="02070309020205020404" pitchFamily="49" charset="0"/>
+              </a:rPr>
+              <a:t>(</a:t>
+            </a:r>
+            <a:r>
+              <a:rPr lang="en-GB" sz="1600" dirty="0" err="1">
+                <a:latin typeface="Courier New" panose="02070309020205020404" pitchFamily="49" charset="0"/>
+                <a:cs typeface="Courier New" panose="02070309020205020404" pitchFamily="49" charset="0"/>
+              </a:rPr>
+              <a:t>demoPerson</a:t>
+            </a:r>
+            <a:r>
+              <a:rPr lang="en-GB" sz="1600" dirty="0">
+                <a:latin typeface="Courier New" panose="02070309020205020404" pitchFamily="49" charset="0"/>
+                <a:cs typeface="Courier New" panose="02070309020205020404" pitchFamily="49" charset="0"/>
+              </a:rPr>
+              <a:t>, function(err, docs) {</a:t>
+            </a:r>
+          </a:p>
+          <a:p>
+            <a:r>
+              <a:rPr lang="en-GB" sz="1600" dirty="0">
+                <a:latin typeface="Courier New" panose="02070309020205020404" pitchFamily="49" charset="0"/>
+                <a:cs typeface="Courier New" panose="02070309020205020404" pitchFamily="49" charset="0"/>
+              </a:rPr>
+              <a:t>    </a:t>
+            </a:r>
+            <a:r>
+              <a:rPr lang="en-GB" sz="1600" dirty="0" err="1">
+                <a:latin typeface="Courier New" panose="02070309020205020404" pitchFamily="49" charset="0"/>
+                <a:cs typeface="Courier New" panose="02070309020205020404" pitchFamily="49" charset="0"/>
+              </a:rPr>
+              <a:t>demoPerson.lastName</a:t>
+            </a:r>
+            <a:r>
+              <a:rPr lang="en-GB" sz="1600" dirty="0">
+                <a:latin typeface="Courier New" panose="02070309020205020404" pitchFamily="49" charset="0"/>
+                <a:cs typeface="Courier New" panose="02070309020205020404" pitchFamily="49" charset="0"/>
+              </a:rPr>
+              <a:t> = '</a:t>
+            </a:r>
+            <a:r>
+              <a:rPr lang="en-GB" sz="1600" dirty="0" err="1">
+                <a:latin typeface="Courier New" panose="02070309020205020404" pitchFamily="49" charset="0"/>
+                <a:cs typeface="Courier New" panose="02070309020205020404" pitchFamily="49" charset="0"/>
+              </a:rPr>
+              <a:t>Petrovic</a:t>
+            </a:r>
+            <a:r>
+              <a:rPr lang="en-GB" sz="1600" dirty="0">
+                <a:latin typeface="Courier New" panose="02070309020205020404" pitchFamily="49" charset="0"/>
+                <a:cs typeface="Courier New" panose="02070309020205020404" pitchFamily="49" charset="0"/>
+              </a:rPr>
+              <a:t>';</a:t>
+            </a:r>
+          </a:p>
+          <a:p>
+            <a:r>
+              <a:rPr lang="en-GB" sz="1600" dirty="0">
+                <a:latin typeface="Courier New" panose="02070309020205020404" pitchFamily="49" charset="0"/>
+                <a:cs typeface="Courier New" panose="02070309020205020404" pitchFamily="49" charset="0"/>
+              </a:rPr>
+              <a:t>    </a:t>
+            </a:r>
+            <a:r>
+              <a:rPr lang="en-GB" sz="1600" b="1" dirty="0" err="1">
+                <a:latin typeface="Courier New" panose="02070309020205020404" pitchFamily="49" charset="0"/>
+                <a:cs typeface="Courier New" panose="02070309020205020404" pitchFamily="49" charset="0"/>
+              </a:rPr>
+              <a:t>collection.save</a:t>
+            </a:r>
+            <a:r>
+              <a:rPr lang="en-GB" sz="1600" dirty="0">
+                <a:latin typeface="Courier New" panose="02070309020205020404" pitchFamily="49" charset="0"/>
+                <a:cs typeface="Courier New" panose="02070309020205020404" pitchFamily="49" charset="0"/>
+              </a:rPr>
+              <a:t>(</a:t>
+            </a:r>
+            <a:r>
+              <a:rPr lang="en-GB" sz="1600" dirty="0" err="1">
+                <a:latin typeface="Courier New" panose="02070309020205020404" pitchFamily="49" charset="0"/>
+                <a:cs typeface="Courier New" panose="02070309020205020404" pitchFamily="49" charset="0"/>
+              </a:rPr>
+              <a:t>demoPerson</a:t>
+            </a:r>
+            <a:r>
+              <a:rPr lang="en-GB" sz="1600" dirty="0">
+                <a:latin typeface="Courier New" panose="02070309020205020404" pitchFamily="49" charset="0"/>
+                <a:cs typeface="Courier New" panose="02070309020205020404" pitchFamily="49" charset="0"/>
+              </a:rPr>
+              <a:t>, function(err) {</a:t>
+            </a:r>
+          </a:p>
+          <a:p>
+            <a:r>
+              <a:rPr lang="en-GB" sz="1600" dirty="0">
+                <a:latin typeface="Courier New" panose="02070309020205020404" pitchFamily="49" charset="0"/>
+                <a:cs typeface="Courier New" panose="02070309020205020404" pitchFamily="49" charset="0"/>
+              </a:rPr>
+              <a:t>      console.log('Updated');</a:t>
+            </a:r>
+          </a:p>
+          <a:p>
+            <a:endParaRPr lang="sr-Latn-RS" sz="1600" dirty="0">
+              <a:latin typeface="Courier New" panose="02070309020205020404" pitchFamily="49" charset="0"/>
+              <a:cs typeface="Courier New" panose="02070309020205020404" pitchFamily="49" charset="0"/>
+            </a:endParaRPr>
+          </a:p>
+          <a:p>
+            <a:r>
+              <a:rPr lang="en-GB" sz="1600" b="1" dirty="0" err="1" smtClean="0">
+                <a:latin typeface="Courier New" panose="02070309020205020404" pitchFamily="49" charset="0"/>
+                <a:cs typeface="Courier New" panose="02070309020205020404" pitchFamily="49" charset="0"/>
+              </a:rPr>
+              <a:t>collection.find</a:t>
+            </a:r>
+            <a:r>
+              <a:rPr lang="en-GB" sz="1600" dirty="0" smtClean="0">
+                <a:latin typeface="Courier New" panose="02070309020205020404" pitchFamily="49" charset="0"/>
+                <a:cs typeface="Courier New" panose="02070309020205020404" pitchFamily="49" charset="0"/>
+              </a:rPr>
+              <a:t>(</a:t>
+            </a:r>
+            <a:r>
+              <a:rPr lang="en-GB" sz="1600" dirty="0" err="1" smtClean="0">
+                <a:latin typeface="Courier New" panose="02070309020205020404" pitchFamily="49" charset="0"/>
+                <a:cs typeface="Courier New" panose="02070309020205020404" pitchFamily="49" charset="0"/>
+              </a:rPr>
+              <a:t>findKey</a:t>
+            </a:r>
+            <a:r>
+              <a:rPr lang="en-GB" sz="1600" dirty="0">
+                <a:latin typeface="Courier New" panose="02070309020205020404" pitchFamily="49" charset="0"/>
+                <a:cs typeface="Courier New" panose="02070309020205020404" pitchFamily="49" charset="0"/>
+              </a:rPr>
+              <a:t>).</a:t>
+            </a:r>
+            <a:r>
+              <a:rPr lang="en-GB" sz="1600" dirty="0" err="1" smtClean="0">
+                <a:latin typeface="Courier New" panose="02070309020205020404" pitchFamily="49" charset="0"/>
+                <a:cs typeface="Courier New" panose="02070309020205020404" pitchFamily="49" charset="0"/>
+              </a:rPr>
+              <a:t>toArray</a:t>
+            </a:r>
+            <a:r>
+              <a:rPr lang="en-GB" sz="1600" dirty="0" smtClean="0">
+                <a:latin typeface="Courier New" panose="02070309020205020404" pitchFamily="49" charset="0"/>
+                <a:cs typeface="Courier New" panose="02070309020205020404" pitchFamily="49" charset="0"/>
+              </a:rPr>
+              <a:t>(</a:t>
+            </a:r>
+            <a:r>
+              <a:rPr lang="sr-Latn-RS" sz="1600" dirty="0" smtClean="0">
+                <a:latin typeface="Courier New" panose="02070309020205020404" pitchFamily="49" charset="0"/>
+                <a:cs typeface="Courier New" panose="02070309020205020404" pitchFamily="49" charset="0"/>
+              </a:rPr>
+              <a:t> </a:t>
+            </a:r>
+            <a:r>
+              <a:rPr lang="en-GB" sz="1600" dirty="0" smtClean="0">
+                <a:latin typeface="Courier New" panose="02070309020205020404" pitchFamily="49" charset="0"/>
+                <a:cs typeface="Courier New" panose="02070309020205020404" pitchFamily="49" charset="0"/>
+              </a:rPr>
+              <a:t>function(err</a:t>
+            </a:r>
+            <a:r>
+              <a:rPr lang="en-GB" sz="1600" dirty="0">
+                <a:latin typeface="Courier New" panose="02070309020205020404" pitchFamily="49" charset="0"/>
+                <a:cs typeface="Courier New" panose="02070309020205020404" pitchFamily="49" charset="0"/>
+              </a:rPr>
+              <a:t>, results) {</a:t>
+            </a:r>
+          </a:p>
+          <a:p>
+            <a:r>
+              <a:rPr lang="en-GB" sz="1600" dirty="0">
+                <a:latin typeface="Courier New" panose="02070309020205020404" pitchFamily="49" charset="0"/>
+                <a:cs typeface="Courier New" panose="02070309020205020404" pitchFamily="49" charset="0"/>
+              </a:rPr>
+              <a:t>        console.log(results);</a:t>
+            </a:r>
+          </a:p>
+          <a:p>
+            <a:r>
+              <a:rPr lang="en-GB" sz="1600" dirty="0">
+                <a:latin typeface="Courier New" panose="02070309020205020404" pitchFamily="49" charset="0"/>
+                <a:cs typeface="Courier New" panose="02070309020205020404" pitchFamily="49" charset="0"/>
+              </a:rPr>
+              <a:t>        // </a:t>
+            </a:r>
+            <a:r>
+              <a:rPr lang="en-GB" sz="1600" dirty="0" err="1">
+                <a:latin typeface="Courier New" panose="02070309020205020404" pitchFamily="49" charset="0"/>
+                <a:cs typeface="Courier New" panose="02070309020205020404" pitchFamily="49" charset="0"/>
+              </a:rPr>
+              <a:t>cleanup</a:t>
+            </a:r>
+            <a:endParaRPr lang="en-GB" sz="1600" dirty="0">
+              <a:latin typeface="Courier New" panose="02070309020205020404" pitchFamily="49" charset="0"/>
+              <a:cs typeface="Courier New" panose="02070309020205020404" pitchFamily="49" charset="0"/>
+            </a:endParaRPr>
+          </a:p>
+          <a:p>
+            <a:r>
+              <a:rPr lang="en-GB" sz="1600" dirty="0">
+                <a:latin typeface="Courier New" panose="02070309020205020404" pitchFamily="49" charset="0"/>
+                <a:cs typeface="Courier New" panose="02070309020205020404" pitchFamily="49" charset="0"/>
+              </a:rPr>
+              <a:t>        </a:t>
+            </a:r>
+            <a:r>
+              <a:rPr lang="en-GB" sz="1600" b="1" dirty="0" err="1">
+                <a:latin typeface="Courier New" panose="02070309020205020404" pitchFamily="49" charset="0"/>
+                <a:cs typeface="Courier New" panose="02070309020205020404" pitchFamily="49" charset="0"/>
+              </a:rPr>
+              <a:t>collection.drop</a:t>
+            </a:r>
+            <a:r>
+              <a:rPr lang="en-GB" sz="1600" dirty="0">
+                <a:latin typeface="Courier New" panose="02070309020205020404" pitchFamily="49" charset="0"/>
+                <a:cs typeface="Courier New" panose="02070309020205020404" pitchFamily="49" charset="0"/>
+              </a:rPr>
+              <a:t>(function() {</a:t>
+            </a:r>
+          </a:p>
+          <a:p>
+            <a:r>
+              <a:rPr lang="en-GB" sz="1600" dirty="0">
+                <a:latin typeface="Courier New" panose="02070309020205020404" pitchFamily="49" charset="0"/>
+                <a:cs typeface="Courier New" panose="02070309020205020404" pitchFamily="49" charset="0"/>
+              </a:rPr>
+              <a:t>          </a:t>
+            </a:r>
+            <a:r>
+              <a:rPr lang="en-GB" sz="1600" b="1" dirty="0" err="1">
+                <a:latin typeface="Courier New" panose="02070309020205020404" pitchFamily="49" charset="0"/>
+                <a:cs typeface="Courier New" panose="02070309020205020404" pitchFamily="49" charset="0"/>
+              </a:rPr>
+              <a:t>db.close</a:t>
+            </a:r>
+            <a:r>
+              <a:rPr lang="en-GB" sz="1600" dirty="0">
+                <a:latin typeface="Courier New" panose="02070309020205020404" pitchFamily="49" charset="0"/>
+                <a:cs typeface="Courier New" panose="02070309020205020404" pitchFamily="49" charset="0"/>
+              </a:rPr>
+              <a:t>();</a:t>
+            </a:r>
+          </a:p>
+          <a:p>
+            <a:r>
+              <a:rPr lang="en-GB" sz="1600" dirty="0">
+                <a:latin typeface="Courier New" panose="02070309020205020404" pitchFamily="49" charset="0"/>
+                <a:cs typeface="Courier New" panose="02070309020205020404" pitchFamily="49" charset="0"/>
+              </a:rPr>
+              <a:t>        });</a:t>
+            </a:r>
+          </a:p>
+          <a:p>
+            <a:r>
+              <a:rPr lang="en-GB" sz="1600" dirty="0">
+                <a:latin typeface="Courier New" panose="02070309020205020404" pitchFamily="49" charset="0"/>
+                <a:cs typeface="Courier New" panose="02070309020205020404" pitchFamily="49" charset="0"/>
+              </a:rPr>
+              <a:t>      });</a:t>
+            </a:r>
+          </a:p>
+          <a:p>
+            <a:r>
+              <a:rPr lang="en-GB" sz="1600" dirty="0">
+                <a:latin typeface="Courier New" panose="02070309020205020404" pitchFamily="49" charset="0"/>
+                <a:cs typeface="Courier New" panose="02070309020205020404" pitchFamily="49" charset="0"/>
+              </a:rPr>
+              <a:t>    });</a:t>
+            </a:r>
+          </a:p>
+          <a:p>
+            <a:r>
+              <a:rPr lang="en-GB" sz="1600" dirty="0">
+                <a:latin typeface="Courier New" panose="02070309020205020404" pitchFamily="49" charset="0"/>
+                <a:cs typeface="Courier New" panose="02070309020205020404" pitchFamily="49" charset="0"/>
+              </a:rPr>
+              <a:t>  });</a:t>
+            </a:r>
+          </a:p>
+          <a:p>
+            <a:r>
+              <a:rPr lang="en-GB" sz="1600" dirty="0">
+                <a:latin typeface="Courier New" panose="02070309020205020404" pitchFamily="49" charset="0"/>
+                <a:cs typeface="Courier New" panose="02070309020205020404" pitchFamily="49" charset="0"/>
+              </a:rPr>
+              <a:t>});</a:t>
+            </a:r>
+            <a:endParaRPr lang="en-GB" sz="1600" dirty="0">
+              <a:latin typeface="Courier New" panose="02070309020205020404" pitchFamily="49" charset="0"/>
+              <a:cs typeface="Courier New" panose="02070309020205020404" pitchFamily="49" charset="0"/>
+            </a:endParaRPr>
+          </a:p>
+        </p:txBody>
+      </p:sp>
+    </p:spTree>
+    <p:extLst>
+      <p:ext uri="{BB962C8B-B14F-4D97-AF65-F5344CB8AC3E}">
+        <p14:creationId xmlns:p14="http://schemas.microsoft.com/office/powerpoint/2010/main" val="2342083827"/>
+      </p:ext>
+    </p:extLst>
+  </p:cSld>
+  <p:clrMapOvr>
+    <a:masterClrMapping/>
+  </p:clrMapOvr>
+  <p:timing>
+    <p:tnLst>
+      <p:par>
+        <p:cTn id="1" dur="indefinite" restart="never" nodeType="tmRoot"/>
+      </p:par>
+    </p:tnLst>
+  </p:timing>
+</p:sld>
+</file>
+
+<file path=ppt/slides/slide36.xml><?xml version="1.0" encoding="utf-8"?>
+<p:sld xmlns:a="http://schemas.openxmlformats.org/drawingml/2006/main" xmlns:r="http://schemas.openxmlformats.org/officeDocument/2006/relationships" xmlns:p="http://schemas.openxmlformats.org/presentationml/2006/main">
+  <p:cSld>
+    <p:spTree>
+      <p:nvGrpSpPr>
+        <p:cNvPr id="1" name=""/>
+        <p:cNvGrpSpPr/>
+        <p:nvPr/>
+      </p:nvGrpSpPr>
+      <p:grpSpPr>
+        <a:xfrm>
+          <a:off x="0" y="0"/>
+          <a:ext cx="0" cy="0"/>
+          <a:chOff x="0" y="0"/>
+          <a:chExt cx="0" cy="0"/>
+        </a:xfrm>
+      </p:grpSpPr>
+      <p:sp>
+        <p:nvSpPr>
+          <p:cNvPr id="2" name="Title 1"/>
+          <p:cNvSpPr>
+            <a:spLocks noGrp="1"/>
+          </p:cNvSpPr>
+          <p:nvPr>
+            <p:ph type="title"/>
+          </p:nvPr>
+        </p:nvSpPr>
+        <p:spPr/>
+        <p:txBody>
+          <a:bodyPr/>
+          <a:lstStyle/>
+          <a:p>
+            <a:r>
+              <a:rPr lang="sr-Latn-RS" dirty="0" smtClean="0"/>
+              <a:t>ODM</a:t>
+            </a:r>
+            <a:endParaRPr lang="en-GB" dirty="0"/>
+          </a:p>
+        </p:txBody>
+      </p:sp>
+      <p:sp>
+        <p:nvSpPr>
+          <p:cNvPr id="3" name="Content Placeholder 2"/>
+          <p:cNvSpPr>
+            <a:spLocks noGrp="1"/>
+          </p:cNvSpPr>
+          <p:nvPr>
+            <p:ph idx="1"/>
+          </p:nvPr>
+        </p:nvSpPr>
+        <p:spPr/>
+        <p:txBody>
+          <a:bodyPr>
+            <a:normAutofit lnSpcReduction="10000"/>
+          </a:bodyPr>
+          <a:lstStyle/>
+          <a:p>
+            <a:r>
+              <a:rPr lang="sr-Latn-RS" dirty="0" smtClean="0"/>
+              <a:t>MongoDB rukuje jednostavnim JSON dokumentima</a:t>
+            </a:r>
+          </a:p>
+          <a:p>
+            <a:r>
+              <a:rPr lang="sr-Latn-RS" dirty="0" smtClean="0"/>
+              <a:t>Poslovna logika je smeštena u aplikativni sloj</a:t>
+            </a:r>
+          </a:p>
+          <a:p>
+            <a:r>
+              <a:rPr lang="sr-Latn-RS" dirty="0" smtClean="0"/>
+              <a:t>Mongoose ODM nam omogućuje jednostavnu konverziju između dokumenata i JavaScript objekata</a:t>
+            </a:r>
+          </a:p>
+          <a:p>
+            <a:pPr lvl="1"/>
+            <a:r>
+              <a:rPr lang="sr-Latn-RS" dirty="0" smtClean="0"/>
+              <a:t>Podaci</a:t>
+            </a:r>
+          </a:p>
+          <a:p>
+            <a:pPr lvl="1"/>
+            <a:r>
+              <a:rPr lang="sr-Latn-RS" dirty="0" smtClean="0"/>
+              <a:t>Metoda za validaciju</a:t>
+            </a:r>
+          </a:p>
+          <a:p>
+            <a:pPr lvl="1"/>
+            <a:r>
+              <a:rPr lang="sr-Latn-RS" dirty="0" smtClean="0"/>
+              <a:t>Poslovna logika</a:t>
+            </a:r>
+            <a:endParaRPr lang="en-GB" dirty="0"/>
+          </a:p>
+        </p:txBody>
+      </p:sp>
+    </p:spTree>
+    <p:extLst>
+      <p:ext uri="{BB962C8B-B14F-4D97-AF65-F5344CB8AC3E}">
+        <p14:creationId xmlns:p14="http://schemas.microsoft.com/office/powerpoint/2010/main" val="1560494580"/>
+      </p:ext>
+    </p:extLst>
+  </p:cSld>
+  <p:clrMapOvr>
+    <a:masterClrMapping/>
+  </p:clrMapOvr>
+  <p:timing>
+    <p:tnLst>
+      <p:par>
+        <p:cTn id="1" dur="indefinite" restart="never" nodeType="tmRoot"/>
+      </p:par>
+    </p:tnLst>
+  </p:timing>
+</p:sld>
+</file>
+
+<file path=ppt/slides/slide37.xml><?xml version="1.0" encoding="utf-8"?>
+<p:sld xmlns:a="http://schemas.openxmlformats.org/drawingml/2006/main" xmlns:r="http://schemas.openxmlformats.org/officeDocument/2006/relationships" xmlns:p="http://schemas.openxmlformats.org/presentationml/2006/main">
+  <p:cSld>
+    <p:spTree>
+      <p:nvGrpSpPr>
+        <p:cNvPr id="1" name=""/>
+        <p:cNvGrpSpPr/>
+        <p:nvPr/>
+      </p:nvGrpSpPr>
+      <p:grpSpPr>
+        <a:xfrm>
+          <a:off x="0" y="0"/>
+          <a:ext cx="0" cy="0"/>
+          <a:chOff x="0" y="0"/>
+          <a:chExt cx="0" cy="0"/>
+        </a:xfrm>
+      </p:grpSpPr>
+      <p:sp>
+        <p:nvSpPr>
+          <p:cNvPr id="2" name="Title 1"/>
+          <p:cNvSpPr>
+            <a:spLocks noGrp="1"/>
+          </p:cNvSpPr>
+          <p:nvPr>
+            <p:ph type="title"/>
+          </p:nvPr>
+        </p:nvSpPr>
+        <p:spPr/>
+        <p:txBody>
+          <a:bodyPr/>
+          <a:lstStyle/>
+          <a:p>
+            <a:r>
+              <a:rPr lang="sr-Latn-RS" dirty="0" smtClean="0"/>
+              <a:t>Mongoose schema</a:t>
+            </a:r>
+            <a:endParaRPr lang="en-GB" dirty="0"/>
+          </a:p>
+        </p:txBody>
+      </p:sp>
+      <p:sp>
+        <p:nvSpPr>
+          <p:cNvPr id="3" name="Content Placeholder 2"/>
+          <p:cNvSpPr>
+            <a:spLocks noGrp="1"/>
+          </p:cNvSpPr>
+          <p:nvPr>
+            <p:ph idx="1"/>
+          </p:nvPr>
+        </p:nvSpPr>
+        <p:spPr/>
+        <p:txBody>
+          <a:bodyPr>
+            <a:normAutofit fontScale="62500" lnSpcReduction="20000"/>
+          </a:bodyPr>
+          <a:lstStyle/>
+          <a:p>
+            <a:pPr marL="0" indent="0">
+              <a:buNone/>
+            </a:pPr>
+            <a:r>
+              <a:rPr lang="en-GB" dirty="0" err="1">
+                <a:latin typeface="Courier New" panose="02070309020205020404" pitchFamily="49" charset="0"/>
+                <a:cs typeface="Courier New" panose="02070309020205020404" pitchFamily="49" charset="0"/>
+              </a:rPr>
+              <a:t>var</a:t>
+            </a:r>
+            <a:r>
+              <a:rPr lang="en-GB" dirty="0">
+                <a:latin typeface="Courier New" panose="02070309020205020404" pitchFamily="49" charset="0"/>
+                <a:cs typeface="Courier New" panose="02070309020205020404" pitchFamily="49" charset="0"/>
+              </a:rPr>
+              <a:t> </a:t>
+            </a:r>
+            <a:r>
+              <a:rPr lang="en-GB" dirty="0" err="1">
+                <a:latin typeface="Courier New" panose="02070309020205020404" pitchFamily="49" charset="0"/>
+                <a:cs typeface="Courier New" panose="02070309020205020404" pitchFamily="49" charset="0"/>
+              </a:rPr>
+              <a:t>blogEntrySchema</a:t>
+            </a:r>
+            <a:r>
+              <a:rPr lang="en-GB" dirty="0">
+                <a:latin typeface="Courier New" panose="02070309020205020404" pitchFamily="49" charset="0"/>
+                <a:cs typeface="Courier New" panose="02070309020205020404" pitchFamily="49" charset="0"/>
+              </a:rPr>
+              <a:t> = new Schema({</a:t>
+            </a:r>
+          </a:p>
+          <a:p>
+            <a:pPr marL="0" indent="0">
+              <a:buNone/>
+            </a:pPr>
+            <a:r>
+              <a:rPr lang="en-GB" dirty="0">
+                <a:latin typeface="Courier New" panose="02070309020205020404" pitchFamily="49" charset="0"/>
+                <a:cs typeface="Courier New" panose="02070309020205020404" pitchFamily="49" charset="0"/>
+              </a:rPr>
+              <a:t>  title: {</a:t>
+            </a:r>
+          </a:p>
+          <a:p>
+            <a:pPr marL="0" indent="0">
+              <a:buNone/>
+            </a:pPr>
+            <a:r>
+              <a:rPr lang="en-GB" dirty="0">
+                <a:latin typeface="Courier New" panose="02070309020205020404" pitchFamily="49" charset="0"/>
+                <a:cs typeface="Courier New" panose="02070309020205020404" pitchFamily="49" charset="0"/>
+              </a:rPr>
+              <a:t>    type: String,</a:t>
+            </a:r>
+          </a:p>
+          <a:p>
+            <a:pPr marL="0" indent="0">
+              <a:buNone/>
+            </a:pPr>
+            <a:r>
+              <a:rPr lang="en-GB" dirty="0">
+                <a:latin typeface="Courier New" panose="02070309020205020404" pitchFamily="49" charset="0"/>
+                <a:cs typeface="Courier New" panose="02070309020205020404" pitchFamily="49" charset="0"/>
+              </a:rPr>
+              <a:t>    required: true,</a:t>
+            </a:r>
+          </a:p>
+          <a:p>
+            <a:pPr marL="0" indent="0">
+              <a:buNone/>
+            </a:pPr>
+            <a:r>
+              <a:rPr lang="en-GB" dirty="0">
+                <a:latin typeface="Courier New" panose="02070309020205020404" pitchFamily="49" charset="0"/>
+                <a:cs typeface="Courier New" panose="02070309020205020404" pitchFamily="49" charset="0"/>
+              </a:rPr>
+              <a:t>    unique: true</a:t>
+            </a:r>
+          </a:p>
+          <a:p>
+            <a:pPr marL="0" indent="0">
+              <a:buNone/>
+            </a:pPr>
+            <a:r>
+              <a:rPr lang="en-GB" dirty="0">
+                <a:latin typeface="Courier New" panose="02070309020205020404" pitchFamily="49" charset="0"/>
+                <a:cs typeface="Courier New" panose="02070309020205020404" pitchFamily="49" charset="0"/>
+              </a:rPr>
+              <a:t>  },</a:t>
+            </a:r>
+          </a:p>
+          <a:p>
+            <a:pPr marL="0" indent="0">
+              <a:buNone/>
+            </a:pPr>
+            <a:r>
+              <a:rPr lang="en-GB" dirty="0">
+                <a:latin typeface="Courier New" panose="02070309020205020404" pitchFamily="49" charset="0"/>
+                <a:cs typeface="Courier New" panose="02070309020205020404" pitchFamily="49" charset="0"/>
+              </a:rPr>
+              <a:t>  description: String,</a:t>
+            </a:r>
+          </a:p>
+          <a:p>
+            <a:pPr marL="0" indent="0">
+              <a:buNone/>
+            </a:pPr>
+            <a:r>
+              <a:rPr lang="en-GB" dirty="0">
+                <a:latin typeface="Courier New" panose="02070309020205020404" pitchFamily="49" charset="0"/>
+                <a:cs typeface="Courier New" panose="02070309020205020404" pitchFamily="49" charset="0"/>
+              </a:rPr>
+              <a:t>  entry: {</a:t>
+            </a:r>
+          </a:p>
+          <a:p>
+            <a:pPr marL="0" indent="0">
+              <a:buNone/>
+            </a:pPr>
+            <a:r>
+              <a:rPr lang="en-GB" dirty="0">
+                <a:latin typeface="Courier New" panose="02070309020205020404" pitchFamily="49" charset="0"/>
+                <a:cs typeface="Courier New" panose="02070309020205020404" pitchFamily="49" charset="0"/>
+              </a:rPr>
+              <a:t>    type: String,</a:t>
+            </a:r>
+          </a:p>
+          <a:p>
+            <a:pPr marL="0" indent="0">
+              <a:buNone/>
+            </a:pPr>
+            <a:r>
+              <a:rPr lang="en-GB" dirty="0">
+                <a:latin typeface="Courier New" panose="02070309020205020404" pitchFamily="49" charset="0"/>
+                <a:cs typeface="Courier New" panose="02070309020205020404" pitchFamily="49" charset="0"/>
+              </a:rPr>
+              <a:t>    required: true</a:t>
+            </a:r>
+          </a:p>
+          <a:p>
+            <a:pPr marL="0" indent="0">
+              <a:buNone/>
+            </a:pPr>
+            <a:r>
+              <a:rPr lang="en-GB" dirty="0">
+                <a:latin typeface="Courier New" panose="02070309020205020404" pitchFamily="49" charset="0"/>
+                <a:cs typeface="Courier New" panose="02070309020205020404" pitchFamily="49" charset="0"/>
+              </a:rPr>
+              <a:t>  },</a:t>
+            </a:r>
+          </a:p>
+          <a:p>
+            <a:pPr marL="0" indent="0">
+              <a:buNone/>
+            </a:pPr>
+            <a:r>
+              <a:rPr lang="en-GB" dirty="0">
+                <a:latin typeface="Courier New" panose="02070309020205020404" pitchFamily="49" charset="0"/>
+                <a:cs typeface="Courier New" panose="02070309020205020404" pitchFamily="49" charset="0"/>
+              </a:rPr>
+              <a:t>  </a:t>
+            </a:r>
+            <a:r>
+              <a:rPr lang="en-GB" dirty="0" err="1">
+                <a:latin typeface="Courier New" panose="02070309020205020404" pitchFamily="49" charset="0"/>
+                <a:cs typeface="Courier New" panose="02070309020205020404" pitchFamily="49" charset="0"/>
+              </a:rPr>
+              <a:t>createdAt</a:t>
+            </a:r>
+            <a:r>
+              <a:rPr lang="en-GB" dirty="0">
+                <a:latin typeface="Courier New" panose="02070309020205020404" pitchFamily="49" charset="0"/>
+                <a:cs typeface="Courier New" panose="02070309020205020404" pitchFamily="49" charset="0"/>
+              </a:rPr>
+              <a:t>: Date,</a:t>
+            </a:r>
+          </a:p>
+          <a:p>
+            <a:pPr marL="0" indent="0">
+              <a:buNone/>
+            </a:pPr>
+            <a:r>
+              <a:rPr lang="en-GB" dirty="0">
+                <a:latin typeface="Courier New" panose="02070309020205020404" pitchFamily="49" charset="0"/>
+                <a:cs typeface="Courier New" panose="02070309020205020404" pitchFamily="49" charset="0"/>
+              </a:rPr>
+              <a:t>  </a:t>
+            </a:r>
+            <a:r>
+              <a:rPr lang="en-GB" dirty="0" err="1">
+                <a:latin typeface="Courier New" panose="02070309020205020404" pitchFamily="49" charset="0"/>
+                <a:cs typeface="Courier New" panose="02070309020205020404" pitchFamily="49" charset="0"/>
+              </a:rPr>
+              <a:t>updatedAt</a:t>
+            </a:r>
+            <a:r>
+              <a:rPr lang="en-GB" dirty="0">
+                <a:latin typeface="Courier New" panose="02070309020205020404" pitchFamily="49" charset="0"/>
+                <a:cs typeface="Courier New" panose="02070309020205020404" pitchFamily="49" charset="0"/>
+              </a:rPr>
+              <a:t>: Date</a:t>
+            </a:r>
+          </a:p>
+          <a:p>
+            <a:pPr marL="0" indent="0">
+              <a:buNone/>
+            </a:pPr>
+            <a:r>
+              <a:rPr lang="en-GB" dirty="0">
+                <a:latin typeface="Courier New" panose="02070309020205020404" pitchFamily="49" charset="0"/>
+                <a:cs typeface="Courier New" panose="02070309020205020404" pitchFamily="49" charset="0"/>
+              </a:rPr>
+              <a:t>});</a:t>
+            </a:r>
+          </a:p>
+        </p:txBody>
+      </p:sp>
+    </p:spTree>
+    <p:extLst>
+      <p:ext uri="{BB962C8B-B14F-4D97-AF65-F5344CB8AC3E}">
+        <p14:creationId xmlns:p14="http://schemas.microsoft.com/office/powerpoint/2010/main" val="4116768249"/>
+      </p:ext>
+    </p:extLst>
+  </p:cSld>
+  <p:clrMapOvr>
+    <a:masterClrMapping/>
+  </p:clrMapOvr>
+  <p:timing>
+    <p:tnLst>
+      <p:par>
+        <p:cTn id="1" dur="indefinite" restart="never" nodeType="tmRoot"/>
+      </p:par>
+    </p:tnLst>
+  </p:timing>
+</p:sld>
+</file>
+
+<file path=ppt/slides/slide38.xml><?xml version="1.0" encoding="utf-8"?>
+<p:sld xmlns:a="http://schemas.openxmlformats.org/drawingml/2006/main" xmlns:r="http://schemas.openxmlformats.org/officeDocument/2006/relationships" xmlns:p="http://schemas.openxmlformats.org/presentationml/2006/main">
+  <p:cSld>
+    <p:spTree>
+      <p:nvGrpSpPr>
+        <p:cNvPr id="1" name=""/>
+        <p:cNvGrpSpPr/>
+        <p:nvPr/>
+      </p:nvGrpSpPr>
+      <p:grpSpPr>
+        <a:xfrm>
+          <a:off x="0" y="0"/>
+          <a:ext cx="0" cy="0"/>
+          <a:chOff x="0" y="0"/>
+          <a:chExt cx="0" cy="0"/>
+        </a:xfrm>
+      </p:grpSpPr>
+      <p:sp>
+        <p:nvSpPr>
+          <p:cNvPr id="2" name="Title 1"/>
+          <p:cNvSpPr>
+            <a:spLocks noGrp="1"/>
+          </p:cNvSpPr>
+          <p:nvPr>
+            <p:ph type="title"/>
+          </p:nvPr>
+        </p:nvSpPr>
+        <p:spPr/>
+        <p:txBody>
+          <a:bodyPr/>
+          <a:lstStyle/>
+          <a:p>
+            <a:r>
+              <a:rPr lang="sr-Latn-RS" dirty="0" smtClean="0"/>
+              <a:t>Mongoose interseptor</a:t>
+            </a:r>
+            <a:endParaRPr lang="en-GB" dirty="0"/>
+          </a:p>
+        </p:txBody>
+      </p:sp>
+      <p:sp>
+        <p:nvSpPr>
+          <p:cNvPr id="3" name="Content Placeholder 2"/>
+          <p:cNvSpPr>
+            <a:spLocks noGrp="1"/>
+          </p:cNvSpPr>
+          <p:nvPr>
+            <p:ph idx="1"/>
+          </p:nvPr>
+        </p:nvSpPr>
+        <p:spPr/>
+        <p:txBody>
+          <a:bodyPr>
+            <a:normAutofit fontScale="55000" lnSpcReduction="20000"/>
+          </a:bodyPr>
+          <a:lstStyle/>
+          <a:p>
+            <a:pPr marL="0" indent="0">
+              <a:buNone/>
+            </a:pPr>
+            <a:r>
+              <a:rPr lang="en-GB" dirty="0">
+                <a:latin typeface="Courier New" panose="02070309020205020404" pitchFamily="49" charset="0"/>
+                <a:cs typeface="Courier New" panose="02070309020205020404" pitchFamily="49" charset="0"/>
+              </a:rPr>
+              <a:t>// </a:t>
+            </a:r>
+            <a:r>
+              <a:rPr lang="en-GB" dirty="0" err="1">
+                <a:latin typeface="Courier New" panose="02070309020205020404" pitchFamily="49" charset="0"/>
+                <a:cs typeface="Courier New" panose="02070309020205020404" pitchFamily="49" charset="0"/>
+              </a:rPr>
+              <a:t>prilikom</a:t>
+            </a:r>
+            <a:r>
+              <a:rPr lang="en-GB" dirty="0">
+                <a:latin typeface="Courier New" panose="02070309020205020404" pitchFamily="49" charset="0"/>
+                <a:cs typeface="Courier New" panose="02070309020205020404" pitchFamily="49" charset="0"/>
+              </a:rPr>
+              <a:t> </a:t>
+            </a:r>
+            <a:r>
+              <a:rPr lang="en-GB" dirty="0" err="1">
+                <a:latin typeface="Courier New" panose="02070309020205020404" pitchFamily="49" charset="0"/>
+                <a:cs typeface="Courier New" panose="02070309020205020404" pitchFamily="49" charset="0"/>
+              </a:rPr>
+              <a:t>snimanja</a:t>
+            </a:r>
+            <a:r>
+              <a:rPr lang="en-GB" dirty="0">
+                <a:latin typeface="Courier New" panose="02070309020205020404" pitchFamily="49" charset="0"/>
+                <a:cs typeface="Courier New" panose="02070309020205020404" pitchFamily="49" charset="0"/>
+              </a:rPr>
+              <a:t> se </a:t>
+            </a:r>
+            <a:r>
+              <a:rPr lang="en-GB" dirty="0" err="1">
+                <a:latin typeface="Courier New" panose="02070309020205020404" pitchFamily="49" charset="0"/>
+                <a:cs typeface="Courier New" panose="02070309020205020404" pitchFamily="49" charset="0"/>
+              </a:rPr>
+              <a:t>postavi</a:t>
+            </a:r>
+            <a:r>
+              <a:rPr lang="en-GB" dirty="0">
+                <a:latin typeface="Courier New" panose="02070309020205020404" pitchFamily="49" charset="0"/>
+                <a:cs typeface="Courier New" panose="02070309020205020404" pitchFamily="49" charset="0"/>
+              </a:rPr>
+              <a:t> datum</a:t>
+            </a:r>
+          </a:p>
+          <a:p>
+            <a:pPr marL="0" indent="0">
+              <a:buNone/>
+            </a:pPr>
+            <a:r>
+              <a:rPr lang="en-GB" dirty="0" err="1">
+                <a:latin typeface="Courier New" panose="02070309020205020404" pitchFamily="49" charset="0"/>
+                <a:cs typeface="Courier New" panose="02070309020205020404" pitchFamily="49" charset="0"/>
+              </a:rPr>
+              <a:t>blogEntrySchema.pre</a:t>
+            </a:r>
+            <a:r>
+              <a:rPr lang="en-GB" dirty="0">
+                <a:latin typeface="Courier New" panose="02070309020205020404" pitchFamily="49" charset="0"/>
+                <a:cs typeface="Courier New" panose="02070309020205020404" pitchFamily="49" charset="0"/>
+              </a:rPr>
+              <a:t>('save', function(next) {</a:t>
+            </a:r>
+          </a:p>
+          <a:p>
+            <a:pPr marL="0" indent="0">
+              <a:buNone/>
+            </a:pPr>
+            <a:r>
+              <a:rPr lang="en-GB" dirty="0">
+                <a:latin typeface="Courier New" panose="02070309020205020404" pitchFamily="49" charset="0"/>
+                <a:cs typeface="Courier New" panose="02070309020205020404" pitchFamily="49" charset="0"/>
+              </a:rPr>
+              <a:t>  // </a:t>
+            </a:r>
+            <a:r>
+              <a:rPr lang="en-GB" dirty="0" err="1">
+                <a:latin typeface="Courier New" panose="02070309020205020404" pitchFamily="49" charset="0"/>
+                <a:cs typeface="Courier New" panose="02070309020205020404" pitchFamily="49" charset="0"/>
+              </a:rPr>
+              <a:t>preuzmemo</a:t>
+            </a:r>
+            <a:r>
+              <a:rPr lang="en-GB" dirty="0">
+                <a:latin typeface="Courier New" panose="02070309020205020404" pitchFamily="49" charset="0"/>
+                <a:cs typeface="Courier New" panose="02070309020205020404" pitchFamily="49" charset="0"/>
+              </a:rPr>
+              <a:t> </a:t>
+            </a:r>
+            <a:r>
+              <a:rPr lang="en-GB" dirty="0" err="1">
+                <a:latin typeface="Courier New" panose="02070309020205020404" pitchFamily="49" charset="0"/>
+                <a:cs typeface="Courier New" panose="02070309020205020404" pitchFamily="49" charset="0"/>
+              </a:rPr>
+              <a:t>trenutni</a:t>
+            </a:r>
+            <a:r>
+              <a:rPr lang="en-GB" dirty="0">
+                <a:latin typeface="Courier New" panose="02070309020205020404" pitchFamily="49" charset="0"/>
+                <a:cs typeface="Courier New" panose="02070309020205020404" pitchFamily="49" charset="0"/>
+              </a:rPr>
+              <a:t> datum</a:t>
+            </a:r>
+          </a:p>
+          <a:p>
+            <a:pPr marL="0" indent="0">
+              <a:buNone/>
+            </a:pPr>
+            <a:r>
+              <a:rPr lang="en-GB" dirty="0">
+                <a:latin typeface="Courier New" panose="02070309020205020404" pitchFamily="49" charset="0"/>
+                <a:cs typeface="Courier New" panose="02070309020205020404" pitchFamily="49" charset="0"/>
+              </a:rPr>
+              <a:t>  </a:t>
+            </a:r>
+            <a:r>
+              <a:rPr lang="en-GB" dirty="0" err="1">
+                <a:latin typeface="Courier New" panose="02070309020205020404" pitchFamily="49" charset="0"/>
+                <a:cs typeface="Courier New" panose="02070309020205020404" pitchFamily="49" charset="0"/>
+              </a:rPr>
+              <a:t>var</a:t>
+            </a:r>
+            <a:r>
+              <a:rPr lang="en-GB" dirty="0">
+                <a:latin typeface="Courier New" panose="02070309020205020404" pitchFamily="49" charset="0"/>
+                <a:cs typeface="Courier New" panose="02070309020205020404" pitchFamily="49" charset="0"/>
+              </a:rPr>
+              <a:t> </a:t>
+            </a:r>
+            <a:r>
+              <a:rPr lang="en-GB" dirty="0" err="1">
+                <a:latin typeface="Courier New" panose="02070309020205020404" pitchFamily="49" charset="0"/>
+                <a:cs typeface="Courier New" panose="02070309020205020404" pitchFamily="49" charset="0"/>
+              </a:rPr>
+              <a:t>currentDate</a:t>
+            </a:r>
+            <a:r>
+              <a:rPr lang="en-GB" dirty="0">
+                <a:latin typeface="Courier New" panose="02070309020205020404" pitchFamily="49" charset="0"/>
+                <a:cs typeface="Courier New" panose="02070309020205020404" pitchFamily="49" charset="0"/>
+              </a:rPr>
+              <a:t> = new Date();</a:t>
+            </a:r>
+          </a:p>
+          <a:p>
+            <a:pPr marL="0" indent="0">
+              <a:buNone/>
+            </a:pPr>
+            <a:endParaRPr lang="en-GB" dirty="0">
+              <a:latin typeface="Courier New" panose="02070309020205020404" pitchFamily="49" charset="0"/>
+              <a:cs typeface="Courier New" panose="02070309020205020404" pitchFamily="49" charset="0"/>
+            </a:endParaRPr>
+          </a:p>
+          <a:p>
+            <a:pPr marL="0" indent="0">
+              <a:buNone/>
+            </a:pPr>
+            <a:r>
+              <a:rPr lang="en-GB" dirty="0">
+                <a:latin typeface="Courier New" panose="02070309020205020404" pitchFamily="49" charset="0"/>
+                <a:cs typeface="Courier New" panose="02070309020205020404" pitchFamily="49" charset="0"/>
+              </a:rPr>
+              <a:t>  // </a:t>
+            </a:r>
+            <a:r>
+              <a:rPr lang="en-GB" dirty="0" err="1">
+                <a:latin typeface="Courier New" panose="02070309020205020404" pitchFamily="49" charset="0"/>
+                <a:cs typeface="Courier New" panose="02070309020205020404" pitchFamily="49" charset="0"/>
+              </a:rPr>
+              <a:t>postavimo</a:t>
+            </a:r>
+            <a:r>
+              <a:rPr lang="en-GB" dirty="0">
+                <a:latin typeface="Courier New" panose="02070309020205020404" pitchFamily="49" charset="0"/>
+                <a:cs typeface="Courier New" panose="02070309020205020404" pitchFamily="49" charset="0"/>
+              </a:rPr>
+              <a:t> </a:t>
+            </a:r>
+            <a:r>
+              <a:rPr lang="en-GB" dirty="0" err="1">
+                <a:latin typeface="Courier New" panose="02070309020205020404" pitchFamily="49" charset="0"/>
+                <a:cs typeface="Courier New" panose="02070309020205020404" pitchFamily="49" charset="0"/>
+              </a:rPr>
+              <a:t>trenutni</a:t>
+            </a:r>
+            <a:r>
+              <a:rPr lang="en-GB" dirty="0">
+                <a:latin typeface="Courier New" panose="02070309020205020404" pitchFamily="49" charset="0"/>
+                <a:cs typeface="Courier New" panose="02070309020205020404" pitchFamily="49" charset="0"/>
+              </a:rPr>
+              <a:t> datum </a:t>
+            </a:r>
+            <a:r>
+              <a:rPr lang="en-GB" dirty="0" err="1">
+                <a:latin typeface="Courier New" panose="02070309020205020404" pitchFamily="49" charset="0"/>
+                <a:cs typeface="Courier New" panose="02070309020205020404" pitchFamily="49" charset="0"/>
+              </a:rPr>
+              <a:t>poslednju</a:t>
+            </a:r>
+            <a:r>
+              <a:rPr lang="en-GB" dirty="0">
+                <a:latin typeface="Courier New" panose="02070309020205020404" pitchFamily="49" charset="0"/>
+                <a:cs typeface="Courier New" panose="02070309020205020404" pitchFamily="49" charset="0"/>
+              </a:rPr>
+              <a:t> </a:t>
+            </a:r>
+            <a:r>
+              <a:rPr lang="en-GB" dirty="0" err="1">
+                <a:latin typeface="Courier New" panose="02070309020205020404" pitchFamily="49" charset="0"/>
+                <a:cs typeface="Courier New" panose="02070309020205020404" pitchFamily="49" charset="0"/>
+              </a:rPr>
+              <a:t>izmenu</a:t>
+            </a:r>
+            <a:endParaRPr lang="en-GB" dirty="0">
+              <a:latin typeface="Courier New" panose="02070309020205020404" pitchFamily="49" charset="0"/>
+              <a:cs typeface="Courier New" panose="02070309020205020404" pitchFamily="49" charset="0"/>
+            </a:endParaRPr>
+          </a:p>
+          <a:p>
+            <a:pPr marL="0" indent="0">
+              <a:buNone/>
+            </a:pPr>
+            <a:r>
+              <a:rPr lang="en-GB" dirty="0">
+                <a:latin typeface="Courier New" panose="02070309020205020404" pitchFamily="49" charset="0"/>
+                <a:cs typeface="Courier New" panose="02070309020205020404" pitchFamily="49" charset="0"/>
+              </a:rPr>
+              <a:t>  </a:t>
+            </a:r>
+            <a:r>
+              <a:rPr lang="en-GB" dirty="0" err="1">
+                <a:latin typeface="Courier New" panose="02070309020205020404" pitchFamily="49" charset="0"/>
+                <a:cs typeface="Courier New" panose="02070309020205020404" pitchFamily="49" charset="0"/>
+              </a:rPr>
+              <a:t>this.updatedAt</a:t>
+            </a:r>
+            <a:r>
+              <a:rPr lang="en-GB" dirty="0">
+                <a:latin typeface="Courier New" panose="02070309020205020404" pitchFamily="49" charset="0"/>
+                <a:cs typeface="Courier New" panose="02070309020205020404" pitchFamily="49" charset="0"/>
+              </a:rPr>
+              <a:t> = </a:t>
+            </a:r>
+            <a:r>
+              <a:rPr lang="en-GB" dirty="0" err="1">
+                <a:latin typeface="Courier New" panose="02070309020205020404" pitchFamily="49" charset="0"/>
+                <a:cs typeface="Courier New" panose="02070309020205020404" pitchFamily="49" charset="0"/>
+              </a:rPr>
+              <a:t>currentDate</a:t>
+            </a:r>
+            <a:r>
+              <a:rPr lang="en-GB" dirty="0">
+                <a:latin typeface="Courier New" panose="02070309020205020404" pitchFamily="49" charset="0"/>
+                <a:cs typeface="Courier New" panose="02070309020205020404" pitchFamily="49" charset="0"/>
+              </a:rPr>
+              <a:t>;</a:t>
+            </a:r>
+          </a:p>
+          <a:p>
+            <a:pPr marL="0" indent="0">
+              <a:buNone/>
+            </a:pPr>
+            <a:endParaRPr lang="en-GB" dirty="0">
+              <a:latin typeface="Courier New" panose="02070309020205020404" pitchFamily="49" charset="0"/>
+              <a:cs typeface="Courier New" panose="02070309020205020404" pitchFamily="49" charset="0"/>
+            </a:endParaRPr>
+          </a:p>
+          <a:p>
+            <a:pPr marL="0" indent="0">
+              <a:buNone/>
+            </a:pPr>
+            <a:r>
+              <a:rPr lang="en-GB" dirty="0">
+                <a:latin typeface="Courier New" panose="02070309020205020404" pitchFamily="49" charset="0"/>
+                <a:cs typeface="Courier New" panose="02070309020205020404" pitchFamily="49" charset="0"/>
+              </a:rPr>
+              <a:t>  // </a:t>
+            </a:r>
+            <a:r>
+              <a:rPr lang="en-GB" dirty="0" err="1">
+                <a:latin typeface="Courier New" panose="02070309020205020404" pitchFamily="49" charset="0"/>
+                <a:cs typeface="Courier New" panose="02070309020205020404" pitchFamily="49" charset="0"/>
+              </a:rPr>
+              <a:t>ako</a:t>
+            </a:r>
+            <a:r>
+              <a:rPr lang="en-GB" dirty="0">
+                <a:latin typeface="Courier New" panose="02070309020205020404" pitchFamily="49" charset="0"/>
+                <a:cs typeface="Courier New" panose="02070309020205020404" pitchFamily="49" charset="0"/>
+              </a:rPr>
+              <a:t> </a:t>
+            </a:r>
+            <a:r>
+              <a:rPr lang="en-GB" dirty="0" err="1">
+                <a:latin typeface="Courier New" panose="02070309020205020404" pitchFamily="49" charset="0"/>
+                <a:cs typeface="Courier New" panose="02070309020205020404" pitchFamily="49" charset="0"/>
+              </a:rPr>
+              <a:t>nije</a:t>
+            </a:r>
+            <a:r>
+              <a:rPr lang="en-GB" dirty="0">
+                <a:latin typeface="Courier New" panose="02070309020205020404" pitchFamily="49" charset="0"/>
+                <a:cs typeface="Courier New" panose="02070309020205020404" pitchFamily="49" charset="0"/>
+              </a:rPr>
+              <a:t> </a:t>
+            </a:r>
+            <a:r>
+              <a:rPr lang="en-GB" dirty="0" err="1">
+                <a:latin typeface="Courier New" panose="02070309020205020404" pitchFamily="49" charset="0"/>
+                <a:cs typeface="Courier New" panose="02070309020205020404" pitchFamily="49" charset="0"/>
+              </a:rPr>
+              <a:t>postavljena</a:t>
+            </a:r>
+            <a:r>
+              <a:rPr lang="en-GB" dirty="0">
+                <a:latin typeface="Courier New" panose="02070309020205020404" pitchFamily="49" charset="0"/>
+                <a:cs typeface="Courier New" panose="02070309020205020404" pitchFamily="49" charset="0"/>
+              </a:rPr>
+              <a:t> </a:t>
+            </a:r>
+            <a:r>
+              <a:rPr lang="en-GB" dirty="0" err="1">
+                <a:latin typeface="Courier New" panose="02070309020205020404" pitchFamily="49" charset="0"/>
+                <a:cs typeface="Courier New" panose="02070309020205020404" pitchFamily="49" charset="0"/>
+              </a:rPr>
+              <a:t>vrednost</a:t>
+            </a:r>
+            <a:r>
+              <a:rPr lang="en-GB" dirty="0">
+                <a:latin typeface="Courier New" panose="02070309020205020404" pitchFamily="49" charset="0"/>
+                <a:cs typeface="Courier New" panose="02070309020205020404" pitchFamily="49" charset="0"/>
+              </a:rPr>
+              <a:t> </a:t>
+            </a:r>
+            <a:r>
+              <a:rPr lang="en-GB" dirty="0" err="1">
+                <a:latin typeface="Courier New" panose="02070309020205020404" pitchFamily="49" charset="0"/>
+                <a:cs typeface="Courier New" panose="02070309020205020404" pitchFamily="49" charset="0"/>
+              </a:rPr>
+              <a:t>za</a:t>
+            </a:r>
+            <a:r>
+              <a:rPr lang="en-GB" dirty="0">
+                <a:latin typeface="Courier New" panose="02070309020205020404" pitchFamily="49" charset="0"/>
+                <a:cs typeface="Courier New" panose="02070309020205020404" pitchFamily="49" charset="0"/>
+              </a:rPr>
+              <a:t> </a:t>
+            </a:r>
+            <a:r>
+              <a:rPr lang="en-GB" dirty="0" err="1">
+                <a:latin typeface="Courier New" panose="02070309020205020404" pitchFamily="49" charset="0"/>
+                <a:cs typeface="Courier New" panose="02070309020205020404" pitchFamily="49" charset="0"/>
+              </a:rPr>
+              <a:t>createdAt</a:t>
+            </a:r>
+            <a:r>
+              <a:rPr lang="en-GB" dirty="0">
+                <a:latin typeface="Courier New" panose="02070309020205020404" pitchFamily="49" charset="0"/>
+                <a:cs typeface="Courier New" panose="02070309020205020404" pitchFamily="49" charset="0"/>
+              </a:rPr>
+              <a:t>, </a:t>
+            </a:r>
+            <a:r>
+              <a:rPr lang="en-GB" dirty="0" err="1">
+                <a:latin typeface="Courier New" panose="02070309020205020404" pitchFamily="49" charset="0"/>
+                <a:cs typeface="Courier New" panose="02070309020205020404" pitchFamily="49" charset="0"/>
+              </a:rPr>
+              <a:t>postavimo</a:t>
+            </a:r>
+            <a:r>
+              <a:rPr lang="en-GB" dirty="0">
+                <a:latin typeface="Courier New" panose="02070309020205020404" pitchFamily="49" charset="0"/>
+                <a:cs typeface="Courier New" panose="02070309020205020404" pitchFamily="49" charset="0"/>
+              </a:rPr>
+              <a:t> je</a:t>
+            </a:r>
+          </a:p>
+          <a:p>
+            <a:pPr marL="0" indent="0">
+              <a:buNone/>
+            </a:pPr>
+            <a:r>
+              <a:rPr lang="en-GB" dirty="0">
+                <a:latin typeface="Courier New" panose="02070309020205020404" pitchFamily="49" charset="0"/>
+                <a:cs typeface="Courier New" panose="02070309020205020404" pitchFamily="49" charset="0"/>
+              </a:rPr>
+              <a:t>  if (!</a:t>
+            </a:r>
+            <a:r>
+              <a:rPr lang="en-GB" dirty="0" err="1">
+                <a:latin typeface="Courier New" panose="02070309020205020404" pitchFamily="49" charset="0"/>
+                <a:cs typeface="Courier New" panose="02070309020205020404" pitchFamily="49" charset="0"/>
+              </a:rPr>
+              <a:t>this.createdAt</a:t>
+            </a:r>
+            <a:r>
+              <a:rPr lang="en-GB" dirty="0">
+                <a:latin typeface="Courier New" panose="02070309020205020404" pitchFamily="49" charset="0"/>
+                <a:cs typeface="Courier New" panose="02070309020205020404" pitchFamily="49" charset="0"/>
+              </a:rPr>
+              <a:t>)</a:t>
+            </a:r>
+          </a:p>
+          <a:p>
+            <a:pPr marL="0" indent="0">
+              <a:buNone/>
+            </a:pPr>
+            <a:r>
+              <a:rPr lang="en-GB" dirty="0">
+                <a:latin typeface="Courier New" panose="02070309020205020404" pitchFamily="49" charset="0"/>
+                <a:cs typeface="Courier New" panose="02070309020205020404" pitchFamily="49" charset="0"/>
+              </a:rPr>
+              <a:t>    </a:t>
+            </a:r>
+            <a:r>
+              <a:rPr lang="en-GB" dirty="0" err="1">
+                <a:latin typeface="Courier New" panose="02070309020205020404" pitchFamily="49" charset="0"/>
+                <a:cs typeface="Courier New" panose="02070309020205020404" pitchFamily="49" charset="0"/>
+              </a:rPr>
+              <a:t>this.createdAt</a:t>
+            </a:r>
+            <a:r>
+              <a:rPr lang="en-GB" dirty="0">
+                <a:latin typeface="Courier New" panose="02070309020205020404" pitchFamily="49" charset="0"/>
+                <a:cs typeface="Courier New" panose="02070309020205020404" pitchFamily="49" charset="0"/>
+              </a:rPr>
+              <a:t> = </a:t>
+            </a:r>
+            <a:r>
+              <a:rPr lang="en-GB" dirty="0" err="1">
+                <a:latin typeface="Courier New" panose="02070309020205020404" pitchFamily="49" charset="0"/>
+                <a:cs typeface="Courier New" panose="02070309020205020404" pitchFamily="49" charset="0"/>
+              </a:rPr>
+              <a:t>currentDate</a:t>
+            </a:r>
+            <a:r>
+              <a:rPr lang="en-GB" dirty="0">
+                <a:latin typeface="Courier New" panose="02070309020205020404" pitchFamily="49" charset="0"/>
+                <a:cs typeface="Courier New" panose="02070309020205020404" pitchFamily="49" charset="0"/>
+              </a:rPr>
+              <a:t>;</a:t>
+            </a:r>
+          </a:p>
+          <a:p>
+            <a:pPr marL="0" indent="0">
+              <a:buNone/>
+            </a:pPr>
+            <a:endParaRPr lang="en-GB" dirty="0">
+              <a:latin typeface="Courier New" panose="02070309020205020404" pitchFamily="49" charset="0"/>
+              <a:cs typeface="Courier New" panose="02070309020205020404" pitchFamily="49" charset="0"/>
+            </a:endParaRPr>
+          </a:p>
+          <a:p>
+            <a:pPr marL="0" indent="0">
+              <a:buNone/>
+            </a:pPr>
+            <a:r>
+              <a:rPr lang="en-GB" dirty="0">
+                <a:latin typeface="Courier New" panose="02070309020205020404" pitchFamily="49" charset="0"/>
+                <a:cs typeface="Courier New" panose="02070309020205020404" pitchFamily="49" charset="0"/>
+              </a:rPr>
+              <a:t>  // </a:t>
+            </a:r>
+            <a:r>
+              <a:rPr lang="en-GB" dirty="0" err="1">
+                <a:latin typeface="Courier New" panose="02070309020205020404" pitchFamily="49" charset="0"/>
+                <a:cs typeface="Courier New" panose="02070309020205020404" pitchFamily="49" charset="0"/>
+              </a:rPr>
+              <a:t>predjemo</a:t>
+            </a:r>
+            <a:r>
+              <a:rPr lang="en-GB" dirty="0">
+                <a:latin typeface="Courier New" panose="02070309020205020404" pitchFamily="49" charset="0"/>
+                <a:cs typeface="Courier New" panose="02070309020205020404" pitchFamily="49" charset="0"/>
+              </a:rPr>
+              <a:t> </a:t>
+            </a:r>
+            <a:r>
+              <a:rPr lang="en-GB" dirty="0" err="1">
+                <a:latin typeface="Courier New" panose="02070309020205020404" pitchFamily="49" charset="0"/>
+                <a:cs typeface="Courier New" panose="02070309020205020404" pitchFamily="49" charset="0"/>
+              </a:rPr>
+              <a:t>na</a:t>
+            </a:r>
+            <a:r>
+              <a:rPr lang="en-GB" dirty="0">
+                <a:latin typeface="Courier New" panose="02070309020205020404" pitchFamily="49" charset="0"/>
+                <a:cs typeface="Courier New" panose="02070309020205020404" pitchFamily="49" charset="0"/>
+              </a:rPr>
+              <a:t> </a:t>
+            </a:r>
+            <a:r>
+              <a:rPr lang="en-GB" dirty="0" err="1">
+                <a:latin typeface="Courier New" panose="02070309020205020404" pitchFamily="49" charset="0"/>
+                <a:cs typeface="Courier New" panose="02070309020205020404" pitchFamily="49" charset="0"/>
+              </a:rPr>
+              <a:t>sledecu</a:t>
+            </a:r>
+            <a:r>
+              <a:rPr lang="en-GB" dirty="0">
+                <a:latin typeface="Courier New" panose="02070309020205020404" pitchFamily="49" charset="0"/>
+                <a:cs typeface="Courier New" panose="02070309020205020404" pitchFamily="49" charset="0"/>
+              </a:rPr>
+              <a:t> </a:t>
+            </a:r>
+            <a:r>
+              <a:rPr lang="en-GB" dirty="0" err="1">
+                <a:latin typeface="Courier New" panose="02070309020205020404" pitchFamily="49" charset="0"/>
+                <a:cs typeface="Courier New" panose="02070309020205020404" pitchFamily="49" charset="0"/>
+              </a:rPr>
+              <a:t>funckiju</a:t>
+            </a:r>
+            <a:r>
+              <a:rPr lang="en-GB" dirty="0">
+                <a:latin typeface="Courier New" panose="02070309020205020404" pitchFamily="49" charset="0"/>
+                <a:cs typeface="Courier New" panose="02070309020205020404" pitchFamily="49" charset="0"/>
+              </a:rPr>
+              <a:t> u </a:t>
+            </a:r>
+            <a:r>
+              <a:rPr lang="en-GB" dirty="0" err="1">
+                <a:latin typeface="Courier New" panose="02070309020205020404" pitchFamily="49" charset="0"/>
+                <a:cs typeface="Courier New" panose="02070309020205020404" pitchFamily="49" charset="0"/>
+              </a:rPr>
+              <a:t>lancu</a:t>
+            </a:r>
+            <a:endParaRPr lang="en-GB" dirty="0">
+              <a:latin typeface="Courier New" panose="02070309020205020404" pitchFamily="49" charset="0"/>
+              <a:cs typeface="Courier New" panose="02070309020205020404" pitchFamily="49" charset="0"/>
+            </a:endParaRPr>
+          </a:p>
+          <a:p>
+            <a:pPr marL="0" indent="0">
+              <a:buNone/>
+            </a:pPr>
+            <a:r>
+              <a:rPr lang="en-GB" dirty="0">
+                <a:latin typeface="Courier New" panose="02070309020205020404" pitchFamily="49" charset="0"/>
+                <a:cs typeface="Courier New" panose="02070309020205020404" pitchFamily="49" charset="0"/>
+              </a:rPr>
+              <a:t>  next();</a:t>
+            </a:r>
+          </a:p>
+          <a:p>
+            <a:pPr marL="0" indent="0">
+              <a:buNone/>
+            </a:pPr>
+            <a:r>
+              <a:rPr lang="en-GB" dirty="0">
+                <a:latin typeface="Courier New" panose="02070309020205020404" pitchFamily="49" charset="0"/>
+                <a:cs typeface="Courier New" panose="02070309020205020404" pitchFamily="49" charset="0"/>
+              </a:rPr>
+              <a:t>});</a:t>
+            </a:r>
+          </a:p>
+        </p:txBody>
+      </p:sp>
+    </p:spTree>
+    <p:extLst>
+      <p:ext uri="{BB962C8B-B14F-4D97-AF65-F5344CB8AC3E}">
+        <p14:creationId xmlns:p14="http://schemas.microsoft.com/office/powerpoint/2010/main" val="46556658"/>
+      </p:ext>
+    </p:extLst>
+  </p:cSld>
+  <p:clrMapOvr>
+    <a:masterClrMapping/>
+  </p:clrMapOvr>
+  <p:timing>
+    <p:tnLst>
+      <p:par>
+        <p:cTn id="1" dur="indefinite" restart="never" nodeType="tmRoot"/>
+      </p:par>
+    </p:tnLst>
+  </p:timing>
+</p:sld>
+</file>
+
+<file path=ppt/slides/slide39.xml><?xml version="1.0" encoding="utf-8"?>
+<p:sld xmlns:a="http://schemas.openxmlformats.org/drawingml/2006/main" xmlns:r="http://schemas.openxmlformats.org/officeDocument/2006/relationships" xmlns:p="http://schemas.openxmlformats.org/presentationml/2006/main">
+  <p:cSld>
+    <p:spTree>
+      <p:nvGrpSpPr>
+        <p:cNvPr id="1" name=""/>
+        <p:cNvGrpSpPr/>
+        <p:nvPr/>
+      </p:nvGrpSpPr>
+      <p:grpSpPr>
+        <a:xfrm>
+          <a:off x="0" y="0"/>
+          <a:ext cx="0" cy="0"/>
+          <a:chOff x="0" y="0"/>
+          <a:chExt cx="0" cy="0"/>
+        </a:xfrm>
+      </p:grpSpPr>
+      <p:sp>
+        <p:nvSpPr>
+          <p:cNvPr id="2" name="Title 1"/>
+          <p:cNvSpPr>
+            <a:spLocks noGrp="1"/>
+          </p:cNvSpPr>
+          <p:nvPr>
+            <p:ph type="title"/>
+          </p:nvPr>
+        </p:nvSpPr>
+        <p:spPr/>
+        <p:txBody>
+          <a:bodyPr>
+            <a:normAutofit fontScale="90000"/>
+          </a:bodyPr>
+          <a:lstStyle/>
+          <a:p>
+            <a:r>
+              <a:rPr lang="sr-Latn-RS" dirty="0" smtClean="0"/>
+              <a:t>Mongoose kreiranje i eksport modela</a:t>
+            </a:r>
+            <a:endParaRPr lang="en-GB" dirty="0"/>
+          </a:p>
+        </p:txBody>
+      </p:sp>
+      <p:sp>
+        <p:nvSpPr>
+          <p:cNvPr id="3" name="Content Placeholder 2"/>
+          <p:cNvSpPr>
+            <a:spLocks noGrp="1"/>
+          </p:cNvSpPr>
+          <p:nvPr>
+            <p:ph idx="1"/>
+          </p:nvPr>
+        </p:nvSpPr>
+        <p:spPr/>
+        <p:txBody>
+          <a:bodyPr>
+            <a:normAutofit/>
+          </a:bodyPr>
+          <a:lstStyle/>
+          <a:p>
+            <a:pPr marL="0" indent="0">
+              <a:buNone/>
+            </a:pPr>
+            <a:r>
+              <a:rPr lang="en-GB" sz="2000" dirty="0">
+                <a:latin typeface="Courier New" panose="02070309020205020404" pitchFamily="49" charset="0"/>
+                <a:cs typeface="Courier New" panose="02070309020205020404" pitchFamily="49" charset="0"/>
+              </a:rPr>
+              <a:t>// od </a:t>
+            </a:r>
+            <a:r>
+              <a:rPr lang="en-GB" sz="2000" dirty="0" err="1">
+                <a:latin typeface="Courier New" panose="02070309020205020404" pitchFamily="49" charset="0"/>
+                <a:cs typeface="Courier New" panose="02070309020205020404" pitchFamily="49" charset="0"/>
+              </a:rPr>
+              <a:t>sheme</a:t>
+            </a:r>
+            <a:r>
+              <a:rPr lang="en-GB" sz="2000" dirty="0">
+                <a:latin typeface="Courier New" panose="02070309020205020404" pitchFamily="49" charset="0"/>
+                <a:cs typeface="Courier New" panose="02070309020205020404" pitchFamily="49" charset="0"/>
+              </a:rPr>
+              <a:t> </a:t>
+            </a:r>
+            <a:r>
+              <a:rPr lang="en-GB" sz="2000" dirty="0" err="1">
+                <a:latin typeface="Courier New" panose="02070309020205020404" pitchFamily="49" charset="0"/>
+                <a:cs typeface="Courier New" panose="02070309020205020404" pitchFamily="49" charset="0"/>
+              </a:rPr>
+              <a:t>kreiramo</a:t>
+            </a:r>
+            <a:r>
+              <a:rPr lang="en-GB" sz="2000" dirty="0">
+                <a:latin typeface="Courier New" panose="02070309020205020404" pitchFamily="49" charset="0"/>
+                <a:cs typeface="Courier New" panose="02070309020205020404" pitchFamily="49" charset="0"/>
+              </a:rPr>
+              <a:t> model </a:t>
+            </a:r>
+            <a:r>
+              <a:rPr lang="en-GB" sz="2000" dirty="0" err="1">
+                <a:latin typeface="Courier New" panose="02070309020205020404" pitchFamily="49" charset="0"/>
+                <a:cs typeface="Courier New" panose="02070309020205020404" pitchFamily="49" charset="0"/>
+              </a:rPr>
+              <a:t>koji</a:t>
+            </a:r>
+            <a:r>
+              <a:rPr lang="en-GB" sz="2000" dirty="0">
+                <a:latin typeface="Courier New" panose="02070309020205020404" pitchFamily="49" charset="0"/>
+                <a:cs typeface="Courier New" panose="02070309020205020404" pitchFamily="49" charset="0"/>
+              </a:rPr>
+              <a:t> </a:t>
+            </a:r>
+            <a:r>
+              <a:rPr lang="en-GB" sz="2000" dirty="0" err="1">
+                <a:latin typeface="Courier New" panose="02070309020205020404" pitchFamily="49" charset="0"/>
+                <a:cs typeface="Courier New" panose="02070309020205020404" pitchFamily="49" charset="0"/>
+              </a:rPr>
+              <a:t>cemo</a:t>
+            </a:r>
+            <a:r>
+              <a:rPr lang="en-GB" sz="2000" dirty="0">
+                <a:latin typeface="Courier New" panose="02070309020205020404" pitchFamily="49" charset="0"/>
+                <a:cs typeface="Courier New" panose="02070309020205020404" pitchFamily="49" charset="0"/>
+              </a:rPr>
+              <a:t> </a:t>
+            </a:r>
+            <a:r>
+              <a:rPr lang="en-GB" sz="2000" dirty="0" err="1">
+                <a:latin typeface="Courier New" panose="02070309020205020404" pitchFamily="49" charset="0"/>
+                <a:cs typeface="Courier New" panose="02070309020205020404" pitchFamily="49" charset="0"/>
+              </a:rPr>
+              <a:t>koristiti</a:t>
+            </a:r>
+            <a:endParaRPr lang="en-GB" sz="2000" dirty="0">
+              <a:latin typeface="Courier New" panose="02070309020205020404" pitchFamily="49" charset="0"/>
+              <a:cs typeface="Courier New" panose="02070309020205020404" pitchFamily="49" charset="0"/>
+            </a:endParaRPr>
+          </a:p>
+          <a:p>
+            <a:pPr marL="0" indent="0">
+              <a:buNone/>
+            </a:pPr>
+            <a:r>
+              <a:rPr lang="en-GB" sz="2000" dirty="0" err="1">
+                <a:latin typeface="Courier New" panose="02070309020205020404" pitchFamily="49" charset="0"/>
+                <a:cs typeface="Courier New" panose="02070309020205020404" pitchFamily="49" charset="0"/>
+              </a:rPr>
+              <a:t>var</a:t>
+            </a:r>
+            <a:r>
+              <a:rPr lang="en-GB" sz="2000" dirty="0">
+                <a:latin typeface="Courier New" panose="02070309020205020404" pitchFamily="49" charset="0"/>
+                <a:cs typeface="Courier New" panose="02070309020205020404" pitchFamily="49" charset="0"/>
+              </a:rPr>
+              <a:t> </a:t>
+            </a:r>
+            <a:r>
+              <a:rPr lang="en-GB" sz="2000" dirty="0" err="1">
+                <a:latin typeface="Courier New" panose="02070309020205020404" pitchFamily="49" charset="0"/>
+                <a:cs typeface="Courier New" panose="02070309020205020404" pitchFamily="49" charset="0"/>
+              </a:rPr>
+              <a:t>BlogEntry</a:t>
+            </a:r>
+            <a:r>
+              <a:rPr lang="en-GB" sz="2000" dirty="0">
+                <a:latin typeface="Courier New" panose="02070309020205020404" pitchFamily="49" charset="0"/>
+                <a:cs typeface="Courier New" panose="02070309020205020404" pitchFamily="49" charset="0"/>
+              </a:rPr>
+              <a:t> = </a:t>
+            </a:r>
+            <a:r>
+              <a:rPr lang="en-GB" sz="2000" dirty="0" err="1">
+                <a:latin typeface="Courier New" panose="02070309020205020404" pitchFamily="49" charset="0"/>
+                <a:cs typeface="Courier New" panose="02070309020205020404" pitchFamily="49" charset="0"/>
+              </a:rPr>
+              <a:t>mongoose.model</a:t>
+            </a:r>
+            <a:r>
+              <a:rPr lang="en-GB" sz="2000" dirty="0">
+                <a:latin typeface="Courier New" panose="02070309020205020404" pitchFamily="49" charset="0"/>
+                <a:cs typeface="Courier New" panose="02070309020205020404" pitchFamily="49" charset="0"/>
+              </a:rPr>
+              <a:t>('</a:t>
+            </a:r>
+            <a:r>
+              <a:rPr lang="en-GB" sz="2000" dirty="0" err="1">
+                <a:latin typeface="Courier New" panose="02070309020205020404" pitchFamily="49" charset="0"/>
+                <a:cs typeface="Courier New" panose="02070309020205020404" pitchFamily="49" charset="0"/>
+              </a:rPr>
+              <a:t>BlogEntry</a:t>
+            </a:r>
+            <a:r>
+              <a:rPr lang="en-GB" sz="2000" dirty="0">
+                <a:latin typeface="Courier New" panose="02070309020205020404" pitchFamily="49" charset="0"/>
+                <a:cs typeface="Courier New" panose="02070309020205020404" pitchFamily="49" charset="0"/>
+              </a:rPr>
+              <a:t>', </a:t>
+            </a:r>
+            <a:r>
+              <a:rPr lang="en-GB" sz="2000" dirty="0" err="1">
+                <a:latin typeface="Courier New" panose="02070309020205020404" pitchFamily="49" charset="0"/>
+                <a:cs typeface="Courier New" panose="02070309020205020404" pitchFamily="49" charset="0"/>
+              </a:rPr>
+              <a:t>blogEntrySchema</a:t>
+            </a:r>
+            <a:r>
+              <a:rPr lang="en-GB" sz="2000" dirty="0">
+                <a:latin typeface="Courier New" panose="02070309020205020404" pitchFamily="49" charset="0"/>
+                <a:cs typeface="Courier New" panose="02070309020205020404" pitchFamily="49" charset="0"/>
+              </a:rPr>
+              <a:t>);</a:t>
+            </a:r>
+          </a:p>
+          <a:p>
+            <a:pPr marL="0" indent="0">
+              <a:buNone/>
+            </a:pPr>
+            <a:endParaRPr lang="en-GB" sz="2000" dirty="0">
+              <a:latin typeface="Courier New" panose="02070309020205020404" pitchFamily="49" charset="0"/>
+              <a:cs typeface="Courier New" panose="02070309020205020404" pitchFamily="49" charset="0"/>
+            </a:endParaRPr>
+          </a:p>
+          <a:p>
+            <a:pPr marL="0" indent="0">
+              <a:buNone/>
+            </a:pPr>
+            <a:r>
+              <a:rPr lang="en-GB" sz="2000" dirty="0">
+                <a:latin typeface="Courier New" panose="02070309020205020404" pitchFamily="49" charset="0"/>
+                <a:cs typeface="Courier New" panose="02070309020205020404" pitchFamily="49" charset="0"/>
+              </a:rPr>
+              <a:t>// </a:t>
+            </a:r>
+            <a:r>
+              <a:rPr lang="en-GB" sz="2000" dirty="0" err="1">
+                <a:latin typeface="Courier New" panose="02070309020205020404" pitchFamily="49" charset="0"/>
+                <a:cs typeface="Courier New" panose="02070309020205020404" pitchFamily="49" charset="0"/>
+              </a:rPr>
+              <a:t>publikujemo</a:t>
+            </a:r>
+            <a:r>
+              <a:rPr lang="en-GB" sz="2000" dirty="0">
+                <a:latin typeface="Courier New" panose="02070309020205020404" pitchFamily="49" charset="0"/>
+                <a:cs typeface="Courier New" panose="02070309020205020404" pitchFamily="49" charset="0"/>
+              </a:rPr>
+              <a:t> </a:t>
+            </a:r>
+            <a:r>
+              <a:rPr lang="en-GB" sz="2000" dirty="0" err="1">
+                <a:latin typeface="Courier New" panose="02070309020205020404" pitchFamily="49" charset="0"/>
+                <a:cs typeface="Courier New" panose="02070309020205020404" pitchFamily="49" charset="0"/>
+              </a:rPr>
+              <a:t>kreirani</a:t>
+            </a:r>
+            <a:r>
+              <a:rPr lang="en-GB" sz="2000" dirty="0">
+                <a:latin typeface="Courier New" panose="02070309020205020404" pitchFamily="49" charset="0"/>
+                <a:cs typeface="Courier New" panose="02070309020205020404" pitchFamily="49" charset="0"/>
+              </a:rPr>
+              <a:t> model</a:t>
+            </a:r>
+          </a:p>
+          <a:p>
+            <a:pPr marL="0" indent="0">
+              <a:buNone/>
+            </a:pPr>
+            <a:r>
+              <a:rPr lang="en-GB" sz="2000" dirty="0" err="1">
+                <a:latin typeface="Courier New" panose="02070309020205020404" pitchFamily="49" charset="0"/>
+                <a:cs typeface="Courier New" panose="02070309020205020404" pitchFamily="49" charset="0"/>
+              </a:rPr>
+              <a:t>module.exports</a:t>
+            </a:r>
+            <a:r>
+              <a:rPr lang="en-GB" sz="2000" dirty="0">
+                <a:latin typeface="Courier New" panose="02070309020205020404" pitchFamily="49" charset="0"/>
+                <a:cs typeface="Courier New" panose="02070309020205020404" pitchFamily="49" charset="0"/>
+              </a:rPr>
+              <a:t> = </a:t>
+            </a:r>
+            <a:r>
+              <a:rPr lang="en-GB" sz="2000" dirty="0" err="1">
+                <a:latin typeface="Courier New" panose="02070309020205020404" pitchFamily="49" charset="0"/>
+                <a:cs typeface="Courier New" panose="02070309020205020404" pitchFamily="49" charset="0"/>
+              </a:rPr>
+              <a:t>BlogEntry</a:t>
+            </a:r>
+            <a:r>
+              <a:rPr lang="en-GB" sz="2000" dirty="0">
+                <a:latin typeface="Courier New" panose="02070309020205020404" pitchFamily="49" charset="0"/>
+                <a:cs typeface="Courier New" panose="02070309020205020404" pitchFamily="49" charset="0"/>
+              </a:rPr>
+              <a:t>;</a:t>
+            </a:r>
+          </a:p>
+        </p:txBody>
+      </p:sp>
+    </p:spTree>
+    <p:extLst>
+      <p:ext uri="{BB962C8B-B14F-4D97-AF65-F5344CB8AC3E}">
+        <p14:creationId xmlns:p14="http://schemas.microsoft.com/office/powerpoint/2010/main" val="2293763071"/>
+      </p:ext>
+    </p:extLst>
+  </p:cSld>
+  <p:clrMapOvr>
+    <a:masterClrMapping/>
+  </p:clrMapOvr>
+  <p:timing>
+    <p:tnLst>
+      <p:par>
+        <p:cTn id="1" dur="indefinite" restart="never" nodeType="tmRoot"/>
+      </p:par>
+    </p:tnLst>
+  </p:timing>
+</p:sld>
+</file>
+
 <file path=ppt/slides/slide4.xml><?xml version="1.0" encoding="utf-8"?>
 <p:sld xmlns:a="http://schemas.openxmlformats.org/drawingml/2006/main" xmlns:r="http://schemas.openxmlformats.org/officeDocument/2006/relationships" xmlns:p="http://schemas.openxmlformats.org/presentationml/2006/main">
   <p:cSld>
@@ -8997,6 +12752,578 @@
     <p:extLst>
       <p:ext uri="{BB962C8B-B14F-4D97-AF65-F5344CB8AC3E}">
         <p14:creationId xmlns:p14="http://schemas.microsoft.com/office/powerpoint/2010/main" val="3373755683"/>
+      </p:ext>
+    </p:extLst>
+  </p:cSld>
+  <p:clrMapOvr>
+    <a:masterClrMapping/>
+  </p:clrMapOvr>
+  <p:timing>
+    <p:tnLst>
+      <p:par>
+        <p:cTn id="1" dur="indefinite" restart="never" nodeType="tmRoot"/>
+      </p:par>
+    </p:tnLst>
+  </p:timing>
+</p:sld>
+</file>
+
+<file path=ppt/slides/slide40.xml><?xml version="1.0" encoding="utf-8"?>
+<p:sld xmlns:a="http://schemas.openxmlformats.org/drawingml/2006/main" xmlns:r="http://schemas.openxmlformats.org/officeDocument/2006/relationships" xmlns:p="http://schemas.openxmlformats.org/presentationml/2006/main">
+  <p:cSld>
+    <p:spTree>
+      <p:nvGrpSpPr>
+        <p:cNvPr id="1" name=""/>
+        <p:cNvGrpSpPr/>
+        <p:nvPr/>
+      </p:nvGrpSpPr>
+      <p:grpSpPr>
+        <a:xfrm>
+          <a:off x="0" y="0"/>
+          <a:ext cx="0" cy="0"/>
+          <a:chOff x="0" y="0"/>
+          <a:chExt cx="0" cy="0"/>
+        </a:xfrm>
+      </p:grpSpPr>
+      <p:sp>
+        <p:nvSpPr>
+          <p:cNvPr id="2" name="Title 1"/>
+          <p:cNvSpPr>
+            <a:spLocks noGrp="1"/>
+          </p:cNvSpPr>
+          <p:nvPr>
+            <p:ph type="title"/>
+          </p:nvPr>
+        </p:nvSpPr>
+        <p:spPr/>
+        <p:txBody>
+          <a:bodyPr/>
+          <a:lstStyle/>
+          <a:p>
+            <a:r>
+              <a:rPr lang="sr-Latn-RS" dirty="0" smtClean="0"/>
+              <a:t>Mongoose korišćenje modela</a:t>
+            </a:r>
+            <a:endParaRPr lang="en-GB" dirty="0"/>
+          </a:p>
+        </p:txBody>
+      </p:sp>
+      <p:sp>
+        <p:nvSpPr>
+          <p:cNvPr id="3" name="Content Placeholder 2"/>
+          <p:cNvSpPr>
+            <a:spLocks noGrp="1"/>
+          </p:cNvSpPr>
+          <p:nvPr>
+            <p:ph idx="1"/>
+          </p:nvPr>
+        </p:nvSpPr>
+        <p:spPr/>
+        <p:txBody>
+          <a:bodyPr>
+            <a:normAutofit/>
+          </a:bodyPr>
+          <a:lstStyle/>
+          <a:p>
+            <a:pPr marL="0" indent="0">
+              <a:buNone/>
+            </a:pPr>
+            <a:r>
+              <a:rPr lang="en-GB" sz="2000" dirty="0" err="1" smtClean="0">
+                <a:latin typeface="Courier New" panose="02070309020205020404" pitchFamily="49" charset="0"/>
+                <a:cs typeface="Courier New" panose="02070309020205020404" pitchFamily="49" charset="0"/>
+              </a:rPr>
+              <a:t>var</a:t>
+            </a:r>
+            <a:r>
+              <a:rPr lang="en-GB" sz="2000" dirty="0" smtClean="0">
+                <a:latin typeface="Courier New" panose="02070309020205020404" pitchFamily="49" charset="0"/>
+                <a:cs typeface="Courier New" panose="02070309020205020404" pitchFamily="49" charset="0"/>
+              </a:rPr>
+              <a:t> </a:t>
+            </a:r>
+            <a:r>
+              <a:rPr lang="en-GB" sz="2000" dirty="0">
+                <a:latin typeface="Courier New" panose="02070309020205020404" pitchFamily="49" charset="0"/>
+                <a:cs typeface="Courier New" panose="02070309020205020404" pitchFamily="49" charset="0"/>
+              </a:rPr>
+              <a:t>mongoose = require('mongoose</a:t>
+            </a:r>
+            <a:r>
+              <a:rPr lang="en-GB" sz="2000" dirty="0" smtClean="0">
+                <a:latin typeface="Courier New" panose="02070309020205020404" pitchFamily="49" charset="0"/>
+                <a:cs typeface="Courier New" panose="02070309020205020404" pitchFamily="49" charset="0"/>
+              </a:rPr>
+              <a:t>'); </a:t>
+            </a:r>
+            <a:r>
+              <a:rPr lang="en-GB" sz="2000" dirty="0" err="1" smtClean="0">
+                <a:latin typeface="Courier New" panose="02070309020205020404" pitchFamily="49" charset="0"/>
+                <a:cs typeface="Courier New" panose="02070309020205020404" pitchFamily="49" charset="0"/>
+              </a:rPr>
+              <a:t>mongoose.connect</a:t>
+            </a:r>
+            <a:r>
+              <a:rPr lang="en-GB" sz="2000" dirty="0">
+                <a:latin typeface="Courier New" panose="02070309020205020404" pitchFamily="49" charset="0"/>
+                <a:cs typeface="Courier New" panose="02070309020205020404" pitchFamily="49" charset="0"/>
+              </a:rPr>
+              <a:t>('</a:t>
+            </a:r>
+            <a:r>
+              <a:rPr lang="en-GB" sz="2000" dirty="0" err="1">
+                <a:latin typeface="Courier New" panose="02070309020205020404" pitchFamily="49" charset="0"/>
+                <a:cs typeface="Courier New" panose="02070309020205020404" pitchFamily="49" charset="0"/>
+              </a:rPr>
+              <a:t>mongodb</a:t>
+            </a:r>
+            <a:r>
+              <a:rPr lang="en-GB" sz="2000" dirty="0">
+                <a:latin typeface="Courier New" panose="02070309020205020404" pitchFamily="49" charset="0"/>
+                <a:cs typeface="Courier New" panose="02070309020205020404" pitchFamily="49" charset="0"/>
+              </a:rPr>
+              <a:t>://localhost/primer1</a:t>
+            </a:r>
+            <a:r>
+              <a:rPr lang="en-GB" sz="2000" dirty="0" smtClean="0">
+                <a:latin typeface="Courier New" panose="02070309020205020404" pitchFamily="49" charset="0"/>
+                <a:cs typeface="Courier New" panose="02070309020205020404" pitchFamily="49" charset="0"/>
+              </a:rPr>
+              <a:t>');</a:t>
+            </a:r>
+            <a:endParaRPr lang="en-GB" sz="2000" dirty="0">
+              <a:latin typeface="Courier New" panose="02070309020205020404" pitchFamily="49" charset="0"/>
+              <a:cs typeface="Courier New" panose="02070309020205020404" pitchFamily="49" charset="0"/>
+            </a:endParaRPr>
+          </a:p>
+          <a:p>
+            <a:pPr marL="0" indent="0">
+              <a:buNone/>
+            </a:pPr>
+            <a:r>
+              <a:rPr lang="en-GB" sz="2000" dirty="0" err="1">
+                <a:latin typeface="Courier New" panose="02070309020205020404" pitchFamily="49" charset="0"/>
+                <a:cs typeface="Courier New" panose="02070309020205020404" pitchFamily="49" charset="0"/>
+              </a:rPr>
+              <a:t>var</a:t>
+            </a:r>
+            <a:r>
+              <a:rPr lang="en-GB" sz="2000" dirty="0">
+                <a:latin typeface="Courier New" panose="02070309020205020404" pitchFamily="49" charset="0"/>
+                <a:cs typeface="Courier New" panose="02070309020205020404" pitchFamily="49" charset="0"/>
+              </a:rPr>
+              <a:t> </a:t>
+            </a:r>
+            <a:r>
+              <a:rPr lang="en-GB" sz="2000" dirty="0" err="1">
+                <a:latin typeface="Courier New" panose="02070309020205020404" pitchFamily="49" charset="0"/>
+                <a:cs typeface="Courier New" panose="02070309020205020404" pitchFamily="49" charset="0"/>
+              </a:rPr>
+              <a:t>BlogEntry</a:t>
+            </a:r>
+            <a:r>
+              <a:rPr lang="en-GB" sz="2000" dirty="0">
+                <a:latin typeface="Courier New" panose="02070309020205020404" pitchFamily="49" charset="0"/>
+                <a:cs typeface="Courier New" panose="02070309020205020404" pitchFamily="49" charset="0"/>
+              </a:rPr>
+              <a:t> = require('../app/model/</a:t>
+            </a:r>
+            <a:r>
+              <a:rPr lang="en-GB" sz="2000" dirty="0" err="1">
+                <a:latin typeface="Courier New" panose="02070309020205020404" pitchFamily="49" charset="0"/>
+                <a:cs typeface="Courier New" panose="02070309020205020404" pitchFamily="49" charset="0"/>
+              </a:rPr>
+              <a:t>blogEntry</a:t>
+            </a:r>
+            <a:r>
+              <a:rPr lang="en-GB" sz="2000" dirty="0" smtClean="0">
+                <a:latin typeface="Courier New" panose="02070309020205020404" pitchFamily="49" charset="0"/>
+                <a:cs typeface="Courier New" panose="02070309020205020404" pitchFamily="49" charset="0"/>
+              </a:rPr>
+              <a:t>');</a:t>
+            </a:r>
+            <a:endParaRPr lang="sr-Latn-RS" sz="2000" dirty="0" smtClean="0">
+              <a:latin typeface="Courier New" panose="02070309020205020404" pitchFamily="49" charset="0"/>
+              <a:cs typeface="Courier New" panose="02070309020205020404" pitchFamily="49" charset="0"/>
+            </a:endParaRPr>
+          </a:p>
+          <a:p>
+            <a:pPr marL="0" indent="0">
+              <a:buNone/>
+            </a:pPr>
+            <a:r>
+              <a:rPr lang="en-GB" sz="2000" dirty="0" err="1">
+                <a:latin typeface="Courier New" panose="02070309020205020404" pitchFamily="49" charset="0"/>
+                <a:cs typeface="Courier New" panose="02070309020205020404" pitchFamily="49" charset="0"/>
+              </a:rPr>
+              <a:t>var</a:t>
+            </a:r>
+            <a:r>
+              <a:rPr lang="en-GB" sz="2000" dirty="0">
+                <a:latin typeface="Courier New" panose="02070309020205020404" pitchFamily="49" charset="0"/>
+                <a:cs typeface="Courier New" panose="02070309020205020404" pitchFamily="49" charset="0"/>
+              </a:rPr>
+              <a:t> </a:t>
+            </a:r>
+            <a:r>
+              <a:rPr lang="en-GB" sz="2000" dirty="0" err="1">
+                <a:latin typeface="Courier New" panose="02070309020205020404" pitchFamily="49" charset="0"/>
+                <a:cs typeface="Courier New" panose="02070309020205020404" pitchFamily="49" charset="0"/>
+              </a:rPr>
+              <a:t>helloWorldEntry</a:t>
+            </a:r>
+            <a:r>
+              <a:rPr lang="en-GB" sz="2000" dirty="0">
+                <a:latin typeface="Courier New" panose="02070309020205020404" pitchFamily="49" charset="0"/>
+                <a:cs typeface="Courier New" panose="02070309020205020404" pitchFamily="49" charset="0"/>
+              </a:rPr>
+              <a:t> = new </a:t>
+            </a:r>
+            <a:r>
+              <a:rPr lang="en-GB" sz="2000" dirty="0" err="1">
+                <a:latin typeface="Courier New" panose="02070309020205020404" pitchFamily="49" charset="0"/>
+                <a:cs typeface="Courier New" panose="02070309020205020404" pitchFamily="49" charset="0"/>
+              </a:rPr>
+              <a:t>BlogEntry</a:t>
+            </a:r>
+            <a:r>
+              <a:rPr lang="en-GB" sz="2000" dirty="0" smtClean="0">
+                <a:latin typeface="Courier New" panose="02070309020205020404" pitchFamily="49" charset="0"/>
+                <a:cs typeface="Courier New" panose="02070309020205020404" pitchFamily="49" charset="0"/>
+              </a:rPr>
+              <a:t>({</a:t>
+            </a:r>
+            <a:endParaRPr lang="sr-Latn-RS" sz="2000" dirty="0" smtClean="0">
+              <a:latin typeface="Courier New" panose="02070309020205020404" pitchFamily="49" charset="0"/>
+              <a:cs typeface="Courier New" panose="02070309020205020404" pitchFamily="49" charset="0"/>
+            </a:endParaRPr>
+          </a:p>
+          <a:p>
+            <a:pPr marL="0" indent="0">
+              <a:buNone/>
+            </a:pPr>
+            <a:r>
+              <a:rPr lang="en-GB" sz="2000" dirty="0" smtClean="0">
+                <a:latin typeface="Courier New" panose="02070309020205020404" pitchFamily="49" charset="0"/>
+                <a:cs typeface="Courier New" panose="02070309020205020404" pitchFamily="49" charset="0"/>
+              </a:rPr>
+              <a:t>    </a:t>
+            </a:r>
+            <a:r>
+              <a:rPr lang="en-GB" sz="2000" dirty="0">
+                <a:latin typeface="Courier New" panose="02070309020205020404" pitchFamily="49" charset="0"/>
+                <a:cs typeface="Courier New" panose="02070309020205020404" pitchFamily="49" charset="0"/>
+              </a:rPr>
+              <a:t>title: 'Hello World</a:t>
+            </a:r>
+            <a:r>
+              <a:rPr lang="en-GB" sz="2000" dirty="0" smtClean="0">
+                <a:latin typeface="Courier New" panose="02070309020205020404" pitchFamily="49" charset="0"/>
+                <a:cs typeface="Courier New" panose="02070309020205020404" pitchFamily="49" charset="0"/>
+              </a:rPr>
+              <a:t>!',</a:t>
+            </a:r>
+            <a:endParaRPr lang="sr-Latn-RS" sz="2000" dirty="0" smtClean="0">
+              <a:latin typeface="Courier New" panose="02070309020205020404" pitchFamily="49" charset="0"/>
+              <a:cs typeface="Courier New" panose="02070309020205020404" pitchFamily="49" charset="0"/>
+            </a:endParaRPr>
+          </a:p>
+          <a:p>
+            <a:pPr marL="0" indent="0">
+              <a:buNone/>
+            </a:pPr>
+            <a:r>
+              <a:rPr lang="en-GB" sz="2000" dirty="0" smtClean="0">
+                <a:latin typeface="Courier New" panose="02070309020205020404" pitchFamily="49" charset="0"/>
+                <a:cs typeface="Courier New" panose="02070309020205020404" pitchFamily="49" charset="0"/>
+              </a:rPr>
+              <a:t>    </a:t>
+            </a:r>
+            <a:r>
+              <a:rPr lang="en-GB" sz="2000" dirty="0">
+                <a:latin typeface="Courier New" panose="02070309020205020404" pitchFamily="49" charset="0"/>
+                <a:cs typeface="Courier New" panose="02070309020205020404" pitchFamily="49" charset="0"/>
+              </a:rPr>
+              <a:t>description: '</a:t>
+            </a:r>
+            <a:r>
+              <a:rPr lang="en-GB" sz="2000" dirty="0" err="1">
+                <a:latin typeface="Courier New" panose="02070309020205020404" pitchFamily="49" charset="0"/>
+                <a:cs typeface="Courier New" panose="02070309020205020404" pitchFamily="49" charset="0"/>
+              </a:rPr>
+              <a:t>prvi</a:t>
+            </a:r>
+            <a:r>
+              <a:rPr lang="en-GB" sz="2000" dirty="0">
+                <a:latin typeface="Courier New" panose="02070309020205020404" pitchFamily="49" charset="0"/>
+                <a:cs typeface="Courier New" panose="02070309020205020404" pitchFamily="49" charset="0"/>
+              </a:rPr>
+              <a:t> blog post</a:t>
+            </a:r>
+            <a:r>
+              <a:rPr lang="en-GB" sz="2000" dirty="0" smtClean="0">
+                <a:latin typeface="Courier New" panose="02070309020205020404" pitchFamily="49" charset="0"/>
+                <a:cs typeface="Courier New" panose="02070309020205020404" pitchFamily="49" charset="0"/>
+              </a:rPr>
+              <a:t>',</a:t>
+            </a:r>
+            <a:endParaRPr lang="sr-Latn-RS" sz="2000" dirty="0" smtClean="0">
+              <a:latin typeface="Courier New" panose="02070309020205020404" pitchFamily="49" charset="0"/>
+              <a:cs typeface="Courier New" panose="02070309020205020404" pitchFamily="49" charset="0"/>
+            </a:endParaRPr>
+          </a:p>
+          <a:p>
+            <a:pPr marL="0" indent="0">
+              <a:buNone/>
+            </a:pPr>
+            <a:r>
+              <a:rPr lang="en-GB" sz="2000" dirty="0" smtClean="0">
+                <a:latin typeface="Courier New" panose="02070309020205020404" pitchFamily="49" charset="0"/>
+                <a:cs typeface="Courier New" panose="02070309020205020404" pitchFamily="49" charset="0"/>
+              </a:rPr>
+              <a:t>    </a:t>
+            </a:r>
+            <a:r>
+              <a:rPr lang="en-GB" sz="2000" dirty="0">
+                <a:latin typeface="Courier New" panose="02070309020205020404" pitchFamily="49" charset="0"/>
+                <a:cs typeface="Courier New" panose="02070309020205020404" pitchFamily="49" charset="0"/>
+              </a:rPr>
+              <a:t>entry: 'Lorem ipsum </a:t>
+            </a:r>
+            <a:r>
+              <a:rPr lang="en-GB" sz="2000" dirty="0" err="1">
+                <a:latin typeface="Courier New" panose="02070309020205020404" pitchFamily="49" charset="0"/>
+                <a:cs typeface="Courier New" panose="02070309020205020404" pitchFamily="49" charset="0"/>
+              </a:rPr>
+              <a:t>dolor</a:t>
+            </a:r>
+            <a:r>
+              <a:rPr lang="en-GB" sz="2000" dirty="0">
+                <a:latin typeface="Courier New" panose="02070309020205020404" pitchFamily="49" charset="0"/>
+                <a:cs typeface="Courier New" panose="02070309020205020404" pitchFamily="49" charset="0"/>
+              </a:rPr>
+              <a:t> sit </a:t>
+            </a:r>
+            <a:r>
+              <a:rPr lang="en-GB" sz="2000" dirty="0" err="1">
+                <a:latin typeface="Courier New" panose="02070309020205020404" pitchFamily="49" charset="0"/>
+                <a:cs typeface="Courier New" panose="02070309020205020404" pitchFamily="49" charset="0"/>
+              </a:rPr>
+              <a:t>amet</a:t>
+            </a:r>
+            <a:r>
+              <a:rPr lang="en-GB" sz="2000" dirty="0">
+                <a:latin typeface="Courier New" panose="02070309020205020404" pitchFamily="49" charset="0"/>
+                <a:cs typeface="Courier New" panose="02070309020205020404" pitchFamily="49" charset="0"/>
+              </a:rPr>
+              <a:t>, </a:t>
+            </a:r>
+            <a:r>
+              <a:rPr lang="en-GB" sz="2000" dirty="0" smtClean="0">
+                <a:latin typeface="Courier New" panose="02070309020205020404" pitchFamily="49" charset="0"/>
+                <a:cs typeface="Courier New" panose="02070309020205020404" pitchFamily="49" charset="0"/>
+              </a:rPr>
+              <a:t>’</a:t>
+            </a:r>
+            <a:endParaRPr lang="sr-Latn-RS" sz="2000" dirty="0" smtClean="0">
+              <a:latin typeface="Courier New" panose="02070309020205020404" pitchFamily="49" charset="0"/>
+              <a:cs typeface="Courier New" panose="02070309020205020404" pitchFamily="49" charset="0"/>
+            </a:endParaRPr>
+          </a:p>
+          <a:p>
+            <a:pPr marL="0" indent="0">
+              <a:buNone/>
+            </a:pPr>
+            <a:r>
+              <a:rPr lang="sr-Latn-RS" sz="2000" dirty="0" smtClean="0">
+                <a:latin typeface="Courier New" panose="02070309020205020404" pitchFamily="49" charset="0"/>
+                <a:cs typeface="Courier New" panose="02070309020205020404" pitchFamily="49" charset="0"/>
+              </a:rPr>
+              <a:t>});</a:t>
+            </a:r>
+          </a:p>
+          <a:p>
+            <a:pPr marL="0" indent="0">
+              <a:buNone/>
+            </a:pPr>
+            <a:r>
+              <a:rPr lang="en-GB" sz="2000" dirty="0" err="1" smtClean="0">
+                <a:latin typeface="Courier New" panose="02070309020205020404" pitchFamily="49" charset="0"/>
+                <a:cs typeface="Courier New" panose="02070309020205020404" pitchFamily="49" charset="0"/>
+              </a:rPr>
+              <a:t>helloWorldEntry.save</a:t>
+            </a:r>
+            <a:r>
+              <a:rPr lang="en-GB" sz="2000" dirty="0" smtClean="0">
+                <a:latin typeface="Courier New" panose="02070309020205020404" pitchFamily="49" charset="0"/>
+                <a:cs typeface="Courier New" panose="02070309020205020404" pitchFamily="49" charset="0"/>
+              </a:rPr>
+              <a:t>(function(err</a:t>
+            </a:r>
+            <a:r>
+              <a:rPr lang="en-GB" sz="2000" dirty="0">
+                <a:latin typeface="Courier New" panose="02070309020205020404" pitchFamily="49" charset="0"/>
+                <a:cs typeface="Courier New" panose="02070309020205020404" pitchFamily="49" charset="0"/>
+              </a:rPr>
+              <a:t>) </a:t>
+            </a:r>
+            <a:r>
+              <a:rPr lang="en-GB" sz="2000" dirty="0" smtClean="0">
+                <a:latin typeface="Courier New" panose="02070309020205020404" pitchFamily="49" charset="0"/>
+                <a:cs typeface="Courier New" panose="02070309020205020404" pitchFamily="49" charset="0"/>
+              </a:rPr>
+              <a:t>{</a:t>
+            </a:r>
+            <a:endParaRPr lang="sr-Latn-RS" sz="2000" dirty="0" smtClean="0">
+              <a:latin typeface="Courier New" panose="02070309020205020404" pitchFamily="49" charset="0"/>
+              <a:cs typeface="Courier New" panose="02070309020205020404" pitchFamily="49" charset="0"/>
+            </a:endParaRPr>
+          </a:p>
+          <a:p>
+            <a:pPr marL="0" indent="0">
+              <a:buNone/>
+            </a:pPr>
+            <a:r>
+              <a:rPr lang="en-GB" sz="2000" dirty="0" smtClean="0">
+                <a:latin typeface="Courier New" panose="02070309020205020404" pitchFamily="49" charset="0"/>
+                <a:cs typeface="Courier New" panose="02070309020205020404" pitchFamily="49" charset="0"/>
+              </a:rPr>
+              <a:t>    </a:t>
+            </a:r>
+            <a:r>
+              <a:rPr lang="en-GB" sz="2000" dirty="0">
+                <a:latin typeface="Courier New" panose="02070309020205020404" pitchFamily="49" charset="0"/>
+                <a:cs typeface="Courier New" panose="02070309020205020404" pitchFamily="49" charset="0"/>
+              </a:rPr>
+              <a:t>if (err) throw err;</a:t>
+            </a:r>
+          </a:p>
+          <a:p>
+            <a:pPr marL="0" indent="0">
+              <a:buNone/>
+            </a:pPr>
+            <a:r>
+              <a:rPr lang="en-GB" sz="2000" dirty="0">
+                <a:latin typeface="Courier New" panose="02070309020205020404" pitchFamily="49" charset="0"/>
+                <a:cs typeface="Courier New" panose="02070309020205020404" pitchFamily="49" charset="0"/>
+              </a:rPr>
+              <a:t>    console.log('</a:t>
+            </a:r>
+            <a:r>
+              <a:rPr lang="en-GB" sz="2000" dirty="0" err="1">
+                <a:latin typeface="Courier New" panose="02070309020205020404" pitchFamily="49" charset="0"/>
+                <a:cs typeface="Courier New" panose="02070309020205020404" pitchFamily="49" charset="0"/>
+              </a:rPr>
+              <a:t>Uspesno</a:t>
+            </a:r>
+            <a:r>
+              <a:rPr lang="en-GB" sz="2000" dirty="0">
+                <a:latin typeface="Courier New" panose="02070309020205020404" pitchFamily="49" charset="0"/>
+                <a:cs typeface="Courier New" panose="02070309020205020404" pitchFamily="49" charset="0"/>
+              </a:rPr>
+              <a:t> </a:t>
+            </a:r>
+            <a:r>
+              <a:rPr lang="en-GB" sz="2000" dirty="0" err="1">
+                <a:latin typeface="Courier New" panose="02070309020205020404" pitchFamily="49" charset="0"/>
+                <a:cs typeface="Courier New" panose="02070309020205020404" pitchFamily="49" charset="0"/>
+              </a:rPr>
+              <a:t>sacuvano</a:t>
+            </a:r>
+            <a:r>
+              <a:rPr lang="en-GB" sz="2000" dirty="0" smtClean="0">
+                <a:latin typeface="Courier New" panose="02070309020205020404" pitchFamily="49" charset="0"/>
+                <a:cs typeface="Courier New" panose="02070309020205020404" pitchFamily="49" charset="0"/>
+              </a:rPr>
+              <a:t>!');</a:t>
+            </a:r>
+            <a:endParaRPr lang="sr-Latn-RS" sz="2000" dirty="0" smtClean="0">
+              <a:latin typeface="Courier New" panose="02070309020205020404" pitchFamily="49" charset="0"/>
+              <a:cs typeface="Courier New" panose="02070309020205020404" pitchFamily="49" charset="0"/>
+            </a:endParaRPr>
+          </a:p>
+          <a:p>
+            <a:pPr marL="0" indent="0">
+              <a:buNone/>
+            </a:pPr>
+            <a:r>
+              <a:rPr lang="en-GB" sz="2000" dirty="0" smtClean="0">
+                <a:latin typeface="Courier New" panose="02070309020205020404" pitchFamily="49" charset="0"/>
+                <a:cs typeface="Courier New" panose="02070309020205020404" pitchFamily="49" charset="0"/>
+              </a:rPr>
+              <a:t>});</a:t>
+            </a:r>
+            <a:endParaRPr lang="en-GB" sz="2000" dirty="0">
+              <a:latin typeface="Courier New" panose="02070309020205020404" pitchFamily="49" charset="0"/>
+              <a:cs typeface="Courier New" panose="02070309020205020404" pitchFamily="49" charset="0"/>
+            </a:endParaRPr>
+          </a:p>
+        </p:txBody>
+      </p:sp>
+    </p:spTree>
+    <p:extLst>
+      <p:ext uri="{BB962C8B-B14F-4D97-AF65-F5344CB8AC3E}">
+        <p14:creationId xmlns:p14="http://schemas.microsoft.com/office/powerpoint/2010/main" val="436062096"/>
+      </p:ext>
+    </p:extLst>
+  </p:cSld>
+  <p:clrMapOvr>
+    <a:masterClrMapping/>
+  </p:clrMapOvr>
+  <p:timing>
+    <p:tnLst>
+      <p:par>
+        <p:cTn id="1" dur="indefinite" restart="never" nodeType="tmRoot"/>
+      </p:par>
+    </p:tnLst>
+  </p:timing>
+</p:sld>
+</file>
+
+<file path=ppt/slides/slide41.xml><?xml version="1.0" encoding="utf-8"?>
+<p:sld xmlns:a="http://schemas.openxmlformats.org/drawingml/2006/main" xmlns:r="http://schemas.openxmlformats.org/officeDocument/2006/relationships" xmlns:p="http://schemas.openxmlformats.org/presentationml/2006/main">
+  <p:cSld>
+    <p:spTree>
+      <p:nvGrpSpPr>
+        <p:cNvPr id="1" name=""/>
+        <p:cNvGrpSpPr/>
+        <p:nvPr/>
+      </p:nvGrpSpPr>
+      <p:grpSpPr>
+        <a:xfrm>
+          <a:off x="0" y="0"/>
+          <a:ext cx="0" cy="0"/>
+          <a:chOff x="0" y="0"/>
+          <a:chExt cx="0" cy="0"/>
+        </a:xfrm>
+      </p:grpSpPr>
+      <p:sp>
+        <p:nvSpPr>
+          <p:cNvPr id="2" name="Title 1"/>
+          <p:cNvSpPr>
+            <a:spLocks noGrp="1"/>
+          </p:cNvSpPr>
+          <p:nvPr>
+            <p:ph type="title"/>
+          </p:nvPr>
+        </p:nvSpPr>
+        <p:spPr/>
+        <p:txBody>
+          <a:bodyPr/>
+          <a:lstStyle/>
+          <a:p>
+            <a:r>
+              <a:rPr lang="sr-Latn-RS" dirty="0" smtClean="0"/>
+              <a:t>Sinteza – primer blog</a:t>
+            </a:r>
+            <a:endParaRPr lang="en-GB" dirty="0"/>
+          </a:p>
+        </p:txBody>
+      </p:sp>
+    </p:spTree>
+    <p:extLst>
+      <p:ext uri="{BB962C8B-B14F-4D97-AF65-F5344CB8AC3E}">
+        <p14:creationId xmlns:p14="http://schemas.microsoft.com/office/powerpoint/2010/main" val="3538966820"/>
       </p:ext>
     </p:extLst>
   </p:cSld>
